--- a/プレゼン.pptx
+++ b/プレゼン.pptx
@@ -7,6 +7,7 @@
   <p:sldIdLst>
     <p:sldId id="256" r:id="rId2"/>
     <p:sldId id="257" r:id="rId3"/>
+    <p:sldId id="258" r:id="rId4"/>
   </p:sldIdLst>
   <p:sldSz cx="12192000" cy="6858000"/>
   <p:notesSz cx="6858000" cy="9144000"/>
@@ -105,6 +106,11 @@
       </a:defRPr>
     </a:lvl9pPr>
   </p:defaultTextStyle>
+  <p:extLst>
+    <p:ext uri="{EFAFB233-063F-42B5-8137-9DF3F51BA10A}">
+      <p15:sldGuideLst xmlns:p15="http://schemas.microsoft.com/office/powerpoint/2012/main"/>
+    </p:ext>
+  </p:extLst>
 </p:presentation>
 </file>
 
@@ -239,7 +245,7 @@
           <a:p>
             <a:fld id="{9D66B535-76A4-4AD0-880D-CDDC4D45B4F8}" type="datetimeFigureOut">
               <a:rPr kumimoji="1" lang="ja-JP" altLang="en-US" smtClean="0"/>
-              <a:t>2022/10/31</a:t>
+              <a:t>2022/11/2</a:t>
             </a:fld>
             <a:endParaRPr kumimoji="1" lang="ja-JP" altLang="en-US"/>
           </a:p>
@@ -441,7 +447,7 @@
           <a:p>
             <a:fld id="{9D66B535-76A4-4AD0-880D-CDDC4D45B4F8}" type="datetimeFigureOut">
               <a:rPr kumimoji="1" lang="ja-JP" altLang="en-US" smtClean="0"/>
-              <a:t>2022/10/31</a:t>
+              <a:t>2022/11/2</a:t>
             </a:fld>
             <a:endParaRPr kumimoji="1" lang="ja-JP" altLang="en-US"/>
           </a:p>
@@ -653,7 +659,7 @@
           <a:p>
             <a:fld id="{9D66B535-76A4-4AD0-880D-CDDC4D45B4F8}" type="datetimeFigureOut">
               <a:rPr kumimoji="1" lang="ja-JP" altLang="en-US" smtClean="0"/>
-              <a:t>2022/10/31</a:t>
+              <a:t>2022/11/2</a:t>
             </a:fld>
             <a:endParaRPr kumimoji="1" lang="ja-JP" altLang="en-US"/>
           </a:p>
@@ -855,7 +861,7 @@
           <a:p>
             <a:fld id="{9D66B535-76A4-4AD0-880D-CDDC4D45B4F8}" type="datetimeFigureOut">
               <a:rPr kumimoji="1" lang="ja-JP" altLang="en-US" smtClean="0"/>
-              <a:t>2022/10/31</a:t>
+              <a:t>2022/11/2</a:t>
             </a:fld>
             <a:endParaRPr kumimoji="1" lang="ja-JP" altLang="en-US"/>
           </a:p>
@@ -1101,7 +1107,7 @@
           <a:p>
             <a:fld id="{9D66B535-76A4-4AD0-880D-CDDC4D45B4F8}" type="datetimeFigureOut">
               <a:rPr kumimoji="1" lang="ja-JP" altLang="en-US" smtClean="0"/>
-              <a:t>2022/10/31</a:t>
+              <a:t>2022/11/2</a:t>
             </a:fld>
             <a:endParaRPr kumimoji="1" lang="ja-JP" altLang="en-US"/>
           </a:p>
@@ -1397,7 +1403,7 @@
           <a:p>
             <a:fld id="{9D66B535-76A4-4AD0-880D-CDDC4D45B4F8}" type="datetimeFigureOut">
               <a:rPr kumimoji="1" lang="ja-JP" altLang="en-US" smtClean="0"/>
-              <a:t>2022/10/31</a:t>
+              <a:t>2022/11/2</a:t>
             </a:fld>
             <a:endParaRPr kumimoji="1" lang="ja-JP" altLang="en-US"/>
           </a:p>
@@ -1828,7 +1834,7 @@
           <a:p>
             <a:fld id="{9D66B535-76A4-4AD0-880D-CDDC4D45B4F8}" type="datetimeFigureOut">
               <a:rPr kumimoji="1" lang="ja-JP" altLang="en-US" smtClean="0"/>
-              <a:t>2022/10/31</a:t>
+              <a:t>2022/11/2</a:t>
             </a:fld>
             <a:endParaRPr kumimoji="1" lang="ja-JP" altLang="en-US"/>
           </a:p>
@@ -1946,7 +1952,7 @@
           <a:p>
             <a:fld id="{9D66B535-76A4-4AD0-880D-CDDC4D45B4F8}" type="datetimeFigureOut">
               <a:rPr kumimoji="1" lang="ja-JP" altLang="en-US" smtClean="0"/>
-              <a:t>2022/10/31</a:t>
+              <a:t>2022/11/2</a:t>
             </a:fld>
             <a:endParaRPr kumimoji="1" lang="ja-JP" altLang="en-US"/>
           </a:p>
@@ -2041,7 +2047,7 @@
           <a:p>
             <a:fld id="{9D66B535-76A4-4AD0-880D-CDDC4D45B4F8}" type="datetimeFigureOut">
               <a:rPr kumimoji="1" lang="ja-JP" altLang="en-US" smtClean="0"/>
-              <a:t>2022/10/31</a:t>
+              <a:t>2022/11/2</a:t>
             </a:fld>
             <a:endParaRPr kumimoji="1" lang="ja-JP" altLang="en-US"/>
           </a:p>
@@ -2350,7 +2356,7 @@
           <a:p>
             <a:fld id="{9D66B535-76A4-4AD0-880D-CDDC4D45B4F8}" type="datetimeFigureOut">
               <a:rPr kumimoji="1" lang="ja-JP" altLang="en-US" smtClean="0"/>
-              <a:t>2022/10/31</a:t>
+              <a:t>2022/11/2</a:t>
             </a:fld>
             <a:endParaRPr kumimoji="1" lang="ja-JP" altLang="en-US"/>
           </a:p>
@@ -2603,7 +2609,7 @@
           <a:p>
             <a:fld id="{9D66B535-76A4-4AD0-880D-CDDC4D45B4F8}" type="datetimeFigureOut">
               <a:rPr kumimoji="1" lang="ja-JP" altLang="en-US" smtClean="0"/>
-              <a:t>2022/10/31</a:t>
+              <a:t>2022/11/2</a:t>
             </a:fld>
             <a:endParaRPr kumimoji="1" lang="ja-JP" altLang="en-US"/>
           </a:p>
@@ -2848,7 +2854,7 @@
           <a:p>
             <a:fld id="{9D66B535-76A4-4AD0-880D-CDDC4D45B4F8}" type="datetimeFigureOut">
               <a:rPr kumimoji="1" lang="ja-JP" altLang="en-US" smtClean="0"/>
-              <a:t>2022/10/31</a:t>
+              <a:t>2022/11/2</a:t>
             </a:fld>
             <a:endParaRPr kumimoji="1" lang="ja-JP" altLang="en-US"/>
           </a:p>
@@ -3368,10 +3374,47 @@
               <a:t>NPC</a:t>
             </a:r>
             <a:r>
-              <a:rPr lang="ja-JP" altLang="en-US" smtClean="0"/>
-              <a:t>に神経衰弱で勝つことで体力上限を増やすことができる</a:t>
-            </a:r>
-            <a:endParaRPr kumimoji="1" lang="ja-JP" altLang="en-US"/>
+              <a:rPr lang="ja-JP" altLang="en-US" dirty="0" smtClean="0"/>
+              <a:t>に神経衰弱で勝つことで体力上限を増やすことが</a:t>
+            </a:r>
+            <a:r>
+              <a:rPr lang="ja-JP" altLang="en-US" dirty="0" smtClean="0"/>
+              <a:t>できる</a:t>
+            </a:r>
+            <a:endParaRPr lang="en-US" altLang="ja-JP" dirty="0" smtClean="0"/>
+          </a:p>
+          <a:p>
+            <a:r>
+              <a:rPr kumimoji="1" lang="ja-JP" altLang="en-US" dirty="0" smtClean="0"/>
+              <a:t>体力を増やしてボスに挑む</a:t>
+            </a:r>
+            <a:endParaRPr kumimoji="1" lang="en-US" altLang="ja-JP" dirty="0" smtClean="0"/>
+          </a:p>
+          <a:p>
+            <a:r>
+              <a:rPr lang="ja-JP" altLang="en-US" dirty="0" smtClean="0"/>
+              <a:t>戦闘が神経衰弱</a:t>
+            </a:r>
+            <a:endParaRPr lang="en-US" altLang="ja-JP" dirty="0" smtClean="0"/>
+          </a:p>
+          <a:p>
+            <a:r>
+              <a:rPr kumimoji="1" lang="ja-JP" altLang="en-US" dirty="0" smtClean="0"/>
+              <a:t>制作時間が余ればスキルなど追加</a:t>
+            </a:r>
+            <a:r>
+              <a:rPr kumimoji="1" lang="en-US" altLang="ja-JP" dirty="0" smtClean="0"/>
+              <a:t>(</a:t>
+            </a:r>
+            <a:r>
+              <a:rPr kumimoji="1" lang="ja-JP" altLang="en-US" dirty="0" smtClean="0"/>
+              <a:t>カードめくる回数を増やすなど</a:t>
+            </a:r>
+            <a:r>
+              <a:rPr kumimoji="1" lang="en-US" altLang="ja-JP" dirty="0" smtClean="0"/>
+              <a:t>)</a:t>
+            </a:r>
+            <a:endParaRPr kumimoji="1" lang="ja-JP" altLang="en-US" dirty="0"/>
           </a:p>
         </p:txBody>
       </p:sp>
@@ -3379,6 +3422,74 @@
     <p:extLst>
       <p:ext uri="{BB962C8B-B14F-4D97-AF65-F5344CB8AC3E}">
         <p14:creationId xmlns:p14="http://schemas.microsoft.com/office/powerpoint/2010/main" val="285326856"/>
+      </p:ext>
+    </p:extLst>
+  </p:cSld>
+  <p:clrMapOvr>
+    <a:masterClrMapping/>
+  </p:clrMapOvr>
+</p:sld>
+</file>
+
+<file path=ppt/slides/slide3.xml><?xml version="1.0" encoding="utf-8"?>
+<p:sld xmlns:a="http://schemas.openxmlformats.org/drawingml/2006/main" xmlns:r="http://schemas.openxmlformats.org/officeDocument/2006/relationships" xmlns:p="http://schemas.openxmlformats.org/presentationml/2006/main">
+  <p:cSld>
+    <p:spTree>
+      <p:nvGrpSpPr>
+        <p:cNvPr id="1" name=""/>
+        <p:cNvGrpSpPr/>
+        <p:nvPr/>
+      </p:nvGrpSpPr>
+      <p:grpSpPr>
+        <a:xfrm>
+          <a:off x="0" y="0"/>
+          <a:ext cx="0" cy="0"/>
+          <a:chOff x="0" y="0"/>
+          <a:chExt cx="0" cy="0"/>
+        </a:xfrm>
+      </p:grpSpPr>
+      <p:sp>
+        <p:nvSpPr>
+          <p:cNvPr id="2" name="タイトル 1"/>
+          <p:cNvSpPr>
+            <a:spLocks noGrp="1"/>
+          </p:cNvSpPr>
+          <p:nvPr>
+            <p:ph type="title"/>
+          </p:nvPr>
+        </p:nvSpPr>
+        <p:spPr/>
+        <p:txBody>
+          <a:bodyPr/>
+          <a:lstStyle/>
+          <a:p>
+            <a:endParaRPr kumimoji="1" lang="ja-JP" altLang="en-US"/>
+          </a:p>
+        </p:txBody>
+      </p:sp>
+      <p:sp>
+        <p:nvSpPr>
+          <p:cNvPr id="3" name="コンテンツ プレースホルダー 2"/>
+          <p:cNvSpPr>
+            <a:spLocks noGrp="1"/>
+          </p:cNvSpPr>
+          <p:nvPr>
+            <p:ph idx="1"/>
+          </p:nvPr>
+        </p:nvSpPr>
+        <p:spPr/>
+        <p:txBody>
+          <a:bodyPr/>
+          <a:lstStyle/>
+          <a:p>
+            <a:endParaRPr kumimoji="1" lang="ja-JP" altLang="en-US"/>
+          </a:p>
+        </p:txBody>
+      </p:sp>
+    </p:spTree>
+    <p:extLst>
+      <p:ext uri="{BB962C8B-B14F-4D97-AF65-F5344CB8AC3E}">
+        <p14:creationId xmlns:p14="http://schemas.microsoft.com/office/powerpoint/2010/main" val="2903651499"/>
       </p:ext>
     </p:extLst>
   </p:cSld>

--- a/プレゼン.pptx
+++ b/プレゼン.pptx
@@ -3366,7 +3366,9 @@
         </p:nvSpPr>
         <p:spPr/>
         <p:txBody>
-          <a:bodyPr/>
+          <a:bodyPr>
+            <a:normAutofit fontScale="92500"/>
+          </a:bodyPr>
           <a:lstStyle/>
           <a:p>
             <a:r>
@@ -3375,11 +3377,7 @@
             </a:r>
             <a:r>
               <a:rPr lang="ja-JP" altLang="en-US" dirty="0" smtClean="0"/>
-              <a:t>に神経衰弱で勝つことで体力上限を増やすことが</a:t>
-            </a:r>
-            <a:r>
-              <a:rPr lang="ja-JP" altLang="en-US" dirty="0" smtClean="0"/>
-              <a:t>できる</a:t>
+              <a:t>に神経衰弱で勝つことで体力上限を増やすことができる</a:t>
             </a:r>
             <a:endParaRPr lang="en-US" altLang="ja-JP" dirty="0" smtClean="0"/>
           </a:p>
@@ -3393,8 +3391,27 @@
           <a:p>
             <a:r>
               <a:rPr lang="ja-JP" altLang="en-US" dirty="0" smtClean="0"/>
-              <a:t>戦闘が神経衰弱</a:t>
-            </a:r>
+              <a:t>戦闘が神経</a:t>
+            </a:r>
+            <a:r>
+              <a:rPr lang="ja-JP" altLang="en-US" dirty="0" smtClean="0"/>
+              <a:t>衰弱</a:t>
+            </a:r>
+            <a:endParaRPr lang="en-US" altLang="ja-JP" dirty="0" smtClean="0"/>
+          </a:p>
+          <a:p>
+            <a:endParaRPr lang="en-US" altLang="ja-JP" dirty="0"/>
+          </a:p>
+          <a:p>
+            <a:endParaRPr lang="en-US" altLang="ja-JP" dirty="0" smtClean="0"/>
+          </a:p>
+          <a:p>
+            <a:endParaRPr lang="en-US" altLang="ja-JP" dirty="0"/>
+          </a:p>
+          <a:p>
+            <a:endParaRPr lang="en-US" altLang="ja-JP" dirty="0" smtClean="0"/>
+          </a:p>
+          <a:p>
             <a:endParaRPr lang="en-US" altLang="ja-JP" dirty="0" smtClean="0"/>
           </a:p>
           <a:p>
@@ -3418,6 +3435,36 @@
           </a:p>
         </p:txBody>
       </p:sp>
+      <p:pic>
+        <p:nvPicPr>
+          <p:cNvPr id="4" name="図 3"/>
+          <p:cNvPicPr>
+            <a:picLocks noChangeAspect="1"/>
+          </p:cNvPicPr>
+          <p:nvPr/>
+        </p:nvPicPr>
+        <p:blipFill>
+          <a:blip r:embed="rId2">
+            <a:extLst>
+              <a:ext uri="{28A0092B-C50C-407E-A947-70E740481C1C}">
+                <a14:useLocalDpi xmlns:a14="http://schemas.microsoft.com/office/drawing/2010/main" val="0"/>
+              </a:ext>
+            </a:extLst>
+          </a:blip>
+          <a:stretch>
+            <a:fillRect/>
+          </a:stretch>
+        </p:blipFill>
+        <p:spPr>
+          <a:xfrm>
+            <a:off x="2967037" y="2886075"/>
+            <a:ext cx="2433638" cy="2433638"/>
+          </a:xfrm>
+          <a:prstGeom prst="rect">
+            <a:avLst/>
+          </a:prstGeom>
+        </p:spPr>
+      </p:pic>
     </p:spTree>
     <p:extLst>
       <p:ext uri="{BB962C8B-B14F-4D97-AF65-F5344CB8AC3E}">

--- a/プレゼン.pptx
+++ b/プレゼン.pptx
@@ -2,12 +2,13 @@
 <file path=ppt/presentation.xml><?xml version="1.0" encoding="utf-8"?>
 <p:presentation xmlns:a="http://schemas.openxmlformats.org/drawingml/2006/main" xmlns:r="http://schemas.openxmlformats.org/officeDocument/2006/relationships" xmlns:p="http://schemas.openxmlformats.org/presentationml/2006/main" saveSubsetFonts="1">
   <p:sldMasterIdLst>
-    <p:sldMasterId id="2147483648" r:id="rId1"/>
+    <p:sldMasterId id="2147483708" r:id="rId1"/>
   </p:sldMasterIdLst>
   <p:sldIdLst>
     <p:sldId id="256" r:id="rId2"/>
-    <p:sldId id="257" r:id="rId3"/>
-    <p:sldId id="258" r:id="rId4"/>
+    <p:sldId id="259" r:id="rId3"/>
+    <p:sldId id="257" r:id="rId4"/>
+    <p:sldId id="258" r:id="rId5"/>
   </p:sldIdLst>
   <p:sldSz cx="12192000" cy="6858000"/>
   <p:notesSz cx="6858000" cy="9144000"/>
@@ -115,8 +116,16 @@
 </file>
 
 <file path=ppt/slideLayouts/slideLayout1.xml><?xml version="1.0" encoding="utf-8"?>
-<p:sldLayout xmlns:a="http://schemas.openxmlformats.org/drawingml/2006/main" xmlns:r="http://schemas.openxmlformats.org/officeDocument/2006/relationships" xmlns:p="http://schemas.openxmlformats.org/presentationml/2006/main" type="title" preserve="1">
+<p:sldLayout xmlns:a="http://schemas.openxmlformats.org/drawingml/2006/main" xmlns:r="http://schemas.openxmlformats.org/officeDocument/2006/relationships" xmlns:p="http://schemas.openxmlformats.org/presentationml/2006/main" showMasterSp="0" type="title" preserve="1">
   <p:cSld name="タイトル スライド">
+    <p:bg>
+      <p:bgPr>
+        <a:solidFill>
+          <a:schemeClr val="accent1"/>
+        </a:solidFill>
+        <a:effectLst/>
+      </p:bgPr>
+    </p:bg>
     <p:spTree>
       <p:nvGrpSpPr>
         <p:cNvPr id="1" name=""/>
@@ -133,7 +142,1053 @@
       </p:grpSpPr>
       <p:sp>
         <p:nvSpPr>
-          <p:cNvPr id="2" name="タイトル 1"/>
+          <p:cNvPr id="11" name="Freeform 6" title="scalloped circle"/>
+          <p:cNvSpPr/>
+          <p:nvPr/>
+        </p:nvSpPr>
+        <p:spPr bwMode="auto">
+          <a:xfrm>
+            <a:off x="3557016" y="630936"/>
+            <a:ext cx="5235575" cy="5229225"/>
+          </a:xfrm>
+          <a:custGeom>
+            <a:avLst/>
+            <a:gdLst/>
+            <a:ahLst/>
+            <a:cxnLst/>
+            <a:rect l="0" t="0" r="r" b="b"/>
+            <a:pathLst>
+              <a:path w="3298" h="3294">
+                <a:moveTo>
+                  <a:pt x="1649" y="0"/>
+                </a:moveTo>
+                <a:lnTo>
+                  <a:pt x="1681" y="3"/>
+                </a:lnTo>
+                <a:lnTo>
+                  <a:pt x="1712" y="11"/>
+                </a:lnTo>
+                <a:lnTo>
+                  <a:pt x="1742" y="23"/>
+                </a:lnTo>
+                <a:lnTo>
+                  <a:pt x="1773" y="38"/>
+                </a:lnTo>
+                <a:lnTo>
+                  <a:pt x="1802" y="55"/>
+                </a:lnTo>
+                <a:lnTo>
+                  <a:pt x="1832" y="73"/>
+                </a:lnTo>
+                <a:lnTo>
+                  <a:pt x="1862" y="89"/>
+                </a:lnTo>
+                <a:lnTo>
+                  <a:pt x="1892" y="105"/>
+                </a:lnTo>
+                <a:lnTo>
+                  <a:pt x="1921" y="117"/>
+                </a:lnTo>
+                <a:lnTo>
+                  <a:pt x="1953" y="125"/>
+                </a:lnTo>
+                <a:lnTo>
+                  <a:pt x="1984" y="129"/>
+                </a:lnTo>
+                <a:lnTo>
+                  <a:pt x="2017" y="129"/>
+                </a:lnTo>
+                <a:lnTo>
+                  <a:pt x="2051" y="127"/>
+                </a:lnTo>
+                <a:lnTo>
+                  <a:pt x="2085" y="123"/>
+                </a:lnTo>
+                <a:lnTo>
+                  <a:pt x="2119" y="118"/>
+                </a:lnTo>
+                <a:lnTo>
+                  <a:pt x="2153" y="114"/>
+                </a:lnTo>
+                <a:lnTo>
+                  <a:pt x="2187" y="111"/>
+                </a:lnTo>
+                <a:lnTo>
+                  <a:pt x="2219" y="112"/>
+                </a:lnTo>
+                <a:lnTo>
+                  <a:pt x="2250" y="116"/>
+                </a:lnTo>
+                <a:lnTo>
+                  <a:pt x="2280" y="125"/>
+                </a:lnTo>
+                <a:lnTo>
+                  <a:pt x="2305" y="138"/>
+                </a:lnTo>
+                <a:lnTo>
+                  <a:pt x="2329" y="155"/>
+                </a:lnTo>
+                <a:lnTo>
+                  <a:pt x="2350" y="175"/>
+                </a:lnTo>
+                <a:lnTo>
+                  <a:pt x="2371" y="198"/>
+                </a:lnTo>
+                <a:lnTo>
+                  <a:pt x="2390" y="222"/>
+                </a:lnTo>
+                <a:lnTo>
+                  <a:pt x="2409" y="247"/>
+                </a:lnTo>
+                <a:lnTo>
+                  <a:pt x="2428" y="272"/>
+                </a:lnTo>
+                <a:lnTo>
+                  <a:pt x="2447" y="296"/>
+                </a:lnTo>
+                <a:lnTo>
+                  <a:pt x="2467" y="319"/>
+                </a:lnTo>
+                <a:lnTo>
+                  <a:pt x="2490" y="339"/>
+                </a:lnTo>
+                <a:lnTo>
+                  <a:pt x="2512" y="357"/>
+                </a:lnTo>
+                <a:lnTo>
+                  <a:pt x="2537" y="371"/>
+                </a:lnTo>
+                <a:lnTo>
+                  <a:pt x="2564" y="383"/>
+                </a:lnTo>
+                <a:lnTo>
+                  <a:pt x="2593" y="393"/>
+                </a:lnTo>
+                <a:lnTo>
+                  <a:pt x="2623" y="402"/>
+                </a:lnTo>
+                <a:lnTo>
+                  <a:pt x="2653" y="410"/>
+                </a:lnTo>
+                <a:lnTo>
+                  <a:pt x="2684" y="418"/>
+                </a:lnTo>
+                <a:lnTo>
+                  <a:pt x="2713" y="427"/>
+                </a:lnTo>
+                <a:lnTo>
+                  <a:pt x="2742" y="437"/>
+                </a:lnTo>
+                <a:lnTo>
+                  <a:pt x="2769" y="449"/>
+                </a:lnTo>
+                <a:lnTo>
+                  <a:pt x="2793" y="464"/>
+                </a:lnTo>
+                <a:lnTo>
+                  <a:pt x="2815" y="482"/>
+                </a:lnTo>
+                <a:lnTo>
+                  <a:pt x="2833" y="504"/>
+                </a:lnTo>
+                <a:lnTo>
+                  <a:pt x="2848" y="528"/>
+                </a:lnTo>
+                <a:lnTo>
+                  <a:pt x="2860" y="555"/>
+                </a:lnTo>
+                <a:lnTo>
+                  <a:pt x="2870" y="584"/>
+                </a:lnTo>
+                <a:lnTo>
+                  <a:pt x="2879" y="613"/>
+                </a:lnTo>
+                <a:lnTo>
+                  <a:pt x="2887" y="644"/>
+                </a:lnTo>
+                <a:lnTo>
+                  <a:pt x="2895" y="674"/>
+                </a:lnTo>
+                <a:lnTo>
+                  <a:pt x="2904" y="704"/>
+                </a:lnTo>
+                <a:lnTo>
+                  <a:pt x="2914" y="733"/>
+                </a:lnTo>
+                <a:lnTo>
+                  <a:pt x="2926" y="760"/>
+                </a:lnTo>
+                <a:lnTo>
+                  <a:pt x="2940" y="785"/>
+                </a:lnTo>
+                <a:lnTo>
+                  <a:pt x="2958" y="807"/>
+                </a:lnTo>
+                <a:lnTo>
+                  <a:pt x="2978" y="830"/>
+                </a:lnTo>
+                <a:lnTo>
+                  <a:pt x="3001" y="850"/>
+                </a:lnTo>
+                <a:lnTo>
+                  <a:pt x="3025" y="869"/>
+                </a:lnTo>
+                <a:lnTo>
+                  <a:pt x="3051" y="888"/>
+                </a:lnTo>
+                <a:lnTo>
+                  <a:pt x="3076" y="907"/>
+                </a:lnTo>
+                <a:lnTo>
+                  <a:pt x="3100" y="926"/>
+                </a:lnTo>
+                <a:lnTo>
+                  <a:pt x="3123" y="947"/>
+                </a:lnTo>
+                <a:lnTo>
+                  <a:pt x="3143" y="968"/>
+                </a:lnTo>
+                <a:lnTo>
+                  <a:pt x="3160" y="992"/>
+                </a:lnTo>
+                <a:lnTo>
+                  <a:pt x="3173" y="1017"/>
+                </a:lnTo>
+                <a:lnTo>
+                  <a:pt x="3182" y="1047"/>
+                </a:lnTo>
+                <a:lnTo>
+                  <a:pt x="3186" y="1078"/>
+                </a:lnTo>
+                <a:lnTo>
+                  <a:pt x="3187" y="1110"/>
+                </a:lnTo>
+                <a:lnTo>
+                  <a:pt x="3184" y="1144"/>
+                </a:lnTo>
+                <a:lnTo>
+                  <a:pt x="3180" y="1178"/>
+                </a:lnTo>
+                <a:lnTo>
+                  <a:pt x="3175" y="1212"/>
+                </a:lnTo>
+                <a:lnTo>
+                  <a:pt x="3171" y="1246"/>
+                </a:lnTo>
+                <a:lnTo>
+                  <a:pt x="3169" y="1280"/>
+                </a:lnTo>
+                <a:lnTo>
+                  <a:pt x="3169" y="1313"/>
+                </a:lnTo>
+                <a:lnTo>
+                  <a:pt x="3173" y="1344"/>
+                </a:lnTo>
+                <a:lnTo>
+                  <a:pt x="3181" y="1375"/>
+                </a:lnTo>
+                <a:lnTo>
+                  <a:pt x="3193" y="1404"/>
+                </a:lnTo>
+                <a:lnTo>
+                  <a:pt x="3209" y="1434"/>
+                </a:lnTo>
+                <a:lnTo>
+                  <a:pt x="3225" y="1464"/>
+                </a:lnTo>
+                <a:lnTo>
+                  <a:pt x="3243" y="1494"/>
+                </a:lnTo>
+                <a:lnTo>
+                  <a:pt x="3260" y="1523"/>
+                </a:lnTo>
+                <a:lnTo>
+                  <a:pt x="3275" y="1554"/>
+                </a:lnTo>
+                <a:lnTo>
+                  <a:pt x="3287" y="1584"/>
+                </a:lnTo>
+                <a:lnTo>
+                  <a:pt x="3295" y="1615"/>
+                </a:lnTo>
+                <a:lnTo>
+                  <a:pt x="3298" y="1647"/>
+                </a:lnTo>
+                <a:lnTo>
+                  <a:pt x="3295" y="1679"/>
+                </a:lnTo>
+                <a:lnTo>
+                  <a:pt x="3287" y="1710"/>
+                </a:lnTo>
+                <a:lnTo>
+                  <a:pt x="3275" y="1740"/>
+                </a:lnTo>
+                <a:lnTo>
+                  <a:pt x="3260" y="1771"/>
+                </a:lnTo>
+                <a:lnTo>
+                  <a:pt x="3243" y="1800"/>
+                </a:lnTo>
+                <a:lnTo>
+                  <a:pt x="3225" y="1830"/>
+                </a:lnTo>
+                <a:lnTo>
+                  <a:pt x="3209" y="1860"/>
+                </a:lnTo>
+                <a:lnTo>
+                  <a:pt x="3193" y="1890"/>
+                </a:lnTo>
+                <a:lnTo>
+                  <a:pt x="3181" y="1919"/>
+                </a:lnTo>
+                <a:lnTo>
+                  <a:pt x="3173" y="1950"/>
+                </a:lnTo>
+                <a:lnTo>
+                  <a:pt x="3169" y="1981"/>
+                </a:lnTo>
+                <a:lnTo>
+                  <a:pt x="3169" y="2014"/>
+                </a:lnTo>
+                <a:lnTo>
+                  <a:pt x="3171" y="2048"/>
+                </a:lnTo>
+                <a:lnTo>
+                  <a:pt x="3175" y="2082"/>
+                </a:lnTo>
+                <a:lnTo>
+                  <a:pt x="3180" y="2116"/>
+                </a:lnTo>
+                <a:lnTo>
+                  <a:pt x="3184" y="2150"/>
+                </a:lnTo>
+                <a:lnTo>
+                  <a:pt x="3187" y="2184"/>
+                </a:lnTo>
+                <a:lnTo>
+                  <a:pt x="3186" y="2216"/>
+                </a:lnTo>
+                <a:lnTo>
+                  <a:pt x="3182" y="2247"/>
+                </a:lnTo>
+                <a:lnTo>
+                  <a:pt x="3173" y="2277"/>
+                </a:lnTo>
+                <a:lnTo>
+                  <a:pt x="3160" y="2302"/>
+                </a:lnTo>
+                <a:lnTo>
+                  <a:pt x="3143" y="2326"/>
+                </a:lnTo>
+                <a:lnTo>
+                  <a:pt x="3123" y="2347"/>
+                </a:lnTo>
+                <a:lnTo>
+                  <a:pt x="3100" y="2368"/>
+                </a:lnTo>
+                <a:lnTo>
+                  <a:pt x="3076" y="2387"/>
+                </a:lnTo>
+                <a:lnTo>
+                  <a:pt x="3051" y="2406"/>
+                </a:lnTo>
+                <a:lnTo>
+                  <a:pt x="3025" y="2425"/>
+                </a:lnTo>
+                <a:lnTo>
+                  <a:pt x="3001" y="2444"/>
+                </a:lnTo>
+                <a:lnTo>
+                  <a:pt x="2978" y="2464"/>
+                </a:lnTo>
+                <a:lnTo>
+                  <a:pt x="2958" y="2487"/>
+                </a:lnTo>
+                <a:lnTo>
+                  <a:pt x="2940" y="2509"/>
+                </a:lnTo>
+                <a:lnTo>
+                  <a:pt x="2926" y="2534"/>
+                </a:lnTo>
+                <a:lnTo>
+                  <a:pt x="2914" y="2561"/>
+                </a:lnTo>
+                <a:lnTo>
+                  <a:pt x="2904" y="2590"/>
+                </a:lnTo>
+                <a:lnTo>
+                  <a:pt x="2895" y="2620"/>
+                </a:lnTo>
+                <a:lnTo>
+                  <a:pt x="2887" y="2650"/>
+                </a:lnTo>
+                <a:lnTo>
+                  <a:pt x="2879" y="2681"/>
+                </a:lnTo>
+                <a:lnTo>
+                  <a:pt x="2870" y="2710"/>
+                </a:lnTo>
+                <a:lnTo>
+                  <a:pt x="2860" y="2739"/>
+                </a:lnTo>
+                <a:lnTo>
+                  <a:pt x="2848" y="2766"/>
+                </a:lnTo>
+                <a:lnTo>
+                  <a:pt x="2833" y="2790"/>
+                </a:lnTo>
+                <a:lnTo>
+                  <a:pt x="2815" y="2812"/>
+                </a:lnTo>
+                <a:lnTo>
+                  <a:pt x="2793" y="2830"/>
+                </a:lnTo>
+                <a:lnTo>
+                  <a:pt x="2769" y="2845"/>
+                </a:lnTo>
+                <a:lnTo>
+                  <a:pt x="2742" y="2857"/>
+                </a:lnTo>
+                <a:lnTo>
+                  <a:pt x="2713" y="2867"/>
+                </a:lnTo>
+                <a:lnTo>
+                  <a:pt x="2684" y="2876"/>
+                </a:lnTo>
+                <a:lnTo>
+                  <a:pt x="2653" y="2884"/>
+                </a:lnTo>
+                <a:lnTo>
+                  <a:pt x="2623" y="2892"/>
+                </a:lnTo>
+                <a:lnTo>
+                  <a:pt x="2593" y="2901"/>
+                </a:lnTo>
+                <a:lnTo>
+                  <a:pt x="2564" y="2911"/>
+                </a:lnTo>
+                <a:lnTo>
+                  <a:pt x="2537" y="2923"/>
+                </a:lnTo>
+                <a:lnTo>
+                  <a:pt x="2512" y="2937"/>
+                </a:lnTo>
+                <a:lnTo>
+                  <a:pt x="2490" y="2955"/>
+                </a:lnTo>
+                <a:lnTo>
+                  <a:pt x="2467" y="2975"/>
+                </a:lnTo>
+                <a:lnTo>
+                  <a:pt x="2447" y="2998"/>
+                </a:lnTo>
+                <a:lnTo>
+                  <a:pt x="2428" y="3022"/>
+                </a:lnTo>
+                <a:lnTo>
+                  <a:pt x="2409" y="3047"/>
+                </a:lnTo>
+                <a:lnTo>
+                  <a:pt x="2390" y="3072"/>
+                </a:lnTo>
+                <a:lnTo>
+                  <a:pt x="2371" y="3096"/>
+                </a:lnTo>
+                <a:lnTo>
+                  <a:pt x="2350" y="3119"/>
+                </a:lnTo>
+                <a:lnTo>
+                  <a:pt x="2329" y="3139"/>
+                </a:lnTo>
+                <a:lnTo>
+                  <a:pt x="2305" y="3156"/>
+                </a:lnTo>
+                <a:lnTo>
+                  <a:pt x="2280" y="3169"/>
+                </a:lnTo>
+                <a:lnTo>
+                  <a:pt x="2250" y="3178"/>
+                </a:lnTo>
+                <a:lnTo>
+                  <a:pt x="2219" y="3182"/>
+                </a:lnTo>
+                <a:lnTo>
+                  <a:pt x="2187" y="3183"/>
+                </a:lnTo>
+                <a:lnTo>
+                  <a:pt x="2153" y="3180"/>
+                </a:lnTo>
+                <a:lnTo>
+                  <a:pt x="2119" y="3176"/>
+                </a:lnTo>
+                <a:lnTo>
+                  <a:pt x="2085" y="3171"/>
+                </a:lnTo>
+                <a:lnTo>
+                  <a:pt x="2051" y="3167"/>
+                </a:lnTo>
+                <a:lnTo>
+                  <a:pt x="2017" y="3165"/>
+                </a:lnTo>
+                <a:lnTo>
+                  <a:pt x="1984" y="3165"/>
+                </a:lnTo>
+                <a:lnTo>
+                  <a:pt x="1953" y="3169"/>
+                </a:lnTo>
+                <a:lnTo>
+                  <a:pt x="1921" y="3177"/>
+                </a:lnTo>
+                <a:lnTo>
+                  <a:pt x="1892" y="3189"/>
+                </a:lnTo>
+                <a:lnTo>
+                  <a:pt x="1862" y="3205"/>
+                </a:lnTo>
+                <a:lnTo>
+                  <a:pt x="1832" y="3221"/>
+                </a:lnTo>
+                <a:lnTo>
+                  <a:pt x="1802" y="3239"/>
+                </a:lnTo>
+                <a:lnTo>
+                  <a:pt x="1773" y="3256"/>
+                </a:lnTo>
+                <a:lnTo>
+                  <a:pt x="1742" y="3271"/>
+                </a:lnTo>
+                <a:lnTo>
+                  <a:pt x="1712" y="3283"/>
+                </a:lnTo>
+                <a:lnTo>
+                  <a:pt x="1681" y="3291"/>
+                </a:lnTo>
+                <a:lnTo>
+                  <a:pt x="1649" y="3294"/>
+                </a:lnTo>
+                <a:lnTo>
+                  <a:pt x="1617" y="3291"/>
+                </a:lnTo>
+                <a:lnTo>
+                  <a:pt x="1586" y="3283"/>
+                </a:lnTo>
+                <a:lnTo>
+                  <a:pt x="1556" y="3271"/>
+                </a:lnTo>
+                <a:lnTo>
+                  <a:pt x="1525" y="3256"/>
+                </a:lnTo>
+                <a:lnTo>
+                  <a:pt x="1496" y="3239"/>
+                </a:lnTo>
+                <a:lnTo>
+                  <a:pt x="1466" y="3221"/>
+                </a:lnTo>
+                <a:lnTo>
+                  <a:pt x="1436" y="3205"/>
+                </a:lnTo>
+                <a:lnTo>
+                  <a:pt x="1406" y="3189"/>
+                </a:lnTo>
+                <a:lnTo>
+                  <a:pt x="1376" y="3177"/>
+                </a:lnTo>
+                <a:lnTo>
+                  <a:pt x="1345" y="3169"/>
+                </a:lnTo>
+                <a:lnTo>
+                  <a:pt x="1314" y="3165"/>
+                </a:lnTo>
+                <a:lnTo>
+                  <a:pt x="1281" y="3165"/>
+                </a:lnTo>
+                <a:lnTo>
+                  <a:pt x="1247" y="3167"/>
+                </a:lnTo>
+                <a:lnTo>
+                  <a:pt x="1213" y="3171"/>
+                </a:lnTo>
+                <a:lnTo>
+                  <a:pt x="1179" y="3176"/>
+                </a:lnTo>
+                <a:lnTo>
+                  <a:pt x="1145" y="3180"/>
+                </a:lnTo>
+                <a:lnTo>
+                  <a:pt x="1111" y="3183"/>
+                </a:lnTo>
+                <a:lnTo>
+                  <a:pt x="1079" y="3182"/>
+                </a:lnTo>
+                <a:lnTo>
+                  <a:pt x="1048" y="3178"/>
+                </a:lnTo>
+                <a:lnTo>
+                  <a:pt x="1018" y="3169"/>
+                </a:lnTo>
+                <a:lnTo>
+                  <a:pt x="993" y="3156"/>
+                </a:lnTo>
+                <a:lnTo>
+                  <a:pt x="969" y="3139"/>
+                </a:lnTo>
+                <a:lnTo>
+                  <a:pt x="948" y="3119"/>
+                </a:lnTo>
+                <a:lnTo>
+                  <a:pt x="927" y="3096"/>
+                </a:lnTo>
+                <a:lnTo>
+                  <a:pt x="908" y="3072"/>
+                </a:lnTo>
+                <a:lnTo>
+                  <a:pt x="889" y="3047"/>
+                </a:lnTo>
+                <a:lnTo>
+                  <a:pt x="870" y="3022"/>
+                </a:lnTo>
+                <a:lnTo>
+                  <a:pt x="851" y="2998"/>
+                </a:lnTo>
+                <a:lnTo>
+                  <a:pt x="831" y="2975"/>
+                </a:lnTo>
+                <a:lnTo>
+                  <a:pt x="808" y="2955"/>
+                </a:lnTo>
+                <a:lnTo>
+                  <a:pt x="786" y="2937"/>
+                </a:lnTo>
+                <a:lnTo>
+                  <a:pt x="761" y="2923"/>
+                </a:lnTo>
+                <a:lnTo>
+                  <a:pt x="734" y="2911"/>
+                </a:lnTo>
+                <a:lnTo>
+                  <a:pt x="705" y="2901"/>
+                </a:lnTo>
+                <a:lnTo>
+                  <a:pt x="675" y="2892"/>
+                </a:lnTo>
+                <a:lnTo>
+                  <a:pt x="645" y="2884"/>
+                </a:lnTo>
+                <a:lnTo>
+                  <a:pt x="614" y="2876"/>
+                </a:lnTo>
+                <a:lnTo>
+                  <a:pt x="585" y="2867"/>
+                </a:lnTo>
+                <a:lnTo>
+                  <a:pt x="556" y="2857"/>
+                </a:lnTo>
+                <a:lnTo>
+                  <a:pt x="529" y="2845"/>
+                </a:lnTo>
+                <a:lnTo>
+                  <a:pt x="505" y="2830"/>
+                </a:lnTo>
+                <a:lnTo>
+                  <a:pt x="483" y="2812"/>
+                </a:lnTo>
+                <a:lnTo>
+                  <a:pt x="465" y="2790"/>
+                </a:lnTo>
+                <a:lnTo>
+                  <a:pt x="450" y="2766"/>
+                </a:lnTo>
+                <a:lnTo>
+                  <a:pt x="438" y="2739"/>
+                </a:lnTo>
+                <a:lnTo>
+                  <a:pt x="428" y="2710"/>
+                </a:lnTo>
+                <a:lnTo>
+                  <a:pt x="419" y="2681"/>
+                </a:lnTo>
+                <a:lnTo>
+                  <a:pt x="411" y="2650"/>
+                </a:lnTo>
+                <a:lnTo>
+                  <a:pt x="403" y="2620"/>
+                </a:lnTo>
+                <a:lnTo>
+                  <a:pt x="394" y="2590"/>
+                </a:lnTo>
+                <a:lnTo>
+                  <a:pt x="384" y="2561"/>
+                </a:lnTo>
+                <a:lnTo>
+                  <a:pt x="372" y="2534"/>
+                </a:lnTo>
+                <a:lnTo>
+                  <a:pt x="358" y="2509"/>
+                </a:lnTo>
+                <a:lnTo>
+                  <a:pt x="340" y="2487"/>
+                </a:lnTo>
+                <a:lnTo>
+                  <a:pt x="320" y="2464"/>
+                </a:lnTo>
+                <a:lnTo>
+                  <a:pt x="297" y="2444"/>
+                </a:lnTo>
+                <a:lnTo>
+                  <a:pt x="272" y="2425"/>
+                </a:lnTo>
+                <a:lnTo>
+                  <a:pt x="247" y="2406"/>
+                </a:lnTo>
+                <a:lnTo>
+                  <a:pt x="222" y="2387"/>
+                </a:lnTo>
+                <a:lnTo>
+                  <a:pt x="198" y="2368"/>
+                </a:lnTo>
+                <a:lnTo>
+                  <a:pt x="175" y="2347"/>
+                </a:lnTo>
+                <a:lnTo>
+                  <a:pt x="155" y="2326"/>
+                </a:lnTo>
+                <a:lnTo>
+                  <a:pt x="138" y="2302"/>
+                </a:lnTo>
+                <a:lnTo>
+                  <a:pt x="125" y="2277"/>
+                </a:lnTo>
+                <a:lnTo>
+                  <a:pt x="116" y="2247"/>
+                </a:lnTo>
+                <a:lnTo>
+                  <a:pt x="112" y="2216"/>
+                </a:lnTo>
+                <a:lnTo>
+                  <a:pt x="111" y="2184"/>
+                </a:lnTo>
+                <a:lnTo>
+                  <a:pt x="114" y="2150"/>
+                </a:lnTo>
+                <a:lnTo>
+                  <a:pt x="118" y="2116"/>
+                </a:lnTo>
+                <a:lnTo>
+                  <a:pt x="123" y="2082"/>
+                </a:lnTo>
+                <a:lnTo>
+                  <a:pt x="127" y="2048"/>
+                </a:lnTo>
+                <a:lnTo>
+                  <a:pt x="129" y="2014"/>
+                </a:lnTo>
+                <a:lnTo>
+                  <a:pt x="129" y="1981"/>
+                </a:lnTo>
+                <a:lnTo>
+                  <a:pt x="125" y="1950"/>
+                </a:lnTo>
+                <a:lnTo>
+                  <a:pt x="117" y="1919"/>
+                </a:lnTo>
+                <a:lnTo>
+                  <a:pt x="105" y="1890"/>
+                </a:lnTo>
+                <a:lnTo>
+                  <a:pt x="90" y="1860"/>
+                </a:lnTo>
+                <a:lnTo>
+                  <a:pt x="73" y="1830"/>
+                </a:lnTo>
+                <a:lnTo>
+                  <a:pt x="55" y="1800"/>
+                </a:lnTo>
+                <a:lnTo>
+                  <a:pt x="38" y="1771"/>
+                </a:lnTo>
+                <a:lnTo>
+                  <a:pt x="23" y="1740"/>
+                </a:lnTo>
+                <a:lnTo>
+                  <a:pt x="11" y="1710"/>
+                </a:lnTo>
+                <a:lnTo>
+                  <a:pt x="3" y="1679"/>
+                </a:lnTo>
+                <a:lnTo>
+                  <a:pt x="0" y="1647"/>
+                </a:lnTo>
+                <a:lnTo>
+                  <a:pt x="3" y="1615"/>
+                </a:lnTo>
+                <a:lnTo>
+                  <a:pt x="11" y="1584"/>
+                </a:lnTo>
+                <a:lnTo>
+                  <a:pt x="23" y="1554"/>
+                </a:lnTo>
+                <a:lnTo>
+                  <a:pt x="38" y="1523"/>
+                </a:lnTo>
+                <a:lnTo>
+                  <a:pt x="55" y="1494"/>
+                </a:lnTo>
+                <a:lnTo>
+                  <a:pt x="73" y="1464"/>
+                </a:lnTo>
+                <a:lnTo>
+                  <a:pt x="90" y="1434"/>
+                </a:lnTo>
+                <a:lnTo>
+                  <a:pt x="105" y="1404"/>
+                </a:lnTo>
+                <a:lnTo>
+                  <a:pt x="117" y="1375"/>
+                </a:lnTo>
+                <a:lnTo>
+                  <a:pt x="125" y="1344"/>
+                </a:lnTo>
+                <a:lnTo>
+                  <a:pt x="129" y="1313"/>
+                </a:lnTo>
+                <a:lnTo>
+                  <a:pt x="129" y="1280"/>
+                </a:lnTo>
+                <a:lnTo>
+                  <a:pt x="127" y="1246"/>
+                </a:lnTo>
+                <a:lnTo>
+                  <a:pt x="123" y="1212"/>
+                </a:lnTo>
+                <a:lnTo>
+                  <a:pt x="118" y="1178"/>
+                </a:lnTo>
+                <a:lnTo>
+                  <a:pt x="114" y="1144"/>
+                </a:lnTo>
+                <a:lnTo>
+                  <a:pt x="111" y="1110"/>
+                </a:lnTo>
+                <a:lnTo>
+                  <a:pt x="112" y="1078"/>
+                </a:lnTo>
+                <a:lnTo>
+                  <a:pt x="116" y="1047"/>
+                </a:lnTo>
+                <a:lnTo>
+                  <a:pt x="125" y="1017"/>
+                </a:lnTo>
+                <a:lnTo>
+                  <a:pt x="138" y="992"/>
+                </a:lnTo>
+                <a:lnTo>
+                  <a:pt x="155" y="968"/>
+                </a:lnTo>
+                <a:lnTo>
+                  <a:pt x="175" y="947"/>
+                </a:lnTo>
+                <a:lnTo>
+                  <a:pt x="198" y="926"/>
+                </a:lnTo>
+                <a:lnTo>
+                  <a:pt x="222" y="907"/>
+                </a:lnTo>
+                <a:lnTo>
+                  <a:pt x="247" y="888"/>
+                </a:lnTo>
+                <a:lnTo>
+                  <a:pt x="272" y="869"/>
+                </a:lnTo>
+                <a:lnTo>
+                  <a:pt x="297" y="850"/>
+                </a:lnTo>
+                <a:lnTo>
+                  <a:pt x="320" y="830"/>
+                </a:lnTo>
+                <a:lnTo>
+                  <a:pt x="340" y="807"/>
+                </a:lnTo>
+                <a:lnTo>
+                  <a:pt x="358" y="785"/>
+                </a:lnTo>
+                <a:lnTo>
+                  <a:pt x="372" y="760"/>
+                </a:lnTo>
+                <a:lnTo>
+                  <a:pt x="384" y="733"/>
+                </a:lnTo>
+                <a:lnTo>
+                  <a:pt x="394" y="704"/>
+                </a:lnTo>
+                <a:lnTo>
+                  <a:pt x="403" y="674"/>
+                </a:lnTo>
+                <a:lnTo>
+                  <a:pt x="411" y="644"/>
+                </a:lnTo>
+                <a:lnTo>
+                  <a:pt x="419" y="613"/>
+                </a:lnTo>
+                <a:lnTo>
+                  <a:pt x="428" y="584"/>
+                </a:lnTo>
+                <a:lnTo>
+                  <a:pt x="438" y="555"/>
+                </a:lnTo>
+                <a:lnTo>
+                  <a:pt x="450" y="528"/>
+                </a:lnTo>
+                <a:lnTo>
+                  <a:pt x="465" y="504"/>
+                </a:lnTo>
+                <a:lnTo>
+                  <a:pt x="483" y="482"/>
+                </a:lnTo>
+                <a:lnTo>
+                  <a:pt x="505" y="464"/>
+                </a:lnTo>
+                <a:lnTo>
+                  <a:pt x="529" y="449"/>
+                </a:lnTo>
+                <a:lnTo>
+                  <a:pt x="556" y="437"/>
+                </a:lnTo>
+                <a:lnTo>
+                  <a:pt x="585" y="427"/>
+                </a:lnTo>
+                <a:lnTo>
+                  <a:pt x="614" y="418"/>
+                </a:lnTo>
+                <a:lnTo>
+                  <a:pt x="645" y="410"/>
+                </a:lnTo>
+                <a:lnTo>
+                  <a:pt x="675" y="402"/>
+                </a:lnTo>
+                <a:lnTo>
+                  <a:pt x="705" y="393"/>
+                </a:lnTo>
+                <a:lnTo>
+                  <a:pt x="734" y="383"/>
+                </a:lnTo>
+                <a:lnTo>
+                  <a:pt x="761" y="371"/>
+                </a:lnTo>
+                <a:lnTo>
+                  <a:pt x="786" y="357"/>
+                </a:lnTo>
+                <a:lnTo>
+                  <a:pt x="808" y="339"/>
+                </a:lnTo>
+                <a:lnTo>
+                  <a:pt x="831" y="319"/>
+                </a:lnTo>
+                <a:lnTo>
+                  <a:pt x="851" y="296"/>
+                </a:lnTo>
+                <a:lnTo>
+                  <a:pt x="870" y="272"/>
+                </a:lnTo>
+                <a:lnTo>
+                  <a:pt x="889" y="247"/>
+                </a:lnTo>
+                <a:lnTo>
+                  <a:pt x="908" y="222"/>
+                </a:lnTo>
+                <a:lnTo>
+                  <a:pt x="927" y="198"/>
+                </a:lnTo>
+                <a:lnTo>
+                  <a:pt x="948" y="175"/>
+                </a:lnTo>
+                <a:lnTo>
+                  <a:pt x="969" y="155"/>
+                </a:lnTo>
+                <a:lnTo>
+                  <a:pt x="993" y="138"/>
+                </a:lnTo>
+                <a:lnTo>
+                  <a:pt x="1018" y="125"/>
+                </a:lnTo>
+                <a:lnTo>
+                  <a:pt x="1048" y="116"/>
+                </a:lnTo>
+                <a:lnTo>
+                  <a:pt x="1079" y="112"/>
+                </a:lnTo>
+                <a:lnTo>
+                  <a:pt x="1111" y="111"/>
+                </a:lnTo>
+                <a:lnTo>
+                  <a:pt x="1145" y="114"/>
+                </a:lnTo>
+                <a:lnTo>
+                  <a:pt x="1179" y="118"/>
+                </a:lnTo>
+                <a:lnTo>
+                  <a:pt x="1213" y="123"/>
+                </a:lnTo>
+                <a:lnTo>
+                  <a:pt x="1247" y="127"/>
+                </a:lnTo>
+                <a:lnTo>
+                  <a:pt x="1281" y="129"/>
+                </a:lnTo>
+                <a:lnTo>
+                  <a:pt x="1314" y="129"/>
+                </a:lnTo>
+                <a:lnTo>
+                  <a:pt x="1345" y="125"/>
+                </a:lnTo>
+                <a:lnTo>
+                  <a:pt x="1376" y="117"/>
+                </a:lnTo>
+                <a:lnTo>
+                  <a:pt x="1406" y="105"/>
+                </a:lnTo>
+                <a:lnTo>
+                  <a:pt x="1436" y="89"/>
+                </a:lnTo>
+                <a:lnTo>
+                  <a:pt x="1466" y="73"/>
+                </a:lnTo>
+                <a:lnTo>
+                  <a:pt x="1496" y="55"/>
+                </a:lnTo>
+                <a:lnTo>
+                  <a:pt x="1525" y="38"/>
+                </a:lnTo>
+                <a:lnTo>
+                  <a:pt x="1556" y="23"/>
+                </a:lnTo>
+                <a:lnTo>
+                  <a:pt x="1586" y="11"/>
+                </a:lnTo>
+                <a:lnTo>
+                  <a:pt x="1617" y="3"/>
+                </a:lnTo>
+                <a:lnTo>
+                  <a:pt x="1649" y="0"/>
+                </a:lnTo>
+                <a:close/>
+              </a:path>
+            </a:pathLst>
+          </a:custGeom>
+          <a:solidFill>
+            <a:schemeClr val="bg2"/>
+          </a:solidFill>
+          <a:ln w="0">
+            <a:noFill/>
+            <a:prstDash val="solid"/>
+            <a:round/>
+            <a:headEnd/>
+            <a:tailEnd/>
+          </a:ln>
+        </p:spPr>
+      </p:sp>
+      <p:sp>
+        <p:nvSpPr>
+          <p:cNvPr id="2" name="Title 1"/>
           <p:cNvSpPr>
             <a:spLocks noGrp="1"/>
           </p:cNvSpPr>
@@ -143,29 +1198,31 @@
         </p:nvSpPr>
         <p:spPr>
           <a:xfrm>
-            <a:off x="1524000" y="1122363"/>
-            <a:ext cx="9144000" cy="2387600"/>
+            <a:off x="1078523" y="1098388"/>
+            <a:ext cx="10318418" cy="4394988"/>
           </a:xfrm>
         </p:spPr>
         <p:txBody>
-          <a:bodyPr anchor="b"/>
+          <a:bodyPr anchor="ctr">
+            <a:noAutofit/>
+          </a:bodyPr>
           <a:lstStyle>
             <a:lvl1pPr algn="ctr">
-              <a:defRPr sz="6000"/>
+              <a:defRPr sz="10000" spc="800" baseline="0"/>
             </a:lvl1pPr>
           </a:lstStyle>
           <a:p>
             <a:r>
-              <a:rPr kumimoji="1" lang="ja-JP" altLang="en-US" smtClean="0"/>
+              <a:rPr lang="ja-JP" altLang="en-US" smtClean="0"/>
               <a:t>マスター タイトルの書式設定</a:t>
             </a:r>
-            <a:endParaRPr kumimoji="1" lang="ja-JP" altLang="en-US"/>
+            <a:endParaRPr lang="en-US" dirty="0"/>
           </a:p>
         </p:txBody>
       </p:sp>
       <p:sp>
         <p:nvSpPr>
-          <p:cNvPr id="3" name="サブタイトル 2"/>
+          <p:cNvPr id="3" name="Subtitle 2"/>
           <p:cNvSpPr>
             <a:spLocks noGrp="1"/>
           </p:cNvSpPr>
@@ -175,16 +1232,25 @@
         </p:nvSpPr>
         <p:spPr>
           <a:xfrm>
-            <a:off x="1524000" y="3602038"/>
-            <a:ext cx="9144000" cy="1655762"/>
+            <a:off x="2215045" y="5979196"/>
+            <a:ext cx="8045373" cy="742279"/>
           </a:xfrm>
         </p:spPr>
         <p:txBody>
-          <a:bodyPr/>
+          <a:bodyPr anchor="t">
+            <a:normAutofit/>
+          </a:bodyPr>
           <a:lstStyle>
             <a:lvl1pPr marL="0" indent="0" algn="ctr">
+              <a:lnSpc>
+                <a:spcPct val="100000"/>
+              </a:lnSpc>
               <a:buNone/>
-              <a:defRPr sz="2400"/>
+              <a:defRPr sz="2000" b="1" i="0" cap="all" spc="400" baseline="0">
+                <a:solidFill>
+                  <a:schemeClr val="tx2"/>
+                </a:solidFill>
+              </a:defRPr>
             </a:lvl1pPr>
             <a:lvl2pPr marL="457200" indent="0" algn="ctr">
               <a:buNone/>
@@ -221,16 +1287,16 @@
           </a:lstStyle>
           <a:p>
             <a:r>
-              <a:rPr kumimoji="1" lang="ja-JP" altLang="en-US" smtClean="0"/>
+              <a:rPr lang="ja-JP" altLang="en-US" smtClean="0"/>
               <a:t>マスター サブタイトルの書式設定</a:t>
             </a:r>
-            <a:endParaRPr kumimoji="1" lang="ja-JP" altLang="en-US"/>
+            <a:endParaRPr lang="en-US" dirty="0"/>
           </a:p>
         </p:txBody>
       </p:sp>
       <p:sp>
         <p:nvSpPr>
-          <p:cNvPr id="4" name="日付プレースホルダー 3"/>
+          <p:cNvPr id="4" name="Date Placeholder 3"/>
           <p:cNvSpPr>
             <a:spLocks noGrp="1"/>
           </p:cNvSpPr>
@@ -238,14 +1304,29 @@
             <p:ph type="dt" sz="half" idx="10"/>
           </p:nvPr>
         </p:nvSpPr>
-        <p:spPr/>
+        <p:spPr>
+          <a:xfrm>
+            <a:off x="1078523" y="6375679"/>
+            <a:ext cx="2329722" cy="348462"/>
+          </a:xfrm>
+        </p:spPr>
         <p:txBody>
           <a:bodyPr/>
-          <a:lstStyle/>
+          <a:lstStyle>
+            <a:lvl1pPr>
+              <a:defRPr baseline="0">
+                <a:solidFill>
+                  <a:schemeClr val="accent1">
+                    <a:lumMod val="50000"/>
+                  </a:schemeClr>
+                </a:solidFill>
+              </a:defRPr>
+            </a:lvl1pPr>
+          </a:lstStyle>
           <a:p>
             <a:fld id="{9D66B535-76A4-4AD0-880D-CDDC4D45B4F8}" type="datetimeFigureOut">
               <a:rPr kumimoji="1" lang="ja-JP" altLang="en-US" smtClean="0"/>
-              <a:t>2022/11/2</a:t>
+              <a:t>2022/11/21</a:t>
             </a:fld>
             <a:endParaRPr kumimoji="1" lang="ja-JP" altLang="en-US"/>
           </a:p>
@@ -253,7 +1334,7 @@
       </p:sp>
       <p:sp>
         <p:nvSpPr>
-          <p:cNvPr id="5" name="フッター プレースホルダー 4"/>
+          <p:cNvPr id="5" name="Footer Placeholder 4"/>
           <p:cNvSpPr>
             <a:spLocks noGrp="1"/>
           </p:cNvSpPr>
@@ -261,10 +1342,25 @@
             <p:ph type="ftr" sz="quarter" idx="11"/>
           </p:nvPr>
         </p:nvSpPr>
-        <p:spPr/>
+        <p:spPr>
+          <a:xfrm>
+            <a:off x="4180332" y="6375679"/>
+            <a:ext cx="4114800" cy="345796"/>
+          </a:xfrm>
+        </p:spPr>
         <p:txBody>
           <a:bodyPr/>
-          <a:lstStyle/>
+          <a:lstStyle>
+            <a:lvl1pPr>
+              <a:defRPr baseline="0">
+                <a:solidFill>
+                  <a:schemeClr val="accent1">
+                    <a:lumMod val="50000"/>
+                  </a:schemeClr>
+                </a:solidFill>
+              </a:defRPr>
+            </a:lvl1pPr>
+          </a:lstStyle>
           <a:p>
             <a:endParaRPr kumimoji="1" lang="ja-JP" altLang="en-US"/>
           </a:p>
@@ -272,7 +1368,7 @@
       </p:sp>
       <p:sp>
         <p:nvSpPr>
-          <p:cNvPr id="6" name="スライド番号プレースホルダー 5"/>
+          <p:cNvPr id="6" name="Slide Number Placeholder 5"/>
           <p:cNvSpPr>
             <a:spLocks noGrp="1"/>
           </p:cNvSpPr>
@@ -280,10 +1376,25 @@
             <p:ph type="sldNum" sz="quarter" idx="12"/>
           </p:nvPr>
         </p:nvSpPr>
-        <p:spPr/>
+        <p:spPr>
+          <a:xfrm>
+            <a:off x="9067218" y="6375679"/>
+            <a:ext cx="2329723" cy="345796"/>
+          </a:xfrm>
+        </p:spPr>
         <p:txBody>
           <a:bodyPr/>
-          <a:lstStyle/>
+          <a:lstStyle>
+            <a:lvl1pPr>
+              <a:defRPr baseline="0">
+                <a:solidFill>
+                  <a:schemeClr val="accent1">
+                    <a:lumMod val="50000"/>
+                  </a:schemeClr>
+                </a:solidFill>
+              </a:defRPr>
+            </a:lvl1pPr>
+          </a:lstStyle>
           <a:p>
             <a:fld id="{D5D80260-29F5-4866-AD76-DEF0534677A2}" type="slidenum">
               <a:rPr kumimoji="1" lang="ja-JP" altLang="en-US" smtClean="0"/>
@@ -293,10 +1404,48 @@
           </a:p>
         </p:txBody>
       </p:sp>
+      <p:sp>
+        <p:nvSpPr>
+          <p:cNvPr id="13" name="Rectangle 12" title="left edge border"/>
+          <p:cNvSpPr/>
+          <p:nvPr/>
+        </p:nvSpPr>
+        <p:spPr>
+          <a:xfrm>
+            <a:off x="0" y="0"/>
+            <a:ext cx="283464" cy="6858000"/>
+          </a:xfrm>
+          <a:prstGeom prst="rect">
+            <a:avLst/>
+          </a:prstGeom>
+          <a:solidFill>
+            <a:schemeClr val="tx2"/>
+          </a:solidFill>
+          <a:ln>
+            <a:noFill/>
+          </a:ln>
+        </p:spPr>
+        <p:style>
+          <a:lnRef idx="2">
+            <a:schemeClr val="accent1">
+              <a:shade val="50000"/>
+            </a:schemeClr>
+          </a:lnRef>
+          <a:fillRef idx="1">
+            <a:schemeClr val="accent1"/>
+          </a:fillRef>
+          <a:effectRef idx="0">
+            <a:schemeClr val="accent1"/>
+          </a:effectRef>
+          <a:fontRef idx="minor">
+            <a:schemeClr val="lt1"/>
+          </a:fontRef>
+        </p:style>
+      </p:sp>
     </p:spTree>
     <p:extLst>
       <p:ext uri="{BB962C8B-B14F-4D97-AF65-F5344CB8AC3E}">
-        <p14:creationId xmlns:p14="http://schemas.microsoft.com/office/powerpoint/2010/main" val="2693446493"/>
+        <p14:creationId xmlns:p14="http://schemas.microsoft.com/office/powerpoint/2010/main" val="634827843"/>
       </p:ext>
     </p:extLst>
   </p:cSld>
@@ -325,7 +1474,7 @@
       </p:grpSpPr>
       <p:sp>
         <p:nvSpPr>
-          <p:cNvPr id="2" name="タイトル 1"/>
+          <p:cNvPr id="2" name="Title 1"/>
           <p:cNvSpPr>
             <a:spLocks noGrp="1"/>
           </p:cNvSpPr>
@@ -339,16 +1488,16 @@
           <a:lstStyle/>
           <a:p>
             <a:r>
-              <a:rPr kumimoji="1" lang="ja-JP" altLang="en-US" smtClean="0"/>
+              <a:rPr lang="ja-JP" altLang="en-US" smtClean="0"/>
               <a:t>マスター タイトルの書式設定</a:t>
             </a:r>
-            <a:endParaRPr kumimoji="1" lang="ja-JP" altLang="en-US"/>
+            <a:endParaRPr lang="en-US" dirty="0"/>
           </a:p>
         </p:txBody>
       </p:sp>
       <p:sp>
         <p:nvSpPr>
-          <p:cNvPr id="3" name="縦書きテキスト プレースホルダー 2"/>
+          <p:cNvPr id="3" name="Vertical Text Placeholder 2"/>
           <p:cNvSpPr>
             <a:spLocks noGrp="1"/>
           </p:cNvSpPr>
@@ -363,76 +1512,76 @@
           <a:p>
             <a:pPr lvl="0"/>
             <a:r>
-              <a:rPr kumimoji="1" lang="ja-JP" altLang="en-US" smtClean="0"/>
+              <a:rPr lang="ja-JP" altLang="en-US" smtClean="0"/>
               <a:t>マスター テキストの書式設定</a:t>
             </a:r>
           </a:p>
           <a:p>
             <a:pPr lvl="1"/>
             <a:r>
-              <a:rPr kumimoji="1" lang="ja-JP" altLang="en-US" smtClean="0"/>
+              <a:rPr lang="ja-JP" altLang="en-US" smtClean="0"/>
               <a:t>第 </a:t>
             </a:r>
             <a:r>
-              <a:rPr kumimoji="1" lang="en-US" altLang="ja-JP" smtClean="0"/>
+              <a:rPr lang="en-US" altLang="ja-JP" smtClean="0"/>
               <a:t>2 </a:t>
             </a:r>
             <a:r>
-              <a:rPr kumimoji="1" lang="ja-JP" altLang="en-US" smtClean="0"/>
+              <a:rPr lang="ja-JP" altLang="en-US" smtClean="0"/>
               <a:t>レベル</a:t>
             </a:r>
           </a:p>
           <a:p>
             <a:pPr lvl="2"/>
             <a:r>
-              <a:rPr kumimoji="1" lang="ja-JP" altLang="en-US" smtClean="0"/>
+              <a:rPr lang="ja-JP" altLang="en-US" smtClean="0"/>
               <a:t>第 </a:t>
             </a:r>
             <a:r>
-              <a:rPr kumimoji="1" lang="en-US" altLang="ja-JP" smtClean="0"/>
+              <a:rPr lang="en-US" altLang="ja-JP" smtClean="0"/>
               <a:t>3 </a:t>
             </a:r>
             <a:r>
-              <a:rPr kumimoji="1" lang="ja-JP" altLang="en-US" smtClean="0"/>
+              <a:rPr lang="ja-JP" altLang="en-US" smtClean="0"/>
               <a:t>レベル</a:t>
             </a:r>
           </a:p>
           <a:p>
             <a:pPr lvl="3"/>
             <a:r>
-              <a:rPr kumimoji="1" lang="ja-JP" altLang="en-US" smtClean="0"/>
+              <a:rPr lang="ja-JP" altLang="en-US" smtClean="0"/>
               <a:t>第 </a:t>
             </a:r>
             <a:r>
-              <a:rPr kumimoji="1" lang="en-US" altLang="ja-JP" smtClean="0"/>
+              <a:rPr lang="en-US" altLang="ja-JP" smtClean="0"/>
               <a:t>4 </a:t>
             </a:r>
             <a:r>
-              <a:rPr kumimoji="1" lang="ja-JP" altLang="en-US" smtClean="0"/>
+              <a:rPr lang="ja-JP" altLang="en-US" smtClean="0"/>
               <a:t>レベル</a:t>
             </a:r>
           </a:p>
           <a:p>
             <a:pPr lvl="4"/>
             <a:r>
-              <a:rPr kumimoji="1" lang="ja-JP" altLang="en-US" smtClean="0"/>
+              <a:rPr lang="ja-JP" altLang="en-US" smtClean="0"/>
               <a:t>第 </a:t>
             </a:r>
             <a:r>
-              <a:rPr kumimoji="1" lang="en-US" altLang="ja-JP" smtClean="0"/>
+              <a:rPr lang="en-US" altLang="ja-JP" smtClean="0"/>
               <a:t>5 </a:t>
             </a:r>
             <a:r>
-              <a:rPr kumimoji="1" lang="ja-JP" altLang="en-US" smtClean="0"/>
+              <a:rPr lang="ja-JP" altLang="en-US" smtClean="0"/>
               <a:t>レベル</a:t>
             </a:r>
-            <a:endParaRPr kumimoji="1" lang="ja-JP" altLang="en-US"/>
+            <a:endParaRPr lang="en-US" dirty="0"/>
           </a:p>
         </p:txBody>
       </p:sp>
       <p:sp>
         <p:nvSpPr>
-          <p:cNvPr id="4" name="日付プレースホルダー 3"/>
+          <p:cNvPr id="4" name="Date Placeholder 3"/>
           <p:cNvSpPr>
             <a:spLocks noGrp="1"/>
           </p:cNvSpPr>
@@ -447,7 +1596,7 @@
           <a:p>
             <a:fld id="{9D66B535-76A4-4AD0-880D-CDDC4D45B4F8}" type="datetimeFigureOut">
               <a:rPr kumimoji="1" lang="ja-JP" altLang="en-US" smtClean="0"/>
-              <a:t>2022/11/2</a:t>
+              <a:t>2022/11/21</a:t>
             </a:fld>
             <a:endParaRPr kumimoji="1" lang="ja-JP" altLang="en-US"/>
           </a:p>
@@ -455,7 +1604,7 @@
       </p:sp>
       <p:sp>
         <p:nvSpPr>
-          <p:cNvPr id="5" name="フッター プレースホルダー 4"/>
+          <p:cNvPr id="5" name="Footer Placeholder 4"/>
           <p:cNvSpPr>
             <a:spLocks noGrp="1"/>
           </p:cNvSpPr>
@@ -474,7 +1623,7 @@
       </p:sp>
       <p:sp>
         <p:nvSpPr>
-          <p:cNvPr id="6" name="スライド番号プレースホルダー 5"/>
+          <p:cNvPr id="6" name="Slide Number Placeholder 5"/>
           <p:cNvSpPr>
             <a:spLocks noGrp="1"/>
           </p:cNvSpPr>
@@ -498,7 +1647,7 @@
     </p:spTree>
     <p:extLst>
       <p:ext uri="{BB962C8B-B14F-4D97-AF65-F5344CB8AC3E}">
-        <p14:creationId xmlns:p14="http://schemas.microsoft.com/office/powerpoint/2010/main" val="3644936371"/>
+        <p14:creationId xmlns:p14="http://schemas.microsoft.com/office/powerpoint/2010/main" val="492432020"/>
       </p:ext>
     </p:extLst>
   </p:cSld>
@@ -527,7 +1676,7 @@
       </p:grpSpPr>
       <p:sp>
         <p:nvSpPr>
-          <p:cNvPr id="2" name="縦書きタイトル 1"/>
+          <p:cNvPr id="2" name="Vertical Title 1"/>
           <p:cNvSpPr>
             <a:spLocks noGrp="1"/>
           </p:cNvSpPr>
@@ -537,8 +1686,8 @@
         </p:nvSpPr>
         <p:spPr>
           <a:xfrm>
-            <a:off x="8724900" y="365125"/>
-            <a:ext cx="2628900" cy="5811838"/>
+            <a:off x="10066321" y="382386"/>
+            <a:ext cx="1492132" cy="5600404"/>
           </a:xfrm>
         </p:spPr>
         <p:txBody>
@@ -546,16 +1695,16 @@
           <a:lstStyle/>
           <a:p>
             <a:r>
-              <a:rPr kumimoji="1" lang="ja-JP" altLang="en-US" smtClean="0"/>
+              <a:rPr lang="ja-JP" altLang="en-US" smtClean="0"/>
               <a:t>マスター タイトルの書式設定</a:t>
             </a:r>
-            <a:endParaRPr kumimoji="1" lang="ja-JP" altLang="en-US"/>
+            <a:endParaRPr lang="en-US" dirty="0"/>
           </a:p>
         </p:txBody>
       </p:sp>
       <p:sp>
         <p:nvSpPr>
-          <p:cNvPr id="3" name="縦書きテキスト プレースホルダー 2"/>
+          <p:cNvPr id="3" name="Vertical Text Placeholder 2"/>
           <p:cNvSpPr>
             <a:spLocks noGrp="1"/>
           </p:cNvSpPr>
@@ -565,8 +1714,8 @@
         </p:nvSpPr>
         <p:spPr>
           <a:xfrm>
-            <a:off x="838200" y="365125"/>
-            <a:ext cx="7734300" cy="5811838"/>
+            <a:off x="1257300" y="382385"/>
+            <a:ext cx="8392585" cy="5600405"/>
           </a:xfrm>
         </p:spPr>
         <p:txBody>
@@ -575,76 +1724,76 @@
           <a:p>
             <a:pPr lvl="0"/>
             <a:r>
-              <a:rPr kumimoji="1" lang="ja-JP" altLang="en-US" smtClean="0"/>
+              <a:rPr lang="ja-JP" altLang="en-US" smtClean="0"/>
               <a:t>マスター テキストの書式設定</a:t>
             </a:r>
           </a:p>
           <a:p>
             <a:pPr lvl="1"/>
             <a:r>
-              <a:rPr kumimoji="1" lang="ja-JP" altLang="en-US" smtClean="0"/>
+              <a:rPr lang="ja-JP" altLang="en-US" smtClean="0"/>
               <a:t>第 </a:t>
             </a:r>
             <a:r>
-              <a:rPr kumimoji="1" lang="en-US" altLang="ja-JP" smtClean="0"/>
+              <a:rPr lang="en-US" altLang="ja-JP" smtClean="0"/>
               <a:t>2 </a:t>
             </a:r>
             <a:r>
-              <a:rPr kumimoji="1" lang="ja-JP" altLang="en-US" smtClean="0"/>
+              <a:rPr lang="ja-JP" altLang="en-US" smtClean="0"/>
               <a:t>レベル</a:t>
             </a:r>
           </a:p>
           <a:p>
             <a:pPr lvl="2"/>
             <a:r>
-              <a:rPr kumimoji="1" lang="ja-JP" altLang="en-US" smtClean="0"/>
+              <a:rPr lang="ja-JP" altLang="en-US" smtClean="0"/>
               <a:t>第 </a:t>
             </a:r>
             <a:r>
-              <a:rPr kumimoji="1" lang="en-US" altLang="ja-JP" smtClean="0"/>
+              <a:rPr lang="en-US" altLang="ja-JP" smtClean="0"/>
               <a:t>3 </a:t>
             </a:r>
             <a:r>
-              <a:rPr kumimoji="1" lang="ja-JP" altLang="en-US" smtClean="0"/>
+              <a:rPr lang="ja-JP" altLang="en-US" smtClean="0"/>
               <a:t>レベル</a:t>
             </a:r>
           </a:p>
           <a:p>
             <a:pPr lvl="3"/>
             <a:r>
-              <a:rPr kumimoji="1" lang="ja-JP" altLang="en-US" smtClean="0"/>
+              <a:rPr lang="ja-JP" altLang="en-US" smtClean="0"/>
               <a:t>第 </a:t>
             </a:r>
             <a:r>
-              <a:rPr kumimoji="1" lang="en-US" altLang="ja-JP" smtClean="0"/>
+              <a:rPr lang="en-US" altLang="ja-JP" smtClean="0"/>
               <a:t>4 </a:t>
             </a:r>
             <a:r>
-              <a:rPr kumimoji="1" lang="ja-JP" altLang="en-US" smtClean="0"/>
+              <a:rPr lang="ja-JP" altLang="en-US" smtClean="0"/>
               <a:t>レベル</a:t>
             </a:r>
           </a:p>
           <a:p>
             <a:pPr lvl="4"/>
             <a:r>
-              <a:rPr kumimoji="1" lang="ja-JP" altLang="en-US" smtClean="0"/>
+              <a:rPr lang="ja-JP" altLang="en-US" smtClean="0"/>
               <a:t>第 </a:t>
             </a:r>
             <a:r>
-              <a:rPr kumimoji="1" lang="en-US" altLang="ja-JP" smtClean="0"/>
+              <a:rPr lang="en-US" altLang="ja-JP" smtClean="0"/>
               <a:t>5 </a:t>
             </a:r>
             <a:r>
-              <a:rPr kumimoji="1" lang="ja-JP" altLang="en-US" smtClean="0"/>
+              <a:rPr lang="ja-JP" altLang="en-US" smtClean="0"/>
               <a:t>レベル</a:t>
             </a:r>
-            <a:endParaRPr kumimoji="1" lang="ja-JP" altLang="en-US"/>
+            <a:endParaRPr lang="en-US" dirty="0"/>
           </a:p>
         </p:txBody>
       </p:sp>
       <p:sp>
         <p:nvSpPr>
-          <p:cNvPr id="4" name="日付プレースホルダー 3"/>
+          <p:cNvPr id="4" name="Date Placeholder 3"/>
           <p:cNvSpPr>
             <a:spLocks noGrp="1"/>
           </p:cNvSpPr>
@@ -659,7 +1808,7 @@
           <a:p>
             <a:fld id="{9D66B535-76A4-4AD0-880D-CDDC4D45B4F8}" type="datetimeFigureOut">
               <a:rPr kumimoji="1" lang="ja-JP" altLang="en-US" smtClean="0"/>
-              <a:t>2022/11/2</a:t>
+              <a:t>2022/11/21</a:t>
             </a:fld>
             <a:endParaRPr kumimoji="1" lang="ja-JP" altLang="en-US"/>
           </a:p>
@@ -667,7 +1816,7 @@
       </p:sp>
       <p:sp>
         <p:nvSpPr>
-          <p:cNvPr id="5" name="フッター プレースホルダー 4"/>
+          <p:cNvPr id="5" name="Footer Placeholder 4"/>
           <p:cNvSpPr>
             <a:spLocks noGrp="1"/>
           </p:cNvSpPr>
@@ -686,7 +1835,7 @@
       </p:sp>
       <p:sp>
         <p:nvSpPr>
-          <p:cNvPr id="6" name="スライド番号プレースホルダー 5"/>
+          <p:cNvPr id="6" name="Slide Number Placeholder 5"/>
           <p:cNvSpPr>
             <a:spLocks noGrp="1"/>
           </p:cNvSpPr>
@@ -710,7 +1859,7 @@
     </p:spTree>
     <p:extLst>
       <p:ext uri="{BB962C8B-B14F-4D97-AF65-F5344CB8AC3E}">
-        <p14:creationId xmlns:p14="http://schemas.microsoft.com/office/powerpoint/2010/main" val="3805765137"/>
+        <p14:creationId xmlns:p14="http://schemas.microsoft.com/office/powerpoint/2010/main" val="4259474789"/>
       </p:ext>
     </p:extLst>
   </p:cSld>
@@ -739,7 +1888,7 @@
       </p:grpSpPr>
       <p:sp>
         <p:nvSpPr>
-          <p:cNvPr id="2" name="タイトル 1"/>
+          <p:cNvPr id="2" name="Title 1"/>
           <p:cNvSpPr>
             <a:spLocks noGrp="1"/>
           </p:cNvSpPr>
@@ -753,16 +1902,16 @@
           <a:lstStyle/>
           <a:p>
             <a:r>
-              <a:rPr kumimoji="1" lang="ja-JP" altLang="en-US" smtClean="0"/>
+              <a:rPr lang="ja-JP" altLang="en-US" smtClean="0"/>
               <a:t>マスター タイトルの書式設定</a:t>
             </a:r>
-            <a:endParaRPr kumimoji="1" lang="ja-JP" altLang="en-US"/>
+            <a:endParaRPr lang="en-US" dirty="0"/>
           </a:p>
         </p:txBody>
       </p:sp>
       <p:sp>
         <p:nvSpPr>
-          <p:cNvPr id="3" name="コンテンツ プレースホルダー 2"/>
+          <p:cNvPr id="3" name="Content Placeholder 2"/>
           <p:cNvSpPr>
             <a:spLocks noGrp="1"/>
           </p:cNvSpPr>
@@ -777,76 +1926,76 @@
           <a:p>
             <a:pPr lvl="0"/>
             <a:r>
-              <a:rPr kumimoji="1" lang="ja-JP" altLang="en-US" smtClean="0"/>
+              <a:rPr lang="ja-JP" altLang="en-US" smtClean="0"/>
               <a:t>マスター テキストの書式設定</a:t>
             </a:r>
           </a:p>
           <a:p>
             <a:pPr lvl="1"/>
             <a:r>
-              <a:rPr kumimoji="1" lang="ja-JP" altLang="en-US" smtClean="0"/>
+              <a:rPr lang="ja-JP" altLang="en-US" smtClean="0"/>
               <a:t>第 </a:t>
             </a:r>
             <a:r>
-              <a:rPr kumimoji="1" lang="en-US" altLang="ja-JP" smtClean="0"/>
+              <a:rPr lang="en-US" altLang="ja-JP" smtClean="0"/>
               <a:t>2 </a:t>
             </a:r>
             <a:r>
-              <a:rPr kumimoji="1" lang="ja-JP" altLang="en-US" smtClean="0"/>
+              <a:rPr lang="ja-JP" altLang="en-US" smtClean="0"/>
               <a:t>レベル</a:t>
             </a:r>
           </a:p>
           <a:p>
             <a:pPr lvl="2"/>
             <a:r>
-              <a:rPr kumimoji="1" lang="ja-JP" altLang="en-US" smtClean="0"/>
+              <a:rPr lang="ja-JP" altLang="en-US" smtClean="0"/>
               <a:t>第 </a:t>
             </a:r>
             <a:r>
-              <a:rPr kumimoji="1" lang="en-US" altLang="ja-JP" smtClean="0"/>
+              <a:rPr lang="en-US" altLang="ja-JP" smtClean="0"/>
               <a:t>3 </a:t>
             </a:r>
             <a:r>
-              <a:rPr kumimoji="1" lang="ja-JP" altLang="en-US" smtClean="0"/>
+              <a:rPr lang="ja-JP" altLang="en-US" smtClean="0"/>
               <a:t>レベル</a:t>
             </a:r>
           </a:p>
           <a:p>
             <a:pPr lvl="3"/>
             <a:r>
-              <a:rPr kumimoji="1" lang="ja-JP" altLang="en-US" smtClean="0"/>
+              <a:rPr lang="ja-JP" altLang="en-US" smtClean="0"/>
               <a:t>第 </a:t>
             </a:r>
             <a:r>
-              <a:rPr kumimoji="1" lang="en-US" altLang="ja-JP" smtClean="0"/>
+              <a:rPr lang="en-US" altLang="ja-JP" smtClean="0"/>
               <a:t>4 </a:t>
             </a:r>
             <a:r>
-              <a:rPr kumimoji="1" lang="ja-JP" altLang="en-US" smtClean="0"/>
+              <a:rPr lang="ja-JP" altLang="en-US" smtClean="0"/>
               <a:t>レベル</a:t>
             </a:r>
           </a:p>
           <a:p>
             <a:pPr lvl="4"/>
             <a:r>
-              <a:rPr kumimoji="1" lang="ja-JP" altLang="en-US" smtClean="0"/>
+              <a:rPr lang="ja-JP" altLang="en-US" smtClean="0"/>
               <a:t>第 </a:t>
             </a:r>
             <a:r>
-              <a:rPr kumimoji="1" lang="en-US" altLang="ja-JP" smtClean="0"/>
+              <a:rPr lang="en-US" altLang="ja-JP" smtClean="0"/>
               <a:t>5 </a:t>
             </a:r>
             <a:r>
-              <a:rPr kumimoji="1" lang="ja-JP" altLang="en-US" smtClean="0"/>
+              <a:rPr lang="ja-JP" altLang="en-US" smtClean="0"/>
               <a:t>レベル</a:t>
             </a:r>
-            <a:endParaRPr kumimoji="1" lang="ja-JP" altLang="en-US"/>
+            <a:endParaRPr lang="en-US" dirty="0"/>
           </a:p>
         </p:txBody>
       </p:sp>
       <p:sp>
         <p:nvSpPr>
-          <p:cNvPr id="4" name="日付プレースホルダー 3"/>
+          <p:cNvPr id="4" name="Date Placeholder 3"/>
           <p:cNvSpPr>
             <a:spLocks noGrp="1"/>
           </p:cNvSpPr>
@@ -861,7 +2010,7 @@
           <a:p>
             <a:fld id="{9D66B535-76A4-4AD0-880D-CDDC4D45B4F8}" type="datetimeFigureOut">
               <a:rPr kumimoji="1" lang="ja-JP" altLang="en-US" smtClean="0"/>
-              <a:t>2022/11/2</a:t>
+              <a:t>2022/11/21</a:t>
             </a:fld>
             <a:endParaRPr kumimoji="1" lang="ja-JP" altLang="en-US"/>
           </a:p>
@@ -869,7 +2018,7 @@
       </p:sp>
       <p:sp>
         <p:nvSpPr>
-          <p:cNvPr id="5" name="フッター プレースホルダー 4"/>
+          <p:cNvPr id="5" name="Footer Placeholder 4"/>
           <p:cNvSpPr>
             <a:spLocks noGrp="1"/>
           </p:cNvSpPr>
@@ -888,7 +2037,7 @@
       </p:sp>
       <p:sp>
         <p:nvSpPr>
-          <p:cNvPr id="6" name="スライド番号プレースホルダー 5"/>
+          <p:cNvPr id="6" name="Slide Number Placeholder 5"/>
           <p:cNvSpPr>
             <a:spLocks noGrp="1"/>
           </p:cNvSpPr>
@@ -912,7 +2061,7 @@
     </p:spTree>
     <p:extLst>
       <p:ext uri="{BB962C8B-B14F-4D97-AF65-F5344CB8AC3E}">
-        <p14:creationId xmlns:p14="http://schemas.microsoft.com/office/powerpoint/2010/main" val="949698513"/>
+        <p14:creationId xmlns:p14="http://schemas.microsoft.com/office/powerpoint/2010/main" val="1866772561"/>
       </p:ext>
     </p:extLst>
   </p:cSld>
@@ -923,8 +2072,16 @@
 </file>
 
 <file path=ppt/slideLayouts/slideLayout3.xml><?xml version="1.0" encoding="utf-8"?>
-<p:sldLayout xmlns:a="http://schemas.openxmlformats.org/drawingml/2006/main" xmlns:r="http://schemas.openxmlformats.org/officeDocument/2006/relationships" xmlns:p="http://schemas.openxmlformats.org/presentationml/2006/main" type="secHead" preserve="1">
+<p:sldLayout xmlns:a="http://schemas.openxmlformats.org/drawingml/2006/main" xmlns:r="http://schemas.openxmlformats.org/officeDocument/2006/relationships" xmlns:p="http://schemas.openxmlformats.org/presentationml/2006/main" showMasterSp="0" type="secHead" preserve="1">
   <p:cSld name="セクション見出し">
+    <p:bg>
+      <p:bgPr>
+        <a:solidFill>
+          <a:schemeClr val="bg2"/>
+        </a:solidFill>
+        <a:effectLst/>
+      </p:bgPr>
+    </p:bg>
     <p:spTree>
       <p:nvGrpSpPr>
         <p:cNvPr id="1" name=""/>
@@ -941,7 +2098,7 @@
       </p:grpSpPr>
       <p:sp>
         <p:nvSpPr>
-          <p:cNvPr id="2" name="タイトル 1"/>
+          <p:cNvPr id="2" name="Title 1"/>
           <p:cNvSpPr>
             <a:spLocks noGrp="1"/>
           </p:cNvSpPr>
@@ -951,29 +2108,35 @@
         </p:nvSpPr>
         <p:spPr>
           <a:xfrm>
-            <a:off x="831850" y="1709738"/>
-            <a:ext cx="10515600" cy="2852737"/>
+            <a:off x="3242929" y="1073888"/>
+            <a:ext cx="8187071" cy="4064627"/>
           </a:xfrm>
         </p:spPr>
         <p:txBody>
-          <a:bodyPr anchor="b"/>
+          <a:bodyPr anchor="b">
+            <a:normAutofit/>
+          </a:bodyPr>
           <a:lstStyle>
             <a:lvl1pPr>
-              <a:defRPr sz="6000"/>
+              <a:defRPr sz="8400" spc="800" baseline="0">
+                <a:solidFill>
+                  <a:schemeClr val="tx2"/>
+                </a:solidFill>
+              </a:defRPr>
             </a:lvl1pPr>
           </a:lstStyle>
           <a:p>
             <a:r>
-              <a:rPr kumimoji="1" lang="ja-JP" altLang="en-US" smtClean="0"/>
+              <a:rPr lang="ja-JP" altLang="en-US" smtClean="0"/>
               <a:t>マスター タイトルの書式設定</a:t>
             </a:r>
-            <a:endParaRPr kumimoji="1" lang="ja-JP" altLang="en-US"/>
+            <a:endParaRPr lang="en-US" dirty="0"/>
           </a:p>
         </p:txBody>
       </p:sp>
       <p:sp>
         <p:nvSpPr>
-          <p:cNvPr id="3" name="テキスト プレースホルダー 2"/>
+          <p:cNvPr id="3" name="Text Placeholder 2"/>
           <p:cNvSpPr>
             <a:spLocks noGrp="1"/>
           </p:cNvSpPr>
@@ -983,20 +2146,23 @@
         </p:nvSpPr>
         <p:spPr>
           <a:xfrm>
-            <a:off x="831850" y="4589463"/>
-            <a:ext cx="10515600" cy="1500187"/>
+            <a:off x="3242930" y="5159781"/>
+            <a:ext cx="7017488" cy="951135"/>
           </a:xfrm>
         </p:spPr>
         <p:txBody>
-          <a:bodyPr/>
+          <a:bodyPr>
+            <a:normAutofit/>
+          </a:bodyPr>
           <a:lstStyle>
             <a:lvl1pPr marL="0" indent="0">
+              <a:lnSpc>
+                <a:spcPct val="100000"/>
+              </a:lnSpc>
               <a:buNone/>
-              <a:defRPr sz="2400">
+              <a:defRPr sz="2000" b="1" i="0" cap="all" spc="400" baseline="0">
                 <a:solidFill>
-                  <a:schemeClr val="tx1">
-                    <a:tint val="75000"/>
-                  </a:schemeClr>
+                  <a:schemeClr val="accent1"/>
                 </a:solidFill>
               </a:defRPr>
             </a:lvl1pPr>
@@ -1084,7 +2250,7 @@
           <a:p>
             <a:pPr lvl="0"/>
             <a:r>
-              <a:rPr kumimoji="1" lang="ja-JP" altLang="en-US" smtClean="0"/>
+              <a:rPr lang="ja-JP" altLang="en-US" smtClean="0"/>
               <a:t>マスター テキストの書式設定</a:t>
             </a:r>
           </a:p>
@@ -1092,7 +2258,7 @@
       </p:sp>
       <p:sp>
         <p:nvSpPr>
-          <p:cNvPr id="4" name="日付プレースホルダー 3"/>
+          <p:cNvPr id="4" name="Date Placeholder 3"/>
           <p:cNvSpPr>
             <a:spLocks noGrp="1"/>
           </p:cNvSpPr>
@@ -1100,14 +2266,27 @@
             <p:ph type="dt" sz="half" idx="10"/>
           </p:nvPr>
         </p:nvSpPr>
-        <p:spPr/>
+        <p:spPr>
+          <a:xfrm>
+            <a:off x="3236546" y="6375679"/>
+            <a:ext cx="1493947" cy="348462"/>
+          </a:xfrm>
+        </p:spPr>
         <p:txBody>
           <a:bodyPr/>
-          <a:lstStyle/>
+          <a:lstStyle>
+            <a:lvl1pPr>
+              <a:defRPr baseline="0">
+                <a:solidFill>
+                  <a:schemeClr val="tx2"/>
+                </a:solidFill>
+              </a:defRPr>
+            </a:lvl1pPr>
+          </a:lstStyle>
           <a:p>
             <a:fld id="{9D66B535-76A4-4AD0-880D-CDDC4D45B4F8}" type="datetimeFigureOut">
               <a:rPr kumimoji="1" lang="ja-JP" altLang="en-US" smtClean="0"/>
-              <a:t>2022/11/2</a:t>
+              <a:t>2022/11/21</a:t>
             </a:fld>
             <a:endParaRPr kumimoji="1" lang="ja-JP" altLang="en-US"/>
           </a:p>
@@ -1115,7 +2294,7 @@
       </p:sp>
       <p:sp>
         <p:nvSpPr>
-          <p:cNvPr id="5" name="フッター プレースホルダー 4"/>
+          <p:cNvPr id="5" name="Footer Placeholder 4"/>
           <p:cNvSpPr>
             <a:spLocks noGrp="1"/>
           </p:cNvSpPr>
@@ -1123,10 +2302,23 @@
             <p:ph type="ftr" sz="quarter" idx="11"/>
           </p:nvPr>
         </p:nvSpPr>
-        <p:spPr/>
+        <p:spPr>
+          <a:xfrm>
+            <a:off x="5279064" y="6375679"/>
+            <a:ext cx="4114800" cy="345796"/>
+          </a:xfrm>
+        </p:spPr>
         <p:txBody>
           <a:bodyPr/>
-          <a:lstStyle/>
+          <a:lstStyle>
+            <a:lvl1pPr>
+              <a:defRPr baseline="0">
+                <a:solidFill>
+                  <a:schemeClr val="tx2"/>
+                </a:solidFill>
+              </a:defRPr>
+            </a:lvl1pPr>
+          </a:lstStyle>
           <a:p>
             <a:endParaRPr kumimoji="1" lang="ja-JP" altLang="en-US"/>
           </a:p>
@@ -1134,7 +2326,7 @@
       </p:sp>
       <p:sp>
         <p:nvSpPr>
-          <p:cNvPr id="6" name="スライド番号プレースホルダー 5"/>
+          <p:cNvPr id="6" name="Slide Number Placeholder 5"/>
           <p:cNvSpPr>
             <a:spLocks noGrp="1"/>
           </p:cNvSpPr>
@@ -1142,10 +2334,23 @@
             <p:ph type="sldNum" sz="quarter" idx="12"/>
           </p:nvPr>
         </p:nvSpPr>
-        <p:spPr/>
+        <p:spPr>
+          <a:xfrm>
+            <a:off x="9942434" y="6375679"/>
+            <a:ext cx="1487566" cy="345796"/>
+          </a:xfrm>
+        </p:spPr>
         <p:txBody>
           <a:bodyPr/>
-          <a:lstStyle/>
+          <a:lstStyle>
+            <a:lvl1pPr>
+              <a:defRPr baseline="0">
+                <a:solidFill>
+                  <a:schemeClr val="tx2"/>
+                </a:solidFill>
+              </a:defRPr>
+            </a:lvl1pPr>
+          </a:lstStyle>
           <a:p>
             <a:fld id="{D5D80260-29F5-4866-AD76-DEF0534677A2}" type="slidenum">
               <a:rPr kumimoji="1" lang="ja-JP" altLang="en-US" smtClean="0"/>
@@ -1155,15 +2360,958 @@
           </a:p>
         </p:txBody>
       </p:sp>
+      <p:grpSp>
+        <p:nvGrpSpPr>
+          <p:cNvPr id="7" name="Group 6" title="left scallop shape"/>
+          <p:cNvGrpSpPr/>
+          <p:nvPr/>
+        </p:nvGrpSpPr>
+        <p:grpSpPr>
+          <a:xfrm>
+            <a:off x="0" y="0"/>
+            <a:ext cx="2814638" cy="6858000"/>
+            <a:chOff x="0" y="0"/>
+            <a:chExt cx="2814638" cy="6858000"/>
+          </a:xfrm>
+        </p:grpSpPr>
+        <p:sp>
+          <p:nvSpPr>
+            <p:cNvPr id="11" name="Freeform 6" title="left scallop shape"/>
+            <p:cNvSpPr/>
+            <p:nvPr/>
+          </p:nvSpPr>
+          <p:spPr bwMode="auto">
+            <a:xfrm>
+              <a:off x="0" y="0"/>
+              <a:ext cx="2814638" cy="6858000"/>
+            </a:xfrm>
+            <a:custGeom>
+              <a:avLst/>
+              <a:gdLst/>
+              <a:ahLst/>
+              <a:cxnLst/>
+              <a:rect l="0" t="0" r="r" b="b"/>
+              <a:pathLst>
+                <a:path w="1773" h="4320">
+                  <a:moveTo>
+                    <a:pt x="0" y="0"/>
+                  </a:moveTo>
+                  <a:lnTo>
+                    <a:pt x="891" y="0"/>
+                  </a:lnTo>
+                  <a:lnTo>
+                    <a:pt x="906" y="56"/>
+                  </a:lnTo>
+                  <a:lnTo>
+                    <a:pt x="921" y="111"/>
+                  </a:lnTo>
+                  <a:lnTo>
+                    <a:pt x="938" y="165"/>
+                  </a:lnTo>
+                  <a:lnTo>
+                    <a:pt x="957" y="217"/>
+                  </a:lnTo>
+                  <a:lnTo>
+                    <a:pt x="980" y="266"/>
+                  </a:lnTo>
+                  <a:lnTo>
+                    <a:pt x="1007" y="312"/>
+                  </a:lnTo>
+                  <a:lnTo>
+                    <a:pt x="1036" y="351"/>
+                  </a:lnTo>
+                  <a:lnTo>
+                    <a:pt x="1069" y="387"/>
+                  </a:lnTo>
+                  <a:lnTo>
+                    <a:pt x="1105" y="422"/>
+                  </a:lnTo>
+                  <a:lnTo>
+                    <a:pt x="1145" y="456"/>
+                  </a:lnTo>
+                  <a:lnTo>
+                    <a:pt x="1185" y="487"/>
+                  </a:lnTo>
+                  <a:lnTo>
+                    <a:pt x="1227" y="520"/>
+                  </a:lnTo>
+                  <a:lnTo>
+                    <a:pt x="1270" y="551"/>
+                  </a:lnTo>
+                  <a:lnTo>
+                    <a:pt x="1311" y="584"/>
+                  </a:lnTo>
+                  <a:lnTo>
+                    <a:pt x="1352" y="617"/>
+                  </a:lnTo>
+                  <a:lnTo>
+                    <a:pt x="1390" y="651"/>
+                  </a:lnTo>
+                  <a:lnTo>
+                    <a:pt x="1425" y="687"/>
+                  </a:lnTo>
+                  <a:lnTo>
+                    <a:pt x="1456" y="725"/>
+                  </a:lnTo>
+                  <a:lnTo>
+                    <a:pt x="1484" y="765"/>
+                  </a:lnTo>
+                  <a:lnTo>
+                    <a:pt x="1505" y="808"/>
+                  </a:lnTo>
+                  <a:lnTo>
+                    <a:pt x="1521" y="856"/>
+                  </a:lnTo>
+                  <a:lnTo>
+                    <a:pt x="1530" y="907"/>
+                  </a:lnTo>
+                  <a:lnTo>
+                    <a:pt x="1534" y="960"/>
+                  </a:lnTo>
+                  <a:lnTo>
+                    <a:pt x="1534" y="1013"/>
+                  </a:lnTo>
+                  <a:lnTo>
+                    <a:pt x="1530" y="1068"/>
+                  </a:lnTo>
+                  <a:lnTo>
+                    <a:pt x="1523" y="1125"/>
+                  </a:lnTo>
+                  <a:lnTo>
+                    <a:pt x="1515" y="1181"/>
+                  </a:lnTo>
+                  <a:lnTo>
+                    <a:pt x="1508" y="1237"/>
+                  </a:lnTo>
+                  <a:lnTo>
+                    <a:pt x="1501" y="1293"/>
+                  </a:lnTo>
+                  <a:lnTo>
+                    <a:pt x="1496" y="1350"/>
+                  </a:lnTo>
+                  <a:lnTo>
+                    <a:pt x="1494" y="1405"/>
+                  </a:lnTo>
+                  <a:lnTo>
+                    <a:pt x="1497" y="1458"/>
+                  </a:lnTo>
+                  <a:lnTo>
+                    <a:pt x="1504" y="1511"/>
+                  </a:lnTo>
+                  <a:lnTo>
+                    <a:pt x="1517" y="1560"/>
+                  </a:lnTo>
+                  <a:lnTo>
+                    <a:pt x="1535" y="1610"/>
+                  </a:lnTo>
+                  <a:lnTo>
+                    <a:pt x="1557" y="1659"/>
+                  </a:lnTo>
+                  <a:lnTo>
+                    <a:pt x="1583" y="1708"/>
+                  </a:lnTo>
+                  <a:lnTo>
+                    <a:pt x="1611" y="1757"/>
+                  </a:lnTo>
+                  <a:lnTo>
+                    <a:pt x="1640" y="1807"/>
+                  </a:lnTo>
+                  <a:lnTo>
+                    <a:pt x="1669" y="1855"/>
+                  </a:lnTo>
+                  <a:lnTo>
+                    <a:pt x="1696" y="1905"/>
+                  </a:lnTo>
+                  <a:lnTo>
+                    <a:pt x="1721" y="1954"/>
+                  </a:lnTo>
+                  <a:lnTo>
+                    <a:pt x="1742" y="2006"/>
+                  </a:lnTo>
+                  <a:lnTo>
+                    <a:pt x="1759" y="2057"/>
+                  </a:lnTo>
+                  <a:lnTo>
+                    <a:pt x="1769" y="2108"/>
+                  </a:lnTo>
+                  <a:lnTo>
+                    <a:pt x="1773" y="2160"/>
+                  </a:lnTo>
+                  <a:lnTo>
+                    <a:pt x="1769" y="2212"/>
+                  </a:lnTo>
+                  <a:lnTo>
+                    <a:pt x="1759" y="2263"/>
+                  </a:lnTo>
+                  <a:lnTo>
+                    <a:pt x="1742" y="2314"/>
+                  </a:lnTo>
+                  <a:lnTo>
+                    <a:pt x="1721" y="2366"/>
+                  </a:lnTo>
+                  <a:lnTo>
+                    <a:pt x="1696" y="2415"/>
+                  </a:lnTo>
+                  <a:lnTo>
+                    <a:pt x="1669" y="2465"/>
+                  </a:lnTo>
+                  <a:lnTo>
+                    <a:pt x="1640" y="2513"/>
+                  </a:lnTo>
+                  <a:lnTo>
+                    <a:pt x="1611" y="2563"/>
+                  </a:lnTo>
+                  <a:lnTo>
+                    <a:pt x="1583" y="2612"/>
+                  </a:lnTo>
+                  <a:lnTo>
+                    <a:pt x="1557" y="2661"/>
+                  </a:lnTo>
+                  <a:lnTo>
+                    <a:pt x="1535" y="2710"/>
+                  </a:lnTo>
+                  <a:lnTo>
+                    <a:pt x="1517" y="2760"/>
+                  </a:lnTo>
+                  <a:lnTo>
+                    <a:pt x="1504" y="2809"/>
+                  </a:lnTo>
+                  <a:lnTo>
+                    <a:pt x="1497" y="2862"/>
+                  </a:lnTo>
+                  <a:lnTo>
+                    <a:pt x="1494" y="2915"/>
+                  </a:lnTo>
+                  <a:lnTo>
+                    <a:pt x="1496" y="2970"/>
+                  </a:lnTo>
+                  <a:lnTo>
+                    <a:pt x="1501" y="3027"/>
+                  </a:lnTo>
+                  <a:lnTo>
+                    <a:pt x="1508" y="3083"/>
+                  </a:lnTo>
+                  <a:lnTo>
+                    <a:pt x="1515" y="3139"/>
+                  </a:lnTo>
+                  <a:lnTo>
+                    <a:pt x="1523" y="3195"/>
+                  </a:lnTo>
+                  <a:lnTo>
+                    <a:pt x="1530" y="3252"/>
+                  </a:lnTo>
+                  <a:lnTo>
+                    <a:pt x="1534" y="3307"/>
+                  </a:lnTo>
+                  <a:lnTo>
+                    <a:pt x="1534" y="3360"/>
+                  </a:lnTo>
+                  <a:lnTo>
+                    <a:pt x="1530" y="3413"/>
+                  </a:lnTo>
+                  <a:lnTo>
+                    <a:pt x="1521" y="3464"/>
+                  </a:lnTo>
+                  <a:lnTo>
+                    <a:pt x="1505" y="3512"/>
+                  </a:lnTo>
+                  <a:lnTo>
+                    <a:pt x="1484" y="3555"/>
+                  </a:lnTo>
+                  <a:lnTo>
+                    <a:pt x="1456" y="3595"/>
+                  </a:lnTo>
+                  <a:lnTo>
+                    <a:pt x="1425" y="3633"/>
+                  </a:lnTo>
+                  <a:lnTo>
+                    <a:pt x="1390" y="3669"/>
+                  </a:lnTo>
+                  <a:lnTo>
+                    <a:pt x="1352" y="3703"/>
+                  </a:lnTo>
+                  <a:lnTo>
+                    <a:pt x="1311" y="3736"/>
+                  </a:lnTo>
+                  <a:lnTo>
+                    <a:pt x="1270" y="3769"/>
+                  </a:lnTo>
+                  <a:lnTo>
+                    <a:pt x="1227" y="3800"/>
+                  </a:lnTo>
+                  <a:lnTo>
+                    <a:pt x="1185" y="3833"/>
+                  </a:lnTo>
+                  <a:lnTo>
+                    <a:pt x="1145" y="3864"/>
+                  </a:lnTo>
+                  <a:lnTo>
+                    <a:pt x="1105" y="3898"/>
+                  </a:lnTo>
+                  <a:lnTo>
+                    <a:pt x="1069" y="3933"/>
+                  </a:lnTo>
+                  <a:lnTo>
+                    <a:pt x="1036" y="3969"/>
+                  </a:lnTo>
+                  <a:lnTo>
+                    <a:pt x="1007" y="4008"/>
+                  </a:lnTo>
+                  <a:lnTo>
+                    <a:pt x="980" y="4054"/>
+                  </a:lnTo>
+                  <a:lnTo>
+                    <a:pt x="957" y="4103"/>
+                  </a:lnTo>
+                  <a:lnTo>
+                    <a:pt x="938" y="4155"/>
+                  </a:lnTo>
+                  <a:lnTo>
+                    <a:pt x="921" y="4209"/>
+                  </a:lnTo>
+                  <a:lnTo>
+                    <a:pt x="906" y="4264"/>
+                  </a:lnTo>
+                  <a:lnTo>
+                    <a:pt x="891" y="4320"/>
+                  </a:lnTo>
+                  <a:lnTo>
+                    <a:pt x="0" y="4320"/>
+                  </a:lnTo>
+                  <a:lnTo>
+                    <a:pt x="0" y="0"/>
+                  </a:lnTo>
+                  <a:close/>
+                </a:path>
+              </a:pathLst>
+            </a:custGeom>
+            <a:solidFill>
+              <a:schemeClr val="tx2"/>
+            </a:solidFill>
+            <a:ln w="0">
+              <a:noFill/>
+              <a:prstDash val="solid"/>
+              <a:round/>
+              <a:headEnd/>
+              <a:tailEnd/>
+            </a:ln>
+          </p:spPr>
+        </p:sp>
+        <p:sp>
+          <p:nvSpPr>
+            <p:cNvPr id="16" name="Freeform 11" title="left scallop inline"/>
+            <p:cNvSpPr/>
+            <p:nvPr/>
+          </p:nvSpPr>
+          <p:spPr bwMode="auto">
+            <a:xfrm>
+              <a:off x="874382" y="0"/>
+              <a:ext cx="1646238" cy="6858000"/>
+            </a:xfrm>
+            <a:custGeom>
+              <a:avLst/>
+              <a:gdLst/>
+              <a:ahLst/>
+              <a:cxnLst/>
+              <a:rect l="0" t="0" r="r" b="b"/>
+              <a:pathLst>
+                <a:path w="1037" h="4320">
+                  <a:moveTo>
+                    <a:pt x="0" y="0"/>
+                  </a:moveTo>
+                  <a:lnTo>
+                    <a:pt x="171" y="0"/>
+                  </a:lnTo>
+                  <a:lnTo>
+                    <a:pt x="188" y="55"/>
+                  </a:lnTo>
+                  <a:lnTo>
+                    <a:pt x="204" y="110"/>
+                  </a:lnTo>
+                  <a:lnTo>
+                    <a:pt x="220" y="166"/>
+                  </a:lnTo>
+                  <a:lnTo>
+                    <a:pt x="234" y="223"/>
+                  </a:lnTo>
+                  <a:lnTo>
+                    <a:pt x="251" y="278"/>
+                  </a:lnTo>
+                  <a:lnTo>
+                    <a:pt x="269" y="331"/>
+                  </a:lnTo>
+                  <a:lnTo>
+                    <a:pt x="292" y="381"/>
+                  </a:lnTo>
+                  <a:lnTo>
+                    <a:pt x="319" y="427"/>
+                  </a:lnTo>
+                  <a:lnTo>
+                    <a:pt x="349" y="466"/>
+                  </a:lnTo>
+                  <a:lnTo>
+                    <a:pt x="382" y="503"/>
+                  </a:lnTo>
+                  <a:lnTo>
+                    <a:pt x="420" y="537"/>
+                  </a:lnTo>
+                  <a:lnTo>
+                    <a:pt x="460" y="571"/>
+                  </a:lnTo>
+                  <a:lnTo>
+                    <a:pt x="502" y="603"/>
+                  </a:lnTo>
+                  <a:lnTo>
+                    <a:pt x="544" y="635"/>
+                  </a:lnTo>
+                  <a:lnTo>
+                    <a:pt x="587" y="668"/>
+                  </a:lnTo>
+                  <a:lnTo>
+                    <a:pt x="628" y="700"/>
+                  </a:lnTo>
+                  <a:lnTo>
+                    <a:pt x="667" y="734"/>
+                  </a:lnTo>
+                  <a:lnTo>
+                    <a:pt x="703" y="771"/>
+                  </a:lnTo>
+                  <a:lnTo>
+                    <a:pt x="736" y="808"/>
+                  </a:lnTo>
+                  <a:lnTo>
+                    <a:pt x="763" y="848"/>
+                  </a:lnTo>
+                  <a:lnTo>
+                    <a:pt x="786" y="893"/>
+                  </a:lnTo>
+                  <a:lnTo>
+                    <a:pt x="800" y="937"/>
+                  </a:lnTo>
+                  <a:lnTo>
+                    <a:pt x="809" y="986"/>
+                  </a:lnTo>
+                  <a:lnTo>
+                    <a:pt x="813" y="1034"/>
+                  </a:lnTo>
+                  <a:lnTo>
+                    <a:pt x="812" y="1085"/>
+                  </a:lnTo>
+                  <a:lnTo>
+                    <a:pt x="808" y="1136"/>
+                  </a:lnTo>
+                  <a:lnTo>
+                    <a:pt x="803" y="1189"/>
+                  </a:lnTo>
+                  <a:lnTo>
+                    <a:pt x="796" y="1242"/>
+                  </a:lnTo>
+                  <a:lnTo>
+                    <a:pt x="788" y="1295"/>
+                  </a:lnTo>
+                  <a:lnTo>
+                    <a:pt x="782" y="1348"/>
+                  </a:lnTo>
+                  <a:lnTo>
+                    <a:pt x="778" y="1401"/>
+                  </a:lnTo>
+                  <a:lnTo>
+                    <a:pt x="775" y="1452"/>
+                  </a:lnTo>
+                  <a:lnTo>
+                    <a:pt x="778" y="1502"/>
+                  </a:lnTo>
+                  <a:lnTo>
+                    <a:pt x="784" y="1551"/>
+                  </a:lnTo>
+                  <a:lnTo>
+                    <a:pt x="797" y="1602"/>
+                  </a:lnTo>
+                  <a:lnTo>
+                    <a:pt x="817" y="1652"/>
+                  </a:lnTo>
+                  <a:lnTo>
+                    <a:pt x="841" y="1702"/>
+                  </a:lnTo>
+                  <a:lnTo>
+                    <a:pt x="868" y="1752"/>
+                  </a:lnTo>
+                  <a:lnTo>
+                    <a:pt x="896" y="1801"/>
+                  </a:lnTo>
+                  <a:lnTo>
+                    <a:pt x="926" y="1851"/>
+                  </a:lnTo>
+                  <a:lnTo>
+                    <a:pt x="953" y="1901"/>
+                  </a:lnTo>
+                  <a:lnTo>
+                    <a:pt x="980" y="1952"/>
+                  </a:lnTo>
+                  <a:lnTo>
+                    <a:pt x="1003" y="2003"/>
+                  </a:lnTo>
+                  <a:lnTo>
+                    <a:pt x="1021" y="2054"/>
+                  </a:lnTo>
+                  <a:lnTo>
+                    <a:pt x="1031" y="2106"/>
+                  </a:lnTo>
+                  <a:lnTo>
+                    <a:pt x="1037" y="2160"/>
+                  </a:lnTo>
+                  <a:lnTo>
+                    <a:pt x="1031" y="2214"/>
+                  </a:lnTo>
+                  <a:lnTo>
+                    <a:pt x="1021" y="2266"/>
+                  </a:lnTo>
+                  <a:lnTo>
+                    <a:pt x="1003" y="2317"/>
+                  </a:lnTo>
+                  <a:lnTo>
+                    <a:pt x="980" y="2368"/>
+                  </a:lnTo>
+                  <a:lnTo>
+                    <a:pt x="953" y="2419"/>
+                  </a:lnTo>
+                  <a:lnTo>
+                    <a:pt x="926" y="2469"/>
+                  </a:lnTo>
+                  <a:lnTo>
+                    <a:pt x="896" y="2519"/>
+                  </a:lnTo>
+                  <a:lnTo>
+                    <a:pt x="868" y="2568"/>
+                  </a:lnTo>
+                  <a:lnTo>
+                    <a:pt x="841" y="2618"/>
+                  </a:lnTo>
+                  <a:lnTo>
+                    <a:pt x="817" y="2668"/>
+                  </a:lnTo>
+                  <a:lnTo>
+                    <a:pt x="797" y="2718"/>
+                  </a:lnTo>
+                  <a:lnTo>
+                    <a:pt x="784" y="2769"/>
+                  </a:lnTo>
+                  <a:lnTo>
+                    <a:pt x="778" y="2818"/>
+                  </a:lnTo>
+                  <a:lnTo>
+                    <a:pt x="775" y="2868"/>
+                  </a:lnTo>
+                  <a:lnTo>
+                    <a:pt x="778" y="2919"/>
+                  </a:lnTo>
+                  <a:lnTo>
+                    <a:pt x="782" y="2972"/>
+                  </a:lnTo>
+                  <a:lnTo>
+                    <a:pt x="788" y="3025"/>
+                  </a:lnTo>
+                  <a:lnTo>
+                    <a:pt x="796" y="3078"/>
+                  </a:lnTo>
+                  <a:lnTo>
+                    <a:pt x="803" y="3131"/>
+                  </a:lnTo>
+                  <a:lnTo>
+                    <a:pt x="808" y="3184"/>
+                  </a:lnTo>
+                  <a:lnTo>
+                    <a:pt x="812" y="3235"/>
+                  </a:lnTo>
+                  <a:lnTo>
+                    <a:pt x="813" y="3286"/>
+                  </a:lnTo>
+                  <a:lnTo>
+                    <a:pt x="809" y="3334"/>
+                  </a:lnTo>
+                  <a:lnTo>
+                    <a:pt x="800" y="3383"/>
+                  </a:lnTo>
+                  <a:lnTo>
+                    <a:pt x="786" y="3427"/>
+                  </a:lnTo>
+                  <a:lnTo>
+                    <a:pt x="763" y="3472"/>
+                  </a:lnTo>
+                  <a:lnTo>
+                    <a:pt x="736" y="3512"/>
+                  </a:lnTo>
+                  <a:lnTo>
+                    <a:pt x="703" y="3549"/>
+                  </a:lnTo>
+                  <a:lnTo>
+                    <a:pt x="667" y="3586"/>
+                  </a:lnTo>
+                  <a:lnTo>
+                    <a:pt x="628" y="3620"/>
+                  </a:lnTo>
+                  <a:lnTo>
+                    <a:pt x="587" y="3652"/>
+                  </a:lnTo>
+                  <a:lnTo>
+                    <a:pt x="544" y="3685"/>
+                  </a:lnTo>
+                  <a:lnTo>
+                    <a:pt x="502" y="3717"/>
+                  </a:lnTo>
+                  <a:lnTo>
+                    <a:pt x="460" y="3749"/>
+                  </a:lnTo>
+                  <a:lnTo>
+                    <a:pt x="420" y="3783"/>
+                  </a:lnTo>
+                  <a:lnTo>
+                    <a:pt x="382" y="3817"/>
+                  </a:lnTo>
+                  <a:lnTo>
+                    <a:pt x="349" y="3854"/>
+                  </a:lnTo>
+                  <a:lnTo>
+                    <a:pt x="319" y="3893"/>
+                  </a:lnTo>
+                  <a:lnTo>
+                    <a:pt x="292" y="3939"/>
+                  </a:lnTo>
+                  <a:lnTo>
+                    <a:pt x="269" y="3989"/>
+                  </a:lnTo>
+                  <a:lnTo>
+                    <a:pt x="251" y="4042"/>
+                  </a:lnTo>
+                  <a:lnTo>
+                    <a:pt x="234" y="4097"/>
+                  </a:lnTo>
+                  <a:lnTo>
+                    <a:pt x="220" y="4154"/>
+                  </a:lnTo>
+                  <a:lnTo>
+                    <a:pt x="204" y="4210"/>
+                  </a:lnTo>
+                  <a:lnTo>
+                    <a:pt x="188" y="4265"/>
+                  </a:lnTo>
+                  <a:lnTo>
+                    <a:pt x="171" y="4320"/>
+                  </a:lnTo>
+                  <a:lnTo>
+                    <a:pt x="0" y="4320"/>
+                  </a:lnTo>
+                  <a:lnTo>
+                    <a:pt x="17" y="4278"/>
+                  </a:lnTo>
+                  <a:lnTo>
+                    <a:pt x="33" y="4232"/>
+                  </a:lnTo>
+                  <a:lnTo>
+                    <a:pt x="46" y="4183"/>
+                  </a:lnTo>
+                  <a:lnTo>
+                    <a:pt x="60" y="4131"/>
+                  </a:lnTo>
+                  <a:lnTo>
+                    <a:pt x="75" y="4075"/>
+                  </a:lnTo>
+                  <a:lnTo>
+                    <a:pt x="90" y="4019"/>
+                  </a:lnTo>
+                  <a:lnTo>
+                    <a:pt x="109" y="3964"/>
+                  </a:lnTo>
+                  <a:lnTo>
+                    <a:pt x="129" y="3909"/>
+                  </a:lnTo>
+                  <a:lnTo>
+                    <a:pt x="156" y="3855"/>
+                  </a:lnTo>
+                  <a:lnTo>
+                    <a:pt x="186" y="3804"/>
+                  </a:lnTo>
+                  <a:lnTo>
+                    <a:pt x="222" y="3756"/>
+                  </a:lnTo>
+                  <a:lnTo>
+                    <a:pt x="261" y="3713"/>
+                  </a:lnTo>
+                  <a:lnTo>
+                    <a:pt x="303" y="3672"/>
+                  </a:lnTo>
+                  <a:lnTo>
+                    <a:pt x="348" y="3634"/>
+                  </a:lnTo>
+                  <a:lnTo>
+                    <a:pt x="392" y="3599"/>
+                  </a:lnTo>
+                  <a:lnTo>
+                    <a:pt x="438" y="3565"/>
+                  </a:lnTo>
+                  <a:lnTo>
+                    <a:pt x="482" y="3531"/>
+                  </a:lnTo>
+                  <a:lnTo>
+                    <a:pt x="523" y="3499"/>
+                  </a:lnTo>
+                  <a:lnTo>
+                    <a:pt x="561" y="3466"/>
+                  </a:lnTo>
+                  <a:lnTo>
+                    <a:pt x="594" y="3434"/>
+                  </a:lnTo>
+                  <a:lnTo>
+                    <a:pt x="620" y="3400"/>
+                  </a:lnTo>
+                  <a:lnTo>
+                    <a:pt x="638" y="3367"/>
+                  </a:lnTo>
+                  <a:lnTo>
+                    <a:pt x="647" y="3336"/>
+                  </a:lnTo>
+                  <a:lnTo>
+                    <a:pt x="652" y="3302"/>
+                  </a:lnTo>
+                  <a:lnTo>
+                    <a:pt x="654" y="3265"/>
+                  </a:lnTo>
+                  <a:lnTo>
+                    <a:pt x="651" y="3224"/>
+                  </a:lnTo>
+                  <a:lnTo>
+                    <a:pt x="647" y="3181"/>
+                  </a:lnTo>
+                  <a:lnTo>
+                    <a:pt x="642" y="3137"/>
+                  </a:lnTo>
+                  <a:lnTo>
+                    <a:pt x="637" y="3091"/>
+                  </a:lnTo>
+                  <a:lnTo>
+                    <a:pt x="626" y="3021"/>
+                  </a:lnTo>
+                  <a:lnTo>
+                    <a:pt x="620" y="2952"/>
+                  </a:lnTo>
+                  <a:lnTo>
+                    <a:pt x="616" y="2881"/>
+                  </a:lnTo>
+                  <a:lnTo>
+                    <a:pt x="618" y="2809"/>
+                  </a:lnTo>
+                  <a:lnTo>
+                    <a:pt x="628" y="2737"/>
+                  </a:lnTo>
+                  <a:lnTo>
+                    <a:pt x="642" y="2681"/>
+                  </a:lnTo>
+                  <a:lnTo>
+                    <a:pt x="661" y="2626"/>
+                  </a:lnTo>
+                  <a:lnTo>
+                    <a:pt x="685" y="2574"/>
+                  </a:lnTo>
+                  <a:lnTo>
+                    <a:pt x="711" y="2521"/>
+                  </a:lnTo>
+                  <a:lnTo>
+                    <a:pt x="739" y="2472"/>
+                  </a:lnTo>
+                  <a:lnTo>
+                    <a:pt x="767" y="2423"/>
+                  </a:lnTo>
+                  <a:lnTo>
+                    <a:pt x="791" y="2381"/>
+                  </a:lnTo>
+                  <a:lnTo>
+                    <a:pt x="813" y="2342"/>
+                  </a:lnTo>
+                  <a:lnTo>
+                    <a:pt x="834" y="2303"/>
+                  </a:lnTo>
+                  <a:lnTo>
+                    <a:pt x="851" y="2265"/>
+                  </a:lnTo>
+                  <a:lnTo>
+                    <a:pt x="864" y="2228"/>
+                  </a:lnTo>
+                  <a:lnTo>
+                    <a:pt x="873" y="2194"/>
+                  </a:lnTo>
+                  <a:lnTo>
+                    <a:pt x="876" y="2160"/>
+                  </a:lnTo>
+                  <a:lnTo>
+                    <a:pt x="873" y="2126"/>
+                  </a:lnTo>
+                  <a:lnTo>
+                    <a:pt x="864" y="2092"/>
+                  </a:lnTo>
+                  <a:lnTo>
+                    <a:pt x="851" y="2055"/>
+                  </a:lnTo>
+                  <a:lnTo>
+                    <a:pt x="834" y="2017"/>
+                  </a:lnTo>
+                  <a:lnTo>
+                    <a:pt x="813" y="1978"/>
+                  </a:lnTo>
+                  <a:lnTo>
+                    <a:pt x="791" y="1939"/>
+                  </a:lnTo>
+                  <a:lnTo>
+                    <a:pt x="767" y="1897"/>
+                  </a:lnTo>
+                  <a:lnTo>
+                    <a:pt x="739" y="1848"/>
+                  </a:lnTo>
+                  <a:lnTo>
+                    <a:pt x="711" y="1799"/>
+                  </a:lnTo>
+                  <a:lnTo>
+                    <a:pt x="685" y="1746"/>
+                  </a:lnTo>
+                  <a:lnTo>
+                    <a:pt x="661" y="1694"/>
+                  </a:lnTo>
+                  <a:lnTo>
+                    <a:pt x="642" y="1639"/>
+                  </a:lnTo>
+                  <a:lnTo>
+                    <a:pt x="628" y="1583"/>
+                  </a:lnTo>
+                  <a:lnTo>
+                    <a:pt x="618" y="1511"/>
+                  </a:lnTo>
+                  <a:lnTo>
+                    <a:pt x="616" y="1439"/>
+                  </a:lnTo>
+                  <a:lnTo>
+                    <a:pt x="620" y="1368"/>
+                  </a:lnTo>
+                  <a:lnTo>
+                    <a:pt x="626" y="1299"/>
+                  </a:lnTo>
+                  <a:lnTo>
+                    <a:pt x="637" y="1229"/>
+                  </a:lnTo>
+                  <a:lnTo>
+                    <a:pt x="642" y="1183"/>
+                  </a:lnTo>
+                  <a:lnTo>
+                    <a:pt x="647" y="1139"/>
+                  </a:lnTo>
+                  <a:lnTo>
+                    <a:pt x="651" y="1096"/>
+                  </a:lnTo>
+                  <a:lnTo>
+                    <a:pt x="654" y="1055"/>
+                  </a:lnTo>
+                  <a:lnTo>
+                    <a:pt x="652" y="1018"/>
+                  </a:lnTo>
+                  <a:lnTo>
+                    <a:pt x="647" y="984"/>
+                  </a:lnTo>
+                  <a:lnTo>
+                    <a:pt x="638" y="953"/>
+                  </a:lnTo>
+                  <a:lnTo>
+                    <a:pt x="620" y="920"/>
+                  </a:lnTo>
+                  <a:lnTo>
+                    <a:pt x="594" y="886"/>
+                  </a:lnTo>
+                  <a:lnTo>
+                    <a:pt x="561" y="854"/>
+                  </a:lnTo>
+                  <a:lnTo>
+                    <a:pt x="523" y="822"/>
+                  </a:lnTo>
+                  <a:lnTo>
+                    <a:pt x="482" y="789"/>
+                  </a:lnTo>
+                  <a:lnTo>
+                    <a:pt x="438" y="755"/>
+                  </a:lnTo>
+                  <a:lnTo>
+                    <a:pt x="392" y="721"/>
+                  </a:lnTo>
+                  <a:lnTo>
+                    <a:pt x="348" y="686"/>
+                  </a:lnTo>
+                  <a:lnTo>
+                    <a:pt x="303" y="648"/>
+                  </a:lnTo>
+                  <a:lnTo>
+                    <a:pt x="261" y="607"/>
+                  </a:lnTo>
+                  <a:lnTo>
+                    <a:pt x="222" y="564"/>
+                  </a:lnTo>
+                  <a:lnTo>
+                    <a:pt x="186" y="516"/>
+                  </a:lnTo>
+                  <a:lnTo>
+                    <a:pt x="156" y="465"/>
+                  </a:lnTo>
+                  <a:lnTo>
+                    <a:pt x="129" y="411"/>
+                  </a:lnTo>
+                  <a:lnTo>
+                    <a:pt x="109" y="356"/>
+                  </a:lnTo>
+                  <a:lnTo>
+                    <a:pt x="90" y="301"/>
+                  </a:lnTo>
+                  <a:lnTo>
+                    <a:pt x="75" y="245"/>
+                  </a:lnTo>
+                  <a:lnTo>
+                    <a:pt x="60" y="189"/>
+                  </a:lnTo>
+                  <a:lnTo>
+                    <a:pt x="46" y="137"/>
+                  </a:lnTo>
+                  <a:lnTo>
+                    <a:pt x="33" y="88"/>
+                  </a:lnTo>
+                  <a:lnTo>
+                    <a:pt x="17" y="42"/>
+                  </a:lnTo>
+                  <a:lnTo>
+                    <a:pt x="0" y="0"/>
+                  </a:lnTo>
+                  <a:lnTo>
+                    <a:pt x="0" y="0"/>
+                  </a:lnTo>
+                  <a:close/>
+                </a:path>
+              </a:pathLst>
+            </a:custGeom>
+            <a:solidFill>
+              <a:schemeClr val="accent1"/>
+            </a:solidFill>
+            <a:ln w="0">
+              <a:noFill/>
+              <a:prstDash val="solid"/>
+              <a:round/>
+              <a:headEnd/>
+              <a:tailEnd/>
+            </a:ln>
+          </p:spPr>
+        </p:sp>
+      </p:grpSp>
     </p:spTree>
     <p:extLst>
       <p:ext uri="{BB962C8B-B14F-4D97-AF65-F5344CB8AC3E}">
-        <p14:creationId xmlns:p14="http://schemas.microsoft.com/office/powerpoint/2010/main" val="2001632683"/>
+        <p14:creationId xmlns:p14="http://schemas.microsoft.com/office/powerpoint/2010/main" val="2019273122"/>
       </p:ext>
     </p:extLst>
   </p:cSld>
   <p:clrMapOvr>
-    <a:masterClrMapping/>
+    <a:overrideClrMapping bg1="dk1" tx1="lt1" bg2="dk2" tx2="lt2" accent1="accent1" accent2="accent2" accent3="accent3" accent4="accent4" accent5="accent5" accent6="accent6" hlink="hlink" folHlink="folHlink"/>
   </p:clrMapOvr>
 </p:sldLayout>
 </file>
@@ -1187,7 +3335,7 @@
       </p:grpSpPr>
       <p:sp>
         <p:nvSpPr>
-          <p:cNvPr id="2" name="タイトル 1"/>
+          <p:cNvPr id="2" name="Title 1"/>
           <p:cNvSpPr>
             <a:spLocks noGrp="1"/>
           </p:cNvSpPr>
@@ -1201,16 +3349,16 @@
           <a:lstStyle/>
           <a:p>
             <a:r>
-              <a:rPr kumimoji="1" lang="ja-JP" altLang="en-US" smtClean="0"/>
+              <a:rPr lang="ja-JP" altLang="en-US" smtClean="0"/>
               <a:t>マスター タイトルの書式設定</a:t>
             </a:r>
-            <a:endParaRPr kumimoji="1" lang="ja-JP" altLang="en-US"/>
+            <a:endParaRPr lang="en-US" dirty="0"/>
           </a:p>
         </p:txBody>
       </p:sp>
       <p:sp>
         <p:nvSpPr>
-          <p:cNvPr id="3" name="コンテンツ プレースホルダー 2"/>
+          <p:cNvPr id="3" name="Content Placeholder 2"/>
           <p:cNvSpPr>
             <a:spLocks noGrp="1"/>
           </p:cNvSpPr>
@@ -1220,8 +3368,8 @@
         </p:nvSpPr>
         <p:spPr>
           <a:xfrm>
-            <a:off x="838200" y="1825625"/>
-            <a:ext cx="5181600" cy="4351338"/>
+            <a:off x="1257300" y="2286000"/>
+            <a:ext cx="4800600" cy="3619500"/>
           </a:xfrm>
         </p:spPr>
         <p:txBody>
@@ -1230,76 +3378,76 @@
           <a:p>
             <a:pPr lvl="0"/>
             <a:r>
-              <a:rPr kumimoji="1" lang="ja-JP" altLang="en-US" smtClean="0"/>
+              <a:rPr lang="ja-JP" altLang="en-US" smtClean="0"/>
               <a:t>マスター テキストの書式設定</a:t>
             </a:r>
           </a:p>
           <a:p>
             <a:pPr lvl="1"/>
             <a:r>
-              <a:rPr kumimoji="1" lang="ja-JP" altLang="en-US" smtClean="0"/>
+              <a:rPr lang="ja-JP" altLang="en-US" smtClean="0"/>
               <a:t>第 </a:t>
             </a:r>
             <a:r>
-              <a:rPr kumimoji="1" lang="en-US" altLang="ja-JP" smtClean="0"/>
+              <a:rPr lang="en-US" altLang="ja-JP" smtClean="0"/>
               <a:t>2 </a:t>
             </a:r>
             <a:r>
-              <a:rPr kumimoji="1" lang="ja-JP" altLang="en-US" smtClean="0"/>
+              <a:rPr lang="ja-JP" altLang="en-US" smtClean="0"/>
               <a:t>レベル</a:t>
             </a:r>
           </a:p>
           <a:p>
             <a:pPr lvl="2"/>
             <a:r>
-              <a:rPr kumimoji="1" lang="ja-JP" altLang="en-US" smtClean="0"/>
+              <a:rPr lang="ja-JP" altLang="en-US" smtClean="0"/>
               <a:t>第 </a:t>
             </a:r>
             <a:r>
-              <a:rPr kumimoji="1" lang="en-US" altLang="ja-JP" smtClean="0"/>
+              <a:rPr lang="en-US" altLang="ja-JP" smtClean="0"/>
               <a:t>3 </a:t>
             </a:r>
             <a:r>
-              <a:rPr kumimoji="1" lang="ja-JP" altLang="en-US" smtClean="0"/>
+              <a:rPr lang="ja-JP" altLang="en-US" smtClean="0"/>
               <a:t>レベル</a:t>
             </a:r>
           </a:p>
           <a:p>
             <a:pPr lvl="3"/>
             <a:r>
-              <a:rPr kumimoji="1" lang="ja-JP" altLang="en-US" smtClean="0"/>
+              <a:rPr lang="ja-JP" altLang="en-US" smtClean="0"/>
               <a:t>第 </a:t>
             </a:r>
             <a:r>
-              <a:rPr kumimoji="1" lang="en-US" altLang="ja-JP" smtClean="0"/>
+              <a:rPr lang="en-US" altLang="ja-JP" smtClean="0"/>
               <a:t>4 </a:t>
             </a:r>
             <a:r>
-              <a:rPr kumimoji="1" lang="ja-JP" altLang="en-US" smtClean="0"/>
+              <a:rPr lang="ja-JP" altLang="en-US" smtClean="0"/>
               <a:t>レベル</a:t>
             </a:r>
           </a:p>
           <a:p>
             <a:pPr lvl="4"/>
             <a:r>
-              <a:rPr kumimoji="1" lang="ja-JP" altLang="en-US" smtClean="0"/>
+              <a:rPr lang="ja-JP" altLang="en-US" smtClean="0"/>
               <a:t>第 </a:t>
             </a:r>
             <a:r>
-              <a:rPr kumimoji="1" lang="en-US" altLang="ja-JP" smtClean="0"/>
+              <a:rPr lang="en-US" altLang="ja-JP" smtClean="0"/>
               <a:t>5 </a:t>
             </a:r>
             <a:r>
-              <a:rPr kumimoji="1" lang="ja-JP" altLang="en-US" smtClean="0"/>
+              <a:rPr lang="ja-JP" altLang="en-US" smtClean="0"/>
               <a:t>レベル</a:t>
             </a:r>
-            <a:endParaRPr kumimoji="1" lang="ja-JP" altLang="en-US"/>
+            <a:endParaRPr lang="en-US" dirty="0"/>
           </a:p>
         </p:txBody>
       </p:sp>
       <p:sp>
         <p:nvSpPr>
-          <p:cNvPr id="4" name="コンテンツ プレースホルダー 3"/>
+          <p:cNvPr id="4" name="Content Placeholder 3"/>
           <p:cNvSpPr>
             <a:spLocks noGrp="1"/>
           </p:cNvSpPr>
@@ -1309,8 +3457,8 @@
         </p:nvSpPr>
         <p:spPr>
           <a:xfrm>
-            <a:off x="6172200" y="1825625"/>
-            <a:ext cx="5181600" cy="4351338"/>
+            <a:off x="6647796" y="2286000"/>
+            <a:ext cx="4800600" cy="3619500"/>
           </a:xfrm>
         </p:spPr>
         <p:txBody>
@@ -1319,76 +3467,76 @@
           <a:p>
             <a:pPr lvl="0"/>
             <a:r>
-              <a:rPr kumimoji="1" lang="ja-JP" altLang="en-US" smtClean="0"/>
+              <a:rPr lang="ja-JP" altLang="en-US" smtClean="0"/>
               <a:t>マスター テキストの書式設定</a:t>
             </a:r>
           </a:p>
           <a:p>
             <a:pPr lvl="1"/>
             <a:r>
-              <a:rPr kumimoji="1" lang="ja-JP" altLang="en-US" smtClean="0"/>
+              <a:rPr lang="ja-JP" altLang="en-US" smtClean="0"/>
               <a:t>第 </a:t>
             </a:r>
             <a:r>
-              <a:rPr kumimoji="1" lang="en-US" altLang="ja-JP" smtClean="0"/>
+              <a:rPr lang="en-US" altLang="ja-JP" smtClean="0"/>
               <a:t>2 </a:t>
             </a:r>
             <a:r>
-              <a:rPr kumimoji="1" lang="ja-JP" altLang="en-US" smtClean="0"/>
+              <a:rPr lang="ja-JP" altLang="en-US" smtClean="0"/>
               <a:t>レベル</a:t>
             </a:r>
           </a:p>
           <a:p>
             <a:pPr lvl="2"/>
             <a:r>
-              <a:rPr kumimoji="1" lang="ja-JP" altLang="en-US" smtClean="0"/>
+              <a:rPr lang="ja-JP" altLang="en-US" smtClean="0"/>
               <a:t>第 </a:t>
             </a:r>
             <a:r>
-              <a:rPr kumimoji="1" lang="en-US" altLang="ja-JP" smtClean="0"/>
+              <a:rPr lang="en-US" altLang="ja-JP" smtClean="0"/>
               <a:t>3 </a:t>
             </a:r>
             <a:r>
-              <a:rPr kumimoji="1" lang="ja-JP" altLang="en-US" smtClean="0"/>
+              <a:rPr lang="ja-JP" altLang="en-US" smtClean="0"/>
               <a:t>レベル</a:t>
             </a:r>
           </a:p>
           <a:p>
             <a:pPr lvl="3"/>
             <a:r>
-              <a:rPr kumimoji="1" lang="ja-JP" altLang="en-US" smtClean="0"/>
+              <a:rPr lang="ja-JP" altLang="en-US" smtClean="0"/>
               <a:t>第 </a:t>
             </a:r>
             <a:r>
-              <a:rPr kumimoji="1" lang="en-US" altLang="ja-JP" smtClean="0"/>
+              <a:rPr lang="en-US" altLang="ja-JP" smtClean="0"/>
               <a:t>4 </a:t>
             </a:r>
             <a:r>
-              <a:rPr kumimoji="1" lang="ja-JP" altLang="en-US" smtClean="0"/>
+              <a:rPr lang="ja-JP" altLang="en-US" smtClean="0"/>
               <a:t>レベル</a:t>
             </a:r>
           </a:p>
           <a:p>
             <a:pPr lvl="4"/>
             <a:r>
-              <a:rPr kumimoji="1" lang="ja-JP" altLang="en-US" smtClean="0"/>
+              <a:rPr lang="ja-JP" altLang="en-US" smtClean="0"/>
               <a:t>第 </a:t>
             </a:r>
             <a:r>
-              <a:rPr kumimoji="1" lang="en-US" altLang="ja-JP" smtClean="0"/>
+              <a:rPr lang="en-US" altLang="ja-JP" smtClean="0"/>
               <a:t>5 </a:t>
             </a:r>
             <a:r>
-              <a:rPr kumimoji="1" lang="ja-JP" altLang="en-US" smtClean="0"/>
+              <a:rPr lang="ja-JP" altLang="en-US" smtClean="0"/>
               <a:t>レベル</a:t>
             </a:r>
-            <a:endParaRPr kumimoji="1" lang="ja-JP" altLang="en-US"/>
+            <a:endParaRPr lang="en-US" dirty="0"/>
           </a:p>
         </p:txBody>
       </p:sp>
       <p:sp>
         <p:nvSpPr>
-          <p:cNvPr id="5" name="日付プレースホルダー 4"/>
+          <p:cNvPr id="5" name="Date Placeholder 4"/>
           <p:cNvSpPr>
             <a:spLocks noGrp="1"/>
           </p:cNvSpPr>
@@ -1403,7 +3551,7 @@
           <a:p>
             <a:fld id="{9D66B535-76A4-4AD0-880D-CDDC4D45B4F8}" type="datetimeFigureOut">
               <a:rPr kumimoji="1" lang="ja-JP" altLang="en-US" smtClean="0"/>
-              <a:t>2022/11/2</a:t>
+              <a:t>2022/11/21</a:t>
             </a:fld>
             <a:endParaRPr kumimoji="1" lang="ja-JP" altLang="en-US"/>
           </a:p>
@@ -1411,7 +3559,7 @@
       </p:sp>
       <p:sp>
         <p:nvSpPr>
-          <p:cNvPr id="6" name="フッター プレースホルダー 5"/>
+          <p:cNvPr id="6" name="Footer Placeholder 5"/>
           <p:cNvSpPr>
             <a:spLocks noGrp="1"/>
           </p:cNvSpPr>
@@ -1430,7 +3578,7 @@
       </p:sp>
       <p:sp>
         <p:nvSpPr>
-          <p:cNvPr id="7" name="スライド番号プレースホルダー 6"/>
+          <p:cNvPr id="7" name="Slide Number Placeholder 6"/>
           <p:cNvSpPr>
             <a:spLocks noGrp="1"/>
           </p:cNvSpPr>
@@ -1454,13 +3602,18 @@
     </p:spTree>
     <p:extLst>
       <p:ext uri="{BB962C8B-B14F-4D97-AF65-F5344CB8AC3E}">
-        <p14:creationId xmlns:p14="http://schemas.microsoft.com/office/powerpoint/2010/main" val="767233232"/>
+        <p14:creationId xmlns:p14="http://schemas.microsoft.com/office/powerpoint/2010/main" val="3426393528"/>
       </p:ext>
     </p:extLst>
   </p:cSld>
   <p:clrMapOvr>
     <a:masterClrMapping/>
   </p:clrMapOvr>
+  <p:extLst mod="1">
+    <p:ext uri="{DCECCB84-F9BA-43D5-87BE-67443E8EF086}">
+      <p15:sldGuideLst xmlns:p15="http://schemas.microsoft.com/office/powerpoint/2012/main"/>
+    </p:ext>
+  </p:extLst>
 </p:sldLayout>
 </file>
 
@@ -1483,7 +3636,7 @@
       </p:grpSpPr>
       <p:sp>
         <p:nvSpPr>
-          <p:cNvPr id="2" name="タイトル 1"/>
+          <p:cNvPr id="2" name="Title 1"/>
           <p:cNvSpPr>
             <a:spLocks noGrp="1"/>
           </p:cNvSpPr>
@@ -1493,8 +3646,8 @@
         </p:nvSpPr>
         <p:spPr>
           <a:xfrm>
-            <a:off x="839788" y="365125"/>
-            <a:ext cx="10515600" cy="1325563"/>
+            <a:off x="1252728" y="381000"/>
+            <a:ext cx="10172700" cy="1493517"/>
           </a:xfrm>
         </p:spPr>
         <p:txBody>
@@ -1502,16 +3655,16 @@
           <a:lstStyle/>
           <a:p>
             <a:r>
-              <a:rPr kumimoji="1" lang="ja-JP" altLang="en-US" smtClean="0"/>
+              <a:rPr lang="ja-JP" altLang="en-US" smtClean="0"/>
               <a:t>マスター タイトルの書式設定</a:t>
             </a:r>
-            <a:endParaRPr kumimoji="1" lang="ja-JP" altLang="en-US"/>
+            <a:endParaRPr lang="en-US" dirty="0"/>
           </a:p>
         </p:txBody>
       </p:sp>
       <p:sp>
         <p:nvSpPr>
-          <p:cNvPr id="3" name="テキスト プレースホルダー 2"/>
+          <p:cNvPr id="3" name="Text Placeholder 2"/>
           <p:cNvSpPr>
             <a:spLocks noGrp="1"/>
           </p:cNvSpPr>
@@ -1521,20 +3674,29 @@
         </p:nvSpPr>
         <p:spPr>
           <a:xfrm>
-            <a:off x="839788" y="1681163"/>
-            <a:ext cx="5157787" cy="823912"/>
+            <a:off x="1251678" y="2199633"/>
+            <a:ext cx="4800600" cy="632529"/>
           </a:xfrm>
         </p:spPr>
         <p:txBody>
-          <a:bodyPr anchor="b"/>
+          <a:bodyPr anchor="b">
+            <a:noAutofit/>
+          </a:bodyPr>
           <a:lstStyle>
             <a:lvl1pPr marL="0" indent="0">
+              <a:lnSpc>
+                <a:spcPct val="100000"/>
+              </a:lnSpc>
               <a:buNone/>
-              <a:defRPr sz="2400" b="1"/>
+              <a:defRPr sz="1900" b="1" cap="all" spc="200" baseline="0">
+                <a:solidFill>
+                  <a:schemeClr val="tx2"/>
+                </a:solidFill>
+              </a:defRPr>
             </a:lvl1pPr>
             <a:lvl2pPr marL="457200" indent="0">
               <a:buNone/>
-              <a:defRPr sz="2000" b="1"/>
+              <a:defRPr sz="1900" b="1"/>
             </a:lvl2pPr>
             <a:lvl3pPr marL="914400" indent="0">
               <a:buNone/>
@@ -1568,7 +3730,7 @@
           <a:p>
             <a:pPr lvl="0"/>
             <a:r>
-              <a:rPr kumimoji="1" lang="ja-JP" altLang="en-US" smtClean="0"/>
+              <a:rPr lang="ja-JP" altLang="en-US" smtClean="0"/>
               <a:t>マスター テキストの書式設定</a:t>
             </a:r>
           </a:p>
@@ -1576,7 +3738,7 @@
       </p:sp>
       <p:sp>
         <p:nvSpPr>
-          <p:cNvPr id="4" name="コンテンツ プレースホルダー 3"/>
+          <p:cNvPr id="4" name="Content Placeholder 3"/>
           <p:cNvSpPr>
             <a:spLocks noGrp="1"/>
           </p:cNvSpPr>
@@ -1586,8 +3748,8 @@
         </p:nvSpPr>
         <p:spPr>
           <a:xfrm>
-            <a:off x="839788" y="2505075"/>
-            <a:ext cx="5157787" cy="3684588"/>
+            <a:off x="1257300" y="2909102"/>
+            <a:ext cx="4800600" cy="2996398"/>
           </a:xfrm>
         </p:spPr>
         <p:txBody>
@@ -1596,76 +3758,76 @@
           <a:p>
             <a:pPr lvl="0"/>
             <a:r>
-              <a:rPr kumimoji="1" lang="ja-JP" altLang="en-US" smtClean="0"/>
+              <a:rPr lang="ja-JP" altLang="en-US" smtClean="0"/>
               <a:t>マスター テキストの書式設定</a:t>
             </a:r>
           </a:p>
           <a:p>
             <a:pPr lvl="1"/>
             <a:r>
-              <a:rPr kumimoji="1" lang="ja-JP" altLang="en-US" smtClean="0"/>
+              <a:rPr lang="ja-JP" altLang="en-US" smtClean="0"/>
               <a:t>第 </a:t>
             </a:r>
             <a:r>
-              <a:rPr kumimoji="1" lang="en-US" altLang="ja-JP" smtClean="0"/>
+              <a:rPr lang="en-US" altLang="ja-JP" smtClean="0"/>
               <a:t>2 </a:t>
             </a:r>
             <a:r>
-              <a:rPr kumimoji="1" lang="ja-JP" altLang="en-US" smtClean="0"/>
+              <a:rPr lang="ja-JP" altLang="en-US" smtClean="0"/>
               <a:t>レベル</a:t>
             </a:r>
           </a:p>
           <a:p>
             <a:pPr lvl="2"/>
             <a:r>
-              <a:rPr kumimoji="1" lang="ja-JP" altLang="en-US" smtClean="0"/>
+              <a:rPr lang="ja-JP" altLang="en-US" smtClean="0"/>
               <a:t>第 </a:t>
             </a:r>
             <a:r>
-              <a:rPr kumimoji="1" lang="en-US" altLang="ja-JP" smtClean="0"/>
+              <a:rPr lang="en-US" altLang="ja-JP" smtClean="0"/>
               <a:t>3 </a:t>
             </a:r>
             <a:r>
-              <a:rPr kumimoji="1" lang="ja-JP" altLang="en-US" smtClean="0"/>
+              <a:rPr lang="ja-JP" altLang="en-US" smtClean="0"/>
               <a:t>レベル</a:t>
             </a:r>
           </a:p>
           <a:p>
             <a:pPr lvl="3"/>
             <a:r>
-              <a:rPr kumimoji="1" lang="ja-JP" altLang="en-US" smtClean="0"/>
+              <a:rPr lang="ja-JP" altLang="en-US" smtClean="0"/>
               <a:t>第 </a:t>
             </a:r>
             <a:r>
-              <a:rPr kumimoji="1" lang="en-US" altLang="ja-JP" smtClean="0"/>
+              <a:rPr lang="en-US" altLang="ja-JP" smtClean="0"/>
               <a:t>4 </a:t>
             </a:r>
             <a:r>
-              <a:rPr kumimoji="1" lang="ja-JP" altLang="en-US" smtClean="0"/>
+              <a:rPr lang="ja-JP" altLang="en-US" smtClean="0"/>
               <a:t>レベル</a:t>
             </a:r>
           </a:p>
           <a:p>
             <a:pPr lvl="4"/>
             <a:r>
-              <a:rPr kumimoji="1" lang="ja-JP" altLang="en-US" smtClean="0"/>
+              <a:rPr lang="ja-JP" altLang="en-US" smtClean="0"/>
               <a:t>第 </a:t>
             </a:r>
             <a:r>
-              <a:rPr kumimoji="1" lang="en-US" altLang="ja-JP" smtClean="0"/>
+              <a:rPr lang="en-US" altLang="ja-JP" smtClean="0"/>
               <a:t>5 </a:t>
             </a:r>
             <a:r>
-              <a:rPr kumimoji="1" lang="ja-JP" altLang="en-US" smtClean="0"/>
+              <a:rPr lang="ja-JP" altLang="en-US" smtClean="0"/>
               <a:t>レベル</a:t>
             </a:r>
-            <a:endParaRPr kumimoji="1" lang="ja-JP" altLang="en-US"/>
+            <a:endParaRPr lang="en-US" dirty="0"/>
           </a:p>
         </p:txBody>
       </p:sp>
       <p:sp>
         <p:nvSpPr>
-          <p:cNvPr id="5" name="テキスト プレースホルダー 4"/>
+          <p:cNvPr id="5" name="Text Placeholder 4"/>
           <p:cNvSpPr>
             <a:spLocks noGrp="1"/>
           </p:cNvSpPr>
@@ -1675,20 +3837,29 @@
         </p:nvSpPr>
         <p:spPr>
           <a:xfrm>
-            <a:off x="6172200" y="1681163"/>
-            <a:ext cx="5183188" cy="823912"/>
+            <a:off x="6633864" y="2199633"/>
+            <a:ext cx="4800600" cy="632529"/>
           </a:xfrm>
         </p:spPr>
         <p:txBody>
-          <a:bodyPr anchor="b"/>
+          <a:bodyPr anchor="b">
+            <a:noAutofit/>
+          </a:bodyPr>
           <a:lstStyle>
             <a:lvl1pPr marL="0" indent="0">
+              <a:lnSpc>
+                <a:spcPct val="100000"/>
+              </a:lnSpc>
               <a:buNone/>
-              <a:defRPr sz="2400" b="1"/>
+              <a:defRPr sz="1900" b="1" cap="all" spc="200" baseline="0">
+                <a:solidFill>
+                  <a:schemeClr val="tx2"/>
+                </a:solidFill>
+              </a:defRPr>
             </a:lvl1pPr>
             <a:lvl2pPr marL="457200" indent="0">
               <a:buNone/>
-              <a:defRPr sz="2000" b="1"/>
+              <a:defRPr sz="1900" b="1"/>
             </a:lvl2pPr>
             <a:lvl3pPr marL="914400" indent="0">
               <a:buNone/>
@@ -1722,7 +3893,7 @@
           <a:p>
             <a:pPr lvl="0"/>
             <a:r>
-              <a:rPr kumimoji="1" lang="ja-JP" altLang="en-US" smtClean="0"/>
+              <a:rPr lang="ja-JP" altLang="en-US" smtClean="0"/>
               <a:t>マスター テキストの書式設定</a:t>
             </a:r>
           </a:p>
@@ -1730,7 +3901,7 @@
       </p:sp>
       <p:sp>
         <p:nvSpPr>
-          <p:cNvPr id="6" name="コンテンツ プレースホルダー 5"/>
+          <p:cNvPr id="6" name="Content Placeholder 5"/>
           <p:cNvSpPr>
             <a:spLocks noGrp="1"/>
           </p:cNvSpPr>
@@ -1740,8 +3911,8 @@
         </p:nvSpPr>
         <p:spPr>
           <a:xfrm>
-            <a:off x="6172200" y="2505075"/>
-            <a:ext cx="5183188" cy="3684588"/>
+            <a:off x="6633864" y="2909102"/>
+            <a:ext cx="4800600" cy="2996398"/>
           </a:xfrm>
         </p:spPr>
         <p:txBody>
@@ -1750,76 +3921,76 @@
           <a:p>
             <a:pPr lvl="0"/>
             <a:r>
-              <a:rPr kumimoji="1" lang="ja-JP" altLang="en-US" smtClean="0"/>
+              <a:rPr lang="ja-JP" altLang="en-US" smtClean="0"/>
               <a:t>マスター テキストの書式設定</a:t>
             </a:r>
           </a:p>
           <a:p>
             <a:pPr lvl="1"/>
             <a:r>
-              <a:rPr kumimoji="1" lang="ja-JP" altLang="en-US" smtClean="0"/>
+              <a:rPr lang="ja-JP" altLang="en-US" smtClean="0"/>
               <a:t>第 </a:t>
             </a:r>
             <a:r>
-              <a:rPr kumimoji="1" lang="en-US" altLang="ja-JP" smtClean="0"/>
+              <a:rPr lang="en-US" altLang="ja-JP" smtClean="0"/>
               <a:t>2 </a:t>
             </a:r>
             <a:r>
-              <a:rPr kumimoji="1" lang="ja-JP" altLang="en-US" smtClean="0"/>
+              <a:rPr lang="ja-JP" altLang="en-US" smtClean="0"/>
               <a:t>レベル</a:t>
             </a:r>
           </a:p>
           <a:p>
             <a:pPr lvl="2"/>
             <a:r>
-              <a:rPr kumimoji="1" lang="ja-JP" altLang="en-US" smtClean="0"/>
+              <a:rPr lang="ja-JP" altLang="en-US" smtClean="0"/>
               <a:t>第 </a:t>
             </a:r>
             <a:r>
-              <a:rPr kumimoji="1" lang="en-US" altLang="ja-JP" smtClean="0"/>
+              <a:rPr lang="en-US" altLang="ja-JP" smtClean="0"/>
               <a:t>3 </a:t>
             </a:r>
             <a:r>
-              <a:rPr kumimoji="1" lang="ja-JP" altLang="en-US" smtClean="0"/>
+              <a:rPr lang="ja-JP" altLang="en-US" smtClean="0"/>
               <a:t>レベル</a:t>
             </a:r>
           </a:p>
           <a:p>
             <a:pPr lvl="3"/>
             <a:r>
-              <a:rPr kumimoji="1" lang="ja-JP" altLang="en-US" smtClean="0"/>
+              <a:rPr lang="ja-JP" altLang="en-US" smtClean="0"/>
               <a:t>第 </a:t>
             </a:r>
             <a:r>
-              <a:rPr kumimoji="1" lang="en-US" altLang="ja-JP" smtClean="0"/>
+              <a:rPr lang="en-US" altLang="ja-JP" smtClean="0"/>
               <a:t>4 </a:t>
             </a:r>
             <a:r>
-              <a:rPr kumimoji="1" lang="ja-JP" altLang="en-US" smtClean="0"/>
+              <a:rPr lang="ja-JP" altLang="en-US" smtClean="0"/>
               <a:t>レベル</a:t>
             </a:r>
           </a:p>
           <a:p>
             <a:pPr lvl="4"/>
             <a:r>
-              <a:rPr kumimoji="1" lang="ja-JP" altLang="en-US" smtClean="0"/>
+              <a:rPr lang="ja-JP" altLang="en-US" smtClean="0"/>
               <a:t>第 </a:t>
             </a:r>
             <a:r>
-              <a:rPr kumimoji="1" lang="en-US" altLang="ja-JP" smtClean="0"/>
+              <a:rPr lang="en-US" altLang="ja-JP" smtClean="0"/>
               <a:t>5 </a:t>
             </a:r>
             <a:r>
-              <a:rPr kumimoji="1" lang="ja-JP" altLang="en-US" smtClean="0"/>
+              <a:rPr lang="ja-JP" altLang="en-US" smtClean="0"/>
               <a:t>レベル</a:t>
             </a:r>
-            <a:endParaRPr kumimoji="1" lang="ja-JP" altLang="en-US"/>
+            <a:endParaRPr lang="en-US" dirty="0"/>
           </a:p>
         </p:txBody>
       </p:sp>
       <p:sp>
         <p:nvSpPr>
-          <p:cNvPr id="7" name="日付プレースホルダー 6"/>
+          <p:cNvPr id="7" name="Date Placeholder 6"/>
           <p:cNvSpPr>
             <a:spLocks noGrp="1"/>
           </p:cNvSpPr>
@@ -1834,7 +4005,7 @@
           <a:p>
             <a:fld id="{9D66B535-76A4-4AD0-880D-CDDC4D45B4F8}" type="datetimeFigureOut">
               <a:rPr kumimoji="1" lang="ja-JP" altLang="en-US" smtClean="0"/>
-              <a:t>2022/11/2</a:t>
+              <a:t>2022/11/21</a:t>
             </a:fld>
             <a:endParaRPr kumimoji="1" lang="ja-JP" altLang="en-US"/>
           </a:p>
@@ -1842,7 +4013,7 @@
       </p:sp>
       <p:sp>
         <p:nvSpPr>
-          <p:cNvPr id="8" name="フッター プレースホルダー 7"/>
+          <p:cNvPr id="8" name="Footer Placeholder 7"/>
           <p:cNvSpPr>
             <a:spLocks noGrp="1"/>
           </p:cNvSpPr>
@@ -1861,7 +4032,7 @@
       </p:sp>
       <p:sp>
         <p:nvSpPr>
-          <p:cNvPr id="9" name="スライド番号プレースホルダー 8"/>
+          <p:cNvPr id="9" name="Slide Number Placeholder 8"/>
           <p:cNvSpPr>
             <a:spLocks noGrp="1"/>
           </p:cNvSpPr>
@@ -1885,13 +4056,18 @@
     </p:spTree>
     <p:extLst>
       <p:ext uri="{BB962C8B-B14F-4D97-AF65-F5344CB8AC3E}">
-        <p14:creationId xmlns:p14="http://schemas.microsoft.com/office/powerpoint/2010/main" val="3358678594"/>
+        <p14:creationId xmlns:p14="http://schemas.microsoft.com/office/powerpoint/2010/main" val="2714287606"/>
       </p:ext>
     </p:extLst>
   </p:cSld>
   <p:clrMapOvr>
     <a:masterClrMapping/>
   </p:clrMapOvr>
+  <p:extLst mod="1">
+    <p:ext uri="{DCECCB84-F9BA-43D5-87BE-67443E8EF086}">
+      <p15:sldGuideLst xmlns:p15="http://schemas.microsoft.com/office/powerpoint/2012/main"/>
+    </p:ext>
+  </p:extLst>
 </p:sldLayout>
 </file>
 
@@ -1914,7 +4090,7 @@
       </p:grpSpPr>
       <p:sp>
         <p:nvSpPr>
-          <p:cNvPr id="2" name="タイトル 1"/>
+          <p:cNvPr id="2" name="Title 1"/>
           <p:cNvSpPr>
             <a:spLocks noGrp="1"/>
           </p:cNvSpPr>
@@ -1928,16 +4104,16 @@
           <a:lstStyle/>
           <a:p>
             <a:r>
-              <a:rPr kumimoji="1" lang="ja-JP" altLang="en-US" smtClean="0"/>
+              <a:rPr lang="ja-JP" altLang="en-US" smtClean="0"/>
               <a:t>マスター タイトルの書式設定</a:t>
             </a:r>
-            <a:endParaRPr kumimoji="1" lang="ja-JP" altLang="en-US"/>
+            <a:endParaRPr lang="en-US" dirty="0"/>
           </a:p>
         </p:txBody>
       </p:sp>
       <p:sp>
         <p:nvSpPr>
-          <p:cNvPr id="3" name="日付プレースホルダー 2"/>
+          <p:cNvPr id="3" name="Date Placeholder 2"/>
           <p:cNvSpPr>
             <a:spLocks noGrp="1"/>
           </p:cNvSpPr>
@@ -1952,7 +4128,7 @@
           <a:p>
             <a:fld id="{9D66B535-76A4-4AD0-880D-CDDC4D45B4F8}" type="datetimeFigureOut">
               <a:rPr kumimoji="1" lang="ja-JP" altLang="en-US" smtClean="0"/>
-              <a:t>2022/11/2</a:t>
+              <a:t>2022/11/21</a:t>
             </a:fld>
             <a:endParaRPr kumimoji="1" lang="ja-JP" altLang="en-US"/>
           </a:p>
@@ -1960,7 +4136,7 @@
       </p:sp>
       <p:sp>
         <p:nvSpPr>
-          <p:cNvPr id="4" name="フッター プレースホルダー 3"/>
+          <p:cNvPr id="4" name="Footer Placeholder 3"/>
           <p:cNvSpPr>
             <a:spLocks noGrp="1"/>
           </p:cNvSpPr>
@@ -1979,7 +4155,7 @@
       </p:sp>
       <p:sp>
         <p:nvSpPr>
-          <p:cNvPr id="5" name="スライド番号プレースホルダー 4"/>
+          <p:cNvPr id="5" name="Slide Number Placeholder 4"/>
           <p:cNvSpPr>
             <a:spLocks noGrp="1"/>
           </p:cNvSpPr>
@@ -2003,7 +4179,7 @@
     </p:spTree>
     <p:extLst>
       <p:ext uri="{BB962C8B-B14F-4D97-AF65-F5344CB8AC3E}">
-        <p14:creationId xmlns:p14="http://schemas.microsoft.com/office/powerpoint/2010/main" val="794121719"/>
+        <p14:creationId xmlns:p14="http://schemas.microsoft.com/office/powerpoint/2010/main" val="4030749596"/>
       </p:ext>
     </p:extLst>
   </p:cSld>
@@ -2032,7 +4208,7 @@
       </p:grpSpPr>
       <p:sp>
         <p:nvSpPr>
-          <p:cNvPr id="2" name="日付プレースホルダー 1"/>
+          <p:cNvPr id="2" name="Date Placeholder 1"/>
           <p:cNvSpPr>
             <a:spLocks noGrp="1"/>
           </p:cNvSpPr>
@@ -2047,7 +4223,7 @@
           <a:p>
             <a:fld id="{9D66B535-76A4-4AD0-880D-CDDC4D45B4F8}" type="datetimeFigureOut">
               <a:rPr kumimoji="1" lang="ja-JP" altLang="en-US" smtClean="0"/>
-              <a:t>2022/11/2</a:t>
+              <a:t>2022/11/21</a:t>
             </a:fld>
             <a:endParaRPr kumimoji="1" lang="ja-JP" altLang="en-US"/>
           </a:p>
@@ -2055,7 +4231,7 @@
       </p:sp>
       <p:sp>
         <p:nvSpPr>
-          <p:cNvPr id="3" name="フッター プレースホルダー 2"/>
+          <p:cNvPr id="3" name="Footer Placeholder 2"/>
           <p:cNvSpPr>
             <a:spLocks noGrp="1"/>
           </p:cNvSpPr>
@@ -2074,7 +4250,7 @@
       </p:sp>
       <p:sp>
         <p:nvSpPr>
-          <p:cNvPr id="4" name="スライド番号プレースホルダー 3"/>
+          <p:cNvPr id="4" name="Slide Number Placeholder 3"/>
           <p:cNvSpPr>
             <a:spLocks noGrp="1"/>
           </p:cNvSpPr>
@@ -2098,7 +4274,7 @@
     </p:spTree>
     <p:extLst>
       <p:ext uri="{BB962C8B-B14F-4D97-AF65-F5344CB8AC3E}">
-        <p14:creationId xmlns:p14="http://schemas.microsoft.com/office/powerpoint/2010/main" val="4066333795"/>
+        <p14:creationId xmlns:p14="http://schemas.microsoft.com/office/powerpoint/2010/main" val="759952475"/>
       </p:ext>
     </p:extLst>
   </p:cSld>
@@ -2109,7 +4285,7 @@
 </file>
 
 <file path=ppt/slideLayouts/slideLayout8.xml><?xml version="1.0" encoding="utf-8"?>
-<p:sldLayout xmlns:a="http://schemas.openxmlformats.org/drawingml/2006/main" xmlns:r="http://schemas.openxmlformats.org/officeDocument/2006/relationships" xmlns:p="http://schemas.openxmlformats.org/presentationml/2006/main" type="objTx" preserve="1">
+<p:sldLayout xmlns:a="http://schemas.openxmlformats.org/drawingml/2006/main" xmlns:r="http://schemas.openxmlformats.org/officeDocument/2006/relationships" xmlns:p="http://schemas.openxmlformats.org/presentationml/2006/main" showMasterSp="0" type="objTx" preserve="1">
   <p:cSld name="タイトル付きの&#10;コンテンツ">
     <p:spTree>
       <p:nvGrpSpPr>
@@ -2127,7 +4303,468 @@
       </p:grpSpPr>
       <p:sp>
         <p:nvSpPr>
-          <p:cNvPr id="2" name="タイトル 1"/>
+          <p:cNvPr id="17" name="Freeform 11" title="right scallop background shape"/>
+          <p:cNvSpPr/>
+          <p:nvPr/>
+        </p:nvSpPr>
+        <p:spPr bwMode="auto">
+          <a:xfrm>
+            <a:off x="7389812" y="0"/>
+            <a:ext cx="4802188" cy="6858000"/>
+          </a:xfrm>
+          <a:custGeom>
+            <a:avLst/>
+            <a:gdLst/>
+            <a:ahLst/>
+            <a:cxnLst/>
+            <a:rect l="0" t="0" r="r" b="b"/>
+            <a:pathLst>
+              <a:path w="3025" h="4320">
+                <a:moveTo>
+                  <a:pt x="0" y="0"/>
+                </a:moveTo>
+                <a:lnTo>
+                  <a:pt x="3025" y="0"/>
+                </a:lnTo>
+                <a:lnTo>
+                  <a:pt x="3025" y="4320"/>
+                </a:lnTo>
+                <a:lnTo>
+                  <a:pt x="0" y="4320"/>
+                </a:lnTo>
+                <a:lnTo>
+                  <a:pt x="3" y="4278"/>
+                </a:lnTo>
+                <a:lnTo>
+                  <a:pt x="8" y="4243"/>
+                </a:lnTo>
+                <a:lnTo>
+                  <a:pt x="14" y="4210"/>
+                </a:lnTo>
+                <a:lnTo>
+                  <a:pt x="24" y="4183"/>
+                </a:lnTo>
+                <a:lnTo>
+                  <a:pt x="34" y="4156"/>
+                </a:lnTo>
+                <a:lnTo>
+                  <a:pt x="46" y="4133"/>
+                </a:lnTo>
+                <a:lnTo>
+                  <a:pt x="58" y="4109"/>
+                </a:lnTo>
+                <a:lnTo>
+                  <a:pt x="69" y="4087"/>
+                </a:lnTo>
+                <a:lnTo>
+                  <a:pt x="80" y="4062"/>
+                </a:lnTo>
+                <a:lnTo>
+                  <a:pt x="90" y="4036"/>
+                </a:lnTo>
+                <a:lnTo>
+                  <a:pt x="99" y="4007"/>
+                </a:lnTo>
+                <a:lnTo>
+                  <a:pt x="106" y="3976"/>
+                </a:lnTo>
+                <a:lnTo>
+                  <a:pt x="111" y="3938"/>
+                </a:lnTo>
+                <a:lnTo>
+                  <a:pt x="113" y="3895"/>
+                </a:lnTo>
+                <a:lnTo>
+                  <a:pt x="111" y="3851"/>
+                </a:lnTo>
+                <a:lnTo>
+                  <a:pt x="106" y="3815"/>
+                </a:lnTo>
+                <a:lnTo>
+                  <a:pt x="99" y="3782"/>
+                </a:lnTo>
+                <a:lnTo>
+                  <a:pt x="90" y="3752"/>
+                </a:lnTo>
+                <a:lnTo>
+                  <a:pt x="80" y="3726"/>
+                </a:lnTo>
+                <a:lnTo>
+                  <a:pt x="68" y="3702"/>
+                </a:lnTo>
+                <a:lnTo>
+                  <a:pt x="56" y="3679"/>
+                </a:lnTo>
+                <a:lnTo>
+                  <a:pt x="44" y="3655"/>
+                </a:lnTo>
+                <a:lnTo>
+                  <a:pt x="33" y="3630"/>
+                </a:lnTo>
+                <a:lnTo>
+                  <a:pt x="22" y="3604"/>
+                </a:lnTo>
+                <a:lnTo>
+                  <a:pt x="13" y="3575"/>
+                </a:lnTo>
+                <a:lnTo>
+                  <a:pt x="7" y="3542"/>
+                </a:lnTo>
+                <a:lnTo>
+                  <a:pt x="1" y="3504"/>
+                </a:lnTo>
+                <a:lnTo>
+                  <a:pt x="0" y="3461"/>
+                </a:lnTo>
+                <a:lnTo>
+                  <a:pt x="1" y="3418"/>
+                </a:lnTo>
+                <a:lnTo>
+                  <a:pt x="7" y="3380"/>
+                </a:lnTo>
+                <a:lnTo>
+                  <a:pt x="13" y="3347"/>
+                </a:lnTo>
+                <a:lnTo>
+                  <a:pt x="22" y="3319"/>
+                </a:lnTo>
+                <a:lnTo>
+                  <a:pt x="33" y="3292"/>
+                </a:lnTo>
+                <a:lnTo>
+                  <a:pt x="44" y="3267"/>
+                </a:lnTo>
+                <a:lnTo>
+                  <a:pt x="56" y="3244"/>
+                </a:lnTo>
+                <a:lnTo>
+                  <a:pt x="68" y="3222"/>
+                </a:lnTo>
+                <a:lnTo>
+                  <a:pt x="80" y="3197"/>
+                </a:lnTo>
+                <a:lnTo>
+                  <a:pt x="90" y="3171"/>
+                </a:lnTo>
+                <a:lnTo>
+                  <a:pt x="99" y="3142"/>
+                </a:lnTo>
+                <a:lnTo>
+                  <a:pt x="106" y="3109"/>
+                </a:lnTo>
+                <a:lnTo>
+                  <a:pt x="111" y="3071"/>
+                </a:lnTo>
+                <a:lnTo>
+                  <a:pt x="113" y="3028"/>
+                </a:lnTo>
+                <a:lnTo>
+                  <a:pt x="111" y="2985"/>
+                </a:lnTo>
+                <a:lnTo>
+                  <a:pt x="106" y="2947"/>
+                </a:lnTo>
+                <a:lnTo>
+                  <a:pt x="99" y="2914"/>
+                </a:lnTo>
+                <a:lnTo>
+                  <a:pt x="90" y="2885"/>
+                </a:lnTo>
+                <a:lnTo>
+                  <a:pt x="80" y="2858"/>
+                </a:lnTo>
+                <a:lnTo>
+                  <a:pt x="68" y="2834"/>
+                </a:lnTo>
+                <a:lnTo>
+                  <a:pt x="44" y="2787"/>
+                </a:lnTo>
+                <a:lnTo>
+                  <a:pt x="33" y="2763"/>
+                </a:lnTo>
+                <a:lnTo>
+                  <a:pt x="22" y="2736"/>
+                </a:lnTo>
+                <a:lnTo>
+                  <a:pt x="13" y="2707"/>
+                </a:lnTo>
+                <a:lnTo>
+                  <a:pt x="7" y="2674"/>
+                </a:lnTo>
+                <a:lnTo>
+                  <a:pt x="1" y="2637"/>
+                </a:lnTo>
+                <a:lnTo>
+                  <a:pt x="0" y="2593"/>
+                </a:lnTo>
+                <a:lnTo>
+                  <a:pt x="1" y="2550"/>
+                </a:lnTo>
+                <a:lnTo>
+                  <a:pt x="7" y="2512"/>
+                </a:lnTo>
+                <a:lnTo>
+                  <a:pt x="13" y="2479"/>
+                </a:lnTo>
+                <a:lnTo>
+                  <a:pt x="22" y="2451"/>
+                </a:lnTo>
+                <a:lnTo>
+                  <a:pt x="33" y="2424"/>
+                </a:lnTo>
+                <a:lnTo>
+                  <a:pt x="44" y="2401"/>
+                </a:lnTo>
+                <a:lnTo>
+                  <a:pt x="68" y="2354"/>
+                </a:lnTo>
+                <a:lnTo>
+                  <a:pt x="80" y="2329"/>
+                </a:lnTo>
+                <a:lnTo>
+                  <a:pt x="90" y="2303"/>
+                </a:lnTo>
+                <a:lnTo>
+                  <a:pt x="99" y="2274"/>
+                </a:lnTo>
+                <a:lnTo>
+                  <a:pt x="106" y="2241"/>
+                </a:lnTo>
+                <a:lnTo>
+                  <a:pt x="111" y="2203"/>
+                </a:lnTo>
+                <a:lnTo>
+                  <a:pt x="113" y="2159"/>
+                </a:lnTo>
+                <a:lnTo>
+                  <a:pt x="111" y="2117"/>
+                </a:lnTo>
+                <a:lnTo>
+                  <a:pt x="106" y="2079"/>
+                </a:lnTo>
+                <a:lnTo>
+                  <a:pt x="99" y="2046"/>
+                </a:lnTo>
+                <a:lnTo>
+                  <a:pt x="90" y="2017"/>
+                </a:lnTo>
+                <a:lnTo>
+                  <a:pt x="80" y="1991"/>
+                </a:lnTo>
+                <a:lnTo>
+                  <a:pt x="68" y="1966"/>
+                </a:lnTo>
+                <a:lnTo>
+                  <a:pt x="56" y="1943"/>
+                </a:lnTo>
+                <a:lnTo>
+                  <a:pt x="44" y="1919"/>
+                </a:lnTo>
+                <a:lnTo>
+                  <a:pt x="33" y="1896"/>
+                </a:lnTo>
+                <a:lnTo>
+                  <a:pt x="22" y="1869"/>
+                </a:lnTo>
+                <a:lnTo>
+                  <a:pt x="13" y="1841"/>
+                </a:lnTo>
+                <a:lnTo>
+                  <a:pt x="7" y="1807"/>
+                </a:lnTo>
+                <a:lnTo>
+                  <a:pt x="1" y="1770"/>
+                </a:lnTo>
+                <a:lnTo>
+                  <a:pt x="0" y="1727"/>
+                </a:lnTo>
+                <a:lnTo>
+                  <a:pt x="1" y="1683"/>
+                </a:lnTo>
+                <a:lnTo>
+                  <a:pt x="7" y="1646"/>
+                </a:lnTo>
+                <a:lnTo>
+                  <a:pt x="13" y="1613"/>
+                </a:lnTo>
+                <a:lnTo>
+                  <a:pt x="22" y="1583"/>
+                </a:lnTo>
+                <a:lnTo>
+                  <a:pt x="33" y="1557"/>
+                </a:lnTo>
+                <a:lnTo>
+                  <a:pt x="44" y="1533"/>
+                </a:lnTo>
+                <a:lnTo>
+                  <a:pt x="56" y="1509"/>
+                </a:lnTo>
+                <a:lnTo>
+                  <a:pt x="68" y="1486"/>
+                </a:lnTo>
+                <a:lnTo>
+                  <a:pt x="80" y="1461"/>
+                </a:lnTo>
+                <a:lnTo>
+                  <a:pt x="90" y="1435"/>
+                </a:lnTo>
+                <a:lnTo>
+                  <a:pt x="99" y="1406"/>
+                </a:lnTo>
+                <a:lnTo>
+                  <a:pt x="106" y="1373"/>
+                </a:lnTo>
+                <a:lnTo>
+                  <a:pt x="111" y="1335"/>
+                </a:lnTo>
+                <a:lnTo>
+                  <a:pt x="113" y="1292"/>
+                </a:lnTo>
+                <a:lnTo>
+                  <a:pt x="111" y="1249"/>
+                </a:lnTo>
+                <a:lnTo>
+                  <a:pt x="106" y="1211"/>
+                </a:lnTo>
+                <a:lnTo>
+                  <a:pt x="99" y="1178"/>
+                </a:lnTo>
+                <a:lnTo>
+                  <a:pt x="90" y="1149"/>
+                </a:lnTo>
+                <a:lnTo>
+                  <a:pt x="80" y="1123"/>
+                </a:lnTo>
+                <a:lnTo>
+                  <a:pt x="68" y="1098"/>
+                </a:lnTo>
+                <a:lnTo>
+                  <a:pt x="56" y="1076"/>
+                </a:lnTo>
+                <a:lnTo>
+                  <a:pt x="44" y="1053"/>
+                </a:lnTo>
+                <a:lnTo>
+                  <a:pt x="33" y="1028"/>
+                </a:lnTo>
+                <a:lnTo>
+                  <a:pt x="22" y="1001"/>
+                </a:lnTo>
+                <a:lnTo>
+                  <a:pt x="13" y="973"/>
+                </a:lnTo>
+                <a:lnTo>
+                  <a:pt x="7" y="940"/>
+                </a:lnTo>
+                <a:lnTo>
+                  <a:pt x="1" y="902"/>
+                </a:lnTo>
+                <a:lnTo>
+                  <a:pt x="0" y="859"/>
+                </a:lnTo>
+                <a:lnTo>
+                  <a:pt x="1" y="816"/>
+                </a:lnTo>
+                <a:lnTo>
+                  <a:pt x="7" y="778"/>
+                </a:lnTo>
+                <a:lnTo>
+                  <a:pt x="13" y="745"/>
+                </a:lnTo>
+                <a:lnTo>
+                  <a:pt x="22" y="716"/>
+                </a:lnTo>
+                <a:lnTo>
+                  <a:pt x="33" y="690"/>
+                </a:lnTo>
+                <a:lnTo>
+                  <a:pt x="44" y="665"/>
+                </a:lnTo>
+                <a:lnTo>
+                  <a:pt x="56" y="641"/>
+                </a:lnTo>
+                <a:lnTo>
+                  <a:pt x="68" y="618"/>
+                </a:lnTo>
+                <a:lnTo>
+                  <a:pt x="80" y="594"/>
+                </a:lnTo>
+                <a:lnTo>
+                  <a:pt x="90" y="568"/>
+                </a:lnTo>
+                <a:lnTo>
+                  <a:pt x="99" y="538"/>
+                </a:lnTo>
+                <a:lnTo>
+                  <a:pt x="106" y="505"/>
+                </a:lnTo>
+                <a:lnTo>
+                  <a:pt x="111" y="469"/>
+                </a:lnTo>
+                <a:lnTo>
+                  <a:pt x="113" y="424"/>
+                </a:lnTo>
+                <a:lnTo>
+                  <a:pt x="111" y="382"/>
+                </a:lnTo>
+                <a:lnTo>
+                  <a:pt x="106" y="344"/>
+                </a:lnTo>
+                <a:lnTo>
+                  <a:pt x="99" y="313"/>
+                </a:lnTo>
+                <a:lnTo>
+                  <a:pt x="90" y="284"/>
+                </a:lnTo>
+                <a:lnTo>
+                  <a:pt x="80" y="258"/>
+                </a:lnTo>
+                <a:lnTo>
+                  <a:pt x="69" y="233"/>
+                </a:lnTo>
+                <a:lnTo>
+                  <a:pt x="58" y="211"/>
+                </a:lnTo>
+                <a:lnTo>
+                  <a:pt x="46" y="187"/>
+                </a:lnTo>
+                <a:lnTo>
+                  <a:pt x="34" y="164"/>
+                </a:lnTo>
+                <a:lnTo>
+                  <a:pt x="24" y="137"/>
+                </a:lnTo>
+                <a:lnTo>
+                  <a:pt x="14" y="110"/>
+                </a:lnTo>
+                <a:lnTo>
+                  <a:pt x="8" y="77"/>
+                </a:lnTo>
+                <a:lnTo>
+                  <a:pt x="3" y="42"/>
+                </a:lnTo>
+                <a:lnTo>
+                  <a:pt x="0" y="0"/>
+                </a:lnTo>
+                <a:close/>
+              </a:path>
+            </a:pathLst>
+          </a:custGeom>
+          <a:solidFill>
+            <a:schemeClr val="tx2"/>
+          </a:solidFill>
+          <a:ln w="0">
+            <a:noFill/>
+            <a:prstDash val="solid"/>
+            <a:round/>
+            <a:headEnd/>
+            <a:tailEnd/>
+          </a:ln>
+        </p:spPr>
+      </p:sp>
+      <p:sp>
+        <p:nvSpPr>
+          <p:cNvPr id="2" name="Title 1"/>
           <p:cNvSpPr>
             <a:spLocks noGrp="1"/>
           </p:cNvSpPr>
@@ -2137,29 +4774,39 @@
         </p:nvSpPr>
         <p:spPr>
           <a:xfrm>
-            <a:off x="839788" y="457200"/>
-            <a:ext cx="3932237" cy="1600200"/>
+            <a:off x="8337884" y="457199"/>
+            <a:ext cx="3092115" cy="1196671"/>
           </a:xfrm>
         </p:spPr>
         <p:txBody>
-          <a:bodyPr anchor="b"/>
+          <a:bodyPr anchor="b">
+            <a:normAutofit/>
+          </a:bodyPr>
           <a:lstStyle>
             <a:lvl1pPr>
-              <a:defRPr sz="3200"/>
+              <a:lnSpc>
+                <a:spcPct val="100000"/>
+              </a:lnSpc>
+              <a:defRPr sz="1900" b="1" i="0" cap="all" spc="300" baseline="0">
+                <a:solidFill>
+                  <a:schemeClr val="accent1"/>
+                </a:solidFill>
+                <a:latin typeface="+mn-lt"/>
+              </a:defRPr>
             </a:lvl1pPr>
           </a:lstStyle>
           <a:p>
             <a:r>
-              <a:rPr kumimoji="1" lang="ja-JP" altLang="en-US" smtClean="0"/>
+              <a:rPr lang="ja-JP" altLang="en-US" smtClean="0"/>
               <a:t>マスター タイトルの書式設定</a:t>
             </a:r>
-            <a:endParaRPr kumimoji="1" lang="ja-JP" altLang="en-US"/>
+            <a:endParaRPr lang="en-US" dirty="0"/>
           </a:p>
         </p:txBody>
       </p:sp>
       <p:sp>
         <p:nvSpPr>
-          <p:cNvPr id="3" name="コンテンツ プレースホルダー 2"/>
+          <p:cNvPr id="3" name="Content Placeholder 2"/>
           <p:cNvSpPr>
             <a:spLocks noGrp="1"/>
           </p:cNvSpPr>
@@ -2169,8 +4816,8 @@
         </p:nvSpPr>
         <p:spPr>
           <a:xfrm>
-            <a:off x="5183188" y="987425"/>
-            <a:ext cx="6172200" cy="4873625"/>
+            <a:off x="765051" y="920377"/>
+            <a:ext cx="6158418" cy="4985124"/>
           </a:xfrm>
         </p:spPr>
         <p:txBody>
@@ -2207,76 +4854,76 @@
           <a:p>
             <a:pPr lvl="0"/>
             <a:r>
-              <a:rPr kumimoji="1" lang="ja-JP" altLang="en-US" smtClean="0"/>
+              <a:rPr lang="ja-JP" altLang="en-US" smtClean="0"/>
               <a:t>マスター テキストの書式設定</a:t>
             </a:r>
           </a:p>
           <a:p>
             <a:pPr lvl="1"/>
             <a:r>
-              <a:rPr kumimoji="1" lang="ja-JP" altLang="en-US" smtClean="0"/>
+              <a:rPr lang="ja-JP" altLang="en-US" smtClean="0"/>
               <a:t>第 </a:t>
             </a:r>
             <a:r>
-              <a:rPr kumimoji="1" lang="en-US" altLang="ja-JP" smtClean="0"/>
+              <a:rPr lang="en-US" altLang="ja-JP" smtClean="0"/>
               <a:t>2 </a:t>
             </a:r>
             <a:r>
-              <a:rPr kumimoji="1" lang="ja-JP" altLang="en-US" smtClean="0"/>
+              <a:rPr lang="ja-JP" altLang="en-US" smtClean="0"/>
               <a:t>レベル</a:t>
             </a:r>
           </a:p>
           <a:p>
             <a:pPr lvl="2"/>
             <a:r>
-              <a:rPr kumimoji="1" lang="ja-JP" altLang="en-US" smtClean="0"/>
+              <a:rPr lang="ja-JP" altLang="en-US" smtClean="0"/>
               <a:t>第 </a:t>
             </a:r>
             <a:r>
-              <a:rPr kumimoji="1" lang="en-US" altLang="ja-JP" smtClean="0"/>
+              <a:rPr lang="en-US" altLang="ja-JP" smtClean="0"/>
               <a:t>3 </a:t>
             </a:r>
             <a:r>
-              <a:rPr kumimoji="1" lang="ja-JP" altLang="en-US" smtClean="0"/>
+              <a:rPr lang="ja-JP" altLang="en-US" smtClean="0"/>
               <a:t>レベル</a:t>
             </a:r>
           </a:p>
           <a:p>
             <a:pPr lvl="3"/>
             <a:r>
-              <a:rPr kumimoji="1" lang="ja-JP" altLang="en-US" smtClean="0"/>
+              <a:rPr lang="ja-JP" altLang="en-US" smtClean="0"/>
               <a:t>第 </a:t>
             </a:r>
             <a:r>
-              <a:rPr kumimoji="1" lang="en-US" altLang="ja-JP" smtClean="0"/>
+              <a:rPr lang="en-US" altLang="ja-JP" smtClean="0"/>
               <a:t>4 </a:t>
             </a:r>
             <a:r>
-              <a:rPr kumimoji="1" lang="ja-JP" altLang="en-US" smtClean="0"/>
+              <a:rPr lang="ja-JP" altLang="en-US" smtClean="0"/>
               <a:t>レベル</a:t>
             </a:r>
           </a:p>
           <a:p>
             <a:pPr lvl="4"/>
             <a:r>
-              <a:rPr kumimoji="1" lang="ja-JP" altLang="en-US" smtClean="0"/>
+              <a:rPr lang="ja-JP" altLang="en-US" smtClean="0"/>
               <a:t>第 </a:t>
             </a:r>
             <a:r>
-              <a:rPr kumimoji="1" lang="en-US" altLang="ja-JP" smtClean="0"/>
+              <a:rPr lang="en-US" altLang="ja-JP" smtClean="0"/>
               <a:t>5 </a:t>
             </a:r>
             <a:r>
-              <a:rPr kumimoji="1" lang="ja-JP" altLang="en-US" smtClean="0"/>
+              <a:rPr lang="ja-JP" altLang="en-US" smtClean="0"/>
               <a:t>レベル</a:t>
             </a:r>
-            <a:endParaRPr kumimoji="1" lang="ja-JP" altLang="en-US"/>
+            <a:endParaRPr lang="en-US" dirty="0"/>
           </a:p>
         </p:txBody>
       </p:sp>
       <p:sp>
         <p:nvSpPr>
-          <p:cNvPr id="4" name="テキスト プレースホルダー 3"/>
+          <p:cNvPr id="4" name="Text Placeholder 3"/>
           <p:cNvSpPr>
             <a:spLocks noGrp="1"/>
           </p:cNvSpPr>
@@ -2286,16 +4933,26 @@
         </p:nvSpPr>
         <p:spPr>
           <a:xfrm>
-            <a:off x="839788" y="2057400"/>
-            <a:ext cx="3932237" cy="3811588"/>
+            <a:off x="8337885" y="1741336"/>
+            <a:ext cx="3092115" cy="4164164"/>
           </a:xfrm>
         </p:spPr>
         <p:txBody>
           <a:bodyPr/>
           <a:lstStyle>
             <a:lvl1pPr marL="0" indent="0">
+              <a:lnSpc>
+                <a:spcPct val="120000"/>
+              </a:lnSpc>
+              <a:spcBef>
+                <a:spcPts val="1200"/>
+              </a:spcBef>
               <a:buNone/>
-              <a:defRPr sz="1600"/>
+              <a:defRPr sz="1600" baseline="0">
+                <a:solidFill>
+                  <a:schemeClr val="bg2"/>
+                </a:solidFill>
+              </a:defRPr>
             </a:lvl1pPr>
             <a:lvl2pPr marL="457200" indent="0">
               <a:buNone/>
@@ -2333,7 +4990,7 @@
           <a:p>
             <a:pPr lvl="0"/>
             <a:r>
-              <a:rPr kumimoji="1" lang="ja-JP" altLang="en-US" smtClean="0"/>
+              <a:rPr lang="ja-JP" altLang="en-US" smtClean="0"/>
               <a:t>マスター テキストの書式設定</a:t>
             </a:r>
           </a:p>
@@ -2341,7 +4998,7 @@
       </p:sp>
       <p:sp>
         <p:nvSpPr>
-          <p:cNvPr id="5" name="日付プレースホルダー 4"/>
+          <p:cNvPr id="5" name="Date Placeholder 4"/>
           <p:cNvSpPr>
             <a:spLocks noGrp="1"/>
           </p:cNvSpPr>
@@ -2349,14 +5006,19 @@
             <p:ph type="dt" sz="half" idx="10"/>
           </p:nvPr>
         </p:nvSpPr>
-        <p:spPr/>
+        <p:spPr>
+          <a:xfrm>
+            <a:off x="765051" y="6375679"/>
+            <a:ext cx="1233355" cy="348462"/>
+          </a:xfrm>
+        </p:spPr>
         <p:txBody>
           <a:bodyPr/>
           <a:lstStyle/>
           <a:p>
             <a:fld id="{9D66B535-76A4-4AD0-880D-CDDC4D45B4F8}" type="datetimeFigureOut">
               <a:rPr kumimoji="1" lang="ja-JP" altLang="en-US" smtClean="0"/>
-              <a:t>2022/11/2</a:t>
+              <a:t>2022/11/21</a:t>
             </a:fld>
             <a:endParaRPr kumimoji="1" lang="ja-JP" altLang="en-US"/>
           </a:p>
@@ -2364,7 +5026,7 @@
       </p:sp>
       <p:sp>
         <p:nvSpPr>
-          <p:cNvPr id="6" name="フッター プレースホルダー 5"/>
+          <p:cNvPr id="6" name="Footer Placeholder 5"/>
           <p:cNvSpPr>
             <a:spLocks noGrp="1"/>
           </p:cNvSpPr>
@@ -2372,7 +5034,12 @@
             <p:ph type="ftr" sz="quarter" idx="11"/>
           </p:nvPr>
         </p:nvSpPr>
-        <p:spPr/>
+        <p:spPr>
+          <a:xfrm>
+            <a:off x="2103620" y="6375679"/>
+            <a:ext cx="3482179" cy="345796"/>
+          </a:xfrm>
+        </p:spPr>
         <p:txBody>
           <a:bodyPr/>
           <a:lstStyle/>
@@ -2383,7 +5050,7 @@
       </p:sp>
       <p:sp>
         <p:nvSpPr>
-          <p:cNvPr id="7" name="スライド番号プレースホルダー 6"/>
+          <p:cNvPr id="7" name="Slide Number Placeholder 6"/>
           <p:cNvSpPr>
             <a:spLocks noGrp="1"/>
           </p:cNvSpPr>
@@ -2391,7 +5058,12 @@
             <p:ph type="sldNum" sz="quarter" idx="12"/>
           </p:nvPr>
         </p:nvSpPr>
-        <p:spPr/>
+        <p:spPr>
+          <a:xfrm>
+            <a:off x="5691014" y="6375679"/>
+            <a:ext cx="1232456" cy="345796"/>
+          </a:xfrm>
+        </p:spPr>
         <p:txBody>
           <a:bodyPr/>
           <a:lstStyle/>
@@ -2404,21 +5076,70 @@
           </a:p>
         </p:txBody>
       </p:sp>
+      <p:sp>
+        <p:nvSpPr>
+          <p:cNvPr id="8" name="Rectangle 7" title="left edge border"/>
+          <p:cNvSpPr/>
+          <p:nvPr/>
+        </p:nvSpPr>
+        <p:spPr>
+          <a:xfrm>
+            <a:off x="0" y="0"/>
+            <a:ext cx="283464" cy="6858000"/>
+          </a:xfrm>
+          <a:prstGeom prst="rect">
+            <a:avLst/>
+          </a:prstGeom>
+          <a:solidFill>
+            <a:schemeClr val="accent1"/>
+          </a:solidFill>
+          <a:ln>
+            <a:noFill/>
+          </a:ln>
+        </p:spPr>
+        <p:style>
+          <a:lnRef idx="2">
+            <a:schemeClr val="accent1">
+              <a:shade val="50000"/>
+            </a:schemeClr>
+          </a:lnRef>
+          <a:fillRef idx="1">
+            <a:schemeClr val="accent1"/>
+          </a:fillRef>
+          <a:effectRef idx="0">
+            <a:schemeClr val="accent1"/>
+          </a:effectRef>
+          <a:fontRef idx="minor">
+            <a:schemeClr val="lt1"/>
+          </a:fontRef>
+        </p:style>
+      </p:sp>
     </p:spTree>
     <p:extLst>
       <p:ext uri="{BB962C8B-B14F-4D97-AF65-F5344CB8AC3E}">
-        <p14:creationId xmlns:p14="http://schemas.microsoft.com/office/powerpoint/2010/main" val="3017356970"/>
+        <p14:creationId xmlns:p14="http://schemas.microsoft.com/office/powerpoint/2010/main" val="1478154485"/>
       </p:ext>
     </p:extLst>
   </p:cSld>
   <p:clrMapOvr>
     <a:masterClrMapping/>
   </p:clrMapOvr>
+  <p:extLst mod="1">
+    <p:ext uri="{DCECCB84-F9BA-43D5-87BE-67443E8EF086}">
+      <p15:sldGuideLst xmlns:p15="http://schemas.microsoft.com/office/powerpoint/2012/main">
+        <p15:guide id="1" orient="horz" pos="696">
+          <p15:clr>
+            <a:srgbClr val="FBAE40"/>
+          </p15:clr>
+        </p15:guide>
+      </p15:sldGuideLst>
+    </p:ext>
+  </p:extLst>
 </p:sldLayout>
 </file>
 
 <file path=ppt/slideLayouts/slideLayout9.xml><?xml version="1.0" encoding="utf-8"?>
-<p:sldLayout xmlns:a="http://schemas.openxmlformats.org/drawingml/2006/main" xmlns:r="http://schemas.openxmlformats.org/officeDocument/2006/relationships" xmlns:p="http://schemas.openxmlformats.org/presentationml/2006/main" type="picTx" preserve="1">
+<p:sldLayout xmlns:a="http://schemas.openxmlformats.org/drawingml/2006/main" xmlns:r="http://schemas.openxmlformats.org/officeDocument/2006/relationships" xmlns:p="http://schemas.openxmlformats.org/presentationml/2006/main" showMasterSp="0" type="picTx" preserve="1">
   <p:cSld name="タイトル付きの図">
     <p:spTree>
       <p:nvGrpSpPr>
@@ -2436,41 +5157,9 @@
       </p:grpSpPr>
       <p:sp>
         <p:nvSpPr>
-          <p:cNvPr id="2" name="タイトル 1"/>
+          <p:cNvPr id="3" name="Picture Placeholder 2"/>
           <p:cNvSpPr>
-            <a:spLocks noGrp="1"/>
-          </p:cNvSpPr>
-          <p:nvPr>
-            <p:ph type="title"/>
-          </p:nvPr>
-        </p:nvSpPr>
-        <p:spPr>
-          <a:xfrm>
-            <a:off x="839788" y="457200"/>
-            <a:ext cx="3932237" cy="1600200"/>
-          </a:xfrm>
-        </p:spPr>
-        <p:txBody>
-          <a:bodyPr anchor="b"/>
-          <a:lstStyle>
-            <a:lvl1pPr>
-              <a:defRPr sz="3200"/>
-            </a:lvl1pPr>
-          </a:lstStyle>
-          <a:p>
-            <a:r>
-              <a:rPr kumimoji="1" lang="ja-JP" altLang="en-US" smtClean="0"/>
-              <a:t>マスター タイトルの書式設定</a:t>
-            </a:r>
-            <a:endParaRPr kumimoji="1" lang="ja-JP" altLang="en-US"/>
-          </a:p>
-        </p:txBody>
-      </p:sp>
-      <p:sp>
-        <p:nvSpPr>
-          <p:cNvPr id="3" name="図プレースホルダー 2"/>
-          <p:cNvSpPr>
-            <a:spLocks noGrp="1"/>
+            <a:spLocks noGrp="1" noChangeAspect="1"/>
           </p:cNvSpPr>
           <p:nvPr>
             <p:ph type="pic" idx="1"/>
@@ -2478,12 +5167,12 @@
         </p:nvSpPr>
         <p:spPr>
           <a:xfrm>
-            <a:off x="5183188" y="987425"/>
-            <a:ext cx="6172200" cy="4873625"/>
+            <a:off x="283464" y="0"/>
+            <a:ext cx="7355585" cy="6857999"/>
           </a:xfrm>
         </p:spPr>
         <p:txBody>
-          <a:bodyPr/>
+          <a:bodyPr anchor="t"/>
           <a:lstStyle>
             <a:lvl1pPr marL="0" indent="0">
               <a:buNone/>
@@ -2523,13 +5212,558 @@
             </a:lvl9pPr>
           </a:lstStyle>
           <a:p>
-            <a:endParaRPr kumimoji="1" lang="ja-JP" altLang="en-US"/>
+            <a:r>
+              <a:rPr lang="ja-JP" altLang="en-US" smtClean="0"/>
+              <a:t>図を追加</a:t>
+            </a:r>
+            <a:endParaRPr lang="en-US" dirty="0"/>
           </a:p>
         </p:txBody>
       </p:sp>
       <p:sp>
         <p:nvSpPr>
-          <p:cNvPr id="4" name="テキスト プレースホルダー 3"/>
+          <p:cNvPr id="11" name="Freeform 11" title="right scallop background shape"/>
+          <p:cNvSpPr/>
+          <p:nvPr/>
+        </p:nvSpPr>
+        <p:spPr bwMode="auto">
+          <a:xfrm>
+            <a:off x="7389812" y="0"/>
+            <a:ext cx="4802188" cy="6858000"/>
+          </a:xfrm>
+          <a:custGeom>
+            <a:avLst/>
+            <a:gdLst/>
+            <a:ahLst/>
+            <a:cxnLst/>
+            <a:rect l="0" t="0" r="r" b="b"/>
+            <a:pathLst>
+              <a:path w="3025" h="4320">
+                <a:moveTo>
+                  <a:pt x="0" y="0"/>
+                </a:moveTo>
+                <a:lnTo>
+                  <a:pt x="3025" y="0"/>
+                </a:lnTo>
+                <a:lnTo>
+                  <a:pt x="3025" y="4320"/>
+                </a:lnTo>
+                <a:lnTo>
+                  <a:pt x="0" y="4320"/>
+                </a:lnTo>
+                <a:lnTo>
+                  <a:pt x="3" y="4278"/>
+                </a:lnTo>
+                <a:lnTo>
+                  <a:pt x="8" y="4243"/>
+                </a:lnTo>
+                <a:lnTo>
+                  <a:pt x="14" y="4210"/>
+                </a:lnTo>
+                <a:lnTo>
+                  <a:pt x="24" y="4183"/>
+                </a:lnTo>
+                <a:lnTo>
+                  <a:pt x="34" y="4156"/>
+                </a:lnTo>
+                <a:lnTo>
+                  <a:pt x="46" y="4133"/>
+                </a:lnTo>
+                <a:lnTo>
+                  <a:pt x="58" y="4109"/>
+                </a:lnTo>
+                <a:lnTo>
+                  <a:pt x="69" y="4087"/>
+                </a:lnTo>
+                <a:lnTo>
+                  <a:pt x="80" y="4062"/>
+                </a:lnTo>
+                <a:lnTo>
+                  <a:pt x="90" y="4036"/>
+                </a:lnTo>
+                <a:lnTo>
+                  <a:pt x="99" y="4007"/>
+                </a:lnTo>
+                <a:lnTo>
+                  <a:pt x="106" y="3976"/>
+                </a:lnTo>
+                <a:lnTo>
+                  <a:pt x="111" y="3938"/>
+                </a:lnTo>
+                <a:lnTo>
+                  <a:pt x="113" y="3895"/>
+                </a:lnTo>
+                <a:lnTo>
+                  <a:pt x="111" y="3851"/>
+                </a:lnTo>
+                <a:lnTo>
+                  <a:pt x="106" y="3815"/>
+                </a:lnTo>
+                <a:lnTo>
+                  <a:pt x="99" y="3782"/>
+                </a:lnTo>
+                <a:lnTo>
+                  <a:pt x="90" y="3752"/>
+                </a:lnTo>
+                <a:lnTo>
+                  <a:pt x="80" y="3726"/>
+                </a:lnTo>
+                <a:lnTo>
+                  <a:pt x="68" y="3702"/>
+                </a:lnTo>
+                <a:lnTo>
+                  <a:pt x="56" y="3679"/>
+                </a:lnTo>
+                <a:lnTo>
+                  <a:pt x="44" y="3655"/>
+                </a:lnTo>
+                <a:lnTo>
+                  <a:pt x="33" y="3630"/>
+                </a:lnTo>
+                <a:lnTo>
+                  <a:pt x="22" y="3604"/>
+                </a:lnTo>
+                <a:lnTo>
+                  <a:pt x="13" y="3575"/>
+                </a:lnTo>
+                <a:lnTo>
+                  <a:pt x="7" y="3542"/>
+                </a:lnTo>
+                <a:lnTo>
+                  <a:pt x="1" y="3504"/>
+                </a:lnTo>
+                <a:lnTo>
+                  <a:pt x="0" y="3461"/>
+                </a:lnTo>
+                <a:lnTo>
+                  <a:pt x="1" y="3418"/>
+                </a:lnTo>
+                <a:lnTo>
+                  <a:pt x="7" y="3380"/>
+                </a:lnTo>
+                <a:lnTo>
+                  <a:pt x="13" y="3347"/>
+                </a:lnTo>
+                <a:lnTo>
+                  <a:pt x="22" y="3319"/>
+                </a:lnTo>
+                <a:lnTo>
+                  <a:pt x="33" y="3292"/>
+                </a:lnTo>
+                <a:lnTo>
+                  <a:pt x="44" y="3267"/>
+                </a:lnTo>
+                <a:lnTo>
+                  <a:pt x="56" y="3244"/>
+                </a:lnTo>
+                <a:lnTo>
+                  <a:pt x="68" y="3222"/>
+                </a:lnTo>
+                <a:lnTo>
+                  <a:pt x="80" y="3197"/>
+                </a:lnTo>
+                <a:lnTo>
+                  <a:pt x="90" y="3171"/>
+                </a:lnTo>
+                <a:lnTo>
+                  <a:pt x="99" y="3142"/>
+                </a:lnTo>
+                <a:lnTo>
+                  <a:pt x="106" y="3109"/>
+                </a:lnTo>
+                <a:lnTo>
+                  <a:pt x="111" y="3071"/>
+                </a:lnTo>
+                <a:lnTo>
+                  <a:pt x="113" y="3028"/>
+                </a:lnTo>
+                <a:lnTo>
+                  <a:pt x="111" y="2985"/>
+                </a:lnTo>
+                <a:lnTo>
+                  <a:pt x="106" y="2947"/>
+                </a:lnTo>
+                <a:lnTo>
+                  <a:pt x="99" y="2914"/>
+                </a:lnTo>
+                <a:lnTo>
+                  <a:pt x="90" y="2885"/>
+                </a:lnTo>
+                <a:lnTo>
+                  <a:pt x="80" y="2858"/>
+                </a:lnTo>
+                <a:lnTo>
+                  <a:pt x="68" y="2834"/>
+                </a:lnTo>
+                <a:lnTo>
+                  <a:pt x="44" y="2787"/>
+                </a:lnTo>
+                <a:lnTo>
+                  <a:pt x="33" y="2763"/>
+                </a:lnTo>
+                <a:lnTo>
+                  <a:pt x="22" y="2736"/>
+                </a:lnTo>
+                <a:lnTo>
+                  <a:pt x="13" y="2707"/>
+                </a:lnTo>
+                <a:lnTo>
+                  <a:pt x="7" y="2674"/>
+                </a:lnTo>
+                <a:lnTo>
+                  <a:pt x="1" y="2637"/>
+                </a:lnTo>
+                <a:lnTo>
+                  <a:pt x="0" y="2593"/>
+                </a:lnTo>
+                <a:lnTo>
+                  <a:pt x="1" y="2550"/>
+                </a:lnTo>
+                <a:lnTo>
+                  <a:pt x="7" y="2512"/>
+                </a:lnTo>
+                <a:lnTo>
+                  <a:pt x="13" y="2479"/>
+                </a:lnTo>
+                <a:lnTo>
+                  <a:pt x="22" y="2451"/>
+                </a:lnTo>
+                <a:lnTo>
+                  <a:pt x="33" y="2424"/>
+                </a:lnTo>
+                <a:lnTo>
+                  <a:pt x="44" y="2401"/>
+                </a:lnTo>
+                <a:lnTo>
+                  <a:pt x="68" y="2354"/>
+                </a:lnTo>
+                <a:lnTo>
+                  <a:pt x="80" y="2329"/>
+                </a:lnTo>
+                <a:lnTo>
+                  <a:pt x="90" y="2303"/>
+                </a:lnTo>
+                <a:lnTo>
+                  <a:pt x="99" y="2274"/>
+                </a:lnTo>
+                <a:lnTo>
+                  <a:pt x="106" y="2241"/>
+                </a:lnTo>
+                <a:lnTo>
+                  <a:pt x="111" y="2203"/>
+                </a:lnTo>
+                <a:lnTo>
+                  <a:pt x="113" y="2159"/>
+                </a:lnTo>
+                <a:lnTo>
+                  <a:pt x="111" y="2117"/>
+                </a:lnTo>
+                <a:lnTo>
+                  <a:pt x="106" y="2079"/>
+                </a:lnTo>
+                <a:lnTo>
+                  <a:pt x="99" y="2046"/>
+                </a:lnTo>
+                <a:lnTo>
+                  <a:pt x="90" y="2017"/>
+                </a:lnTo>
+                <a:lnTo>
+                  <a:pt x="80" y="1991"/>
+                </a:lnTo>
+                <a:lnTo>
+                  <a:pt x="68" y="1966"/>
+                </a:lnTo>
+                <a:lnTo>
+                  <a:pt x="56" y="1943"/>
+                </a:lnTo>
+                <a:lnTo>
+                  <a:pt x="44" y="1919"/>
+                </a:lnTo>
+                <a:lnTo>
+                  <a:pt x="33" y="1896"/>
+                </a:lnTo>
+                <a:lnTo>
+                  <a:pt x="22" y="1869"/>
+                </a:lnTo>
+                <a:lnTo>
+                  <a:pt x="13" y="1841"/>
+                </a:lnTo>
+                <a:lnTo>
+                  <a:pt x="7" y="1807"/>
+                </a:lnTo>
+                <a:lnTo>
+                  <a:pt x="1" y="1770"/>
+                </a:lnTo>
+                <a:lnTo>
+                  <a:pt x="0" y="1727"/>
+                </a:lnTo>
+                <a:lnTo>
+                  <a:pt x="1" y="1683"/>
+                </a:lnTo>
+                <a:lnTo>
+                  <a:pt x="7" y="1646"/>
+                </a:lnTo>
+                <a:lnTo>
+                  <a:pt x="13" y="1613"/>
+                </a:lnTo>
+                <a:lnTo>
+                  <a:pt x="22" y="1583"/>
+                </a:lnTo>
+                <a:lnTo>
+                  <a:pt x="33" y="1557"/>
+                </a:lnTo>
+                <a:lnTo>
+                  <a:pt x="44" y="1533"/>
+                </a:lnTo>
+                <a:lnTo>
+                  <a:pt x="56" y="1509"/>
+                </a:lnTo>
+                <a:lnTo>
+                  <a:pt x="68" y="1486"/>
+                </a:lnTo>
+                <a:lnTo>
+                  <a:pt x="80" y="1461"/>
+                </a:lnTo>
+                <a:lnTo>
+                  <a:pt x="90" y="1435"/>
+                </a:lnTo>
+                <a:lnTo>
+                  <a:pt x="99" y="1406"/>
+                </a:lnTo>
+                <a:lnTo>
+                  <a:pt x="106" y="1373"/>
+                </a:lnTo>
+                <a:lnTo>
+                  <a:pt x="111" y="1335"/>
+                </a:lnTo>
+                <a:lnTo>
+                  <a:pt x="113" y="1292"/>
+                </a:lnTo>
+                <a:lnTo>
+                  <a:pt x="111" y="1249"/>
+                </a:lnTo>
+                <a:lnTo>
+                  <a:pt x="106" y="1211"/>
+                </a:lnTo>
+                <a:lnTo>
+                  <a:pt x="99" y="1178"/>
+                </a:lnTo>
+                <a:lnTo>
+                  <a:pt x="90" y="1149"/>
+                </a:lnTo>
+                <a:lnTo>
+                  <a:pt x="80" y="1123"/>
+                </a:lnTo>
+                <a:lnTo>
+                  <a:pt x="68" y="1098"/>
+                </a:lnTo>
+                <a:lnTo>
+                  <a:pt x="56" y="1076"/>
+                </a:lnTo>
+                <a:lnTo>
+                  <a:pt x="44" y="1053"/>
+                </a:lnTo>
+                <a:lnTo>
+                  <a:pt x="33" y="1028"/>
+                </a:lnTo>
+                <a:lnTo>
+                  <a:pt x="22" y="1001"/>
+                </a:lnTo>
+                <a:lnTo>
+                  <a:pt x="13" y="973"/>
+                </a:lnTo>
+                <a:lnTo>
+                  <a:pt x="7" y="940"/>
+                </a:lnTo>
+                <a:lnTo>
+                  <a:pt x="1" y="902"/>
+                </a:lnTo>
+                <a:lnTo>
+                  <a:pt x="0" y="859"/>
+                </a:lnTo>
+                <a:lnTo>
+                  <a:pt x="1" y="816"/>
+                </a:lnTo>
+                <a:lnTo>
+                  <a:pt x="7" y="778"/>
+                </a:lnTo>
+                <a:lnTo>
+                  <a:pt x="13" y="745"/>
+                </a:lnTo>
+                <a:lnTo>
+                  <a:pt x="22" y="716"/>
+                </a:lnTo>
+                <a:lnTo>
+                  <a:pt x="33" y="690"/>
+                </a:lnTo>
+                <a:lnTo>
+                  <a:pt x="44" y="665"/>
+                </a:lnTo>
+                <a:lnTo>
+                  <a:pt x="56" y="641"/>
+                </a:lnTo>
+                <a:lnTo>
+                  <a:pt x="68" y="618"/>
+                </a:lnTo>
+                <a:lnTo>
+                  <a:pt x="80" y="594"/>
+                </a:lnTo>
+                <a:lnTo>
+                  <a:pt x="90" y="568"/>
+                </a:lnTo>
+                <a:lnTo>
+                  <a:pt x="99" y="538"/>
+                </a:lnTo>
+                <a:lnTo>
+                  <a:pt x="106" y="505"/>
+                </a:lnTo>
+                <a:lnTo>
+                  <a:pt x="111" y="469"/>
+                </a:lnTo>
+                <a:lnTo>
+                  <a:pt x="113" y="424"/>
+                </a:lnTo>
+                <a:lnTo>
+                  <a:pt x="111" y="382"/>
+                </a:lnTo>
+                <a:lnTo>
+                  <a:pt x="106" y="344"/>
+                </a:lnTo>
+                <a:lnTo>
+                  <a:pt x="99" y="313"/>
+                </a:lnTo>
+                <a:lnTo>
+                  <a:pt x="90" y="284"/>
+                </a:lnTo>
+                <a:lnTo>
+                  <a:pt x="80" y="258"/>
+                </a:lnTo>
+                <a:lnTo>
+                  <a:pt x="69" y="233"/>
+                </a:lnTo>
+                <a:lnTo>
+                  <a:pt x="58" y="211"/>
+                </a:lnTo>
+                <a:lnTo>
+                  <a:pt x="46" y="187"/>
+                </a:lnTo>
+                <a:lnTo>
+                  <a:pt x="34" y="164"/>
+                </a:lnTo>
+                <a:lnTo>
+                  <a:pt x="24" y="137"/>
+                </a:lnTo>
+                <a:lnTo>
+                  <a:pt x="14" y="110"/>
+                </a:lnTo>
+                <a:lnTo>
+                  <a:pt x="8" y="77"/>
+                </a:lnTo>
+                <a:lnTo>
+                  <a:pt x="3" y="42"/>
+                </a:lnTo>
+                <a:lnTo>
+                  <a:pt x="0" y="0"/>
+                </a:lnTo>
+                <a:close/>
+              </a:path>
+            </a:pathLst>
+          </a:custGeom>
+          <a:solidFill>
+            <a:schemeClr val="tx2"/>
+          </a:solidFill>
+          <a:ln w="0">
+            <a:noFill/>
+            <a:prstDash val="solid"/>
+            <a:round/>
+            <a:headEnd/>
+            <a:tailEnd/>
+          </a:ln>
+        </p:spPr>
+      </p:sp>
+      <p:sp>
+        <p:nvSpPr>
+          <p:cNvPr id="12" name="Rectangle 11" title="left edge border"/>
+          <p:cNvSpPr/>
+          <p:nvPr/>
+        </p:nvSpPr>
+        <p:spPr>
+          <a:xfrm>
+            <a:off x="0" y="0"/>
+            <a:ext cx="283464" cy="6858000"/>
+          </a:xfrm>
+          <a:prstGeom prst="rect">
+            <a:avLst/>
+          </a:prstGeom>
+          <a:solidFill>
+            <a:schemeClr val="accent1"/>
+          </a:solidFill>
+          <a:ln>
+            <a:noFill/>
+          </a:ln>
+        </p:spPr>
+        <p:style>
+          <a:lnRef idx="2">
+            <a:schemeClr val="accent1">
+              <a:shade val="50000"/>
+            </a:schemeClr>
+          </a:lnRef>
+          <a:fillRef idx="1">
+            <a:schemeClr val="accent1"/>
+          </a:fillRef>
+          <a:effectRef idx="0">
+            <a:schemeClr val="accent1"/>
+          </a:effectRef>
+          <a:fontRef idx="minor">
+            <a:schemeClr val="lt1"/>
+          </a:fontRef>
+        </p:style>
+      </p:sp>
+      <p:sp>
+        <p:nvSpPr>
+          <p:cNvPr id="2" name="Title 1"/>
+          <p:cNvSpPr>
+            <a:spLocks noGrp="1"/>
+          </p:cNvSpPr>
+          <p:nvPr>
+            <p:ph type="title"/>
+          </p:nvPr>
+        </p:nvSpPr>
+        <p:spPr>
+          <a:xfrm>
+            <a:off x="8337883" y="457200"/>
+            <a:ext cx="3092117" cy="1196670"/>
+          </a:xfrm>
+        </p:spPr>
+        <p:txBody>
+          <a:bodyPr anchor="b">
+            <a:normAutofit/>
+          </a:bodyPr>
+          <a:lstStyle>
+            <a:lvl1pPr>
+              <a:lnSpc>
+                <a:spcPct val="100000"/>
+              </a:lnSpc>
+              <a:defRPr sz="1900" b="1" i="0" spc="300" baseline="0">
+                <a:solidFill>
+                  <a:schemeClr val="accent1"/>
+                </a:solidFill>
+                <a:latin typeface="+mn-lt"/>
+              </a:defRPr>
+            </a:lvl1pPr>
+          </a:lstStyle>
+          <a:p>
+            <a:r>
+              <a:rPr lang="ja-JP" altLang="en-US" smtClean="0"/>
+              <a:t>マスター タイトルの書式設定</a:t>
+            </a:r>
+            <a:endParaRPr lang="en-US" dirty="0"/>
+          </a:p>
+        </p:txBody>
+      </p:sp>
+      <p:sp>
+        <p:nvSpPr>
+          <p:cNvPr id="4" name="Text Placeholder 3"/>
           <p:cNvSpPr>
             <a:spLocks noGrp="1"/>
           </p:cNvSpPr>
@@ -2539,16 +5773,26 @@
         </p:nvSpPr>
         <p:spPr>
           <a:xfrm>
-            <a:off x="839788" y="2057400"/>
-            <a:ext cx="3932237" cy="3811588"/>
+            <a:off x="8337883" y="1741336"/>
+            <a:ext cx="3092117" cy="4164164"/>
           </a:xfrm>
         </p:spPr>
         <p:txBody>
           <a:bodyPr/>
           <a:lstStyle>
             <a:lvl1pPr marL="0" indent="0">
+              <a:lnSpc>
+                <a:spcPct val="120000"/>
+              </a:lnSpc>
+              <a:spcBef>
+                <a:spcPts val="1200"/>
+              </a:spcBef>
               <a:buNone/>
-              <a:defRPr sz="1600"/>
+              <a:defRPr sz="1600" baseline="0">
+                <a:solidFill>
+                  <a:schemeClr val="bg2"/>
+                </a:solidFill>
+              </a:defRPr>
             </a:lvl1pPr>
             <a:lvl2pPr marL="457200" indent="0">
               <a:buNone/>
@@ -2586,7 +5830,7 @@
           <a:p>
             <a:pPr lvl="0"/>
             <a:r>
-              <a:rPr kumimoji="1" lang="ja-JP" altLang="en-US" smtClean="0"/>
+              <a:rPr lang="ja-JP" altLang="en-US" smtClean="0"/>
               <a:t>マスター テキストの書式設定</a:t>
             </a:r>
           </a:p>
@@ -2594,7 +5838,7 @@
       </p:sp>
       <p:sp>
         <p:nvSpPr>
-          <p:cNvPr id="5" name="日付プレースホルダー 4"/>
+          <p:cNvPr id="5" name="Date Placeholder 4"/>
           <p:cNvSpPr>
             <a:spLocks noGrp="1"/>
           </p:cNvSpPr>
@@ -2602,14 +5846,19 @@
             <p:ph type="dt" sz="half" idx="10"/>
           </p:nvPr>
         </p:nvSpPr>
-        <p:spPr/>
+        <p:spPr>
+          <a:xfrm>
+            <a:off x="765950" y="6375679"/>
+            <a:ext cx="1232456" cy="348462"/>
+          </a:xfrm>
+        </p:spPr>
         <p:txBody>
           <a:bodyPr/>
           <a:lstStyle/>
           <a:p>
             <a:fld id="{9D66B535-76A4-4AD0-880D-CDDC4D45B4F8}" type="datetimeFigureOut">
               <a:rPr kumimoji="1" lang="ja-JP" altLang="en-US" smtClean="0"/>
-              <a:t>2022/11/2</a:t>
+              <a:t>2022/11/21</a:t>
             </a:fld>
             <a:endParaRPr kumimoji="1" lang="ja-JP" altLang="en-US"/>
           </a:p>
@@ -2617,7 +5866,7 @@
       </p:sp>
       <p:sp>
         <p:nvSpPr>
-          <p:cNvPr id="6" name="フッター プレースホルダー 5"/>
+          <p:cNvPr id="6" name="Footer Placeholder 5"/>
           <p:cNvSpPr>
             <a:spLocks noGrp="1"/>
           </p:cNvSpPr>
@@ -2625,18 +5874,23 @@
             <p:ph type="ftr" sz="quarter" idx="11"/>
           </p:nvPr>
         </p:nvSpPr>
-        <p:spPr/>
+        <p:spPr>
+          <a:xfrm>
+            <a:off x="2103621" y="6375679"/>
+            <a:ext cx="3482178" cy="345796"/>
+          </a:xfrm>
+        </p:spPr>
         <p:txBody>
           <a:bodyPr/>
           <a:lstStyle/>
           <a:p>
-            <a:endParaRPr kumimoji="1" lang="ja-JP" altLang="en-US"/>
+            <a:endParaRPr lang="en-US" dirty="0"/>
           </a:p>
         </p:txBody>
       </p:sp>
       <p:sp>
         <p:nvSpPr>
-          <p:cNvPr id="7" name="スライド番号プレースホルダー 6"/>
+          <p:cNvPr id="7" name="Slide Number Placeholder 6"/>
           <p:cNvSpPr>
             <a:spLocks noGrp="1"/>
           </p:cNvSpPr>
@@ -2644,7 +5898,12 @@
             <p:ph type="sldNum" sz="quarter" idx="12"/>
           </p:nvPr>
         </p:nvSpPr>
-        <p:spPr/>
+        <p:spPr>
+          <a:xfrm>
+            <a:off x="5687568" y="6375679"/>
+            <a:ext cx="1234440" cy="345796"/>
+          </a:xfrm>
+        </p:spPr>
         <p:txBody>
           <a:bodyPr/>
           <a:lstStyle/>
@@ -2660,7 +5919,7 @@
     </p:spTree>
     <p:extLst>
       <p:ext uri="{BB962C8B-B14F-4D97-AF65-F5344CB8AC3E}">
-        <p14:creationId xmlns:p14="http://schemas.microsoft.com/office/powerpoint/2010/main" val="2150546310"/>
+        <p14:creationId xmlns:p14="http://schemas.microsoft.com/office/powerpoint/2010/main" val="3940208020"/>
       </p:ext>
     </p:extLst>
   </p:cSld>
@@ -2674,9 +5933,12 @@
 <p:sldMaster xmlns:a="http://schemas.openxmlformats.org/drawingml/2006/main" xmlns:r="http://schemas.openxmlformats.org/officeDocument/2006/relationships" xmlns:p="http://schemas.openxmlformats.org/presentationml/2006/main">
   <p:cSld>
     <p:bg>
-      <p:bgRef idx="1001">
-        <a:schemeClr val="bg1"/>
-      </p:bgRef>
+      <p:bgPr>
+        <a:solidFill>
+          <a:schemeClr val="bg2"/>
+        </a:solidFill>
+        <a:effectLst/>
+      </p:bgPr>
     </p:bg>
     <p:spTree>
       <p:nvGrpSpPr>
@@ -2694,7 +5956,7 @@
       </p:grpSpPr>
       <p:sp>
         <p:nvSpPr>
-          <p:cNvPr id="2" name="タイトル プレースホルダー 1"/>
+          <p:cNvPr id="2" name="Title Placeholder 1"/>
           <p:cNvSpPr>
             <a:spLocks noGrp="1"/>
           </p:cNvSpPr>
@@ -2704,30 +5966,30 @@
         </p:nvSpPr>
         <p:spPr>
           <a:xfrm>
-            <a:off x="838200" y="365125"/>
-            <a:ext cx="10515600" cy="1325563"/>
+            <a:off x="1251678" y="382385"/>
+            <a:ext cx="10178322" cy="1492132"/>
           </a:xfrm>
           <a:prstGeom prst="rect">
             <a:avLst/>
           </a:prstGeom>
         </p:spPr>
         <p:txBody>
-          <a:bodyPr vert="horz" lIns="91440" tIns="45720" rIns="91440" bIns="45720" rtlCol="0" anchor="ctr">
+          <a:bodyPr vert="horz" lIns="91440" tIns="45720" rIns="91440" bIns="45720" rtlCol="0" anchor="t">
             <a:normAutofit/>
           </a:bodyPr>
           <a:lstStyle/>
           <a:p>
             <a:r>
-              <a:rPr kumimoji="1" lang="ja-JP" altLang="en-US" smtClean="0"/>
+              <a:rPr lang="ja-JP" altLang="en-US" smtClean="0"/>
               <a:t>マスター タイトルの書式設定</a:t>
             </a:r>
-            <a:endParaRPr kumimoji="1" lang="ja-JP" altLang="en-US"/>
+            <a:endParaRPr lang="en-US" dirty="0"/>
           </a:p>
         </p:txBody>
       </p:sp>
       <p:sp>
         <p:nvSpPr>
-          <p:cNvPr id="3" name="テキスト プレースホルダー 2"/>
+          <p:cNvPr id="3" name="Text Placeholder 2"/>
           <p:cNvSpPr>
             <a:spLocks noGrp="1"/>
           </p:cNvSpPr>
@@ -2737,8 +5999,8 @@
         </p:nvSpPr>
         <p:spPr>
           <a:xfrm>
-            <a:off x="838200" y="1825625"/>
-            <a:ext cx="10515600" cy="4351338"/>
+            <a:off x="1251678" y="2286001"/>
+            <a:ext cx="10178322" cy="3593591"/>
           </a:xfrm>
           <a:prstGeom prst="rect">
             <a:avLst/>
@@ -2752,76 +6014,76 @@
           <a:p>
             <a:pPr lvl="0"/>
             <a:r>
-              <a:rPr kumimoji="1" lang="ja-JP" altLang="en-US" smtClean="0"/>
+              <a:rPr lang="ja-JP" altLang="en-US" smtClean="0"/>
               <a:t>マスター テキストの書式設定</a:t>
             </a:r>
           </a:p>
           <a:p>
             <a:pPr lvl="1"/>
             <a:r>
-              <a:rPr kumimoji="1" lang="ja-JP" altLang="en-US" smtClean="0"/>
+              <a:rPr lang="ja-JP" altLang="en-US" smtClean="0"/>
               <a:t>第 </a:t>
             </a:r>
             <a:r>
-              <a:rPr kumimoji="1" lang="en-US" altLang="ja-JP" smtClean="0"/>
+              <a:rPr lang="en-US" altLang="ja-JP" smtClean="0"/>
               <a:t>2 </a:t>
             </a:r>
             <a:r>
-              <a:rPr kumimoji="1" lang="ja-JP" altLang="en-US" smtClean="0"/>
+              <a:rPr lang="ja-JP" altLang="en-US" smtClean="0"/>
               <a:t>レベル</a:t>
             </a:r>
           </a:p>
           <a:p>
             <a:pPr lvl="2"/>
             <a:r>
-              <a:rPr kumimoji="1" lang="ja-JP" altLang="en-US" smtClean="0"/>
+              <a:rPr lang="ja-JP" altLang="en-US" smtClean="0"/>
               <a:t>第 </a:t>
             </a:r>
             <a:r>
-              <a:rPr kumimoji="1" lang="en-US" altLang="ja-JP" smtClean="0"/>
+              <a:rPr lang="en-US" altLang="ja-JP" smtClean="0"/>
               <a:t>3 </a:t>
             </a:r>
             <a:r>
-              <a:rPr kumimoji="1" lang="ja-JP" altLang="en-US" smtClean="0"/>
+              <a:rPr lang="ja-JP" altLang="en-US" smtClean="0"/>
               <a:t>レベル</a:t>
             </a:r>
           </a:p>
           <a:p>
             <a:pPr lvl="3"/>
             <a:r>
-              <a:rPr kumimoji="1" lang="ja-JP" altLang="en-US" smtClean="0"/>
+              <a:rPr lang="ja-JP" altLang="en-US" smtClean="0"/>
               <a:t>第 </a:t>
             </a:r>
             <a:r>
-              <a:rPr kumimoji="1" lang="en-US" altLang="ja-JP" smtClean="0"/>
+              <a:rPr lang="en-US" altLang="ja-JP" smtClean="0"/>
               <a:t>4 </a:t>
             </a:r>
             <a:r>
-              <a:rPr kumimoji="1" lang="ja-JP" altLang="en-US" smtClean="0"/>
+              <a:rPr lang="ja-JP" altLang="en-US" smtClean="0"/>
               <a:t>レベル</a:t>
             </a:r>
           </a:p>
           <a:p>
             <a:pPr lvl="4"/>
             <a:r>
-              <a:rPr kumimoji="1" lang="ja-JP" altLang="en-US" smtClean="0"/>
+              <a:rPr lang="ja-JP" altLang="en-US" smtClean="0"/>
               <a:t>第 </a:t>
             </a:r>
             <a:r>
-              <a:rPr kumimoji="1" lang="en-US" altLang="ja-JP" smtClean="0"/>
+              <a:rPr lang="en-US" altLang="ja-JP" smtClean="0"/>
               <a:t>5 </a:t>
             </a:r>
             <a:r>
-              <a:rPr kumimoji="1" lang="ja-JP" altLang="en-US" smtClean="0"/>
+              <a:rPr lang="ja-JP" altLang="en-US" smtClean="0"/>
               <a:t>レベル</a:t>
             </a:r>
-            <a:endParaRPr kumimoji="1" lang="ja-JP" altLang="en-US"/>
+            <a:endParaRPr lang="en-US" dirty="0"/>
           </a:p>
         </p:txBody>
       </p:sp>
       <p:sp>
         <p:nvSpPr>
-          <p:cNvPr id="4" name="日付プレースホルダー 3"/>
+          <p:cNvPr id="4" name="Date Placeholder 3"/>
           <p:cNvSpPr>
             <a:spLocks noGrp="1"/>
           </p:cNvSpPr>
@@ -2831,8 +6093,8 @@
         </p:nvSpPr>
         <p:spPr>
           <a:xfrm>
-            <a:off x="838200" y="6356350"/>
-            <a:ext cx="2743200" cy="365125"/>
+            <a:off x="1251678" y="6375679"/>
+            <a:ext cx="2329722" cy="348462"/>
           </a:xfrm>
           <a:prstGeom prst="rect">
             <a:avLst/>
@@ -2845,7 +6107,8 @@
               <a:defRPr sz="1200">
                 <a:solidFill>
                   <a:schemeClr val="tx1">
-                    <a:tint val="75000"/>
+                    <a:lumMod val="65000"/>
+                    <a:lumOff val="35000"/>
                   </a:schemeClr>
                 </a:solidFill>
               </a:defRPr>
@@ -2854,7 +6117,7 @@
           <a:p>
             <a:fld id="{9D66B535-76A4-4AD0-880D-CDDC4D45B4F8}" type="datetimeFigureOut">
               <a:rPr kumimoji="1" lang="ja-JP" altLang="en-US" smtClean="0"/>
-              <a:t>2022/11/2</a:t>
+              <a:t>2022/11/21</a:t>
             </a:fld>
             <a:endParaRPr kumimoji="1" lang="ja-JP" altLang="en-US"/>
           </a:p>
@@ -2862,7 +6125,7 @@
       </p:sp>
       <p:sp>
         <p:nvSpPr>
-          <p:cNvPr id="5" name="フッター プレースホルダー 4"/>
+          <p:cNvPr id="5" name="Footer Placeholder 4"/>
           <p:cNvSpPr>
             <a:spLocks noGrp="1"/>
           </p:cNvSpPr>
@@ -2872,8 +6135,8 @@
         </p:nvSpPr>
         <p:spPr>
           <a:xfrm>
-            <a:off x="4038600" y="6356350"/>
-            <a:ext cx="4114800" cy="365125"/>
+            <a:off x="4038600" y="6375679"/>
+            <a:ext cx="4114800" cy="345796"/>
           </a:xfrm>
           <a:prstGeom prst="rect">
             <a:avLst/>
@@ -2886,7 +6149,8 @@
               <a:defRPr sz="1200">
                 <a:solidFill>
                   <a:schemeClr val="tx1">
-                    <a:tint val="75000"/>
+                    <a:lumMod val="65000"/>
+                    <a:lumOff val="35000"/>
                   </a:schemeClr>
                 </a:solidFill>
               </a:defRPr>
@@ -2899,7 +6163,7 @@
       </p:sp>
       <p:sp>
         <p:nvSpPr>
-          <p:cNvPr id="6" name="スライド番号プレースホルダー 5"/>
+          <p:cNvPr id="6" name="Slide Number Placeholder 5"/>
           <p:cNvSpPr>
             <a:spLocks noGrp="1"/>
           </p:cNvSpPr>
@@ -2909,8 +6173,8 @@
         </p:nvSpPr>
         <p:spPr>
           <a:xfrm>
-            <a:off x="8610600" y="6356350"/>
-            <a:ext cx="2743200" cy="365125"/>
+            <a:off x="8610601" y="6375679"/>
+            <a:ext cx="2819399" cy="345796"/>
           </a:xfrm>
           <a:prstGeom prst="rect">
             <a:avLst/>
@@ -2923,7 +6187,8 @@
               <a:defRPr sz="1200">
                 <a:solidFill>
                   <a:schemeClr val="tx1">
-                    <a:tint val="75000"/>
+                    <a:lumMod val="65000"/>
+                    <a:lumOff val="35000"/>
                   </a:schemeClr>
                 </a:solidFill>
               </a:defRPr>
@@ -2938,26 +6203,528 @@
           </a:p>
         </p:txBody>
       </p:sp>
+      <p:sp>
+        <p:nvSpPr>
+          <p:cNvPr id="11" name="Freeform 6" title="Left scallop edge"/>
+          <p:cNvSpPr/>
+          <p:nvPr/>
+        </p:nvSpPr>
+        <p:spPr bwMode="auto">
+          <a:xfrm>
+            <a:off x="0" y="0"/>
+            <a:ext cx="885825" cy="6858000"/>
+          </a:xfrm>
+          <a:custGeom>
+            <a:avLst/>
+            <a:gdLst/>
+            <a:ahLst/>
+            <a:cxnLst/>
+            <a:rect l="0" t="0" r="r" b="b"/>
+            <a:pathLst>
+              <a:path w="558" h="4320">
+                <a:moveTo>
+                  <a:pt x="0" y="0"/>
+                </a:moveTo>
+                <a:lnTo>
+                  <a:pt x="447" y="0"/>
+                </a:lnTo>
+                <a:lnTo>
+                  <a:pt x="448" y="43"/>
+                </a:lnTo>
+                <a:lnTo>
+                  <a:pt x="453" y="81"/>
+                </a:lnTo>
+                <a:lnTo>
+                  <a:pt x="460" y="114"/>
+                </a:lnTo>
+                <a:lnTo>
+                  <a:pt x="469" y="143"/>
+                </a:lnTo>
+                <a:lnTo>
+                  <a:pt x="479" y="169"/>
+                </a:lnTo>
+                <a:lnTo>
+                  <a:pt x="491" y="192"/>
+                </a:lnTo>
+                <a:lnTo>
+                  <a:pt x="503" y="216"/>
+                </a:lnTo>
+                <a:lnTo>
+                  <a:pt x="515" y="240"/>
+                </a:lnTo>
+                <a:lnTo>
+                  <a:pt x="525" y="263"/>
+                </a:lnTo>
+                <a:lnTo>
+                  <a:pt x="535" y="289"/>
+                </a:lnTo>
+                <a:lnTo>
+                  <a:pt x="545" y="318"/>
+                </a:lnTo>
+                <a:lnTo>
+                  <a:pt x="552" y="351"/>
+                </a:lnTo>
+                <a:lnTo>
+                  <a:pt x="556" y="389"/>
+                </a:lnTo>
+                <a:lnTo>
+                  <a:pt x="558" y="432"/>
+                </a:lnTo>
+                <a:lnTo>
+                  <a:pt x="556" y="475"/>
+                </a:lnTo>
+                <a:lnTo>
+                  <a:pt x="552" y="513"/>
+                </a:lnTo>
+                <a:lnTo>
+                  <a:pt x="545" y="546"/>
+                </a:lnTo>
+                <a:lnTo>
+                  <a:pt x="535" y="575"/>
+                </a:lnTo>
+                <a:lnTo>
+                  <a:pt x="525" y="601"/>
+                </a:lnTo>
+                <a:lnTo>
+                  <a:pt x="515" y="624"/>
+                </a:lnTo>
+                <a:lnTo>
+                  <a:pt x="503" y="648"/>
+                </a:lnTo>
+                <a:lnTo>
+                  <a:pt x="491" y="672"/>
+                </a:lnTo>
+                <a:lnTo>
+                  <a:pt x="479" y="695"/>
+                </a:lnTo>
+                <a:lnTo>
+                  <a:pt x="469" y="721"/>
+                </a:lnTo>
+                <a:lnTo>
+                  <a:pt x="460" y="750"/>
+                </a:lnTo>
+                <a:lnTo>
+                  <a:pt x="453" y="783"/>
+                </a:lnTo>
+                <a:lnTo>
+                  <a:pt x="448" y="821"/>
+                </a:lnTo>
+                <a:lnTo>
+                  <a:pt x="447" y="864"/>
+                </a:lnTo>
+                <a:lnTo>
+                  <a:pt x="448" y="907"/>
+                </a:lnTo>
+                <a:lnTo>
+                  <a:pt x="453" y="945"/>
+                </a:lnTo>
+                <a:lnTo>
+                  <a:pt x="460" y="978"/>
+                </a:lnTo>
+                <a:lnTo>
+                  <a:pt x="469" y="1007"/>
+                </a:lnTo>
+                <a:lnTo>
+                  <a:pt x="479" y="1033"/>
+                </a:lnTo>
+                <a:lnTo>
+                  <a:pt x="491" y="1056"/>
+                </a:lnTo>
+                <a:lnTo>
+                  <a:pt x="503" y="1080"/>
+                </a:lnTo>
+                <a:lnTo>
+                  <a:pt x="515" y="1104"/>
+                </a:lnTo>
+                <a:lnTo>
+                  <a:pt x="525" y="1127"/>
+                </a:lnTo>
+                <a:lnTo>
+                  <a:pt x="535" y="1153"/>
+                </a:lnTo>
+                <a:lnTo>
+                  <a:pt x="545" y="1182"/>
+                </a:lnTo>
+                <a:lnTo>
+                  <a:pt x="552" y="1215"/>
+                </a:lnTo>
+                <a:lnTo>
+                  <a:pt x="556" y="1253"/>
+                </a:lnTo>
+                <a:lnTo>
+                  <a:pt x="558" y="1296"/>
+                </a:lnTo>
+                <a:lnTo>
+                  <a:pt x="556" y="1339"/>
+                </a:lnTo>
+                <a:lnTo>
+                  <a:pt x="552" y="1377"/>
+                </a:lnTo>
+                <a:lnTo>
+                  <a:pt x="545" y="1410"/>
+                </a:lnTo>
+                <a:lnTo>
+                  <a:pt x="535" y="1439"/>
+                </a:lnTo>
+                <a:lnTo>
+                  <a:pt x="525" y="1465"/>
+                </a:lnTo>
+                <a:lnTo>
+                  <a:pt x="515" y="1488"/>
+                </a:lnTo>
+                <a:lnTo>
+                  <a:pt x="503" y="1512"/>
+                </a:lnTo>
+                <a:lnTo>
+                  <a:pt x="491" y="1536"/>
+                </a:lnTo>
+                <a:lnTo>
+                  <a:pt x="479" y="1559"/>
+                </a:lnTo>
+                <a:lnTo>
+                  <a:pt x="469" y="1585"/>
+                </a:lnTo>
+                <a:lnTo>
+                  <a:pt x="460" y="1614"/>
+                </a:lnTo>
+                <a:lnTo>
+                  <a:pt x="453" y="1647"/>
+                </a:lnTo>
+                <a:lnTo>
+                  <a:pt x="448" y="1685"/>
+                </a:lnTo>
+                <a:lnTo>
+                  <a:pt x="447" y="1728"/>
+                </a:lnTo>
+                <a:lnTo>
+                  <a:pt x="448" y="1771"/>
+                </a:lnTo>
+                <a:lnTo>
+                  <a:pt x="453" y="1809"/>
+                </a:lnTo>
+                <a:lnTo>
+                  <a:pt x="460" y="1842"/>
+                </a:lnTo>
+                <a:lnTo>
+                  <a:pt x="469" y="1871"/>
+                </a:lnTo>
+                <a:lnTo>
+                  <a:pt x="479" y="1897"/>
+                </a:lnTo>
+                <a:lnTo>
+                  <a:pt x="491" y="1920"/>
+                </a:lnTo>
+                <a:lnTo>
+                  <a:pt x="503" y="1944"/>
+                </a:lnTo>
+                <a:lnTo>
+                  <a:pt x="515" y="1968"/>
+                </a:lnTo>
+                <a:lnTo>
+                  <a:pt x="525" y="1991"/>
+                </a:lnTo>
+                <a:lnTo>
+                  <a:pt x="535" y="2017"/>
+                </a:lnTo>
+                <a:lnTo>
+                  <a:pt x="545" y="2046"/>
+                </a:lnTo>
+                <a:lnTo>
+                  <a:pt x="552" y="2079"/>
+                </a:lnTo>
+                <a:lnTo>
+                  <a:pt x="556" y="2117"/>
+                </a:lnTo>
+                <a:lnTo>
+                  <a:pt x="558" y="2159"/>
+                </a:lnTo>
+                <a:lnTo>
+                  <a:pt x="556" y="2203"/>
+                </a:lnTo>
+                <a:lnTo>
+                  <a:pt x="552" y="2241"/>
+                </a:lnTo>
+                <a:lnTo>
+                  <a:pt x="545" y="2274"/>
+                </a:lnTo>
+                <a:lnTo>
+                  <a:pt x="535" y="2303"/>
+                </a:lnTo>
+                <a:lnTo>
+                  <a:pt x="525" y="2329"/>
+                </a:lnTo>
+                <a:lnTo>
+                  <a:pt x="515" y="2352"/>
+                </a:lnTo>
+                <a:lnTo>
+                  <a:pt x="503" y="2376"/>
+                </a:lnTo>
+                <a:lnTo>
+                  <a:pt x="491" y="2400"/>
+                </a:lnTo>
+                <a:lnTo>
+                  <a:pt x="479" y="2423"/>
+                </a:lnTo>
+                <a:lnTo>
+                  <a:pt x="469" y="2449"/>
+                </a:lnTo>
+                <a:lnTo>
+                  <a:pt x="460" y="2478"/>
+                </a:lnTo>
+                <a:lnTo>
+                  <a:pt x="453" y="2511"/>
+                </a:lnTo>
+                <a:lnTo>
+                  <a:pt x="448" y="2549"/>
+                </a:lnTo>
+                <a:lnTo>
+                  <a:pt x="447" y="2592"/>
+                </a:lnTo>
+                <a:lnTo>
+                  <a:pt x="448" y="2635"/>
+                </a:lnTo>
+                <a:lnTo>
+                  <a:pt x="453" y="2673"/>
+                </a:lnTo>
+                <a:lnTo>
+                  <a:pt x="460" y="2706"/>
+                </a:lnTo>
+                <a:lnTo>
+                  <a:pt x="469" y="2735"/>
+                </a:lnTo>
+                <a:lnTo>
+                  <a:pt x="479" y="2761"/>
+                </a:lnTo>
+                <a:lnTo>
+                  <a:pt x="491" y="2784"/>
+                </a:lnTo>
+                <a:lnTo>
+                  <a:pt x="515" y="2832"/>
+                </a:lnTo>
+                <a:lnTo>
+                  <a:pt x="525" y="2855"/>
+                </a:lnTo>
+                <a:lnTo>
+                  <a:pt x="535" y="2881"/>
+                </a:lnTo>
+                <a:lnTo>
+                  <a:pt x="545" y="2910"/>
+                </a:lnTo>
+                <a:lnTo>
+                  <a:pt x="552" y="2943"/>
+                </a:lnTo>
+                <a:lnTo>
+                  <a:pt x="556" y="2981"/>
+                </a:lnTo>
+                <a:lnTo>
+                  <a:pt x="558" y="3024"/>
+                </a:lnTo>
+                <a:lnTo>
+                  <a:pt x="556" y="3067"/>
+                </a:lnTo>
+                <a:lnTo>
+                  <a:pt x="552" y="3105"/>
+                </a:lnTo>
+                <a:lnTo>
+                  <a:pt x="545" y="3138"/>
+                </a:lnTo>
+                <a:lnTo>
+                  <a:pt x="535" y="3167"/>
+                </a:lnTo>
+                <a:lnTo>
+                  <a:pt x="525" y="3193"/>
+                </a:lnTo>
+                <a:lnTo>
+                  <a:pt x="515" y="3216"/>
+                </a:lnTo>
+                <a:lnTo>
+                  <a:pt x="503" y="3240"/>
+                </a:lnTo>
+                <a:lnTo>
+                  <a:pt x="491" y="3264"/>
+                </a:lnTo>
+                <a:lnTo>
+                  <a:pt x="479" y="3287"/>
+                </a:lnTo>
+                <a:lnTo>
+                  <a:pt x="469" y="3313"/>
+                </a:lnTo>
+                <a:lnTo>
+                  <a:pt x="460" y="3342"/>
+                </a:lnTo>
+                <a:lnTo>
+                  <a:pt x="453" y="3375"/>
+                </a:lnTo>
+                <a:lnTo>
+                  <a:pt x="448" y="3413"/>
+                </a:lnTo>
+                <a:lnTo>
+                  <a:pt x="447" y="3456"/>
+                </a:lnTo>
+                <a:lnTo>
+                  <a:pt x="448" y="3499"/>
+                </a:lnTo>
+                <a:lnTo>
+                  <a:pt x="453" y="3537"/>
+                </a:lnTo>
+                <a:lnTo>
+                  <a:pt x="460" y="3570"/>
+                </a:lnTo>
+                <a:lnTo>
+                  <a:pt x="469" y="3599"/>
+                </a:lnTo>
+                <a:lnTo>
+                  <a:pt x="479" y="3625"/>
+                </a:lnTo>
+                <a:lnTo>
+                  <a:pt x="491" y="3648"/>
+                </a:lnTo>
+                <a:lnTo>
+                  <a:pt x="503" y="3672"/>
+                </a:lnTo>
+                <a:lnTo>
+                  <a:pt x="515" y="3696"/>
+                </a:lnTo>
+                <a:lnTo>
+                  <a:pt x="525" y="3719"/>
+                </a:lnTo>
+                <a:lnTo>
+                  <a:pt x="535" y="3745"/>
+                </a:lnTo>
+                <a:lnTo>
+                  <a:pt x="545" y="3774"/>
+                </a:lnTo>
+                <a:lnTo>
+                  <a:pt x="552" y="3807"/>
+                </a:lnTo>
+                <a:lnTo>
+                  <a:pt x="556" y="3845"/>
+                </a:lnTo>
+                <a:lnTo>
+                  <a:pt x="558" y="3888"/>
+                </a:lnTo>
+                <a:lnTo>
+                  <a:pt x="556" y="3931"/>
+                </a:lnTo>
+                <a:lnTo>
+                  <a:pt x="552" y="3969"/>
+                </a:lnTo>
+                <a:lnTo>
+                  <a:pt x="545" y="4002"/>
+                </a:lnTo>
+                <a:lnTo>
+                  <a:pt x="535" y="4031"/>
+                </a:lnTo>
+                <a:lnTo>
+                  <a:pt x="525" y="4057"/>
+                </a:lnTo>
+                <a:lnTo>
+                  <a:pt x="515" y="4080"/>
+                </a:lnTo>
+                <a:lnTo>
+                  <a:pt x="503" y="4104"/>
+                </a:lnTo>
+                <a:lnTo>
+                  <a:pt x="491" y="4128"/>
+                </a:lnTo>
+                <a:lnTo>
+                  <a:pt x="479" y="4151"/>
+                </a:lnTo>
+                <a:lnTo>
+                  <a:pt x="469" y="4177"/>
+                </a:lnTo>
+                <a:lnTo>
+                  <a:pt x="460" y="4206"/>
+                </a:lnTo>
+                <a:lnTo>
+                  <a:pt x="453" y="4239"/>
+                </a:lnTo>
+                <a:lnTo>
+                  <a:pt x="448" y="4277"/>
+                </a:lnTo>
+                <a:lnTo>
+                  <a:pt x="447" y="4320"/>
+                </a:lnTo>
+                <a:lnTo>
+                  <a:pt x="0" y="4320"/>
+                </a:lnTo>
+                <a:lnTo>
+                  <a:pt x="0" y="0"/>
+                </a:lnTo>
+                <a:close/>
+              </a:path>
+            </a:pathLst>
+          </a:custGeom>
+          <a:solidFill>
+            <a:schemeClr val="tx2"/>
+          </a:solidFill>
+          <a:ln w="0">
+            <a:noFill/>
+            <a:prstDash val="solid"/>
+            <a:round/>
+            <a:headEnd/>
+            <a:tailEnd/>
+          </a:ln>
+        </p:spPr>
+      </p:sp>
+      <p:sp>
+        <p:nvSpPr>
+          <p:cNvPr id="12" name="Rectangle 11" title="right edge border"/>
+          <p:cNvSpPr/>
+          <p:nvPr/>
+        </p:nvSpPr>
+        <p:spPr>
+          <a:xfrm>
+            <a:off x="11908536" y="0"/>
+            <a:ext cx="283464" cy="6858000"/>
+          </a:xfrm>
+          <a:prstGeom prst="rect">
+            <a:avLst/>
+          </a:prstGeom>
+          <a:solidFill>
+            <a:schemeClr val="accent1"/>
+          </a:solidFill>
+          <a:ln>
+            <a:noFill/>
+          </a:ln>
+        </p:spPr>
+        <p:style>
+          <a:lnRef idx="2">
+            <a:schemeClr val="accent1">
+              <a:shade val="50000"/>
+            </a:schemeClr>
+          </a:lnRef>
+          <a:fillRef idx="1">
+            <a:schemeClr val="accent1"/>
+          </a:fillRef>
+          <a:effectRef idx="0">
+            <a:schemeClr val="accent1"/>
+          </a:effectRef>
+          <a:fontRef idx="minor">
+            <a:schemeClr val="lt1"/>
+          </a:fontRef>
+        </p:style>
+      </p:sp>
     </p:spTree>
     <p:extLst>
       <p:ext uri="{BB962C8B-B14F-4D97-AF65-F5344CB8AC3E}">
-        <p14:creationId xmlns:p14="http://schemas.microsoft.com/office/powerpoint/2010/main" val="183573238"/>
+        <p14:creationId xmlns:p14="http://schemas.microsoft.com/office/powerpoint/2010/main" val="3869553142"/>
       </p:ext>
     </p:extLst>
   </p:cSld>
   <p:clrMap bg1="lt1" tx1="dk1" bg2="lt2" tx2="dk2" accent1="accent1" accent2="accent2" accent3="accent3" accent4="accent4" accent5="accent5" accent6="accent6" hlink="hlink" folHlink="folHlink"/>
   <p:sldLayoutIdLst>
-    <p:sldLayoutId id="2147483649" r:id="rId1"/>
-    <p:sldLayoutId id="2147483650" r:id="rId2"/>
-    <p:sldLayoutId id="2147483651" r:id="rId3"/>
-    <p:sldLayoutId id="2147483652" r:id="rId4"/>
-    <p:sldLayoutId id="2147483653" r:id="rId5"/>
-    <p:sldLayoutId id="2147483654" r:id="rId6"/>
-    <p:sldLayoutId id="2147483655" r:id="rId7"/>
-    <p:sldLayoutId id="2147483656" r:id="rId8"/>
-    <p:sldLayoutId id="2147483657" r:id="rId9"/>
-    <p:sldLayoutId id="2147483658" r:id="rId10"/>
-    <p:sldLayoutId id="2147483659" r:id="rId11"/>
+    <p:sldLayoutId id="2147483709" r:id="rId1"/>
+    <p:sldLayoutId id="2147483710" r:id="rId2"/>
+    <p:sldLayoutId id="2147483711" r:id="rId3"/>
+    <p:sldLayoutId id="2147483712" r:id="rId4"/>
+    <p:sldLayoutId id="2147483713" r:id="rId5"/>
+    <p:sldLayoutId id="2147483714" r:id="rId6"/>
+    <p:sldLayoutId id="2147483715" r:id="rId7"/>
+    <p:sldLayoutId id="2147483716" r:id="rId8"/>
+    <p:sldLayoutId id="2147483717" r:id="rId9"/>
+    <p:sldLayoutId id="2147483718" r:id="rId10"/>
+    <p:sldLayoutId id="2147483719" r:id="rId11"/>
   </p:sldLayoutIdLst>
   <p:txStyles>
     <p:titleStyle>
@@ -2969,9 +6736,9 @@
           <a:spcPct val="0"/>
         </a:spcBef>
         <a:buNone/>
-        <a:defRPr kumimoji="1" sz="4400" kern="1200">
+        <a:defRPr kumimoji="1" sz="5100" kern="1200" cap="all" spc="200" baseline="0">
           <a:solidFill>
-            <a:schemeClr val="tx1"/>
+            <a:schemeClr val="tx2"/>
           </a:solidFill>
           <a:latin typeface="+mj-lt"/>
           <a:ea typeface="+mj-ea"/>
@@ -2982,16 +6749,22 @@
     <p:bodyStyle>
       <a:lvl1pPr marL="228600" indent="-228600" algn="l" defTabSz="914400" rtl="0" eaLnBrk="1" latinLnBrk="0" hangingPunct="1">
         <a:lnSpc>
-          <a:spcPct val="90000"/>
+          <a:spcPct val="110000"/>
         </a:lnSpc>
         <a:spcBef>
-          <a:spcPts val="1000"/>
+          <a:spcPts val="700"/>
         </a:spcBef>
+        <a:buClr>
+          <a:schemeClr val="tx2"/>
+        </a:buClr>
         <a:buFont typeface="Arial" panose="020B0604020202020204" pitchFamily="34" charset="0"/>
         <a:buChar char="•"/>
-        <a:defRPr kumimoji="1" sz="2800" kern="1200">
+        <a:defRPr kumimoji="1" sz="2000" kern="1200">
           <a:solidFill>
-            <a:schemeClr val="tx1"/>
+            <a:schemeClr val="tx1">
+              <a:lumMod val="65000"/>
+              <a:lumOff val="35000"/>
+            </a:schemeClr>
           </a:solidFill>
           <a:latin typeface="+mn-lt"/>
           <a:ea typeface="+mn-ea"/>
@@ -3000,16 +6773,22 @@
       </a:lvl1pPr>
       <a:lvl2pPr marL="685800" indent="-228600" algn="l" defTabSz="914400" rtl="0" eaLnBrk="1" latinLnBrk="0" hangingPunct="1">
         <a:lnSpc>
-          <a:spcPct val="90000"/>
+          <a:spcPct val="110000"/>
         </a:lnSpc>
         <a:spcBef>
-          <a:spcPts val="500"/>
+          <a:spcPts val="700"/>
         </a:spcBef>
-        <a:buFont typeface="Arial" panose="020B0604020202020204" pitchFamily="34" charset="0"/>
-        <a:buChar char="•"/>
-        <a:defRPr kumimoji="1" sz="2400" kern="1200">
+        <a:buClr>
+          <a:schemeClr val="tx2"/>
+        </a:buClr>
+        <a:buFont typeface="Gill Sans MT" panose="020B0502020104020203" pitchFamily="34" charset="0"/>
+        <a:buChar char="–"/>
+        <a:defRPr kumimoji="1" sz="1800" kern="1200">
           <a:solidFill>
-            <a:schemeClr val="tx1"/>
+            <a:schemeClr val="tx1">
+              <a:lumMod val="65000"/>
+              <a:lumOff val="35000"/>
+            </a:schemeClr>
           </a:solidFill>
           <a:latin typeface="+mn-lt"/>
           <a:ea typeface="+mn-ea"/>
@@ -3018,16 +6797,22 @@
       </a:lvl2pPr>
       <a:lvl3pPr marL="1143000" indent="-228600" algn="l" defTabSz="914400" rtl="0" eaLnBrk="1" latinLnBrk="0" hangingPunct="1">
         <a:lnSpc>
-          <a:spcPct val="90000"/>
+          <a:spcPct val="110000"/>
         </a:lnSpc>
         <a:spcBef>
-          <a:spcPts val="500"/>
+          <a:spcPts val="700"/>
         </a:spcBef>
+        <a:buClr>
+          <a:schemeClr val="tx2"/>
+        </a:buClr>
         <a:buFont typeface="Arial" panose="020B0604020202020204" pitchFamily="34" charset="0"/>
         <a:buChar char="•"/>
-        <a:defRPr kumimoji="1" sz="2000" kern="1200">
+        <a:defRPr kumimoji="1" sz="1600" kern="1200">
           <a:solidFill>
-            <a:schemeClr val="tx1"/>
+            <a:schemeClr val="tx1">
+              <a:lumMod val="65000"/>
+              <a:lumOff val="35000"/>
+            </a:schemeClr>
           </a:solidFill>
           <a:latin typeface="+mn-lt"/>
           <a:ea typeface="+mn-ea"/>
@@ -3036,16 +6821,22 @@
       </a:lvl3pPr>
       <a:lvl4pPr marL="1600200" indent="-228600" algn="l" defTabSz="914400" rtl="0" eaLnBrk="1" latinLnBrk="0" hangingPunct="1">
         <a:lnSpc>
-          <a:spcPct val="90000"/>
+          <a:spcPct val="110000"/>
         </a:lnSpc>
         <a:spcBef>
-          <a:spcPts val="500"/>
+          <a:spcPts val="700"/>
         </a:spcBef>
-        <a:buFont typeface="Arial" panose="020B0604020202020204" pitchFamily="34" charset="0"/>
-        <a:buChar char="•"/>
-        <a:defRPr kumimoji="1" sz="1800" kern="1200">
+        <a:buClr>
+          <a:schemeClr val="tx2"/>
+        </a:buClr>
+        <a:buFont typeface="Gill Sans MT" panose="020B0502020104020203" pitchFamily="34" charset="0"/>
+        <a:buChar char="–"/>
+        <a:defRPr kumimoji="1" sz="1400" kern="1200">
           <a:solidFill>
-            <a:schemeClr val="tx1"/>
+            <a:schemeClr val="tx1">
+              <a:lumMod val="65000"/>
+              <a:lumOff val="35000"/>
+            </a:schemeClr>
           </a:solidFill>
           <a:latin typeface="+mn-lt"/>
           <a:ea typeface="+mn-ea"/>
@@ -3054,16 +6845,22 @@
       </a:lvl4pPr>
       <a:lvl5pPr marL="2057400" indent="-228600" algn="l" defTabSz="914400" rtl="0" eaLnBrk="1" latinLnBrk="0" hangingPunct="1">
         <a:lnSpc>
-          <a:spcPct val="90000"/>
+          <a:spcPct val="110000"/>
         </a:lnSpc>
         <a:spcBef>
-          <a:spcPts val="500"/>
+          <a:spcPts val="700"/>
         </a:spcBef>
+        <a:buClr>
+          <a:schemeClr val="tx2"/>
+        </a:buClr>
         <a:buFont typeface="Arial" panose="020B0604020202020204" pitchFamily="34" charset="0"/>
         <a:buChar char="•"/>
-        <a:defRPr kumimoji="1" sz="1800" kern="1200">
+        <a:defRPr kumimoji="1" sz="1400" kern="1200">
           <a:solidFill>
-            <a:schemeClr val="tx1"/>
+            <a:schemeClr val="tx1">
+              <a:lumMod val="65000"/>
+              <a:lumOff val="35000"/>
+            </a:schemeClr>
           </a:solidFill>
           <a:latin typeface="+mn-lt"/>
           <a:ea typeface="+mn-ea"/>
@@ -3072,16 +6869,22 @@
       </a:lvl5pPr>
       <a:lvl6pPr marL="2514600" indent="-228600" algn="l" defTabSz="914400" rtl="0" eaLnBrk="1" latinLnBrk="0" hangingPunct="1">
         <a:lnSpc>
-          <a:spcPct val="90000"/>
+          <a:spcPct val="110000"/>
         </a:lnSpc>
         <a:spcBef>
-          <a:spcPts val="500"/>
+          <a:spcPts val="700"/>
         </a:spcBef>
-        <a:buFont typeface="Arial" panose="020B0604020202020204" pitchFamily="34" charset="0"/>
-        <a:buChar char="•"/>
-        <a:defRPr kumimoji="1" sz="1800" kern="1200">
+        <a:buClr>
+          <a:schemeClr val="tx2"/>
+        </a:buClr>
+        <a:buFont typeface="Gill Sans MT" panose="020B0502020104020203" pitchFamily="34" charset="0"/>
+        <a:buChar char="–"/>
+        <a:defRPr kumimoji="1" sz="1400" kern="1200">
           <a:solidFill>
-            <a:schemeClr val="tx1"/>
+            <a:schemeClr val="tx1">
+              <a:lumMod val="65000"/>
+              <a:lumOff val="35000"/>
+            </a:schemeClr>
           </a:solidFill>
           <a:latin typeface="+mn-lt"/>
           <a:ea typeface="+mn-ea"/>
@@ -3090,16 +6893,22 @@
       </a:lvl6pPr>
       <a:lvl7pPr marL="2971800" indent="-228600" algn="l" defTabSz="914400" rtl="0" eaLnBrk="1" latinLnBrk="0" hangingPunct="1">
         <a:lnSpc>
-          <a:spcPct val="90000"/>
+          <a:spcPct val="110000"/>
         </a:lnSpc>
         <a:spcBef>
-          <a:spcPts val="500"/>
+          <a:spcPts val="700"/>
         </a:spcBef>
+        <a:buClr>
+          <a:schemeClr val="tx2"/>
+        </a:buClr>
         <a:buFont typeface="Arial" panose="020B0604020202020204" pitchFamily="34" charset="0"/>
         <a:buChar char="•"/>
-        <a:defRPr kumimoji="1" sz="1800" kern="1200">
+        <a:defRPr kumimoji="1" sz="1400" kern="1200">
           <a:solidFill>
-            <a:schemeClr val="tx1"/>
+            <a:schemeClr val="tx1">
+              <a:lumMod val="65000"/>
+              <a:lumOff val="35000"/>
+            </a:schemeClr>
           </a:solidFill>
           <a:latin typeface="+mn-lt"/>
           <a:ea typeface="+mn-ea"/>
@@ -3108,16 +6917,22 @@
       </a:lvl7pPr>
       <a:lvl8pPr marL="3429000" indent="-228600" algn="l" defTabSz="914400" rtl="0" eaLnBrk="1" latinLnBrk="0" hangingPunct="1">
         <a:lnSpc>
-          <a:spcPct val="90000"/>
+          <a:spcPct val="110000"/>
         </a:lnSpc>
         <a:spcBef>
-          <a:spcPts val="500"/>
+          <a:spcPts val="700"/>
         </a:spcBef>
-        <a:buFont typeface="Arial" panose="020B0604020202020204" pitchFamily="34" charset="0"/>
-        <a:buChar char="•"/>
-        <a:defRPr kumimoji="1" sz="1800" kern="1200">
+        <a:buClr>
+          <a:schemeClr val="tx2"/>
+        </a:buClr>
+        <a:buFont typeface="Gill Sans MT" panose="020B0502020104020203" pitchFamily="34" charset="0"/>
+        <a:buChar char="–"/>
+        <a:defRPr kumimoji="1" sz="1400" kern="1200" baseline="0">
           <a:solidFill>
-            <a:schemeClr val="tx1"/>
+            <a:schemeClr val="tx1">
+              <a:lumMod val="65000"/>
+              <a:lumOff val="35000"/>
+            </a:schemeClr>
           </a:solidFill>
           <a:latin typeface="+mn-lt"/>
           <a:ea typeface="+mn-ea"/>
@@ -3126,16 +6941,22 @@
       </a:lvl8pPr>
       <a:lvl9pPr marL="3886200" indent="-228600" algn="l" defTabSz="914400" rtl="0" eaLnBrk="1" latinLnBrk="0" hangingPunct="1">
         <a:lnSpc>
-          <a:spcPct val="90000"/>
+          <a:spcPct val="110000"/>
         </a:lnSpc>
         <a:spcBef>
-          <a:spcPts val="500"/>
+          <a:spcPts val="700"/>
         </a:spcBef>
+        <a:buClr>
+          <a:schemeClr val="tx2"/>
+        </a:buClr>
         <a:buFont typeface="Arial" panose="020B0604020202020204" pitchFamily="34" charset="0"/>
         <a:buChar char="•"/>
-        <a:defRPr kumimoji="1" sz="1800" kern="1200">
+        <a:defRPr kumimoji="1" sz="1400" kern="1200" baseline="0">
           <a:solidFill>
-            <a:schemeClr val="tx1"/>
+            <a:schemeClr val="tx1">
+              <a:lumMod val="65000"/>
+              <a:lumOff val="35000"/>
+            </a:schemeClr>
           </a:solidFill>
           <a:latin typeface="+mn-lt"/>
           <a:ea typeface="+mn-ea"/>
@@ -3145,7 +6966,7 @@
     </p:bodyStyle>
     <p:otherStyle>
       <a:defPPr>
-        <a:defRPr lang="ja-JP"/>
+        <a:defRPr lang="en-US"/>
       </a:defPPr>
       <a:lvl1pPr marL="0" algn="l" defTabSz="914400" rtl="0" eaLnBrk="1" latinLnBrk="0" hangingPunct="1">
         <a:defRPr kumimoji="1" sz="1800" kern="1200">
@@ -3239,6 +7060,42 @@
       </a:lvl9pPr>
     </p:otherStyle>
   </p:txStyles>
+  <p:extLst mod="1">
+    <p:ext uri="{27BBF7A9-308A-43DC-89C8-2F10F3537804}">
+      <p15:sldGuideLst xmlns:p15="http://schemas.microsoft.com/office/powerpoint/2012/main">
+        <p15:guide id="1" pos="792">
+          <p15:clr>
+            <a:srgbClr val="F26B43"/>
+          </p15:clr>
+        </p15:guide>
+        <p15:guide id="2" pos="7200">
+          <p15:clr>
+            <a:srgbClr val="F26B43"/>
+          </p15:clr>
+        </p15:guide>
+        <p15:guide id="3" orient="horz" pos="4008">
+          <p15:clr>
+            <a:srgbClr val="F26B43"/>
+          </p15:clr>
+        </p15:guide>
+        <p15:guide id="4" orient="horz" pos="1440">
+          <p15:clr>
+            <a:srgbClr val="F26B43"/>
+          </p15:clr>
+        </p15:guide>
+        <p15:guide id="5" orient="horz" pos="3720">
+          <p15:clr>
+            <a:srgbClr val="F26B43"/>
+          </p15:clr>
+        </p15:guide>
+        <p15:guide id="6" orient="horz" pos="240">
+          <p15:clr>
+            <a:srgbClr val="F26B43"/>
+          </p15:clr>
+        </p15:guide>
+      </p15:sldGuideLst>
+    </p:ext>
+  </p:extLst>
 </p:sldMaster>
 </file>
 
@@ -3275,10 +7132,10 @@
           <a:lstStyle/>
           <a:p>
             <a:r>
-              <a:rPr kumimoji="1" lang="ja-JP" altLang="en-US" dirty="0" smtClean="0"/>
+              <a:rPr kumimoji="1" lang="ja-JP" altLang="en-US" b="1" dirty="0" smtClean="0"/>
               <a:t>神経衰弱で世界を救う</a:t>
             </a:r>
-            <a:endParaRPr kumimoji="1" lang="ja-JP" altLang="en-US" dirty="0"/>
+            <a:endParaRPr kumimoji="1" lang="ja-JP" altLang="en-US" b="1" dirty="0"/>
           </a:p>
         </p:txBody>
       </p:sp>
@@ -3297,7 +7154,7 @@
           <a:bodyPr/>
           <a:lstStyle/>
           <a:p>
-            <a:endParaRPr kumimoji="1" lang="ja-JP" altLang="en-US"/>
+            <a:endParaRPr kumimoji="1" lang="ja-JP" altLang="en-US" dirty="0"/>
           </a:p>
         </p:txBody>
       </p:sp>
@@ -3343,14 +7200,21 @@
         </p:nvSpPr>
         <p:spPr/>
         <p:txBody>
-          <a:bodyPr/>
+          <a:bodyPr>
+            <a:noAutofit/>
+          </a:bodyPr>
           <a:lstStyle/>
           <a:p>
-            <a:r>
-              <a:rPr kumimoji="1" lang="ja-JP" altLang="en-US" dirty="0" smtClean="0"/>
-              <a:t>神経衰弱で強くなろう</a:t>
-            </a:r>
-            <a:endParaRPr kumimoji="1" lang="ja-JP" altLang="en-US" dirty="0"/>
+            <a:pPr algn="ctr">
+              <a:lnSpc>
+                <a:spcPct val="200000"/>
+              </a:lnSpc>
+            </a:pPr>
+            <a:r>
+              <a:rPr kumimoji="1" lang="ja-JP" altLang="en-US" sz="3600" b="1" dirty="0" smtClean="0"/>
+              <a:t>操作方法</a:t>
+            </a:r>
+            <a:endParaRPr kumimoji="1" lang="ja-JP" altLang="en-US" sz="3600" b="1" dirty="0"/>
           </a:p>
         </p:txBody>
       </p:sp>
@@ -3367,71 +7231,98 @@
         <p:spPr/>
         <p:txBody>
           <a:bodyPr>
-            <a:normAutofit fontScale="92500"/>
+            <a:normAutofit/>
           </a:bodyPr>
           <a:lstStyle/>
           <a:p>
-            <a:r>
-              <a:rPr kumimoji="1" lang="en-US" altLang="ja-JP" dirty="0" smtClean="0"/>
-              <a:t>NPC</a:t>
-            </a:r>
-            <a:r>
-              <a:rPr lang="ja-JP" altLang="en-US" dirty="0" smtClean="0"/>
-              <a:t>に神経衰弱で勝つことで体力上限を増やすことができる</a:t>
-            </a:r>
-            <a:endParaRPr lang="en-US" altLang="ja-JP" dirty="0" smtClean="0"/>
-          </a:p>
-          <a:p>
-            <a:r>
-              <a:rPr kumimoji="1" lang="ja-JP" altLang="en-US" dirty="0" smtClean="0"/>
-              <a:t>体力を増やしてボスに挑む</a:t>
-            </a:r>
-            <a:endParaRPr kumimoji="1" lang="en-US" altLang="ja-JP" dirty="0" smtClean="0"/>
-          </a:p>
-          <a:p>
-            <a:r>
-              <a:rPr lang="ja-JP" altLang="en-US" dirty="0" smtClean="0"/>
-              <a:t>戦闘が神経</a:t>
-            </a:r>
-            <a:r>
-              <a:rPr lang="ja-JP" altLang="en-US" dirty="0" smtClean="0"/>
-              <a:t>衰弱</a:t>
-            </a:r>
-            <a:endParaRPr lang="en-US" altLang="ja-JP" dirty="0" smtClean="0"/>
-          </a:p>
-          <a:p>
-            <a:endParaRPr lang="en-US" altLang="ja-JP" dirty="0"/>
-          </a:p>
-          <a:p>
-            <a:endParaRPr lang="en-US" altLang="ja-JP" dirty="0" smtClean="0"/>
-          </a:p>
-          <a:p>
-            <a:endParaRPr lang="en-US" altLang="ja-JP" dirty="0"/>
-          </a:p>
-          <a:p>
-            <a:endParaRPr lang="en-US" altLang="ja-JP" dirty="0" smtClean="0"/>
-          </a:p>
-          <a:p>
-            <a:endParaRPr lang="en-US" altLang="ja-JP" dirty="0" smtClean="0"/>
-          </a:p>
-          <a:p>
-            <a:r>
-              <a:rPr kumimoji="1" lang="ja-JP" altLang="en-US" dirty="0" smtClean="0"/>
-              <a:t>制作時間が余ればスキルなど追加</a:t>
-            </a:r>
-            <a:r>
-              <a:rPr kumimoji="1" lang="en-US" altLang="ja-JP" dirty="0" smtClean="0"/>
-              <a:t>(</a:t>
-            </a:r>
-            <a:r>
-              <a:rPr kumimoji="1" lang="ja-JP" altLang="en-US" dirty="0" smtClean="0"/>
-              <a:t>カードめくる回数を増やすなど</a:t>
-            </a:r>
-            <a:r>
-              <a:rPr kumimoji="1" lang="en-US" altLang="ja-JP" dirty="0" smtClean="0"/>
-              <a:t>)</a:t>
-            </a:r>
-            <a:endParaRPr kumimoji="1" lang="ja-JP" altLang="en-US" dirty="0"/>
+            <a:pPr>
+              <a:buFont typeface="Wingdings" panose="05000000000000000000" pitchFamily="2" charset="2"/>
+              <a:buChar char="n"/>
+            </a:pPr>
+            <a:r>
+              <a:rPr kumimoji="1" lang="ja-JP" altLang="en-US" sz="2300" b="1" dirty="0" smtClean="0">
+                <a:ln w="0"/>
+                <a:solidFill>
+                  <a:schemeClr val="tx1"/>
+                </a:solidFill>
+                <a:latin typeface="游ゴシック" panose="020B0400000000000000" pitchFamily="50" charset="-128"/>
+                <a:ea typeface="游ゴシック" panose="020B0400000000000000" pitchFamily="50" charset="-128"/>
+              </a:rPr>
+              <a:t>移動　　　　　矢印キー</a:t>
+            </a:r>
+            <a:endParaRPr kumimoji="1" lang="en-US" altLang="ja-JP" sz="2300" b="1" dirty="0" smtClean="0">
+              <a:ln w="0"/>
+              <a:solidFill>
+                <a:schemeClr val="tx1"/>
+              </a:solidFill>
+              <a:latin typeface="游ゴシック" panose="020B0400000000000000" pitchFamily="50" charset="-128"/>
+              <a:ea typeface="游ゴシック" panose="020B0400000000000000" pitchFamily="50" charset="-128"/>
+            </a:endParaRPr>
+          </a:p>
+          <a:p>
+            <a:pPr marL="0" indent="0">
+              <a:buNone/>
+            </a:pPr>
+            <a:endParaRPr kumimoji="1" lang="en-US" altLang="ja-JP" sz="2300" b="1" dirty="0" smtClean="0">
+              <a:ln w="0"/>
+              <a:solidFill>
+                <a:schemeClr val="tx1"/>
+              </a:solidFill>
+              <a:latin typeface="游ゴシック" panose="020B0400000000000000" pitchFamily="50" charset="-128"/>
+              <a:ea typeface="游ゴシック" panose="020B0400000000000000" pitchFamily="50" charset="-128"/>
+            </a:endParaRPr>
+          </a:p>
+          <a:p>
+            <a:pPr marL="0" indent="0">
+              <a:buNone/>
+            </a:pPr>
+            <a:endParaRPr kumimoji="1" lang="en-US" altLang="ja-JP" sz="2300" b="1" dirty="0" smtClean="0">
+              <a:ln w="0"/>
+              <a:solidFill>
+                <a:schemeClr val="tx1"/>
+              </a:solidFill>
+              <a:latin typeface="游ゴシック" panose="020B0400000000000000" pitchFamily="50" charset="-128"/>
+              <a:ea typeface="游ゴシック" panose="020B0400000000000000" pitchFamily="50" charset="-128"/>
+            </a:endParaRPr>
+          </a:p>
+          <a:p>
+            <a:pPr>
+              <a:buFont typeface="Wingdings" panose="05000000000000000000" pitchFamily="2" charset="2"/>
+              <a:buChar char="n"/>
+            </a:pPr>
+            <a:r>
+              <a:rPr lang="ja-JP" altLang="en-US" sz="2300" b="1" dirty="0" smtClean="0">
+                <a:ln w="0"/>
+                <a:solidFill>
+                  <a:schemeClr val="tx1"/>
+                </a:solidFill>
+                <a:latin typeface="游ゴシック" panose="020B0400000000000000" pitchFamily="50" charset="-128"/>
+                <a:ea typeface="游ゴシック" panose="020B0400000000000000" pitchFamily="50" charset="-128"/>
+              </a:rPr>
+              <a:t>バトルシーン　左クリック</a:t>
+            </a:r>
+            <a:endParaRPr kumimoji="1" lang="en-US" altLang="ja-JP" sz="2300" b="1" dirty="0" smtClean="0">
+              <a:ln w="0"/>
+              <a:solidFill>
+                <a:schemeClr val="tx1"/>
+              </a:solidFill>
+              <a:latin typeface="游ゴシック" panose="020B0400000000000000" pitchFamily="50" charset="-128"/>
+              <a:ea typeface="游ゴシック" panose="020B0400000000000000" pitchFamily="50" charset="-128"/>
+            </a:endParaRPr>
+          </a:p>
+          <a:p>
+            <a:pPr>
+              <a:buFont typeface="Wingdings" panose="05000000000000000000" pitchFamily="2" charset="2"/>
+              <a:buChar char="n"/>
+            </a:pPr>
+            <a:endParaRPr kumimoji="1" lang="ja-JP" altLang="en-US" sz="2300" b="1" dirty="0">
+              <a:ln w="0"/>
+              <a:solidFill>
+                <a:schemeClr val="tx1"/>
+              </a:solidFill>
+              <a:latin typeface="游ゴシック" panose="020B0400000000000000" pitchFamily="50" charset="-128"/>
+              <a:ea typeface="游ゴシック" panose="020B0400000000000000" pitchFamily="50" charset="-128"/>
+            </a:endParaRPr>
           </a:p>
         </p:txBody>
       </p:sp>
@@ -3457,8 +7348,38 @@
         </p:blipFill>
         <p:spPr>
           <a:xfrm>
-            <a:off x="2967037" y="2886075"/>
-            <a:ext cx="2433638" cy="2433638"/>
+            <a:off x="5257370" y="2999327"/>
+            <a:ext cx="2166937" cy="2166937"/>
+          </a:xfrm>
+          <a:prstGeom prst="rect">
+            <a:avLst/>
+          </a:prstGeom>
+        </p:spPr>
+      </p:pic>
+      <p:pic>
+        <p:nvPicPr>
+          <p:cNvPr id="5" name="図 4"/>
+          <p:cNvPicPr>
+            <a:picLocks noChangeAspect="1"/>
+          </p:cNvPicPr>
+          <p:nvPr/>
+        </p:nvPicPr>
+        <p:blipFill>
+          <a:blip r:embed="rId3" cstate="print">
+            <a:extLst>
+              <a:ext uri="{28A0092B-C50C-407E-A947-70E740481C1C}">
+                <a14:useLocalDpi xmlns:a14="http://schemas.microsoft.com/office/drawing/2010/main" val="0"/>
+              </a:ext>
+            </a:extLst>
+          </a:blip>
+          <a:stretch>
+            <a:fillRect/>
+          </a:stretch>
+        </p:blipFill>
+        <p:spPr>
+          <a:xfrm>
+            <a:off x="5540792" y="1922871"/>
+            <a:ext cx="1768043" cy="1329943"/>
           </a:xfrm>
           <a:prstGeom prst="rect">
             <a:avLst/>
@@ -3468,7 +7389,7 @@
     </p:spTree>
     <p:extLst>
       <p:ext uri="{BB962C8B-B14F-4D97-AF65-F5344CB8AC3E}">
-        <p14:creationId xmlns:p14="http://schemas.microsoft.com/office/powerpoint/2010/main" val="285326856"/>
+        <p14:creationId xmlns:p14="http://schemas.microsoft.com/office/powerpoint/2010/main" val="1997322230"/>
       </p:ext>
     </p:extLst>
   </p:cSld>
@@ -3507,6 +7428,528 @@
         </p:nvSpPr>
         <p:spPr/>
         <p:txBody>
+          <a:bodyPr>
+            <a:noAutofit/>
+          </a:bodyPr>
+          <a:lstStyle/>
+          <a:p>
+            <a:pPr algn="ctr">
+              <a:lnSpc>
+                <a:spcPct val="200000"/>
+              </a:lnSpc>
+            </a:pPr>
+            <a:r>
+              <a:rPr kumimoji="1" lang="ja-JP" altLang="en-US" sz="3600" b="1" dirty="0" smtClean="0"/>
+              <a:t>神経</a:t>
+            </a:r>
+            <a:r>
+              <a:rPr kumimoji="1" lang="ja-JP" altLang="en-US" sz="3600" b="1" dirty="0" smtClean="0"/>
+              <a:t>衰弱</a:t>
+            </a:r>
+            <a:r>
+              <a:rPr kumimoji="1" lang="en-US" altLang="ja-JP" sz="3600" b="1" dirty="0" smtClean="0">
+                <a:latin typeface="+mj-ea"/>
+              </a:rPr>
+              <a:t>(</a:t>
+            </a:r>
+            <a:r>
+              <a:rPr kumimoji="1" lang="ja-JP" altLang="en-US" sz="3600" b="1" dirty="0" smtClean="0">
+                <a:latin typeface="+mj-ea"/>
+              </a:rPr>
+              <a:t>バトル</a:t>
+            </a:r>
+            <a:r>
+              <a:rPr kumimoji="1" lang="en-US" altLang="ja-JP" sz="3600" b="1" dirty="0" smtClean="0">
+                <a:latin typeface="+mj-ea"/>
+              </a:rPr>
+              <a:t>)</a:t>
+            </a:r>
+            <a:r>
+              <a:rPr kumimoji="1" lang="ja-JP" altLang="en-US" sz="3600" b="1" dirty="0" smtClean="0"/>
+              <a:t>で</a:t>
+            </a:r>
+            <a:r>
+              <a:rPr kumimoji="1" lang="ja-JP" altLang="en-US" sz="3600" b="1" dirty="0" smtClean="0"/>
+              <a:t>強くなろう</a:t>
+            </a:r>
+            <a:endParaRPr kumimoji="1" lang="ja-JP" altLang="en-US" sz="3600" b="1" dirty="0"/>
+          </a:p>
+        </p:txBody>
+      </p:sp>
+      <p:sp>
+        <p:nvSpPr>
+          <p:cNvPr id="3" name="コンテンツ プレースホルダー 2"/>
+          <p:cNvSpPr>
+            <a:spLocks noGrp="1"/>
+          </p:cNvSpPr>
+          <p:nvPr>
+            <p:ph idx="1"/>
+          </p:nvPr>
+        </p:nvSpPr>
+        <p:spPr/>
+        <p:txBody>
+          <a:bodyPr>
+            <a:noAutofit/>
+          </a:bodyPr>
+          <a:lstStyle/>
+          <a:p>
+            <a:pPr>
+              <a:buFont typeface="Wingdings" panose="05000000000000000000" pitchFamily="2" charset="2"/>
+              <a:buChar char="n"/>
+            </a:pPr>
+            <a:r>
+              <a:rPr lang="ja-JP" altLang="en-US" sz="2400" b="1" dirty="0" smtClean="0">
+                <a:ln w="0"/>
+                <a:solidFill>
+                  <a:schemeClr val="tx1"/>
+                </a:solidFill>
+                <a:latin typeface="游ゴシック" panose="020B0400000000000000" pitchFamily="50" charset="-128"/>
+                <a:ea typeface="游ゴシック" panose="020B0400000000000000" pitchFamily="50" charset="-128"/>
+              </a:rPr>
+              <a:t>戦闘</a:t>
+            </a:r>
+            <a:r>
+              <a:rPr lang="ja-JP" altLang="en-US" sz="2400" b="1" dirty="0" smtClean="0">
+                <a:ln w="0"/>
+                <a:solidFill>
+                  <a:schemeClr val="tx1"/>
+                </a:solidFill>
+                <a:latin typeface="游ゴシック" panose="020B0400000000000000" pitchFamily="50" charset="-128"/>
+                <a:ea typeface="游ゴシック" panose="020B0400000000000000" pitchFamily="50" charset="-128"/>
+              </a:rPr>
+              <a:t>が神経</a:t>
+            </a:r>
+            <a:r>
+              <a:rPr lang="ja-JP" altLang="en-US" sz="2400" b="1" dirty="0" smtClean="0">
+                <a:ln w="0"/>
+                <a:solidFill>
+                  <a:schemeClr val="tx1"/>
+                </a:solidFill>
+                <a:latin typeface="游ゴシック" panose="020B0400000000000000" pitchFamily="50" charset="-128"/>
+                <a:ea typeface="游ゴシック" panose="020B0400000000000000" pitchFamily="50" charset="-128"/>
+              </a:rPr>
+              <a:t>衰弱</a:t>
+            </a:r>
+            <a:endParaRPr lang="en-US" altLang="ja-JP" sz="2400" b="1" dirty="0" smtClean="0">
+              <a:ln w="0"/>
+              <a:solidFill>
+                <a:schemeClr val="tx1"/>
+              </a:solidFill>
+              <a:latin typeface="游ゴシック" panose="020B0400000000000000" pitchFamily="50" charset="-128"/>
+              <a:ea typeface="游ゴシック" panose="020B0400000000000000" pitchFamily="50" charset="-128"/>
+            </a:endParaRPr>
+          </a:p>
+          <a:p>
+            <a:pPr>
+              <a:buFont typeface="Wingdings" panose="05000000000000000000" pitchFamily="2" charset="2"/>
+              <a:buChar char="n"/>
+            </a:pPr>
+            <a:r>
+              <a:rPr lang="ja-JP" altLang="en-US" sz="2400" b="1" dirty="0" smtClean="0">
+                <a:ln w="0"/>
+                <a:solidFill>
+                  <a:schemeClr val="tx1"/>
+                </a:solidFill>
+                <a:latin typeface="游ゴシック" panose="020B0400000000000000" pitchFamily="50" charset="-128"/>
+                <a:ea typeface="游ゴシック" panose="020B0400000000000000" pitchFamily="50" charset="-128"/>
+              </a:rPr>
+              <a:t>スキルを使える</a:t>
+            </a:r>
+            <a:r>
+              <a:rPr lang="en-US" altLang="ja-JP" sz="2400" b="1" dirty="0" smtClean="0">
+                <a:ln w="0"/>
+                <a:solidFill>
+                  <a:schemeClr val="tx1"/>
+                </a:solidFill>
+                <a:latin typeface="游ゴシック" panose="020B0400000000000000" pitchFamily="50" charset="-128"/>
+                <a:ea typeface="游ゴシック" panose="020B0400000000000000" pitchFamily="50" charset="-128"/>
+              </a:rPr>
+              <a:t>(</a:t>
+            </a:r>
+            <a:r>
+              <a:rPr lang="ja-JP" altLang="en-US" sz="2400" b="1" dirty="0" smtClean="0">
+                <a:ln w="0"/>
+                <a:solidFill>
+                  <a:schemeClr val="tx1"/>
+                </a:solidFill>
+                <a:latin typeface="游ゴシック" panose="020B0400000000000000" pitchFamily="50" charset="-128"/>
+                <a:ea typeface="游ゴシック" panose="020B0400000000000000" pitchFamily="50" charset="-128"/>
+              </a:rPr>
+              <a:t>めくる枚数を増やせる　</a:t>
+            </a:r>
+            <a:r>
+              <a:rPr lang="en-US" altLang="ja-JP" sz="2400" b="1" dirty="0" err="1" smtClean="0">
+                <a:ln w="0"/>
+                <a:solidFill>
+                  <a:schemeClr val="tx1"/>
+                </a:solidFill>
+                <a:latin typeface="游ゴシック" panose="020B0400000000000000" pitchFamily="50" charset="-128"/>
+                <a:ea typeface="游ゴシック" panose="020B0400000000000000" pitchFamily="50" charset="-128"/>
+              </a:rPr>
+              <a:t>etc</a:t>
+            </a:r>
+            <a:r>
+              <a:rPr lang="en-US" altLang="ja-JP" sz="2400" b="1" dirty="0" smtClean="0">
+                <a:ln w="0"/>
+                <a:solidFill>
+                  <a:schemeClr val="tx1"/>
+                </a:solidFill>
+                <a:latin typeface="游ゴシック" panose="020B0400000000000000" pitchFamily="50" charset="-128"/>
+                <a:ea typeface="游ゴシック" panose="020B0400000000000000" pitchFamily="50" charset="-128"/>
+              </a:rPr>
+              <a:t>)</a:t>
+            </a:r>
+          </a:p>
+          <a:p>
+            <a:pPr>
+              <a:buFont typeface="Wingdings" panose="05000000000000000000" pitchFamily="2" charset="2"/>
+              <a:buChar char="n"/>
+            </a:pPr>
+            <a:r>
+              <a:rPr lang="ja-JP" altLang="en-US" sz="2400" b="1" dirty="0" smtClean="0">
+                <a:ln w="0"/>
+                <a:solidFill>
+                  <a:schemeClr val="tx1"/>
+                </a:solidFill>
+                <a:latin typeface="游ゴシック" panose="020B0400000000000000" pitchFamily="50" charset="-128"/>
+                <a:ea typeface="游ゴシック" panose="020B0400000000000000" pitchFamily="50" charset="-128"/>
+              </a:rPr>
+              <a:t>単純で見やすい戦闘画面</a:t>
+            </a:r>
+            <a:endParaRPr lang="en-US" altLang="ja-JP" sz="2400" b="1" dirty="0" smtClean="0">
+              <a:ln w="0"/>
+              <a:solidFill>
+                <a:schemeClr val="tx1"/>
+              </a:solidFill>
+              <a:latin typeface="游ゴシック" panose="020B0400000000000000" pitchFamily="50" charset="-128"/>
+              <a:ea typeface="游ゴシック" panose="020B0400000000000000" pitchFamily="50" charset="-128"/>
+            </a:endParaRPr>
+          </a:p>
+          <a:p>
+            <a:pPr>
+              <a:buFont typeface="Wingdings" panose="05000000000000000000" pitchFamily="2" charset="2"/>
+              <a:buChar char="n"/>
+            </a:pPr>
+            <a:endParaRPr lang="en-US" altLang="ja-JP" sz="2400" b="1" dirty="0">
+              <a:latin typeface="+mn-ea"/>
+            </a:endParaRPr>
+          </a:p>
+          <a:p>
+            <a:pPr>
+              <a:buFont typeface="Wingdings" panose="05000000000000000000" pitchFamily="2" charset="2"/>
+              <a:buChar char="n"/>
+            </a:pPr>
+            <a:endParaRPr lang="en-US" altLang="ja-JP" sz="2400" b="1" dirty="0" smtClean="0">
+              <a:latin typeface="+mn-ea"/>
+            </a:endParaRPr>
+          </a:p>
+          <a:p>
+            <a:pPr>
+              <a:buFont typeface="Wingdings" panose="05000000000000000000" pitchFamily="2" charset="2"/>
+              <a:buChar char="n"/>
+            </a:pPr>
+            <a:endParaRPr lang="en-US" altLang="ja-JP" sz="2400" b="1" dirty="0">
+              <a:latin typeface="+mn-ea"/>
+            </a:endParaRPr>
+          </a:p>
+          <a:p>
+            <a:pPr>
+              <a:buFont typeface="Wingdings" panose="05000000000000000000" pitchFamily="2" charset="2"/>
+              <a:buChar char="n"/>
+            </a:pPr>
+            <a:endParaRPr lang="en-US" altLang="ja-JP" sz="2400" b="1" dirty="0">
+              <a:latin typeface="+mn-ea"/>
+            </a:endParaRPr>
+          </a:p>
+          <a:p>
+            <a:pPr>
+              <a:buFont typeface="Wingdings" panose="05000000000000000000" pitchFamily="2" charset="2"/>
+              <a:buChar char="n"/>
+            </a:pPr>
+            <a:r>
+              <a:rPr lang="en-US" altLang="ja-JP" sz="2400" b="1" dirty="0" smtClean="0">
+                <a:ln w="0"/>
+                <a:solidFill>
+                  <a:schemeClr val="tx1"/>
+                </a:solidFill>
+                <a:latin typeface="游ゴシック" panose="020B0400000000000000" pitchFamily="50" charset="-128"/>
+                <a:ea typeface="游ゴシック" panose="020B0400000000000000" pitchFamily="50" charset="-128"/>
+              </a:rPr>
+              <a:t>NPC</a:t>
+            </a:r>
+            <a:r>
+              <a:rPr lang="ja-JP" altLang="en-US" sz="2400" b="1" dirty="0" smtClean="0">
+                <a:ln w="0"/>
+                <a:solidFill>
+                  <a:schemeClr val="tx1"/>
+                </a:solidFill>
+                <a:latin typeface="游ゴシック" panose="020B0400000000000000" pitchFamily="50" charset="-128"/>
+                <a:ea typeface="游ゴシック" panose="020B0400000000000000" pitchFamily="50" charset="-128"/>
+              </a:rPr>
+              <a:t>に神経衰弱で勝つことで体力上限を増やすことができる</a:t>
+            </a:r>
+            <a:endParaRPr lang="en-US" altLang="ja-JP" sz="2400" b="1" dirty="0" smtClean="0">
+              <a:ln w="0"/>
+              <a:solidFill>
+                <a:schemeClr val="tx1"/>
+              </a:solidFill>
+              <a:latin typeface="游ゴシック" panose="020B0400000000000000" pitchFamily="50" charset="-128"/>
+              <a:ea typeface="游ゴシック" panose="020B0400000000000000" pitchFamily="50" charset="-128"/>
+            </a:endParaRPr>
+          </a:p>
+        </p:txBody>
+      </p:sp>
+      <p:pic>
+        <p:nvPicPr>
+          <p:cNvPr id="4" name="図 3"/>
+          <p:cNvPicPr>
+            <a:picLocks noChangeAspect="1"/>
+          </p:cNvPicPr>
+          <p:nvPr/>
+        </p:nvPicPr>
+        <p:blipFill>
+          <a:blip r:embed="rId2">
+            <a:extLst>
+              <a:ext uri="{28A0092B-C50C-407E-A947-70E740481C1C}">
+                <a14:useLocalDpi xmlns:a14="http://schemas.microsoft.com/office/drawing/2010/main" val="0"/>
+              </a:ext>
+            </a:extLst>
+          </a:blip>
+          <a:stretch>
+            <a:fillRect/>
+          </a:stretch>
+        </p:blipFill>
+        <p:spPr>
+          <a:xfrm>
+            <a:off x="8366432" y="3367085"/>
+            <a:ext cx="2433638" cy="2433638"/>
+          </a:xfrm>
+          <a:prstGeom prst="rect">
+            <a:avLst/>
+          </a:prstGeom>
+        </p:spPr>
+      </p:pic>
+      <p:pic>
+        <p:nvPicPr>
+          <p:cNvPr id="6" name="図 5"/>
+          <p:cNvPicPr>
+            <a:picLocks noChangeAspect="1"/>
+          </p:cNvPicPr>
+          <p:nvPr/>
+        </p:nvPicPr>
+        <p:blipFill>
+          <a:blip r:embed="rId3" cstate="print">
+            <a:extLst>
+              <a:ext uri="{28A0092B-C50C-407E-A947-70E740481C1C}">
+                <a14:useLocalDpi xmlns:a14="http://schemas.microsoft.com/office/drawing/2010/main" val="0"/>
+              </a:ext>
+            </a:extLst>
+          </a:blip>
+          <a:stretch>
+            <a:fillRect/>
+          </a:stretch>
+        </p:blipFill>
+        <p:spPr>
+          <a:xfrm>
+            <a:off x="1432232" y="4409068"/>
+            <a:ext cx="1674490" cy="1391655"/>
+          </a:xfrm>
+          <a:prstGeom prst="rect">
+            <a:avLst/>
+          </a:prstGeom>
+        </p:spPr>
+      </p:pic>
+      <p:pic>
+        <p:nvPicPr>
+          <p:cNvPr id="7" name="図 6"/>
+          <p:cNvPicPr>
+            <a:picLocks noChangeAspect="1"/>
+          </p:cNvPicPr>
+          <p:nvPr/>
+        </p:nvPicPr>
+        <p:blipFill>
+          <a:blip r:embed="rId3" cstate="print">
+            <a:extLst>
+              <a:ext uri="{28A0092B-C50C-407E-A947-70E740481C1C}">
+                <a14:useLocalDpi xmlns:a14="http://schemas.microsoft.com/office/drawing/2010/main" val="0"/>
+              </a:ext>
+            </a:extLst>
+          </a:blip>
+          <a:stretch>
+            <a:fillRect/>
+          </a:stretch>
+        </p:blipFill>
+        <p:spPr>
+          <a:xfrm>
+            <a:off x="4899332" y="4413325"/>
+            <a:ext cx="1674490" cy="1391655"/>
+          </a:xfrm>
+          <a:prstGeom prst="rect">
+            <a:avLst/>
+          </a:prstGeom>
+        </p:spPr>
+      </p:pic>
+      <p:sp>
+        <p:nvSpPr>
+          <p:cNvPr id="8" name="右矢印 7"/>
+          <p:cNvSpPr/>
+          <p:nvPr/>
+        </p:nvSpPr>
+        <p:spPr>
+          <a:xfrm>
+            <a:off x="3359134" y="4685348"/>
+            <a:ext cx="1287786" cy="757238"/>
+          </a:xfrm>
+          <a:prstGeom prst="rightArrow">
+            <a:avLst/>
+          </a:prstGeom>
+          <a:solidFill>
+            <a:schemeClr val="accent4">
+              <a:alpha val="50000"/>
+            </a:schemeClr>
+          </a:solidFill>
+          <a:ln>
+            <a:noFill/>
+          </a:ln>
+        </p:spPr>
+        <p:style>
+          <a:lnRef idx="0">
+            <a:scrgbClr r="0" g="0" b="0"/>
+          </a:lnRef>
+          <a:fillRef idx="0">
+            <a:scrgbClr r="0" g="0" b="0"/>
+          </a:fillRef>
+          <a:effectRef idx="0">
+            <a:scrgbClr r="0" g="0" b="0"/>
+          </a:effectRef>
+          <a:fontRef idx="minor">
+            <a:schemeClr val="lt1"/>
+          </a:fontRef>
+        </p:style>
+        <p:txBody>
+          <a:bodyPr rtlCol="0" anchor="ctr"/>
+          <a:lstStyle/>
+          <a:p>
+            <a:pPr algn="ctr"/>
+            <a:endParaRPr kumimoji="1" lang="ja-JP" altLang="en-US" b="1">
+              <a:ln w="22225">
+                <a:solidFill>
+                  <a:schemeClr val="accent2"/>
+                </a:solidFill>
+                <a:prstDash val="solid"/>
+              </a:ln>
+              <a:solidFill>
+                <a:schemeClr val="accent2">
+                  <a:lumMod val="40000"/>
+                  <a:lumOff val="60000"/>
+                </a:schemeClr>
+              </a:solidFill>
+            </a:endParaRPr>
+          </a:p>
+        </p:txBody>
+      </p:sp>
+      <p:sp>
+        <p:nvSpPr>
+          <p:cNvPr id="9" name="テキスト ボックス 8"/>
+          <p:cNvSpPr txBox="1"/>
+          <p:nvPr/>
+        </p:nvSpPr>
+        <p:spPr>
+          <a:xfrm>
+            <a:off x="1890448" y="4771163"/>
+            <a:ext cx="1085850" cy="769441"/>
+          </a:xfrm>
+          <a:prstGeom prst="rect">
+            <a:avLst/>
+          </a:prstGeom>
+          <a:noFill/>
+        </p:spPr>
+        <p:txBody>
+          <a:bodyPr wrap="square" rtlCol="0">
+            <a:spAutoFit/>
+          </a:bodyPr>
+          <a:lstStyle/>
+          <a:p>
+            <a:r>
+              <a:rPr kumimoji="1" lang="ja-JP" altLang="en-US" sz="4400" b="1" dirty="0" smtClean="0"/>
+              <a:t>８</a:t>
+            </a:r>
+            <a:endParaRPr kumimoji="1" lang="ja-JP" altLang="en-US" sz="4400" b="1" dirty="0"/>
+          </a:p>
+        </p:txBody>
+      </p:sp>
+      <p:sp>
+        <p:nvSpPr>
+          <p:cNvPr id="10" name="テキスト ボックス 9"/>
+          <p:cNvSpPr txBox="1"/>
+          <p:nvPr/>
+        </p:nvSpPr>
+        <p:spPr>
+          <a:xfrm>
+            <a:off x="5353024" y="4673145"/>
+            <a:ext cx="1178078" cy="769441"/>
+          </a:xfrm>
+          <a:prstGeom prst="rect">
+            <a:avLst/>
+          </a:prstGeom>
+          <a:noFill/>
+        </p:spPr>
+        <p:txBody>
+          <a:bodyPr wrap="square" rtlCol="0">
+            <a:spAutoFit/>
+          </a:bodyPr>
+          <a:lstStyle/>
+          <a:p>
+            <a:r>
+              <a:rPr kumimoji="1" lang="en-US" altLang="ja-JP" sz="4400" b="1" dirty="0" smtClean="0"/>
+              <a:t>10</a:t>
+            </a:r>
+            <a:endParaRPr kumimoji="1" lang="ja-JP" altLang="en-US" sz="4400" b="1" dirty="0"/>
+          </a:p>
+        </p:txBody>
+      </p:sp>
+    </p:spTree>
+    <p:extLst>
+      <p:ext uri="{BB962C8B-B14F-4D97-AF65-F5344CB8AC3E}">
+        <p14:creationId xmlns:p14="http://schemas.microsoft.com/office/powerpoint/2010/main" val="285326856"/>
+      </p:ext>
+    </p:extLst>
+  </p:cSld>
+  <p:clrMapOvr>
+    <a:masterClrMapping/>
+  </p:clrMapOvr>
+</p:sld>
+</file>
+
+<file path=ppt/slides/slide4.xml><?xml version="1.0" encoding="utf-8"?>
+<p:sld xmlns:a="http://schemas.openxmlformats.org/drawingml/2006/main" xmlns:r="http://schemas.openxmlformats.org/officeDocument/2006/relationships" xmlns:p="http://schemas.openxmlformats.org/presentationml/2006/main">
+  <p:cSld>
+    <p:spTree>
+      <p:nvGrpSpPr>
+        <p:cNvPr id="1" name=""/>
+        <p:cNvGrpSpPr/>
+        <p:nvPr/>
+      </p:nvGrpSpPr>
+      <p:grpSpPr>
+        <a:xfrm>
+          <a:off x="0" y="0"/>
+          <a:ext cx="0" cy="0"/>
+          <a:chOff x="0" y="0"/>
+          <a:chExt cx="0" cy="0"/>
+        </a:xfrm>
+      </p:grpSpPr>
+      <p:sp>
+        <p:nvSpPr>
+          <p:cNvPr id="2" name="タイトル 1"/>
+          <p:cNvSpPr>
+            <a:spLocks noGrp="1"/>
+          </p:cNvSpPr>
+          <p:nvPr>
+            <p:ph type="title"/>
+          </p:nvPr>
+        </p:nvSpPr>
+        <p:spPr/>
+        <p:txBody>
           <a:bodyPr/>
           <a:lstStyle/>
           <a:p>
@@ -3547,9 +7990,9 @@
 </file>
 
 <file path=ppt/theme/theme1.xml><?xml version="1.0" encoding="utf-8"?>
-<a:theme xmlns:a="http://schemas.openxmlformats.org/drawingml/2006/main" name="Office テーマ">
+<a:theme xmlns:a="http://schemas.openxmlformats.org/drawingml/2006/main" name="Badge">
   <a:themeElements>
-    <a:clrScheme name="Office">
+    <a:clrScheme name="Badge">
       <a:dk1>
         <a:sysClr val="windowText" lastClr="000000"/>
       </a:dk1>
@@ -3557,79 +8000,44 @@
         <a:sysClr val="window" lastClr="FFFFFF"/>
       </a:lt1>
       <a:dk2>
-        <a:srgbClr val="44546A"/>
+        <a:srgbClr val="2A1A00"/>
       </a:dk2>
       <a:lt2>
-        <a:srgbClr val="E7E6E6"/>
+        <a:srgbClr val="F3F3F2"/>
       </a:lt2>
       <a:accent1>
-        <a:srgbClr val="5B9BD5"/>
+        <a:srgbClr val="F8B323"/>
       </a:accent1>
       <a:accent2>
-        <a:srgbClr val="ED7D31"/>
+        <a:srgbClr val="656A59"/>
       </a:accent2>
       <a:accent3>
-        <a:srgbClr val="A5A5A5"/>
+        <a:srgbClr val="46B2B5"/>
       </a:accent3>
       <a:accent4>
-        <a:srgbClr val="FFC000"/>
+        <a:srgbClr val="8CAA7E"/>
       </a:accent4>
       <a:accent5>
-        <a:srgbClr val="4472C4"/>
+        <a:srgbClr val="D36F68"/>
       </a:accent5>
       <a:accent6>
-        <a:srgbClr val="70AD47"/>
+        <a:srgbClr val="826276"/>
       </a:accent6>
       <a:hlink>
-        <a:srgbClr val="0563C1"/>
+        <a:srgbClr val="46B2B5"/>
       </a:hlink>
       <a:folHlink>
-        <a:srgbClr val="954F72"/>
+        <a:srgbClr val="A46694"/>
       </a:folHlink>
     </a:clrScheme>
-    <a:fontScheme name="Office">
+    <a:fontScheme name="Badge">
       <a:majorFont>
-        <a:latin typeface="游ゴシック Light" panose="020F0302020204030204"/>
+        <a:latin typeface="Impact" panose="020B0806030902050204"/>
         <a:ea typeface=""/>
         <a:cs typeface=""/>
-        <a:font script="Jpan" typeface="游ゴシック Light"/>
+        <a:font script="Jpan" typeface="メイリオ"/>
         <a:font script="Hang" typeface="맑은 고딕"/>
-        <a:font script="Hans" typeface="等线 Light"/>
-        <a:font script="Hant" typeface="新細明體"/>
-        <a:font script="Arab" typeface="Times New Roman"/>
-        <a:font script="Hebr" typeface="Times New Roman"/>
-        <a:font script="Thai" typeface="Angsana New"/>
-        <a:font script="Ethi" typeface="Nyala"/>
-        <a:font script="Beng" typeface="Vrinda"/>
-        <a:font script="Gujr" typeface="Shruti"/>
-        <a:font script="Khmr" typeface="MoolBoran"/>
-        <a:font script="Knda" typeface="Tunga"/>
-        <a:font script="Guru" typeface="Raavi"/>
-        <a:font script="Cans" typeface="Euphemia"/>
-        <a:font script="Cher" typeface="Plantagenet Cherokee"/>
-        <a:font script="Yiii" typeface="Microsoft Yi Baiti"/>
-        <a:font script="Tibt" typeface="Microsoft Himalaya"/>
-        <a:font script="Thaa" typeface="MV Boli"/>
-        <a:font script="Deva" typeface="Mangal"/>
-        <a:font script="Telu" typeface="Gautami"/>
-        <a:font script="Taml" typeface="Latha"/>
-        <a:font script="Syrc" typeface="Estrangelo Edessa"/>
-        <a:font script="Orya" typeface="Kalinga"/>
-        <a:font script="Mlym" typeface="Kartika"/>
-        <a:font script="Laoo" typeface="DokChampa"/>
-        <a:font script="Sinh" typeface="Iskoola Pota"/>
-        <a:font script="Mong" typeface="Mongolian Baiti"/>
-        <a:font script="Viet" typeface="Times New Roman"/>
-        <a:font script="Uigh" typeface="Microsoft Uighur"/>
-        <a:font script="Geor" typeface="Sylfaen"/>
-      </a:majorFont>
-      <a:minorFont>
-        <a:latin typeface="游ゴシック" panose="020F0502020204030204"/>
-        <a:ea typeface=""/>
-        <a:cs typeface=""/>
-        <a:font script="Jpan" typeface="游ゴシック"/>
-        <a:font script="Hang" typeface="맑은 고딕"/>
-        <a:font script="Hans" typeface="等线"/>
+        <a:font script="Hans" typeface="宋体"/>
         <a:font script="Hant" typeface="新細明體"/>
         <a:font script="Arab" typeface="Arial"/>
         <a:font script="Hebr" typeface="Arial"/>
@@ -3657,9 +8065,46 @@
         <a:font script="Viet" typeface="Arial"/>
         <a:font script="Uigh" typeface="Microsoft Uighur"/>
         <a:font script="Geor" typeface="Sylfaen"/>
+      </a:majorFont>
+      <a:minorFont>
+        <a:latin typeface="Gill Sans MT" panose="020B0502020104020203"/>
+        <a:ea typeface=""/>
+        <a:cs typeface=""/>
+        <a:font script="Grek" typeface="Corbel"/>
+        <a:font script="Cyrl" typeface="Corbel"/>
+        <a:font script="Jpan" typeface="メイリオ"/>
+        <a:font script="Hang" typeface="휴먼매직체"/>
+        <a:font script="Hans" typeface="华文中宋"/>
+        <a:font script="Hant" typeface="微軟正黑體"/>
+        <a:font script="Arab" typeface="Majalla UI"/>
+        <a:font script="Hebr" typeface="Arial"/>
+        <a:font script="Thai" typeface="Cordia New"/>
+        <a:font script="Ethi" typeface="Nyala"/>
+        <a:font script="Beng" typeface="Vrinda"/>
+        <a:font script="Gujr" typeface="Shruti"/>
+        <a:font script="Khmr" typeface="DaunPenh"/>
+        <a:font script="Knda" typeface="Tunga"/>
+        <a:font script="Guru" typeface="Raavi"/>
+        <a:font script="Cans" typeface="Euphemia"/>
+        <a:font script="Cher" typeface="Plantagenet Cherokee"/>
+        <a:font script="Yiii" typeface="Microsoft Yi Baiti"/>
+        <a:font script="Tibt" typeface="Microsoft Himalaya"/>
+        <a:font script="Thaa" typeface="MV Boli"/>
+        <a:font script="Deva" typeface="Mangal"/>
+        <a:font script="Telu" typeface="Gautami"/>
+        <a:font script="Taml" typeface="Latha"/>
+        <a:font script="Syrc" typeface="Estrangelo Edessa"/>
+        <a:font script="Orya" typeface="Kalinga"/>
+        <a:font script="Mlym" typeface="Kartika"/>
+        <a:font script="Laoo" typeface="DokChampa"/>
+        <a:font script="Sinh" typeface="Iskoola Pota"/>
+        <a:font script="Mong" typeface="Mongolian Baiti"/>
+        <a:font script="Viet" typeface="Tahoma"/>
+        <a:font script="Uigh" typeface="Microsoft Uighur"/>
+        <a:font script="Geor" typeface="Sylfaen"/>
       </a:minorFont>
     </a:fontScheme>
-    <a:fmtScheme name="Office">
+    <a:fmtScheme name="Badge">
       <a:fillStyleLst>
         <a:solidFill>
           <a:schemeClr val="phClr"/>
@@ -3668,23 +8113,23 @@
           <a:gsLst>
             <a:gs pos="0">
               <a:schemeClr val="phClr">
+                <a:tint val="67000"/>
+                <a:satMod val="105000"/>
                 <a:lumMod val="110000"/>
-                <a:satMod val="105000"/>
-                <a:tint val="67000"/>
               </a:schemeClr>
             </a:gs>
             <a:gs pos="50000">
               <a:schemeClr val="phClr">
+                <a:tint val="73000"/>
+                <a:satMod val="103000"/>
                 <a:lumMod val="105000"/>
-                <a:satMod val="103000"/>
-                <a:tint val="73000"/>
               </a:schemeClr>
             </a:gs>
             <a:gs pos="100000">
               <a:schemeClr val="phClr">
+                <a:tint val="81000"/>
+                <a:satMod val="109000"/>
                 <a:lumMod val="105000"/>
-                <a:satMod val="109000"/>
-                <a:tint val="81000"/>
               </a:schemeClr>
             </a:gs>
           </a:gsLst>
@@ -3694,23 +8139,23 @@
           <a:gsLst>
             <a:gs pos="0">
               <a:schemeClr val="phClr">
+                <a:tint val="94000"/>
                 <a:satMod val="103000"/>
                 <a:lumMod val="102000"/>
-                <a:tint val="94000"/>
               </a:schemeClr>
             </a:gs>
             <a:gs pos="50000">
               <a:schemeClr val="phClr">
+                <a:shade val="100000"/>
                 <a:satMod val="110000"/>
                 <a:lumMod val="100000"/>
-                <a:shade val="100000"/>
               </a:schemeClr>
             </a:gs>
             <a:gs pos="100000">
               <a:schemeClr val="phClr">
+                <a:shade val="78000"/>
+                <a:satMod val="120000"/>
                 <a:lumMod val="99000"/>
-                <a:satMod val="120000"/>
-                <a:shade val="78000"/>
               </a:schemeClr>
             </a:gs>
           </a:gsLst>
@@ -3718,26 +8163,23 @@
         </a:gradFill>
       </a:fillStyleLst>
       <a:lnStyleLst>
-        <a:ln w="6350" cap="flat" cmpd="sng" algn="ctr">
+        <a:ln w="6350" cap="flat" cmpd="sng" algn="in">
           <a:solidFill>
             <a:schemeClr val="phClr"/>
           </a:solidFill>
           <a:prstDash val="solid"/>
-          <a:miter lim="800000"/>
         </a:ln>
-        <a:ln w="12700" cap="flat" cmpd="sng" algn="ctr">
+        <a:ln w="12700" cap="flat" cmpd="sng" algn="in">
           <a:solidFill>
             <a:schemeClr val="phClr"/>
           </a:solidFill>
           <a:prstDash val="solid"/>
-          <a:miter lim="800000"/>
         </a:ln>
-        <a:ln w="19050" cap="flat" cmpd="sng" algn="ctr">
+        <a:ln w="50800" cap="flat" cmpd="sng" algn="in">
           <a:solidFill>
             <a:schemeClr val="phClr"/>
           </a:solidFill>
           <a:prstDash val="solid"/>
-          <a:miter lim="800000"/>
         </a:ln>
       </a:lnStyleLst>
       <a:effectStyleLst>
@@ -3749,9 +8191,9 @@
         </a:effectStyle>
         <a:effectStyle>
           <a:effectLst>
-            <a:outerShdw blurRad="57150" dist="19050" dir="5400000" algn="ctr" rotWithShape="0">
+            <a:outerShdw blurRad="38100" dist="25400" dir="5400000" algn="ctr" rotWithShape="0">
               <a:srgbClr val="000000">
-                <a:alpha val="63000"/>
+                <a:alpha val="25000"/>
               </a:srgbClr>
             </a:outerShdw>
           </a:effectLst>
@@ -3772,16 +8214,16 @@
             <a:gs pos="0">
               <a:schemeClr val="phClr">
                 <a:tint val="93000"/>
+                <a:shade val="98000"/>
                 <a:satMod val="150000"/>
-                <a:shade val="98000"/>
                 <a:lumMod val="102000"/>
               </a:schemeClr>
             </a:gs>
             <a:gs pos="50000">
               <a:schemeClr val="phClr">
                 <a:tint val="98000"/>
+                <a:shade val="90000"/>
                 <a:satMod val="130000"/>
-                <a:shade val="90000"/>
                 <a:lumMod val="103000"/>
               </a:schemeClr>
             </a:gs>
@@ -3801,7 +8243,7 @@
   <a:extraClrSchemeLst/>
   <a:extLst>
     <a:ext uri="{05A4C25C-085E-4340-85A3-A5531E510DB2}">
-      <thm15:themeFamily xmlns:thm15="http://schemas.microsoft.com/office/thememl/2012/main" name="Office Theme" id="{62F939B6-93AF-4DB8-9C6B-D6C7DFDC589F}" vid="{4A3C46E8-61CC-4603-A589-7422A47A8E4A}"/>
+      <thm15:themeFamily xmlns:thm15="http://schemas.microsoft.com/office/thememl/2012/main" name="Badge" id="{71A07785-5930-41D4-9A83-E23602B48E98}" vid="{771EA782-DFA6-45B1-AEA3-661F1715B310}"/>
     </a:ext>
   </a:extLst>
 </a:theme>

--- a/プレゼン.pptx
+++ b/プレゼン.pptx
@@ -2,13 +2,14 @@
 <file path=ppt/presentation.xml><?xml version="1.0" encoding="utf-8"?>
 <p:presentation xmlns:a="http://schemas.openxmlformats.org/drawingml/2006/main" xmlns:r="http://schemas.openxmlformats.org/officeDocument/2006/relationships" xmlns:p="http://schemas.openxmlformats.org/presentationml/2006/main" saveSubsetFonts="1">
   <p:sldMasterIdLst>
-    <p:sldMasterId id="2147483708" r:id="rId1"/>
+    <p:sldMasterId id="2147483732" r:id="rId1"/>
   </p:sldMasterIdLst>
   <p:sldIdLst>
     <p:sldId id="256" r:id="rId2"/>
     <p:sldId id="259" r:id="rId3"/>
     <p:sldId id="257" r:id="rId4"/>
     <p:sldId id="258" r:id="rId5"/>
+    <p:sldId id="260" r:id="rId6"/>
   </p:sldIdLst>
   <p:sldSz cx="12192000" cy="6858000"/>
   <p:notesSz cx="6858000" cy="9144000"/>
@@ -1326,7 +1327,7 @@
           <a:p>
             <a:fld id="{9D66B535-76A4-4AD0-880D-CDDC4D45B4F8}" type="datetimeFigureOut">
               <a:rPr kumimoji="1" lang="ja-JP" altLang="en-US" smtClean="0"/>
-              <a:t>2022/11/21</a:t>
+              <a:t>2022/11/28</a:t>
             </a:fld>
             <a:endParaRPr kumimoji="1" lang="ja-JP" altLang="en-US"/>
           </a:p>
@@ -1445,13 +1446,25 @@
     </p:spTree>
     <p:extLst>
       <p:ext uri="{BB962C8B-B14F-4D97-AF65-F5344CB8AC3E}">
-        <p14:creationId xmlns:p14="http://schemas.microsoft.com/office/powerpoint/2010/main" val="634827843"/>
+        <p14:creationId xmlns:p14="http://schemas.microsoft.com/office/powerpoint/2010/main" val="3370132253"/>
       </p:ext>
     </p:extLst>
   </p:cSld>
   <p:clrMapOvr>
     <a:masterClrMapping/>
   </p:clrMapOvr>
+  <mc:AlternateContent xmlns:mc="http://schemas.openxmlformats.org/markup-compatibility/2006">
+    <mc:Choice xmlns:p14="http://schemas.microsoft.com/office/powerpoint/2010/main" Requires="p14">
+      <p:transition spd="slow" p14:dur="1250">
+        <p14:flip dir="r"/>
+      </p:transition>
+    </mc:Choice>
+    <mc:Fallback>
+      <p:transition spd="slow">
+        <p:fade/>
+      </p:transition>
+    </mc:Fallback>
+  </mc:AlternateContent>
 </p:sldLayout>
 </file>
 
@@ -1596,7 +1609,7 @@
           <a:p>
             <a:fld id="{9D66B535-76A4-4AD0-880D-CDDC4D45B4F8}" type="datetimeFigureOut">
               <a:rPr kumimoji="1" lang="ja-JP" altLang="en-US" smtClean="0"/>
-              <a:t>2022/11/21</a:t>
+              <a:t>2022/11/28</a:t>
             </a:fld>
             <a:endParaRPr kumimoji="1" lang="ja-JP" altLang="en-US"/>
           </a:p>
@@ -1647,13 +1660,25 @@
     </p:spTree>
     <p:extLst>
       <p:ext uri="{BB962C8B-B14F-4D97-AF65-F5344CB8AC3E}">
-        <p14:creationId xmlns:p14="http://schemas.microsoft.com/office/powerpoint/2010/main" val="492432020"/>
+        <p14:creationId xmlns:p14="http://schemas.microsoft.com/office/powerpoint/2010/main" val="388428425"/>
       </p:ext>
     </p:extLst>
   </p:cSld>
   <p:clrMapOvr>
     <a:masterClrMapping/>
   </p:clrMapOvr>
+  <mc:AlternateContent xmlns:mc="http://schemas.openxmlformats.org/markup-compatibility/2006">
+    <mc:Choice xmlns:p14="http://schemas.microsoft.com/office/powerpoint/2010/main" Requires="p14">
+      <p:transition spd="slow" p14:dur="1250">
+        <p14:flip dir="r"/>
+      </p:transition>
+    </mc:Choice>
+    <mc:Fallback>
+      <p:transition spd="slow">
+        <p:fade/>
+      </p:transition>
+    </mc:Fallback>
+  </mc:AlternateContent>
 </p:sldLayout>
 </file>
 
@@ -1808,7 +1833,7 @@
           <a:p>
             <a:fld id="{9D66B535-76A4-4AD0-880D-CDDC4D45B4F8}" type="datetimeFigureOut">
               <a:rPr kumimoji="1" lang="ja-JP" altLang="en-US" smtClean="0"/>
-              <a:t>2022/11/21</a:t>
+              <a:t>2022/11/28</a:t>
             </a:fld>
             <a:endParaRPr kumimoji="1" lang="ja-JP" altLang="en-US"/>
           </a:p>
@@ -1859,13 +1884,25 @@
     </p:spTree>
     <p:extLst>
       <p:ext uri="{BB962C8B-B14F-4D97-AF65-F5344CB8AC3E}">
-        <p14:creationId xmlns:p14="http://schemas.microsoft.com/office/powerpoint/2010/main" val="4259474789"/>
+        <p14:creationId xmlns:p14="http://schemas.microsoft.com/office/powerpoint/2010/main" val="2696408822"/>
       </p:ext>
     </p:extLst>
   </p:cSld>
   <p:clrMapOvr>
     <a:masterClrMapping/>
   </p:clrMapOvr>
+  <mc:AlternateContent xmlns:mc="http://schemas.openxmlformats.org/markup-compatibility/2006">
+    <mc:Choice xmlns:p14="http://schemas.microsoft.com/office/powerpoint/2010/main" Requires="p14">
+      <p:transition spd="slow" p14:dur="1250">
+        <p14:flip dir="r"/>
+      </p:transition>
+    </mc:Choice>
+    <mc:Fallback>
+      <p:transition spd="slow">
+        <p:fade/>
+      </p:transition>
+    </mc:Fallback>
+  </mc:AlternateContent>
 </p:sldLayout>
 </file>
 
@@ -2010,7 +2047,7 @@
           <a:p>
             <a:fld id="{9D66B535-76A4-4AD0-880D-CDDC4D45B4F8}" type="datetimeFigureOut">
               <a:rPr kumimoji="1" lang="ja-JP" altLang="en-US" smtClean="0"/>
-              <a:t>2022/11/21</a:t>
+              <a:t>2022/11/28</a:t>
             </a:fld>
             <a:endParaRPr kumimoji="1" lang="ja-JP" altLang="en-US"/>
           </a:p>
@@ -2061,13 +2098,25 @@
     </p:spTree>
     <p:extLst>
       <p:ext uri="{BB962C8B-B14F-4D97-AF65-F5344CB8AC3E}">
-        <p14:creationId xmlns:p14="http://schemas.microsoft.com/office/powerpoint/2010/main" val="1866772561"/>
+        <p14:creationId xmlns:p14="http://schemas.microsoft.com/office/powerpoint/2010/main" val="4012324491"/>
       </p:ext>
     </p:extLst>
   </p:cSld>
   <p:clrMapOvr>
     <a:masterClrMapping/>
   </p:clrMapOvr>
+  <mc:AlternateContent xmlns:mc="http://schemas.openxmlformats.org/markup-compatibility/2006">
+    <mc:Choice xmlns:p14="http://schemas.microsoft.com/office/powerpoint/2010/main" Requires="p14">
+      <p:transition spd="slow" p14:dur="1250">
+        <p14:flip dir="r"/>
+      </p:transition>
+    </mc:Choice>
+    <mc:Fallback>
+      <p:transition spd="slow">
+        <p:fade/>
+      </p:transition>
+    </mc:Fallback>
+  </mc:AlternateContent>
 </p:sldLayout>
 </file>
 
@@ -2286,7 +2335,7 @@
           <a:p>
             <a:fld id="{9D66B535-76A4-4AD0-880D-CDDC4D45B4F8}" type="datetimeFigureOut">
               <a:rPr kumimoji="1" lang="ja-JP" altLang="en-US" smtClean="0"/>
-              <a:t>2022/11/21</a:t>
+              <a:t>2022/11/28</a:t>
             </a:fld>
             <a:endParaRPr kumimoji="1" lang="ja-JP" altLang="en-US"/>
           </a:p>
@@ -3306,13 +3355,25 @@
     </p:spTree>
     <p:extLst>
       <p:ext uri="{BB962C8B-B14F-4D97-AF65-F5344CB8AC3E}">
-        <p14:creationId xmlns:p14="http://schemas.microsoft.com/office/powerpoint/2010/main" val="2019273122"/>
+        <p14:creationId xmlns:p14="http://schemas.microsoft.com/office/powerpoint/2010/main" val="1677228538"/>
       </p:ext>
     </p:extLst>
   </p:cSld>
   <p:clrMapOvr>
     <a:overrideClrMapping bg1="dk1" tx1="lt1" bg2="dk2" tx2="lt2" accent1="accent1" accent2="accent2" accent3="accent3" accent4="accent4" accent5="accent5" accent6="accent6" hlink="hlink" folHlink="folHlink"/>
   </p:clrMapOvr>
+  <mc:AlternateContent xmlns:mc="http://schemas.openxmlformats.org/markup-compatibility/2006">
+    <mc:Choice xmlns:p14="http://schemas.microsoft.com/office/powerpoint/2010/main" Requires="p14">
+      <p:transition spd="slow" p14:dur="1250">
+        <p14:flip dir="r"/>
+      </p:transition>
+    </mc:Choice>
+    <mc:Fallback>
+      <p:transition spd="slow">
+        <p:fade/>
+      </p:transition>
+    </mc:Fallback>
+  </mc:AlternateContent>
 </p:sldLayout>
 </file>
 
@@ -3551,7 +3612,7 @@
           <a:p>
             <a:fld id="{9D66B535-76A4-4AD0-880D-CDDC4D45B4F8}" type="datetimeFigureOut">
               <a:rPr kumimoji="1" lang="ja-JP" altLang="en-US" smtClean="0"/>
-              <a:t>2022/11/21</a:t>
+              <a:t>2022/11/28</a:t>
             </a:fld>
             <a:endParaRPr kumimoji="1" lang="ja-JP" altLang="en-US"/>
           </a:p>
@@ -3602,13 +3663,25 @@
     </p:spTree>
     <p:extLst>
       <p:ext uri="{BB962C8B-B14F-4D97-AF65-F5344CB8AC3E}">
-        <p14:creationId xmlns:p14="http://schemas.microsoft.com/office/powerpoint/2010/main" val="3426393528"/>
+        <p14:creationId xmlns:p14="http://schemas.microsoft.com/office/powerpoint/2010/main" val="3892471508"/>
       </p:ext>
     </p:extLst>
   </p:cSld>
   <p:clrMapOvr>
     <a:masterClrMapping/>
   </p:clrMapOvr>
+  <mc:AlternateContent xmlns:mc="http://schemas.openxmlformats.org/markup-compatibility/2006">
+    <mc:Choice xmlns:p14="http://schemas.microsoft.com/office/powerpoint/2010/main" Requires="p14">
+      <p:transition spd="slow" p14:dur="1250">
+        <p14:flip dir="r"/>
+      </p:transition>
+    </mc:Choice>
+    <mc:Fallback>
+      <p:transition spd="slow">
+        <p:fade/>
+      </p:transition>
+    </mc:Fallback>
+  </mc:AlternateContent>
   <p:extLst mod="1">
     <p:ext uri="{DCECCB84-F9BA-43D5-87BE-67443E8EF086}">
       <p15:sldGuideLst xmlns:p15="http://schemas.microsoft.com/office/powerpoint/2012/main"/>
@@ -4005,7 +4078,7 @@
           <a:p>
             <a:fld id="{9D66B535-76A4-4AD0-880D-CDDC4D45B4F8}" type="datetimeFigureOut">
               <a:rPr kumimoji="1" lang="ja-JP" altLang="en-US" smtClean="0"/>
-              <a:t>2022/11/21</a:t>
+              <a:t>2022/11/28</a:t>
             </a:fld>
             <a:endParaRPr kumimoji="1" lang="ja-JP" altLang="en-US"/>
           </a:p>
@@ -4056,13 +4129,25 @@
     </p:spTree>
     <p:extLst>
       <p:ext uri="{BB962C8B-B14F-4D97-AF65-F5344CB8AC3E}">
-        <p14:creationId xmlns:p14="http://schemas.microsoft.com/office/powerpoint/2010/main" val="2714287606"/>
+        <p14:creationId xmlns:p14="http://schemas.microsoft.com/office/powerpoint/2010/main" val="252189960"/>
       </p:ext>
     </p:extLst>
   </p:cSld>
   <p:clrMapOvr>
     <a:masterClrMapping/>
   </p:clrMapOvr>
+  <mc:AlternateContent xmlns:mc="http://schemas.openxmlformats.org/markup-compatibility/2006">
+    <mc:Choice xmlns:p14="http://schemas.microsoft.com/office/powerpoint/2010/main" Requires="p14">
+      <p:transition spd="slow" p14:dur="1250">
+        <p14:flip dir="r"/>
+      </p:transition>
+    </mc:Choice>
+    <mc:Fallback>
+      <p:transition spd="slow">
+        <p:fade/>
+      </p:transition>
+    </mc:Fallback>
+  </mc:AlternateContent>
   <p:extLst mod="1">
     <p:ext uri="{DCECCB84-F9BA-43D5-87BE-67443E8EF086}">
       <p15:sldGuideLst xmlns:p15="http://schemas.microsoft.com/office/powerpoint/2012/main"/>
@@ -4128,7 +4213,7 @@
           <a:p>
             <a:fld id="{9D66B535-76A4-4AD0-880D-CDDC4D45B4F8}" type="datetimeFigureOut">
               <a:rPr kumimoji="1" lang="ja-JP" altLang="en-US" smtClean="0"/>
-              <a:t>2022/11/21</a:t>
+              <a:t>2022/11/28</a:t>
             </a:fld>
             <a:endParaRPr kumimoji="1" lang="ja-JP" altLang="en-US"/>
           </a:p>
@@ -4179,13 +4264,25 @@
     </p:spTree>
     <p:extLst>
       <p:ext uri="{BB962C8B-B14F-4D97-AF65-F5344CB8AC3E}">
-        <p14:creationId xmlns:p14="http://schemas.microsoft.com/office/powerpoint/2010/main" val="4030749596"/>
+        <p14:creationId xmlns:p14="http://schemas.microsoft.com/office/powerpoint/2010/main" val="213278612"/>
       </p:ext>
     </p:extLst>
   </p:cSld>
   <p:clrMapOvr>
     <a:masterClrMapping/>
   </p:clrMapOvr>
+  <mc:AlternateContent xmlns:mc="http://schemas.openxmlformats.org/markup-compatibility/2006">
+    <mc:Choice xmlns:p14="http://schemas.microsoft.com/office/powerpoint/2010/main" Requires="p14">
+      <p:transition spd="slow" p14:dur="1250">
+        <p14:flip dir="r"/>
+      </p:transition>
+    </mc:Choice>
+    <mc:Fallback>
+      <p:transition spd="slow">
+        <p:fade/>
+      </p:transition>
+    </mc:Fallback>
+  </mc:AlternateContent>
 </p:sldLayout>
 </file>
 
@@ -4223,7 +4320,7 @@
           <a:p>
             <a:fld id="{9D66B535-76A4-4AD0-880D-CDDC4D45B4F8}" type="datetimeFigureOut">
               <a:rPr kumimoji="1" lang="ja-JP" altLang="en-US" smtClean="0"/>
-              <a:t>2022/11/21</a:t>
+              <a:t>2022/11/28</a:t>
             </a:fld>
             <a:endParaRPr kumimoji="1" lang="ja-JP" altLang="en-US"/>
           </a:p>
@@ -4274,13 +4371,25 @@
     </p:spTree>
     <p:extLst>
       <p:ext uri="{BB962C8B-B14F-4D97-AF65-F5344CB8AC3E}">
-        <p14:creationId xmlns:p14="http://schemas.microsoft.com/office/powerpoint/2010/main" val="759952475"/>
+        <p14:creationId xmlns:p14="http://schemas.microsoft.com/office/powerpoint/2010/main" val="4217058835"/>
       </p:ext>
     </p:extLst>
   </p:cSld>
   <p:clrMapOvr>
     <a:masterClrMapping/>
   </p:clrMapOvr>
+  <mc:AlternateContent xmlns:mc="http://schemas.openxmlformats.org/markup-compatibility/2006">
+    <mc:Choice xmlns:p14="http://schemas.microsoft.com/office/powerpoint/2010/main" Requires="p14">
+      <p:transition spd="slow" p14:dur="1250">
+        <p14:flip dir="r"/>
+      </p:transition>
+    </mc:Choice>
+    <mc:Fallback>
+      <p:transition spd="slow">
+        <p:fade/>
+      </p:transition>
+    </mc:Fallback>
+  </mc:AlternateContent>
 </p:sldLayout>
 </file>
 
@@ -5018,7 +5127,7 @@
           <a:p>
             <a:fld id="{9D66B535-76A4-4AD0-880D-CDDC4D45B4F8}" type="datetimeFigureOut">
               <a:rPr kumimoji="1" lang="ja-JP" altLang="en-US" smtClean="0"/>
-              <a:t>2022/11/21</a:t>
+              <a:t>2022/11/28</a:t>
             </a:fld>
             <a:endParaRPr kumimoji="1" lang="ja-JP" altLang="en-US"/>
           </a:p>
@@ -5117,13 +5226,25 @@
     </p:spTree>
     <p:extLst>
       <p:ext uri="{BB962C8B-B14F-4D97-AF65-F5344CB8AC3E}">
-        <p14:creationId xmlns:p14="http://schemas.microsoft.com/office/powerpoint/2010/main" val="1478154485"/>
+        <p14:creationId xmlns:p14="http://schemas.microsoft.com/office/powerpoint/2010/main" val="2818902284"/>
       </p:ext>
     </p:extLst>
   </p:cSld>
   <p:clrMapOvr>
     <a:masterClrMapping/>
   </p:clrMapOvr>
+  <mc:AlternateContent xmlns:mc="http://schemas.openxmlformats.org/markup-compatibility/2006">
+    <mc:Choice xmlns:p14="http://schemas.microsoft.com/office/powerpoint/2010/main" Requires="p14">
+      <p:transition spd="slow" p14:dur="1250">
+        <p14:flip dir="r"/>
+      </p:transition>
+    </mc:Choice>
+    <mc:Fallback>
+      <p:transition spd="slow">
+        <p:fade/>
+      </p:transition>
+    </mc:Fallback>
+  </mc:AlternateContent>
   <p:extLst mod="1">
     <p:ext uri="{DCECCB84-F9BA-43D5-87BE-67443E8EF086}">
       <p15:sldGuideLst xmlns:p15="http://schemas.microsoft.com/office/powerpoint/2012/main">
@@ -5858,7 +5979,7 @@
           <a:p>
             <a:fld id="{9D66B535-76A4-4AD0-880D-CDDC4D45B4F8}" type="datetimeFigureOut">
               <a:rPr kumimoji="1" lang="ja-JP" altLang="en-US" smtClean="0"/>
-              <a:t>2022/11/21</a:t>
+              <a:t>2022/11/28</a:t>
             </a:fld>
             <a:endParaRPr kumimoji="1" lang="ja-JP" altLang="en-US"/>
           </a:p>
@@ -5919,13 +6040,25 @@
     </p:spTree>
     <p:extLst>
       <p:ext uri="{BB962C8B-B14F-4D97-AF65-F5344CB8AC3E}">
-        <p14:creationId xmlns:p14="http://schemas.microsoft.com/office/powerpoint/2010/main" val="3940208020"/>
+        <p14:creationId xmlns:p14="http://schemas.microsoft.com/office/powerpoint/2010/main" val="727543643"/>
       </p:ext>
     </p:extLst>
   </p:cSld>
   <p:clrMapOvr>
     <a:masterClrMapping/>
   </p:clrMapOvr>
+  <mc:AlternateContent xmlns:mc="http://schemas.openxmlformats.org/markup-compatibility/2006">
+    <mc:Choice xmlns:p14="http://schemas.microsoft.com/office/powerpoint/2010/main" Requires="p14">
+      <p:transition spd="slow" p14:dur="1250">
+        <p14:flip dir="r"/>
+      </p:transition>
+    </mc:Choice>
+    <mc:Fallback>
+      <p:transition spd="slow">
+        <p:fade/>
+      </p:transition>
+    </mc:Fallback>
+  </mc:AlternateContent>
 </p:sldLayout>
 </file>
 
@@ -6117,7 +6250,7 @@
           <a:p>
             <a:fld id="{9D66B535-76A4-4AD0-880D-CDDC4D45B4F8}" type="datetimeFigureOut">
               <a:rPr kumimoji="1" lang="ja-JP" altLang="en-US" smtClean="0"/>
-              <a:t>2022/11/21</a:t>
+              <a:t>2022/11/28</a:t>
             </a:fld>
             <a:endParaRPr kumimoji="1" lang="ja-JP" altLang="en-US"/>
           </a:p>
@@ -6708,24 +6841,36 @@
     </p:spTree>
     <p:extLst>
       <p:ext uri="{BB962C8B-B14F-4D97-AF65-F5344CB8AC3E}">
-        <p14:creationId xmlns:p14="http://schemas.microsoft.com/office/powerpoint/2010/main" val="3869553142"/>
+        <p14:creationId xmlns:p14="http://schemas.microsoft.com/office/powerpoint/2010/main" val="1495581087"/>
       </p:ext>
     </p:extLst>
   </p:cSld>
   <p:clrMap bg1="lt1" tx1="dk1" bg2="lt2" tx2="dk2" accent1="accent1" accent2="accent2" accent3="accent3" accent4="accent4" accent5="accent5" accent6="accent6" hlink="hlink" folHlink="folHlink"/>
   <p:sldLayoutIdLst>
-    <p:sldLayoutId id="2147483709" r:id="rId1"/>
-    <p:sldLayoutId id="2147483710" r:id="rId2"/>
-    <p:sldLayoutId id="2147483711" r:id="rId3"/>
-    <p:sldLayoutId id="2147483712" r:id="rId4"/>
-    <p:sldLayoutId id="2147483713" r:id="rId5"/>
-    <p:sldLayoutId id="2147483714" r:id="rId6"/>
-    <p:sldLayoutId id="2147483715" r:id="rId7"/>
-    <p:sldLayoutId id="2147483716" r:id="rId8"/>
-    <p:sldLayoutId id="2147483717" r:id="rId9"/>
-    <p:sldLayoutId id="2147483718" r:id="rId10"/>
-    <p:sldLayoutId id="2147483719" r:id="rId11"/>
+    <p:sldLayoutId id="2147483733" r:id="rId1"/>
+    <p:sldLayoutId id="2147483734" r:id="rId2"/>
+    <p:sldLayoutId id="2147483735" r:id="rId3"/>
+    <p:sldLayoutId id="2147483736" r:id="rId4"/>
+    <p:sldLayoutId id="2147483737" r:id="rId5"/>
+    <p:sldLayoutId id="2147483738" r:id="rId6"/>
+    <p:sldLayoutId id="2147483739" r:id="rId7"/>
+    <p:sldLayoutId id="2147483740" r:id="rId8"/>
+    <p:sldLayoutId id="2147483741" r:id="rId9"/>
+    <p:sldLayoutId id="2147483742" r:id="rId10"/>
+    <p:sldLayoutId id="2147483743" r:id="rId11"/>
   </p:sldLayoutIdLst>
+  <mc:AlternateContent xmlns:mc="http://schemas.openxmlformats.org/markup-compatibility/2006">
+    <mc:Choice xmlns:p14="http://schemas.microsoft.com/office/powerpoint/2010/main" Requires="p14">
+      <p:transition spd="slow" p14:dur="1250">
+        <p14:flip dir="r"/>
+      </p:transition>
+    </mc:Choice>
+    <mc:Fallback>
+      <p:transition spd="slow">
+        <p:fade/>
+      </p:transition>
+    </mc:Fallback>
+  </mc:AlternateContent>
   <p:txStyles>
     <p:titleStyle>
       <a:lvl1pPr algn="l" defTabSz="914400" rtl="0" eaLnBrk="1" latinLnBrk="0" hangingPunct="1">
@@ -7168,6 +7313,25 @@
   <p:clrMapOvr>
     <a:masterClrMapping/>
   </p:clrMapOvr>
+  <mc:AlternateContent xmlns:mc="http://schemas.openxmlformats.org/markup-compatibility/2006">
+    <mc:Choice xmlns:p14="http://schemas.microsoft.com/office/powerpoint/2010/main" Requires="p14">
+      <p:transition spd="slow" p14:dur="1250">
+        <p14:flip dir="r"/>
+      </p:transition>
+    </mc:Choice>
+    <mc:Fallback>
+      <p:transition spd="slow">
+        <p:fade/>
+      </p:transition>
+    </mc:Fallback>
+  </mc:AlternateContent>
+  <p:timing>
+    <p:tnLst>
+      <p:par>
+        <p:cTn id="1" dur="indefinite" restart="never" nodeType="tmRoot"/>
+      </p:par>
+    </p:tnLst>
+  </p:timing>
 </p:sld>
 </file>
 
@@ -7315,6 +7479,67 @@
               <a:buFont typeface="Wingdings" panose="05000000000000000000" pitchFamily="2" charset="2"/>
               <a:buChar char="n"/>
             </a:pPr>
+            <a:endParaRPr kumimoji="1" lang="en-US" altLang="ja-JP" sz="2300" b="1" dirty="0" smtClean="0">
+              <a:ln w="0"/>
+              <a:solidFill>
+                <a:schemeClr val="tx1"/>
+              </a:solidFill>
+              <a:latin typeface="游ゴシック" panose="020B0400000000000000" pitchFamily="50" charset="-128"/>
+              <a:ea typeface="游ゴシック" panose="020B0400000000000000" pitchFamily="50" charset="-128"/>
+            </a:endParaRPr>
+          </a:p>
+          <a:p>
+            <a:pPr>
+              <a:buFont typeface="Wingdings" panose="05000000000000000000" pitchFamily="2" charset="2"/>
+              <a:buChar char="n"/>
+            </a:pPr>
+            <a:endParaRPr lang="en-US" altLang="ja-JP" sz="2300" b="1" dirty="0">
+              <a:ln w="0"/>
+              <a:solidFill>
+                <a:schemeClr val="tx1"/>
+              </a:solidFill>
+              <a:latin typeface="游ゴシック" panose="020B0400000000000000" pitchFamily="50" charset="-128"/>
+              <a:ea typeface="游ゴシック" panose="020B0400000000000000" pitchFamily="50" charset="-128"/>
+            </a:endParaRPr>
+          </a:p>
+          <a:p>
+            <a:pPr>
+              <a:buFont typeface="Wingdings" panose="05000000000000000000" pitchFamily="2" charset="2"/>
+              <a:buChar char="n"/>
+            </a:pPr>
+            <a:r>
+              <a:rPr kumimoji="1" lang="ja-JP" altLang="en-US" sz="2300" b="1" dirty="0" smtClean="0">
+                <a:ln w="0"/>
+                <a:solidFill>
+                  <a:schemeClr val="tx1"/>
+                </a:solidFill>
+                <a:latin typeface="游ゴシック" panose="020B0400000000000000" pitchFamily="50" charset="-128"/>
+                <a:ea typeface="游ゴシック" panose="020B0400000000000000" pitchFamily="50" charset="-128"/>
+              </a:rPr>
+              <a:t>進む　　　　　</a:t>
+            </a:r>
+            <a:r>
+              <a:rPr kumimoji="1" lang="en-US" altLang="ja-JP" sz="2300" b="1" dirty="0" smtClean="0">
+                <a:ln w="0"/>
+                <a:solidFill>
+                  <a:schemeClr val="tx1"/>
+                </a:solidFill>
+                <a:latin typeface="游ゴシック" panose="020B0400000000000000" pitchFamily="50" charset="-128"/>
+                <a:ea typeface="游ゴシック" panose="020B0400000000000000" pitchFamily="50" charset="-128"/>
+              </a:rPr>
+              <a:t>Z</a:t>
+            </a:r>
+            <a:r>
+              <a:rPr kumimoji="1" lang="ja-JP" altLang="en-US" sz="2300" b="1" dirty="0" smtClean="0">
+                <a:ln w="0"/>
+                <a:solidFill>
+                  <a:schemeClr val="tx1"/>
+                </a:solidFill>
+                <a:latin typeface="游ゴシック" panose="020B0400000000000000" pitchFamily="50" charset="-128"/>
+                <a:ea typeface="游ゴシック" panose="020B0400000000000000" pitchFamily="50" charset="-128"/>
+              </a:rPr>
+              <a:t>キー</a:t>
+            </a:r>
             <a:endParaRPr kumimoji="1" lang="ja-JP" altLang="en-US" sz="2300" b="1" dirty="0">
               <a:ln w="0"/>
               <a:solidFill>
@@ -7348,7 +7573,7 @@
         </p:blipFill>
         <p:spPr>
           <a:xfrm>
-            <a:off x="5257370" y="2999327"/>
+            <a:off x="5257370" y="2873203"/>
             <a:ext cx="2166937" cy="2166937"/>
           </a:xfrm>
           <a:prstGeom prst="rect">
@@ -7386,6 +7611,36 @@
           </a:prstGeom>
         </p:spPr>
       </p:pic>
+      <p:pic>
+        <p:nvPicPr>
+          <p:cNvPr id="6" name="図 5"/>
+          <p:cNvPicPr>
+            <a:picLocks noChangeAspect="1"/>
+          </p:cNvPicPr>
+          <p:nvPr/>
+        </p:nvPicPr>
+        <p:blipFill>
+          <a:blip r:embed="rId4" cstate="print">
+            <a:extLst>
+              <a:ext uri="{28A0092B-C50C-407E-A947-70E740481C1C}">
+                <a14:useLocalDpi xmlns:a14="http://schemas.microsoft.com/office/drawing/2010/main" val="0"/>
+              </a:ext>
+            </a:extLst>
+          </a:blip>
+          <a:stretch>
+            <a:fillRect/>
+          </a:stretch>
+        </p:blipFill>
+        <p:spPr>
+          <a:xfrm>
+            <a:off x="5833241" y="4898256"/>
+            <a:ext cx="1218342" cy="1218342"/>
+          </a:xfrm>
+          <a:prstGeom prst="rect">
+            <a:avLst/>
+          </a:prstGeom>
+        </p:spPr>
+      </p:pic>
     </p:spTree>
     <p:extLst>
       <p:ext uri="{BB962C8B-B14F-4D97-AF65-F5344CB8AC3E}">
@@ -7396,6 +7651,25 @@
   <p:clrMapOvr>
     <a:masterClrMapping/>
   </p:clrMapOvr>
+  <mc:AlternateContent xmlns:mc="http://schemas.openxmlformats.org/markup-compatibility/2006">
+    <mc:Choice xmlns:p14="http://schemas.microsoft.com/office/powerpoint/2010/main" Requires="p14">
+      <p:transition spd="slow" p14:dur="1250">
+        <p14:flip dir="r"/>
+      </p:transition>
+    </mc:Choice>
+    <mc:Fallback>
+      <p:transition spd="slow">
+        <p:fade/>
+      </p:transition>
+    </mc:Fallback>
+  </mc:AlternateContent>
+  <p:timing>
+    <p:tnLst>
+      <p:par>
+        <p:cTn id="1" dur="indefinite" restart="never" nodeType="tmRoot"/>
+      </p:par>
+    </p:tnLst>
+  </p:timing>
 </p:sld>
 </file>
 
@@ -7440,11 +7714,7 @@
             </a:pPr>
             <a:r>
               <a:rPr kumimoji="1" lang="ja-JP" altLang="en-US" sz="3600" b="1" dirty="0" smtClean="0"/>
-              <a:t>神経</a:t>
-            </a:r>
-            <a:r>
-              <a:rPr kumimoji="1" lang="ja-JP" altLang="en-US" sz="3600" b="1" dirty="0" smtClean="0"/>
-              <a:t>衰弱</a:t>
+              <a:t>神経衰弱</a:t>
             </a:r>
             <a:r>
               <a:rPr kumimoji="1" lang="en-US" altLang="ja-JP" sz="3600" b="1" dirty="0" smtClean="0">
@@ -7456,21 +7726,13 @@
               <a:rPr kumimoji="1" lang="ja-JP" altLang="en-US" sz="3600" b="1" dirty="0" smtClean="0">
                 <a:latin typeface="+mj-ea"/>
               </a:rPr>
-              <a:t>バトル</a:t>
+              <a:t>バトルシーン</a:t>
             </a:r>
             <a:r>
               <a:rPr kumimoji="1" lang="en-US" altLang="ja-JP" sz="3600" b="1" dirty="0" smtClean="0">
                 <a:latin typeface="+mj-ea"/>
               </a:rPr>
               <a:t>)</a:t>
-            </a:r>
-            <a:r>
-              <a:rPr kumimoji="1" lang="ja-JP" altLang="en-US" sz="3600" b="1" dirty="0" smtClean="0"/>
-              <a:t>で</a:t>
-            </a:r>
-            <a:r>
-              <a:rPr kumimoji="1" lang="ja-JP" altLang="en-US" sz="3600" b="1" dirty="0" smtClean="0"/>
-              <a:t>強くなろう</a:t>
             </a:r>
             <a:endParaRPr kumimoji="1" lang="ja-JP" altLang="en-US" sz="3600" b="1" dirty="0"/>
           </a:p>
@@ -7486,7 +7748,12 @@
             <p:ph idx="1"/>
           </p:nvPr>
         </p:nvSpPr>
-        <p:spPr/>
+        <p:spPr>
+          <a:xfrm>
+            <a:off x="1251678" y="2364828"/>
+            <a:ext cx="10178322" cy="3593591"/>
+          </a:xfrm>
+        </p:spPr>
         <p:txBody>
           <a:bodyPr>
             <a:noAutofit/>
@@ -7506,29 +7773,7 @@
                 <a:latin typeface="游ゴシック" panose="020B0400000000000000" pitchFamily="50" charset="-128"/>
                 <a:ea typeface="游ゴシック" panose="020B0400000000000000" pitchFamily="50" charset="-128"/>
               </a:rPr>
-              <a:t>戦闘</a:t>
-            </a:r>
-            <a:r>
-              <a:rPr lang="ja-JP" altLang="en-US" sz="2400" b="1" dirty="0" smtClean="0">
-                <a:ln w="0"/>
-                <a:solidFill>
-                  <a:schemeClr val="tx1"/>
-                </a:solidFill>
-                <a:latin typeface="游ゴシック" panose="020B0400000000000000" pitchFamily="50" charset="-128"/>
-                <a:ea typeface="游ゴシック" panose="020B0400000000000000" pitchFamily="50" charset="-128"/>
-              </a:rPr>
-              <a:t>が神経</a:t>
-            </a:r>
-            <a:r>
-              <a:rPr lang="ja-JP" altLang="en-US" sz="2400" b="1" dirty="0" smtClean="0">
-                <a:ln w="0"/>
-                <a:solidFill>
-                  <a:schemeClr val="tx1"/>
-                </a:solidFill>
-                <a:latin typeface="游ゴシック" panose="020B0400000000000000" pitchFamily="50" charset="-128"/>
-                <a:ea typeface="游ゴシック" panose="020B0400000000000000" pitchFamily="50" charset="-128"/>
-              </a:rPr>
-              <a:t>衰弱</a:t>
+              <a:t>戦闘が神経衰弱</a:t>
             </a:r>
             <a:endParaRPr lang="en-US" altLang="ja-JP" sz="2400" b="1" dirty="0" smtClean="0">
               <a:ln w="0"/>
@@ -7918,6 +8163,25 @@
   <p:clrMapOvr>
     <a:masterClrMapping/>
   </p:clrMapOvr>
+  <mc:AlternateContent xmlns:mc="http://schemas.openxmlformats.org/markup-compatibility/2006">
+    <mc:Choice xmlns:p14="http://schemas.microsoft.com/office/powerpoint/2010/main" Requires="p14">
+      <p:transition spd="slow" p14:dur="1250">
+        <p14:flip dir="r"/>
+      </p:transition>
+    </mc:Choice>
+    <mc:Fallback>
+      <p:transition spd="slow">
+        <p:fade/>
+      </p:transition>
+    </mc:Fallback>
+  </mc:AlternateContent>
+  <p:timing>
+    <p:tnLst>
+      <p:par>
+        <p:cTn id="1" dur="indefinite" restart="never" nodeType="tmRoot"/>
+      </p:par>
+    </p:tnLst>
+  </p:timing>
 </p:sld>
 </file>
 
@@ -7948,12 +8212,157 @@
             <p:ph type="title"/>
           </p:nvPr>
         </p:nvSpPr>
+        <p:spPr>
+          <a:xfrm>
+            <a:off x="1251678" y="366619"/>
+            <a:ext cx="10178322" cy="1492132"/>
+          </a:xfrm>
+        </p:spPr>
+        <p:txBody>
+          <a:bodyPr>
+            <a:normAutofit/>
+          </a:bodyPr>
+          <a:lstStyle/>
+          <a:p>
+            <a:pPr algn="ctr"/>
+            <a:r>
+              <a:rPr kumimoji="1" lang="en-US" altLang="ja-JP" sz="3600" b="1" dirty="0" smtClean="0"/>
+              <a:t/>
+            </a:r>
+            <a:br>
+              <a:rPr kumimoji="1" lang="en-US" altLang="ja-JP" sz="3600" b="1" dirty="0" smtClean="0"/>
+            </a:br>
+            <a:r>
+              <a:rPr kumimoji="1" lang="ja-JP" altLang="en-US" sz="3600" b="1" dirty="0" smtClean="0"/>
+              <a:t>目標</a:t>
+            </a:r>
+            <a:endParaRPr kumimoji="1" lang="ja-JP" altLang="en-US" sz="3600" b="1" dirty="0"/>
+          </a:p>
+        </p:txBody>
+      </p:sp>
+      <p:sp>
+        <p:nvSpPr>
+          <p:cNvPr id="3" name="コンテンツ プレースホルダー 2"/>
+          <p:cNvSpPr>
+            <a:spLocks noGrp="1"/>
+          </p:cNvSpPr>
+          <p:nvPr>
+            <p:ph idx="1"/>
+          </p:nvPr>
+        </p:nvSpPr>
+        <p:spPr/>
+        <p:txBody>
+          <a:bodyPr>
+            <a:normAutofit/>
+          </a:bodyPr>
+          <a:lstStyle/>
+          <a:p>
+            <a:pPr marL="0" indent="0">
+              <a:buNone/>
+            </a:pPr>
+            <a:r>
+              <a:rPr kumimoji="1" lang="ja-JP" altLang="en-US" sz="2800" b="1" dirty="0" smtClean="0"/>
+              <a:t>　　　　　　　増やした体力でボスに挑む！！</a:t>
+            </a:r>
+            <a:endParaRPr kumimoji="1" lang="ja-JP" altLang="en-US" sz="2800" b="1" dirty="0"/>
+          </a:p>
+        </p:txBody>
+      </p:sp>
+      <p:pic>
+        <p:nvPicPr>
+          <p:cNvPr id="4" name="図 3"/>
+          <p:cNvPicPr>
+            <a:picLocks noChangeAspect="1"/>
+          </p:cNvPicPr>
+          <p:nvPr/>
+        </p:nvPicPr>
+        <p:blipFill>
+          <a:blip r:embed="rId2">
+            <a:extLst>
+              <a:ext uri="{28A0092B-C50C-407E-A947-70E740481C1C}">
+                <a14:useLocalDpi xmlns:a14="http://schemas.microsoft.com/office/drawing/2010/main" val="0"/>
+              </a:ext>
+            </a:extLst>
+          </a:blip>
+          <a:stretch>
+            <a:fillRect/>
+          </a:stretch>
+        </p:blipFill>
+        <p:spPr>
+          <a:xfrm>
+            <a:off x="1975684" y="2869324"/>
+            <a:ext cx="8730309" cy="2199763"/>
+          </a:xfrm>
+          <a:prstGeom prst="rect">
+            <a:avLst/>
+          </a:prstGeom>
+        </p:spPr>
+      </p:pic>
+    </p:spTree>
+    <p:extLst>
+      <p:ext uri="{BB962C8B-B14F-4D97-AF65-F5344CB8AC3E}">
+        <p14:creationId xmlns:p14="http://schemas.microsoft.com/office/powerpoint/2010/main" val="2903651499"/>
+      </p:ext>
+    </p:extLst>
+  </p:cSld>
+  <p:clrMapOvr>
+    <a:masterClrMapping/>
+  </p:clrMapOvr>
+  <mc:AlternateContent xmlns:mc="http://schemas.openxmlformats.org/markup-compatibility/2006">
+    <mc:Choice xmlns:p14="http://schemas.microsoft.com/office/powerpoint/2010/main" Requires="p14">
+      <p:transition spd="slow" p14:dur="1250">
+        <p14:flip dir="r"/>
+      </p:transition>
+    </mc:Choice>
+    <mc:Fallback>
+      <p:transition spd="slow">
+        <p:fade/>
+      </p:transition>
+    </mc:Fallback>
+  </mc:AlternateContent>
+  <p:timing>
+    <p:tnLst>
+      <p:par>
+        <p:cTn id="1" dur="indefinite" restart="never" nodeType="tmRoot"/>
+      </p:par>
+    </p:tnLst>
+  </p:timing>
+</p:sld>
+</file>
+
+<file path=ppt/slides/slide5.xml><?xml version="1.0" encoding="utf-8"?>
+<p:sld xmlns:a="http://schemas.openxmlformats.org/drawingml/2006/main" xmlns:r="http://schemas.openxmlformats.org/officeDocument/2006/relationships" xmlns:p="http://schemas.openxmlformats.org/presentationml/2006/main">
+  <p:cSld>
+    <p:spTree>
+      <p:nvGrpSpPr>
+        <p:cNvPr id="1" name=""/>
+        <p:cNvGrpSpPr/>
+        <p:nvPr/>
+      </p:nvGrpSpPr>
+      <p:grpSpPr>
+        <a:xfrm>
+          <a:off x="0" y="0"/>
+          <a:ext cx="0" cy="0"/>
+          <a:chOff x="0" y="0"/>
+          <a:chExt cx="0" cy="0"/>
+        </a:xfrm>
+      </p:grpSpPr>
+      <p:sp>
+        <p:nvSpPr>
+          <p:cNvPr id="2" name="タイトル 1"/>
+          <p:cNvSpPr>
+            <a:spLocks noGrp="1"/>
+          </p:cNvSpPr>
+          <p:nvPr>
+            <p:ph type="title"/>
+          </p:nvPr>
+        </p:nvSpPr>
         <p:spPr/>
         <p:txBody>
           <a:bodyPr/>
           <a:lstStyle/>
           <a:p>
-            <a:endParaRPr kumimoji="1" lang="ja-JP" altLang="en-US"/>
+            <a:endParaRPr kumimoji="1" lang="ja-JP" altLang="en-US" dirty="0"/>
           </a:p>
         </p:txBody>
       </p:sp>
@@ -7979,13 +8388,32 @@
     </p:spTree>
     <p:extLst>
       <p:ext uri="{BB962C8B-B14F-4D97-AF65-F5344CB8AC3E}">
-        <p14:creationId xmlns:p14="http://schemas.microsoft.com/office/powerpoint/2010/main" val="2903651499"/>
+        <p14:creationId xmlns:p14="http://schemas.microsoft.com/office/powerpoint/2010/main" val="382685684"/>
       </p:ext>
     </p:extLst>
   </p:cSld>
   <p:clrMapOvr>
     <a:masterClrMapping/>
   </p:clrMapOvr>
+  <mc:AlternateContent xmlns:mc="http://schemas.openxmlformats.org/markup-compatibility/2006">
+    <mc:Choice xmlns:p14="http://schemas.microsoft.com/office/powerpoint/2010/main" Requires="p14">
+      <p:transition spd="slow" p14:dur="1250">
+        <p14:flip dir="r"/>
+      </p:transition>
+    </mc:Choice>
+    <mc:Fallback>
+      <p:transition spd="slow">
+        <p:fade/>
+      </p:transition>
+    </mc:Fallback>
+  </mc:AlternateContent>
+  <p:timing>
+    <p:tnLst>
+      <p:par>
+        <p:cTn id="1" dur="indefinite" restart="never" nodeType="tmRoot"/>
+      </p:par>
+    </p:tnLst>
+  </p:timing>
 </p:sld>
 </file>
 

--- a/プレゼン.pptx
+++ b/プレゼン.pptx
@@ -8,8 +8,9 @@
     <p:sldId id="256" r:id="rId2"/>
     <p:sldId id="259" r:id="rId3"/>
     <p:sldId id="257" r:id="rId4"/>
-    <p:sldId id="258" r:id="rId5"/>
-    <p:sldId id="260" r:id="rId6"/>
+    <p:sldId id="261" r:id="rId5"/>
+    <p:sldId id="258" r:id="rId6"/>
+    <p:sldId id="260" r:id="rId7"/>
   </p:sldIdLst>
   <p:sldSz cx="12192000" cy="6858000"/>
   <p:notesSz cx="6858000" cy="9144000"/>
@@ -1327,7 +1328,7 @@
           <a:p>
             <a:fld id="{9D66B535-76A4-4AD0-880D-CDDC4D45B4F8}" type="datetimeFigureOut">
               <a:rPr kumimoji="1" lang="ja-JP" altLang="en-US" smtClean="0"/>
-              <a:t>2022/11/28</a:t>
+              <a:t>2022/12/5</a:t>
             </a:fld>
             <a:endParaRPr kumimoji="1" lang="ja-JP" altLang="en-US"/>
           </a:p>
@@ -1453,13 +1454,13 @@
   <p:clrMapOvr>
     <a:masterClrMapping/>
   </p:clrMapOvr>
-  <mc:AlternateContent xmlns:mc="http://schemas.openxmlformats.org/markup-compatibility/2006">
-    <mc:Choice xmlns:p14="http://schemas.microsoft.com/office/powerpoint/2010/main" Requires="p14">
+  <mc:AlternateContent xmlns:mc="http://schemas.openxmlformats.org/markup-compatibility/2006" xmlns:p14="http://schemas.microsoft.com/office/powerpoint/2010/main">
+    <mc:Choice Requires="p14">
       <p:transition spd="slow" p14:dur="1250">
         <p14:flip dir="r"/>
       </p:transition>
     </mc:Choice>
-    <mc:Fallback>
+    <mc:Fallback xmlns="">
       <p:transition spd="slow">
         <p:fade/>
       </p:transition>
@@ -1609,7 +1610,7 @@
           <a:p>
             <a:fld id="{9D66B535-76A4-4AD0-880D-CDDC4D45B4F8}" type="datetimeFigureOut">
               <a:rPr kumimoji="1" lang="ja-JP" altLang="en-US" smtClean="0"/>
-              <a:t>2022/11/28</a:t>
+              <a:t>2022/12/5</a:t>
             </a:fld>
             <a:endParaRPr kumimoji="1" lang="ja-JP" altLang="en-US"/>
           </a:p>
@@ -1667,13 +1668,13 @@
   <p:clrMapOvr>
     <a:masterClrMapping/>
   </p:clrMapOvr>
-  <mc:AlternateContent xmlns:mc="http://schemas.openxmlformats.org/markup-compatibility/2006">
-    <mc:Choice xmlns:p14="http://schemas.microsoft.com/office/powerpoint/2010/main" Requires="p14">
+  <mc:AlternateContent xmlns:mc="http://schemas.openxmlformats.org/markup-compatibility/2006" xmlns:p14="http://schemas.microsoft.com/office/powerpoint/2010/main">
+    <mc:Choice Requires="p14">
       <p:transition spd="slow" p14:dur="1250">
         <p14:flip dir="r"/>
       </p:transition>
     </mc:Choice>
-    <mc:Fallback>
+    <mc:Fallback xmlns="">
       <p:transition spd="slow">
         <p:fade/>
       </p:transition>
@@ -1833,7 +1834,7 @@
           <a:p>
             <a:fld id="{9D66B535-76A4-4AD0-880D-CDDC4D45B4F8}" type="datetimeFigureOut">
               <a:rPr kumimoji="1" lang="ja-JP" altLang="en-US" smtClean="0"/>
-              <a:t>2022/11/28</a:t>
+              <a:t>2022/12/5</a:t>
             </a:fld>
             <a:endParaRPr kumimoji="1" lang="ja-JP" altLang="en-US"/>
           </a:p>
@@ -1891,13 +1892,13 @@
   <p:clrMapOvr>
     <a:masterClrMapping/>
   </p:clrMapOvr>
-  <mc:AlternateContent xmlns:mc="http://schemas.openxmlformats.org/markup-compatibility/2006">
-    <mc:Choice xmlns:p14="http://schemas.microsoft.com/office/powerpoint/2010/main" Requires="p14">
+  <mc:AlternateContent xmlns:mc="http://schemas.openxmlformats.org/markup-compatibility/2006" xmlns:p14="http://schemas.microsoft.com/office/powerpoint/2010/main">
+    <mc:Choice Requires="p14">
       <p:transition spd="slow" p14:dur="1250">
         <p14:flip dir="r"/>
       </p:transition>
     </mc:Choice>
-    <mc:Fallback>
+    <mc:Fallback xmlns="">
       <p:transition spd="slow">
         <p:fade/>
       </p:transition>
@@ -2047,7 +2048,7 @@
           <a:p>
             <a:fld id="{9D66B535-76A4-4AD0-880D-CDDC4D45B4F8}" type="datetimeFigureOut">
               <a:rPr kumimoji="1" lang="ja-JP" altLang="en-US" smtClean="0"/>
-              <a:t>2022/11/28</a:t>
+              <a:t>2022/12/5</a:t>
             </a:fld>
             <a:endParaRPr kumimoji="1" lang="ja-JP" altLang="en-US"/>
           </a:p>
@@ -2105,13 +2106,13 @@
   <p:clrMapOvr>
     <a:masterClrMapping/>
   </p:clrMapOvr>
-  <mc:AlternateContent xmlns:mc="http://schemas.openxmlformats.org/markup-compatibility/2006">
-    <mc:Choice xmlns:p14="http://schemas.microsoft.com/office/powerpoint/2010/main" Requires="p14">
+  <mc:AlternateContent xmlns:mc="http://schemas.openxmlformats.org/markup-compatibility/2006" xmlns:p14="http://schemas.microsoft.com/office/powerpoint/2010/main">
+    <mc:Choice Requires="p14">
       <p:transition spd="slow" p14:dur="1250">
         <p14:flip dir="r"/>
       </p:transition>
     </mc:Choice>
-    <mc:Fallback>
+    <mc:Fallback xmlns="">
       <p:transition spd="slow">
         <p:fade/>
       </p:transition>
@@ -2335,7 +2336,7 @@
           <a:p>
             <a:fld id="{9D66B535-76A4-4AD0-880D-CDDC4D45B4F8}" type="datetimeFigureOut">
               <a:rPr kumimoji="1" lang="ja-JP" altLang="en-US" smtClean="0"/>
-              <a:t>2022/11/28</a:t>
+              <a:t>2022/12/5</a:t>
             </a:fld>
             <a:endParaRPr kumimoji="1" lang="ja-JP" altLang="en-US"/>
           </a:p>
@@ -3362,13 +3363,13 @@
   <p:clrMapOvr>
     <a:overrideClrMapping bg1="dk1" tx1="lt1" bg2="dk2" tx2="lt2" accent1="accent1" accent2="accent2" accent3="accent3" accent4="accent4" accent5="accent5" accent6="accent6" hlink="hlink" folHlink="folHlink"/>
   </p:clrMapOvr>
-  <mc:AlternateContent xmlns:mc="http://schemas.openxmlformats.org/markup-compatibility/2006">
-    <mc:Choice xmlns:p14="http://schemas.microsoft.com/office/powerpoint/2010/main" Requires="p14">
+  <mc:AlternateContent xmlns:mc="http://schemas.openxmlformats.org/markup-compatibility/2006" xmlns:p14="http://schemas.microsoft.com/office/powerpoint/2010/main">
+    <mc:Choice Requires="p14">
       <p:transition spd="slow" p14:dur="1250">
         <p14:flip dir="r"/>
       </p:transition>
     </mc:Choice>
-    <mc:Fallback>
+    <mc:Fallback xmlns="">
       <p:transition spd="slow">
         <p:fade/>
       </p:transition>
@@ -3612,7 +3613,7 @@
           <a:p>
             <a:fld id="{9D66B535-76A4-4AD0-880D-CDDC4D45B4F8}" type="datetimeFigureOut">
               <a:rPr kumimoji="1" lang="ja-JP" altLang="en-US" smtClean="0"/>
-              <a:t>2022/11/28</a:t>
+              <a:t>2022/12/5</a:t>
             </a:fld>
             <a:endParaRPr kumimoji="1" lang="ja-JP" altLang="en-US"/>
           </a:p>
@@ -3670,13 +3671,13 @@
   <p:clrMapOvr>
     <a:masterClrMapping/>
   </p:clrMapOvr>
-  <mc:AlternateContent xmlns:mc="http://schemas.openxmlformats.org/markup-compatibility/2006">
-    <mc:Choice xmlns:p14="http://schemas.microsoft.com/office/powerpoint/2010/main" Requires="p14">
+  <mc:AlternateContent xmlns:mc="http://schemas.openxmlformats.org/markup-compatibility/2006" xmlns:p14="http://schemas.microsoft.com/office/powerpoint/2010/main">
+    <mc:Choice Requires="p14">
       <p:transition spd="slow" p14:dur="1250">
         <p14:flip dir="r"/>
       </p:transition>
     </mc:Choice>
-    <mc:Fallback>
+    <mc:Fallback xmlns="">
       <p:transition spd="slow">
         <p:fade/>
       </p:transition>
@@ -4078,7 +4079,7 @@
           <a:p>
             <a:fld id="{9D66B535-76A4-4AD0-880D-CDDC4D45B4F8}" type="datetimeFigureOut">
               <a:rPr kumimoji="1" lang="ja-JP" altLang="en-US" smtClean="0"/>
-              <a:t>2022/11/28</a:t>
+              <a:t>2022/12/5</a:t>
             </a:fld>
             <a:endParaRPr kumimoji="1" lang="ja-JP" altLang="en-US"/>
           </a:p>
@@ -4136,13 +4137,13 @@
   <p:clrMapOvr>
     <a:masterClrMapping/>
   </p:clrMapOvr>
-  <mc:AlternateContent xmlns:mc="http://schemas.openxmlformats.org/markup-compatibility/2006">
-    <mc:Choice xmlns:p14="http://schemas.microsoft.com/office/powerpoint/2010/main" Requires="p14">
+  <mc:AlternateContent xmlns:mc="http://schemas.openxmlformats.org/markup-compatibility/2006" xmlns:p14="http://schemas.microsoft.com/office/powerpoint/2010/main">
+    <mc:Choice Requires="p14">
       <p:transition spd="slow" p14:dur="1250">
         <p14:flip dir="r"/>
       </p:transition>
     </mc:Choice>
-    <mc:Fallback>
+    <mc:Fallback xmlns="">
       <p:transition spd="slow">
         <p:fade/>
       </p:transition>
@@ -4213,7 +4214,7 @@
           <a:p>
             <a:fld id="{9D66B535-76A4-4AD0-880D-CDDC4D45B4F8}" type="datetimeFigureOut">
               <a:rPr kumimoji="1" lang="ja-JP" altLang="en-US" smtClean="0"/>
-              <a:t>2022/11/28</a:t>
+              <a:t>2022/12/5</a:t>
             </a:fld>
             <a:endParaRPr kumimoji="1" lang="ja-JP" altLang="en-US"/>
           </a:p>
@@ -4271,13 +4272,13 @@
   <p:clrMapOvr>
     <a:masterClrMapping/>
   </p:clrMapOvr>
-  <mc:AlternateContent xmlns:mc="http://schemas.openxmlformats.org/markup-compatibility/2006">
-    <mc:Choice xmlns:p14="http://schemas.microsoft.com/office/powerpoint/2010/main" Requires="p14">
+  <mc:AlternateContent xmlns:mc="http://schemas.openxmlformats.org/markup-compatibility/2006" xmlns:p14="http://schemas.microsoft.com/office/powerpoint/2010/main">
+    <mc:Choice Requires="p14">
       <p:transition spd="slow" p14:dur="1250">
         <p14:flip dir="r"/>
       </p:transition>
     </mc:Choice>
-    <mc:Fallback>
+    <mc:Fallback xmlns="">
       <p:transition spd="slow">
         <p:fade/>
       </p:transition>
@@ -4320,7 +4321,7 @@
           <a:p>
             <a:fld id="{9D66B535-76A4-4AD0-880D-CDDC4D45B4F8}" type="datetimeFigureOut">
               <a:rPr kumimoji="1" lang="ja-JP" altLang="en-US" smtClean="0"/>
-              <a:t>2022/11/28</a:t>
+              <a:t>2022/12/5</a:t>
             </a:fld>
             <a:endParaRPr kumimoji="1" lang="ja-JP" altLang="en-US"/>
           </a:p>
@@ -4378,13 +4379,13 @@
   <p:clrMapOvr>
     <a:masterClrMapping/>
   </p:clrMapOvr>
-  <mc:AlternateContent xmlns:mc="http://schemas.openxmlformats.org/markup-compatibility/2006">
-    <mc:Choice xmlns:p14="http://schemas.microsoft.com/office/powerpoint/2010/main" Requires="p14">
+  <mc:AlternateContent xmlns:mc="http://schemas.openxmlformats.org/markup-compatibility/2006" xmlns:p14="http://schemas.microsoft.com/office/powerpoint/2010/main">
+    <mc:Choice Requires="p14">
       <p:transition spd="slow" p14:dur="1250">
         <p14:flip dir="r"/>
       </p:transition>
     </mc:Choice>
-    <mc:Fallback>
+    <mc:Fallback xmlns="">
       <p:transition spd="slow">
         <p:fade/>
       </p:transition>
@@ -5127,7 +5128,7 @@
           <a:p>
             <a:fld id="{9D66B535-76A4-4AD0-880D-CDDC4D45B4F8}" type="datetimeFigureOut">
               <a:rPr kumimoji="1" lang="ja-JP" altLang="en-US" smtClean="0"/>
-              <a:t>2022/11/28</a:t>
+              <a:t>2022/12/5</a:t>
             </a:fld>
             <a:endParaRPr kumimoji="1" lang="ja-JP" altLang="en-US"/>
           </a:p>
@@ -5233,13 +5234,13 @@
   <p:clrMapOvr>
     <a:masterClrMapping/>
   </p:clrMapOvr>
-  <mc:AlternateContent xmlns:mc="http://schemas.openxmlformats.org/markup-compatibility/2006">
-    <mc:Choice xmlns:p14="http://schemas.microsoft.com/office/powerpoint/2010/main" Requires="p14">
+  <mc:AlternateContent xmlns:mc="http://schemas.openxmlformats.org/markup-compatibility/2006" xmlns:p14="http://schemas.microsoft.com/office/powerpoint/2010/main">
+    <mc:Choice Requires="p14">
       <p:transition spd="slow" p14:dur="1250">
         <p14:flip dir="r"/>
       </p:transition>
     </mc:Choice>
-    <mc:Fallback>
+    <mc:Fallback xmlns="">
       <p:transition spd="slow">
         <p:fade/>
       </p:transition>
@@ -5979,7 +5980,7 @@
           <a:p>
             <a:fld id="{9D66B535-76A4-4AD0-880D-CDDC4D45B4F8}" type="datetimeFigureOut">
               <a:rPr kumimoji="1" lang="ja-JP" altLang="en-US" smtClean="0"/>
-              <a:t>2022/11/28</a:t>
+              <a:t>2022/12/5</a:t>
             </a:fld>
             <a:endParaRPr kumimoji="1" lang="ja-JP" altLang="en-US"/>
           </a:p>
@@ -6047,13 +6048,13 @@
   <p:clrMapOvr>
     <a:masterClrMapping/>
   </p:clrMapOvr>
-  <mc:AlternateContent xmlns:mc="http://schemas.openxmlformats.org/markup-compatibility/2006">
-    <mc:Choice xmlns:p14="http://schemas.microsoft.com/office/powerpoint/2010/main" Requires="p14">
+  <mc:AlternateContent xmlns:mc="http://schemas.openxmlformats.org/markup-compatibility/2006" xmlns:p14="http://schemas.microsoft.com/office/powerpoint/2010/main">
+    <mc:Choice Requires="p14">
       <p:transition spd="slow" p14:dur="1250">
         <p14:flip dir="r"/>
       </p:transition>
     </mc:Choice>
-    <mc:Fallback>
+    <mc:Fallback xmlns="">
       <p:transition spd="slow">
         <p:fade/>
       </p:transition>
@@ -6250,7 +6251,7 @@
           <a:p>
             <a:fld id="{9D66B535-76A4-4AD0-880D-CDDC4D45B4F8}" type="datetimeFigureOut">
               <a:rPr kumimoji="1" lang="ja-JP" altLang="en-US" smtClean="0"/>
-              <a:t>2022/11/28</a:t>
+              <a:t>2022/12/5</a:t>
             </a:fld>
             <a:endParaRPr kumimoji="1" lang="ja-JP" altLang="en-US"/>
           </a:p>
@@ -6859,13 +6860,13 @@
     <p:sldLayoutId id="2147483742" r:id="rId10"/>
     <p:sldLayoutId id="2147483743" r:id="rId11"/>
   </p:sldLayoutIdLst>
-  <mc:AlternateContent xmlns:mc="http://schemas.openxmlformats.org/markup-compatibility/2006">
-    <mc:Choice xmlns:p14="http://schemas.microsoft.com/office/powerpoint/2010/main" Requires="p14">
+  <mc:AlternateContent xmlns:mc="http://schemas.openxmlformats.org/markup-compatibility/2006" xmlns:p14="http://schemas.microsoft.com/office/powerpoint/2010/main">
+    <mc:Choice Requires="p14">
       <p:transition spd="slow" p14:dur="1250">
         <p14:flip dir="r"/>
       </p:transition>
     </mc:Choice>
-    <mc:Fallback>
+    <mc:Fallback xmlns="">
       <p:transition spd="slow">
         <p:fade/>
       </p:transition>
@@ -7278,7 +7279,23 @@
           <a:p>
             <a:r>
               <a:rPr kumimoji="1" lang="ja-JP" altLang="en-US" b="1" dirty="0" smtClean="0"/>
-              <a:t>神経衰弱で世界を救う</a:t>
+              <a:t>神経衰弱</a:t>
+            </a:r>
+            <a:r>
+              <a:rPr kumimoji="1" lang="ja-JP" altLang="en-US" b="1" dirty="0" smtClean="0"/>
+              <a:t>で</a:t>
+            </a:r>
+            <a:r>
+              <a:rPr lang="ja-JP" altLang="en-US" b="1" dirty="0"/>
+              <a:t>村</a:t>
+            </a:r>
+            <a:r>
+              <a:rPr kumimoji="1" lang="ja-JP" altLang="en-US" b="1" dirty="0" smtClean="0"/>
+              <a:t>を</a:t>
+            </a:r>
+            <a:r>
+              <a:rPr kumimoji="1" lang="ja-JP" altLang="en-US" b="1" dirty="0" smtClean="0"/>
+              <a:t>救う</a:t>
             </a:r>
             <a:endParaRPr kumimoji="1" lang="ja-JP" altLang="en-US" b="1" dirty="0"/>
           </a:p>
@@ -7313,13 +7330,13 @@
   <p:clrMapOvr>
     <a:masterClrMapping/>
   </p:clrMapOvr>
-  <mc:AlternateContent xmlns:mc="http://schemas.openxmlformats.org/markup-compatibility/2006">
-    <mc:Choice xmlns:p14="http://schemas.microsoft.com/office/powerpoint/2010/main" Requires="p14">
+  <mc:AlternateContent xmlns:mc="http://schemas.openxmlformats.org/markup-compatibility/2006" xmlns:p14="http://schemas.microsoft.com/office/powerpoint/2010/main">
+    <mc:Choice Requires="p14">
       <p:transition spd="slow" p14:dur="1250">
         <p14:flip dir="r"/>
       </p:transition>
     </mc:Choice>
-    <mc:Fallback>
+    <mc:Fallback xmlns="">
       <p:transition spd="slow">
         <p:fade/>
       </p:transition>
@@ -7651,13 +7668,13 @@
   <p:clrMapOvr>
     <a:masterClrMapping/>
   </p:clrMapOvr>
-  <mc:AlternateContent xmlns:mc="http://schemas.openxmlformats.org/markup-compatibility/2006">
-    <mc:Choice xmlns:p14="http://schemas.microsoft.com/office/powerpoint/2010/main" Requires="p14">
+  <mc:AlternateContent xmlns:mc="http://schemas.openxmlformats.org/markup-compatibility/2006" xmlns:p14="http://schemas.microsoft.com/office/powerpoint/2010/main">
+    <mc:Choice Requires="p14">
       <p:transition spd="slow" p14:dur="1250">
         <p14:flip dir="r"/>
       </p:transition>
     </mc:Choice>
-    <mc:Fallback>
+    <mc:Fallback xmlns="">
       <p:transition spd="slow">
         <p:fade/>
       </p:transition>
@@ -7898,10 +7915,27 @@
             </a:endParaRPr>
           </a:p>
           <a:p>
-            <a:pPr>
-              <a:buFont typeface="Wingdings" panose="05000000000000000000" pitchFamily="2" charset="2"/>
-              <a:buChar char="n"/>
+            <a:pPr marL="0" indent="0">
+              <a:buNone/>
             </a:pPr>
+            <a:r>
+              <a:rPr lang="ja-JP" altLang="en-US" sz="2400" b="1" dirty="0" smtClean="0">
+                <a:latin typeface="+mn-ea"/>
+              </a:rPr>
+              <a:t>　　　　　　　　　　　　　　　　</a:t>
+            </a:r>
+            <a:r>
+              <a:rPr lang="en-US" altLang="ja-JP" sz="2400" b="1" dirty="0" smtClean="0">
+                <a:latin typeface="+mn-ea"/>
+              </a:rPr>
+              <a:t>※LIFE</a:t>
+            </a:r>
+            <a:r>
+              <a:rPr lang="ja-JP" altLang="en-US" sz="2400" b="1" dirty="0" smtClean="0">
+                <a:latin typeface="+mn-ea"/>
+              </a:rPr>
+              <a:t>要素</a:t>
+            </a:r>
             <a:endParaRPr lang="en-US" altLang="ja-JP" sz="2400" b="1" dirty="0">
               <a:latin typeface="+mn-ea"/>
             </a:endParaRPr>
@@ -8163,13 +8197,1172 @@
   <p:clrMapOvr>
     <a:masterClrMapping/>
   </p:clrMapOvr>
-  <mc:AlternateContent xmlns:mc="http://schemas.openxmlformats.org/markup-compatibility/2006">
-    <mc:Choice xmlns:p14="http://schemas.microsoft.com/office/powerpoint/2010/main" Requires="p14">
+  <mc:AlternateContent xmlns:mc="http://schemas.openxmlformats.org/markup-compatibility/2006" xmlns:p14="http://schemas.microsoft.com/office/powerpoint/2010/main">
+    <mc:Choice Requires="p14">
       <p:transition spd="slow" p14:dur="1250">
         <p14:flip dir="r"/>
       </p:transition>
     </mc:Choice>
-    <mc:Fallback>
+    <mc:Fallback xmlns="">
+      <p:transition spd="slow">
+        <p:fade/>
+      </p:transition>
+    </mc:Fallback>
+  </mc:AlternateContent>
+  <p:timing>
+    <p:tnLst>
+      <p:par>
+        <p:cTn id="1" dur="indefinite" restart="never" nodeType="tmRoot">
+          <p:childTnLst>
+            <p:seq concurrent="1" nextAc="seek">
+              <p:cTn id="2" dur="indefinite" nodeType="mainSeq">
+                <p:childTnLst>
+                  <p:par>
+                    <p:cTn id="3" fill="hold">
+                      <p:stCondLst>
+                        <p:cond delay="indefinite"/>
+                      </p:stCondLst>
+                      <p:childTnLst>
+                        <p:par>
+                          <p:cTn id="4" fill="hold">
+                            <p:stCondLst>
+                              <p:cond delay="0"/>
+                            </p:stCondLst>
+                            <p:childTnLst>
+                              <p:par>
+                                <p:cTn id="5" presetID="42" presetClass="entr" presetSubtype="0" fill="hold" nodeType="clickEffect">
+                                  <p:stCondLst>
+                                    <p:cond delay="0"/>
+                                  </p:stCondLst>
+                                  <p:childTnLst>
+                                    <p:set>
+                                      <p:cBhvr>
+                                        <p:cTn id="6" dur="1" fill="hold">
+                                          <p:stCondLst>
+                                            <p:cond delay="0"/>
+                                          </p:stCondLst>
+                                        </p:cTn>
+                                        <p:tgtEl>
+                                          <p:spTgt spid="3">
+                                            <p:txEl>
+                                              <p:pRg st="0" end="0"/>
+                                            </p:txEl>
+                                          </p:spTgt>
+                                        </p:tgtEl>
+                                        <p:attrNameLst>
+                                          <p:attrName>style.visibility</p:attrName>
+                                        </p:attrNameLst>
+                                      </p:cBhvr>
+                                      <p:to>
+                                        <p:strVal val="visible"/>
+                                      </p:to>
+                                    </p:set>
+                                    <p:animEffect transition="in" filter="fade">
+                                      <p:cBhvr>
+                                        <p:cTn id="7" dur="1000"/>
+                                        <p:tgtEl>
+                                          <p:spTgt spid="3">
+                                            <p:txEl>
+                                              <p:pRg st="0" end="0"/>
+                                            </p:txEl>
+                                          </p:spTgt>
+                                        </p:tgtEl>
+                                      </p:cBhvr>
+                                    </p:animEffect>
+                                    <p:anim calcmode="lin" valueType="num">
+                                      <p:cBhvr>
+                                        <p:cTn id="8" dur="1000" fill="hold"/>
+                                        <p:tgtEl>
+                                          <p:spTgt spid="3">
+                                            <p:txEl>
+                                              <p:pRg st="0" end="0"/>
+                                            </p:txEl>
+                                          </p:spTgt>
+                                        </p:tgtEl>
+                                        <p:attrNameLst>
+                                          <p:attrName>ppt_x</p:attrName>
+                                        </p:attrNameLst>
+                                      </p:cBhvr>
+                                      <p:tavLst>
+                                        <p:tav tm="0">
+                                          <p:val>
+                                            <p:strVal val="#ppt_x"/>
+                                          </p:val>
+                                        </p:tav>
+                                        <p:tav tm="100000">
+                                          <p:val>
+                                            <p:strVal val="#ppt_x"/>
+                                          </p:val>
+                                        </p:tav>
+                                      </p:tavLst>
+                                    </p:anim>
+                                    <p:anim calcmode="lin" valueType="num">
+                                      <p:cBhvr>
+                                        <p:cTn id="9" dur="1000" fill="hold"/>
+                                        <p:tgtEl>
+                                          <p:spTgt spid="3">
+                                            <p:txEl>
+                                              <p:pRg st="0" end="0"/>
+                                            </p:txEl>
+                                          </p:spTgt>
+                                        </p:tgtEl>
+                                        <p:attrNameLst>
+                                          <p:attrName>ppt_y</p:attrName>
+                                        </p:attrNameLst>
+                                      </p:cBhvr>
+                                      <p:tavLst>
+                                        <p:tav tm="0">
+                                          <p:val>
+                                            <p:strVal val="#ppt_y+.1"/>
+                                          </p:val>
+                                        </p:tav>
+                                        <p:tav tm="100000">
+                                          <p:val>
+                                            <p:strVal val="#ppt_y"/>
+                                          </p:val>
+                                        </p:tav>
+                                      </p:tavLst>
+                                    </p:anim>
+                                  </p:childTnLst>
+                                </p:cTn>
+                              </p:par>
+                            </p:childTnLst>
+                          </p:cTn>
+                        </p:par>
+                      </p:childTnLst>
+                    </p:cTn>
+                  </p:par>
+                  <p:par>
+                    <p:cTn id="10" fill="hold">
+                      <p:stCondLst>
+                        <p:cond delay="indefinite"/>
+                      </p:stCondLst>
+                      <p:childTnLst>
+                        <p:par>
+                          <p:cTn id="11" fill="hold">
+                            <p:stCondLst>
+                              <p:cond delay="0"/>
+                            </p:stCondLst>
+                            <p:childTnLst>
+                              <p:par>
+                                <p:cTn id="12" presetID="42" presetClass="entr" presetSubtype="0" fill="hold" nodeType="clickEffect">
+                                  <p:stCondLst>
+                                    <p:cond delay="0"/>
+                                  </p:stCondLst>
+                                  <p:childTnLst>
+                                    <p:set>
+                                      <p:cBhvr>
+                                        <p:cTn id="13" dur="1" fill="hold">
+                                          <p:stCondLst>
+                                            <p:cond delay="0"/>
+                                          </p:stCondLst>
+                                        </p:cTn>
+                                        <p:tgtEl>
+                                          <p:spTgt spid="3">
+                                            <p:txEl>
+                                              <p:pRg st="1" end="1"/>
+                                            </p:txEl>
+                                          </p:spTgt>
+                                        </p:tgtEl>
+                                        <p:attrNameLst>
+                                          <p:attrName>style.visibility</p:attrName>
+                                        </p:attrNameLst>
+                                      </p:cBhvr>
+                                      <p:to>
+                                        <p:strVal val="visible"/>
+                                      </p:to>
+                                    </p:set>
+                                    <p:animEffect transition="in" filter="fade">
+                                      <p:cBhvr>
+                                        <p:cTn id="14" dur="1000"/>
+                                        <p:tgtEl>
+                                          <p:spTgt spid="3">
+                                            <p:txEl>
+                                              <p:pRg st="1" end="1"/>
+                                            </p:txEl>
+                                          </p:spTgt>
+                                        </p:tgtEl>
+                                      </p:cBhvr>
+                                    </p:animEffect>
+                                    <p:anim calcmode="lin" valueType="num">
+                                      <p:cBhvr>
+                                        <p:cTn id="15" dur="1000" fill="hold"/>
+                                        <p:tgtEl>
+                                          <p:spTgt spid="3">
+                                            <p:txEl>
+                                              <p:pRg st="1" end="1"/>
+                                            </p:txEl>
+                                          </p:spTgt>
+                                        </p:tgtEl>
+                                        <p:attrNameLst>
+                                          <p:attrName>ppt_x</p:attrName>
+                                        </p:attrNameLst>
+                                      </p:cBhvr>
+                                      <p:tavLst>
+                                        <p:tav tm="0">
+                                          <p:val>
+                                            <p:strVal val="#ppt_x"/>
+                                          </p:val>
+                                        </p:tav>
+                                        <p:tav tm="100000">
+                                          <p:val>
+                                            <p:strVal val="#ppt_x"/>
+                                          </p:val>
+                                        </p:tav>
+                                      </p:tavLst>
+                                    </p:anim>
+                                    <p:anim calcmode="lin" valueType="num">
+                                      <p:cBhvr>
+                                        <p:cTn id="16" dur="1000" fill="hold"/>
+                                        <p:tgtEl>
+                                          <p:spTgt spid="3">
+                                            <p:txEl>
+                                              <p:pRg st="1" end="1"/>
+                                            </p:txEl>
+                                          </p:spTgt>
+                                        </p:tgtEl>
+                                        <p:attrNameLst>
+                                          <p:attrName>ppt_y</p:attrName>
+                                        </p:attrNameLst>
+                                      </p:cBhvr>
+                                      <p:tavLst>
+                                        <p:tav tm="0">
+                                          <p:val>
+                                            <p:strVal val="#ppt_y+.1"/>
+                                          </p:val>
+                                        </p:tav>
+                                        <p:tav tm="100000">
+                                          <p:val>
+                                            <p:strVal val="#ppt_y"/>
+                                          </p:val>
+                                        </p:tav>
+                                      </p:tavLst>
+                                    </p:anim>
+                                  </p:childTnLst>
+                                </p:cTn>
+                              </p:par>
+                            </p:childTnLst>
+                          </p:cTn>
+                        </p:par>
+                      </p:childTnLst>
+                    </p:cTn>
+                  </p:par>
+                  <p:par>
+                    <p:cTn id="17" fill="hold">
+                      <p:stCondLst>
+                        <p:cond delay="indefinite"/>
+                      </p:stCondLst>
+                      <p:childTnLst>
+                        <p:par>
+                          <p:cTn id="18" fill="hold">
+                            <p:stCondLst>
+                              <p:cond delay="0"/>
+                            </p:stCondLst>
+                            <p:childTnLst>
+                              <p:par>
+                                <p:cTn id="19" presetID="42" presetClass="entr" presetSubtype="0" fill="hold" nodeType="clickEffect">
+                                  <p:stCondLst>
+                                    <p:cond delay="0"/>
+                                  </p:stCondLst>
+                                  <p:childTnLst>
+                                    <p:set>
+                                      <p:cBhvr>
+                                        <p:cTn id="20" dur="1" fill="hold">
+                                          <p:stCondLst>
+                                            <p:cond delay="0"/>
+                                          </p:stCondLst>
+                                        </p:cTn>
+                                        <p:tgtEl>
+                                          <p:spTgt spid="3">
+                                            <p:txEl>
+                                              <p:pRg st="2" end="2"/>
+                                            </p:txEl>
+                                          </p:spTgt>
+                                        </p:tgtEl>
+                                        <p:attrNameLst>
+                                          <p:attrName>style.visibility</p:attrName>
+                                        </p:attrNameLst>
+                                      </p:cBhvr>
+                                      <p:to>
+                                        <p:strVal val="visible"/>
+                                      </p:to>
+                                    </p:set>
+                                    <p:animEffect transition="in" filter="fade">
+                                      <p:cBhvr>
+                                        <p:cTn id="21" dur="1000"/>
+                                        <p:tgtEl>
+                                          <p:spTgt spid="3">
+                                            <p:txEl>
+                                              <p:pRg st="2" end="2"/>
+                                            </p:txEl>
+                                          </p:spTgt>
+                                        </p:tgtEl>
+                                      </p:cBhvr>
+                                    </p:animEffect>
+                                    <p:anim calcmode="lin" valueType="num">
+                                      <p:cBhvr>
+                                        <p:cTn id="22" dur="1000" fill="hold"/>
+                                        <p:tgtEl>
+                                          <p:spTgt spid="3">
+                                            <p:txEl>
+                                              <p:pRg st="2" end="2"/>
+                                            </p:txEl>
+                                          </p:spTgt>
+                                        </p:tgtEl>
+                                        <p:attrNameLst>
+                                          <p:attrName>ppt_x</p:attrName>
+                                        </p:attrNameLst>
+                                      </p:cBhvr>
+                                      <p:tavLst>
+                                        <p:tav tm="0">
+                                          <p:val>
+                                            <p:strVal val="#ppt_x"/>
+                                          </p:val>
+                                        </p:tav>
+                                        <p:tav tm="100000">
+                                          <p:val>
+                                            <p:strVal val="#ppt_x"/>
+                                          </p:val>
+                                        </p:tav>
+                                      </p:tavLst>
+                                    </p:anim>
+                                    <p:anim calcmode="lin" valueType="num">
+                                      <p:cBhvr>
+                                        <p:cTn id="23" dur="1000" fill="hold"/>
+                                        <p:tgtEl>
+                                          <p:spTgt spid="3">
+                                            <p:txEl>
+                                              <p:pRg st="2" end="2"/>
+                                            </p:txEl>
+                                          </p:spTgt>
+                                        </p:tgtEl>
+                                        <p:attrNameLst>
+                                          <p:attrName>ppt_y</p:attrName>
+                                        </p:attrNameLst>
+                                      </p:cBhvr>
+                                      <p:tavLst>
+                                        <p:tav tm="0">
+                                          <p:val>
+                                            <p:strVal val="#ppt_y+.1"/>
+                                          </p:val>
+                                        </p:tav>
+                                        <p:tav tm="100000">
+                                          <p:val>
+                                            <p:strVal val="#ppt_y"/>
+                                          </p:val>
+                                        </p:tav>
+                                      </p:tavLst>
+                                    </p:anim>
+                                  </p:childTnLst>
+                                </p:cTn>
+                              </p:par>
+                            </p:childTnLst>
+                          </p:cTn>
+                        </p:par>
+                      </p:childTnLst>
+                    </p:cTn>
+                  </p:par>
+                  <p:par>
+                    <p:cTn id="24" fill="hold">
+                      <p:stCondLst>
+                        <p:cond delay="indefinite"/>
+                      </p:stCondLst>
+                      <p:childTnLst>
+                        <p:par>
+                          <p:cTn id="25" fill="hold">
+                            <p:stCondLst>
+                              <p:cond delay="0"/>
+                            </p:stCondLst>
+                            <p:childTnLst>
+                              <p:par>
+                                <p:cTn id="26" presetID="42" presetClass="entr" presetSubtype="0" fill="hold" nodeType="clickEffect">
+                                  <p:stCondLst>
+                                    <p:cond delay="0"/>
+                                  </p:stCondLst>
+                                  <p:childTnLst>
+                                    <p:set>
+                                      <p:cBhvr>
+                                        <p:cTn id="27" dur="1" fill="hold">
+                                          <p:stCondLst>
+                                            <p:cond delay="0"/>
+                                          </p:stCondLst>
+                                        </p:cTn>
+                                        <p:tgtEl>
+                                          <p:spTgt spid="6"/>
+                                        </p:tgtEl>
+                                        <p:attrNameLst>
+                                          <p:attrName>style.visibility</p:attrName>
+                                        </p:attrNameLst>
+                                      </p:cBhvr>
+                                      <p:to>
+                                        <p:strVal val="visible"/>
+                                      </p:to>
+                                    </p:set>
+                                    <p:animEffect transition="in" filter="fade">
+                                      <p:cBhvr>
+                                        <p:cTn id="28" dur="1000"/>
+                                        <p:tgtEl>
+                                          <p:spTgt spid="6"/>
+                                        </p:tgtEl>
+                                      </p:cBhvr>
+                                    </p:animEffect>
+                                    <p:anim calcmode="lin" valueType="num">
+                                      <p:cBhvr>
+                                        <p:cTn id="29" dur="1000" fill="hold"/>
+                                        <p:tgtEl>
+                                          <p:spTgt spid="6"/>
+                                        </p:tgtEl>
+                                        <p:attrNameLst>
+                                          <p:attrName>ppt_x</p:attrName>
+                                        </p:attrNameLst>
+                                      </p:cBhvr>
+                                      <p:tavLst>
+                                        <p:tav tm="0">
+                                          <p:val>
+                                            <p:strVal val="#ppt_x"/>
+                                          </p:val>
+                                        </p:tav>
+                                        <p:tav tm="100000">
+                                          <p:val>
+                                            <p:strVal val="#ppt_x"/>
+                                          </p:val>
+                                        </p:tav>
+                                      </p:tavLst>
+                                    </p:anim>
+                                    <p:anim calcmode="lin" valueType="num">
+                                      <p:cBhvr>
+                                        <p:cTn id="30" dur="1000" fill="hold"/>
+                                        <p:tgtEl>
+                                          <p:spTgt spid="6"/>
+                                        </p:tgtEl>
+                                        <p:attrNameLst>
+                                          <p:attrName>ppt_y</p:attrName>
+                                        </p:attrNameLst>
+                                      </p:cBhvr>
+                                      <p:tavLst>
+                                        <p:tav tm="0">
+                                          <p:val>
+                                            <p:strVal val="#ppt_y+.1"/>
+                                          </p:val>
+                                        </p:tav>
+                                        <p:tav tm="100000">
+                                          <p:val>
+                                            <p:strVal val="#ppt_y"/>
+                                          </p:val>
+                                        </p:tav>
+                                      </p:tavLst>
+                                    </p:anim>
+                                  </p:childTnLst>
+                                </p:cTn>
+                              </p:par>
+                              <p:par>
+                                <p:cTn id="31" presetID="42" presetClass="entr" presetSubtype="0" fill="hold" grpId="0" nodeType="withEffect">
+                                  <p:stCondLst>
+                                    <p:cond delay="0"/>
+                                  </p:stCondLst>
+                                  <p:childTnLst>
+                                    <p:set>
+                                      <p:cBhvr>
+                                        <p:cTn id="32" dur="1" fill="hold">
+                                          <p:stCondLst>
+                                            <p:cond delay="0"/>
+                                          </p:stCondLst>
+                                        </p:cTn>
+                                        <p:tgtEl>
+                                          <p:spTgt spid="9"/>
+                                        </p:tgtEl>
+                                        <p:attrNameLst>
+                                          <p:attrName>style.visibility</p:attrName>
+                                        </p:attrNameLst>
+                                      </p:cBhvr>
+                                      <p:to>
+                                        <p:strVal val="visible"/>
+                                      </p:to>
+                                    </p:set>
+                                    <p:animEffect transition="in" filter="fade">
+                                      <p:cBhvr>
+                                        <p:cTn id="33" dur="1000"/>
+                                        <p:tgtEl>
+                                          <p:spTgt spid="9"/>
+                                        </p:tgtEl>
+                                      </p:cBhvr>
+                                    </p:animEffect>
+                                    <p:anim calcmode="lin" valueType="num">
+                                      <p:cBhvr>
+                                        <p:cTn id="34" dur="1000" fill="hold"/>
+                                        <p:tgtEl>
+                                          <p:spTgt spid="9"/>
+                                        </p:tgtEl>
+                                        <p:attrNameLst>
+                                          <p:attrName>ppt_x</p:attrName>
+                                        </p:attrNameLst>
+                                      </p:cBhvr>
+                                      <p:tavLst>
+                                        <p:tav tm="0">
+                                          <p:val>
+                                            <p:strVal val="#ppt_x"/>
+                                          </p:val>
+                                        </p:tav>
+                                        <p:tav tm="100000">
+                                          <p:val>
+                                            <p:strVal val="#ppt_x"/>
+                                          </p:val>
+                                        </p:tav>
+                                      </p:tavLst>
+                                    </p:anim>
+                                    <p:anim calcmode="lin" valueType="num">
+                                      <p:cBhvr>
+                                        <p:cTn id="35" dur="1000" fill="hold"/>
+                                        <p:tgtEl>
+                                          <p:spTgt spid="9"/>
+                                        </p:tgtEl>
+                                        <p:attrNameLst>
+                                          <p:attrName>ppt_y</p:attrName>
+                                        </p:attrNameLst>
+                                      </p:cBhvr>
+                                      <p:tavLst>
+                                        <p:tav tm="0">
+                                          <p:val>
+                                            <p:strVal val="#ppt_y+.1"/>
+                                          </p:val>
+                                        </p:tav>
+                                        <p:tav tm="100000">
+                                          <p:val>
+                                            <p:strVal val="#ppt_y"/>
+                                          </p:val>
+                                        </p:tav>
+                                      </p:tavLst>
+                                    </p:anim>
+                                  </p:childTnLst>
+                                </p:cTn>
+                              </p:par>
+                              <p:par>
+                                <p:cTn id="36" presetID="42" presetClass="entr" presetSubtype="0" fill="hold" grpId="0" nodeType="withEffect">
+                                  <p:stCondLst>
+                                    <p:cond delay="0"/>
+                                  </p:stCondLst>
+                                  <p:childTnLst>
+                                    <p:set>
+                                      <p:cBhvr>
+                                        <p:cTn id="37" dur="1" fill="hold">
+                                          <p:stCondLst>
+                                            <p:cond delay="0"/>
+                                          </p:stCondLst>
+                                        </p:cTn>
+                                        <p:tgtEl>
+                                          <p:spTgt spid="8"/>
+                                        </p:tgtEl>
+                                        <p:attrNameLst>
+                                          <p:attrName>style.visibility</p:attrName>
+                                        </p:attrNameLst>
+                                      </p:cBhvr>
+                                      <p:to>
+                                        <p:strVal val="visible"/>
+                                      </p:to>
+                                    </p:set>
+                                    <p:animEffect transition="in" filter="fade">
+                                      <p:cBhvr>
+                                        <p:cTn id="38" dur="1000"/>
+                                        <p:tgtEl>
+                                          <p:spTgt spid="8"/>
+                                        </p:tgtEl>
+                                      </p:cBhvr>
+                                    </p:animEffect>
+                                    <p:anim calcmode="lin" valueType="num">
+                                      <p:cBhvr>
+                                        <p:cTn id="39" dur="1000" fill="hold"/>
+                                        <p:tgtEl>
+                                          <p:spTgt spid="8"/>
+                                        </p:tgtEl>
+                                        <p:attrNameLst>
+                                          <p:attrName>ppt_x</p:attrName>
+                                        </p:attrNameLst>
+                                      </p:cBhvr>
+                                      <p:tavLst>
+                                        <p:tav tm="0">
+                                          <p:val>
+                                            <p:strVal val="#ppt_x"/>
+                                          </p:val>
+                                        </p:tav>
+                                        <p:tav tm="100000">
+                                          <p:val>
+                                            <p:strVal val="#ppt_x"/>
+                                          </p:val>
+                                        </p:tav>
+                                      </p:tavLst>
+                                    </p:anim>
+                                    <p:anim calcmode="lin" valueType="num">
+                                      <p:cBhvr>
+                                        <p:cTn id="40" dur="1000" fill="hold"/>
+                                        <p:tgtEl>
+                                          <p:spTgt spid="8"/>
+                                        </p:tgtEl>
+                                        <p:attrNameLst>
+                                          <p:attrName>ppt_y</p:attrName>
+                                        </p:attrNameLst>
+                                      </p:cBhvr>
+                                      <p:tavLst>
+                                        <p:tav tm="0">
+                                          <p:val>
+                                            <p:strVal val="#ppt_y+.1"/>
+                                          </p:val>
+                                        </p:tav>
+                                        <p:tav tm="100000">
+                                          <p:val>
+                                            <p:strVal val="#ppt_y"/>
+                                          </p:val>
+                                        </p:tav>
+                                      </p:tavLst>
+                                    </p:anim>
+                                  </p:childTnLst>
+                                </p:cTn>
+                              </p:par>
+                              <p:par>
+                                <p:cTn id="41" presetID="42" presetClass="entr" presetSubtype="0" fill="hold" nodeType="withEffect">
+                                  <p:stCondLst>
+                                    <p:cond delay="0"/>
+                                  </p:stCondLst>
+                                  <p:childTnLst>
+                                    <p:set>
+                                      <p:cBhvr>
+                                        <p:cTn id="42" dur="1" fill="hold">
+                                          <p:stCondLst>
+                                            <p:cond delay="0"/>
+                                          </p:stCondLst>
+                                        </p:cTn>
+                                        <p:tgtEl>
+                                          <p:spTgt spid="7"/>
+                                        </p:tgtEl>
+                                        <p:attrNameLst>
+                                          <p:attrName>style.visibility</p:attrName>
+                                        </p:attrNameLst>
+                                      </p:cBhvr>
+                                      <p:to>
+                                        <p:strVal val="visible"/>
+                                      </p:to>
+                                    </p:set>
+                                    <p:animEffect transition="in" filter="fade">
+                                      <p:cBhvr>
+                                        <p:cTn id="43" dur="1000"/>
+                                        <p:tgtEl>
+                                          <p:spTgt spid="7"/>
+                                        </p:tgtEl>
+                                      </p:cBhvr>
+                                    </p:animEffect>
+                                    <p:anim calcmode="lin" valueType="num">
+                                      <p:cBhvr>
+                                        <p:cTn id="44" dur="1000" fill="hold"/>
+                                        <p:tgtEl>
+                                          <p:spTgt spid="7"/>
+                                        </p:tgtEl>
+                                        <p:attrNameLst>
+                                          <p:attrName>ppt_x</p:attrName>
+                                        </p:attrNameLst>
+                                      </p:cBhvr>
+                                      <p:tavLst>
+                                        <p:tav tm="0">
+                                          <p:val>
+                                            <p:strVal val="#ppt_x"/>
+                                          </p:val>
+                                        </p:tav>
+                                        <p:tav tm="100000">
+                                          <p:val>
+                                            <p:strVal val="#ppt_x"/>
+                                          </p:val>
+                                        </p:tav>
+                                      </p:tavLst>
+                                    </p:anim>
+                                    <p:anim calcmode="lin" valueType="num">
+                                      <p:cBhvr>
+                                        <p:cTn id="45" dur="1000" fill="hold"/>
+                                        <p:tgtEl>
+                                          <p:spTgt spid="7"/>
+                                        </p:tgtEl>
+                                        <p:attrNameLst>
+                                          <p:attrName>ppt_y</p:attrName>
+                                        </p:attrNameLst>
+                                      </p:cBhvr>
+                                      <p:tavLst>
+                                        <p:tav tm="0">
+                                          <p:val>
+                                            <p:strVal val="#ppt_y+.1"/>
+                                          </p:val>
+                                        </p:tav>
+                                        <p:tav tm="100000">
+                                          <p:val>
+                                            <p:strVal val="#ppt_y"/>
+                                          </p:val>
+                                        </p:tav>
+                                      </p:tavLst>
+                                    </p:anim>
+                                  </p:childTnLst>
+                                </p:cTn>
+                              </p:par>
+                              <p:par>
+                                <p:cTn id="46" presetID="42" presetClass="entr" presetSubtype="0" fill="hold" grpId="0" nodeType="withEffect">
+                                  <p:stCondLst>
+                                    <p:cond delay="0"/>
+                                  </p:stCondLst>
+                                  <p:childTnLst>
+                                    <p:set>
+                                      <p:cBhvr>
+                                        <p:cTn id="47" dur="1" fill="hold">
+                                          <p:stCondLst>
+                                            <p:cond delay="0"/>
+                                          </p:stCondLst>
+                                        </p:cTn>
+                                        <p:tgtEl>
+                                          <p:spTgt spid="10"/>
+                                        </p:tgtEl>
+                                        <p:attrNameLst>
+                                          <p:attrName>style.visibility</p:attrName>
+                                        </p:attrNameLst>
+                                      </p:cBhvr>
+                                      <p:to>
+                                        <p:strVal val="visible"/>
+                                      </p:to>
+                                    </p:set>
+                                    <p:animEffect transition="in" filter="fade">
+                                      <p:cBhvr>
+                                        <p:cTn id="48" dur="1000"/>
+                                        <p:tgtEl>
+                                          <p:spTgt spid="10"/>
+                                        </p:tgtEl>
+                                      </p:cBhvr>
+                                    </p:animEffect>
+                                    <p:anim calcmode="lin" valueType="num">
+                                      <p:cBhvr>
+                                        <p:cTn id="49" dur="1000" fill="hold"/>
+                                        <p:tgtEl>
+                                          <p:spTgt spid="10"/>
+                                        </p:tgtEl>
+                                        <p:attrNameLst>
+                                          <p:attrName>ppt_x</p:attrName>
+                                        </p:attrNameLst>
+                                      </p:cBhvr>
+                                      <p:tavLst>
+                                        <p:tav tm="0">
+                                          <p:val>
+                                            <p:strVal val="#ppt_x"/>
+                                          </p:val>
+                                        </p:tav>
+                                        <p:tav tm="100000">
+                                          <p:val>
+                                            <p:strVal val="#ppt_x"/>
+                                          </p:val>
+                                        </p:tav>
+                                      </p:tavLst>
+                                    </p:anim>
+                                    <p:anim calcmode="lin" valueType="num">
+                                      <p:cBhvr>
+                                        <p:cTn id="50" dur="1000" fill="hold"/>
+                                        <p:tgtEl>
+                                          <p:spTgt spid="10"/>
+                                        </p:tgtEl>
+                                        <p:attrNameLst>
+                                          <p:attrName>ppt_y</p:attrName>
+                                        </p:attrNameLst>
+                                      </p:cBhvr>
+                                      <p:tavLst>
+                                        <p:tav tm="0">
+                                          <p:val>
+                                            <p:strVal val="#ppt_y+.1"/>
+                                          </p:val>
+                                        </p:tav>
+                                        <p:tav tm="100000">
+                                          <p:val>
+                                            <p:strVal val="#ppt_y"/>
+                                          </p:val>
+                                        </p:tav>
+                                      </p:tavLst>
+                                    </p:anim>
+                                  </p:childTnLst>
+                                </p:cTn>
+                              </p:par>
+                              <p:par>
+                                <p:cTn id="51" presetID="42" presetClass="entr" presetSubtype="0" fill="hold" nodeType="withEffect">
+                                  <p:stCondLst>
+                                    <p:cond delay="0"/>
+                                  </p:stCondLst>
+                                  <p:childTnLst>
+                                    <p:set>
+                                      <p:cBhvr>
+                                        <p:cTn id="52" dur="1" fill="hold">
+                                          <p:stCondLst>
+                                            <p:cond delay="0"/>
+                                          </p:stCondLst>
+                                        </p:cTn>
+                                        <p:tgtEl>
+                                          <p:spTgt spid="3">
+                                            <p:txEl>
+                                              <p:pRg st="6" end="6"/>
+                                            </p:txEl>
+                                          </p:spTgt>
+                                        </p:tgtEl>
+                                        <p:attrNameLst>
+                                          <p:attrName>style.visibility</p:attrName>
+                                        </p:attrNameLst>
+                                      </p:cBhvr>
+                                      <p:to>
+                                        <p:strVal val="visible"/>
+                                      </p:to>
+                                    </p:set>
+                                    <p:animEffect transition="in" filter="fade">
+                                      <p:cBhvr>
+                                        <p:cTn id="53" dur="1000"/>
+                                        <p:tgtEl>
+                                          <p:spTgt spid="3">
+                                            <p:txEl>
+                                              <p:pRg st="6" end="6"/>
+                                            </p:txEl>
+                                          </p:spTgt>
+                                        </p:tgtEl>
+                                      </p:cBhvr>
+                                    </p:animEffect>
+                                    <p:anim calcmode="lin" valueType="num">
+                                      <p:cBhvr>
+                                        <p:cTn id="54" dur="1000" fill="hold"/>
+                                        <p:tgtEl>
+                                          <p:spTgt spid="3">
+                                            <p:txEl>
+                                              <p:pRg st="6" end="6"/>
+                                            </p:txEl>
+                                          </p:spTgt>
+                                        </p:tgtEl>
+                                        <p:attrNameLst>
+                                          <p:attrName>ppt_x</p:attrName>
+                                        </p:attrNameLst>
+                                      </p:cBhvr>
+                                      <p:tavLst>
+                                        <p:tav tm="0">
+                                          <p:val>
+                                            <p:strVal val="#ppt_x"/>
+                                          </p:val>
+                                        </p:tav>
+                                        <p:tav tm="100000">
+                                          <p:val>
+                                            <p:strVal val="#ppt_x"/>
+                                          </p:val>
+                                        </p:tav>
+                                      </p:tavLst>
+                                    </p:anim>
+                                    <p:anim calcmode="lin" valueType="num">
+                                      <p:cBhvr>
+                                        <p:cTn id="55" dur="1000" fill="hold"/>
+                                        <p:tgtEl>
+                                          <p:spTgt spid="3">
+                                            <p:txEl>
+                                              <p:pRg st="6" end="6"/>
+                                            </p:txEl>
+                                          </p:spTgt>
+                                        </p:tgtEl>
+                                        <p:attrNameLst>
+                                          <p:attrName>ppt_y</p:attrName>
+                                        </p:attrNameLst>
+                                      </p:cBhvr>
+                                      <p:tavLst>
+                                        <p:tav tm="0">
+                                          <p:val>
+                                            <p:strVal val="#ppt_y+.1"/>
+                                          </p:val>
+                                        </p:tav>
+                                        <p:tav tm="100000">
+                                          <p:val>
+                                            <p:strVal val="#ppt_y"/>
+                                          </p:val>
+                                        </p:tav>
+                                      </p:tavLst>
+                                    </p:anim>
+                                  </p:childTnLst>
+                                </p:cTn>
+                              </p:par>
+                              <p:par>
+                                <p:cTn id="56" presetID="42" presetClass="entr" presetSubtype="0" fill="hold" nodeType="withEffect">
+                                  <p:stCondLst>
+                                    <p:cond delay="0"/>
+                                  </p:stCondLst>
+                                  <p:childTnLst>
+                                    <p:set>
+                                      <p:cBhvr>
+                                        <p:cTn id="57" dur="1" fill="hold">
+                                          <p:stCondLst>
+                                            <p:cond delay="0"/>
+                                          </p:stCondLst>
+                                        </p:cTn>
+                                        <p:tgtEl>
+                                          <p:spTgt spid="3">
+                                            <p:txEl>
+                                              <p:pRg st="7" end="7"/>
+                                            </p:txEl>
+                                          </p:spTgt>
+                                        </p:tgtEl>
+                                        <p:attrNameLst>
+                                          <p:attrName>style.visibility</p:attrName>
+                                        </p:attrNameLst>
+                                      </p:cBhvr>
+                                      <p:to>
+                                        <p:strVal val="visible"/>
+                                      </p:to>
+                                    </p:set>
+                                    <p:animEffect transition="in" filter="fade">
+                                      <p:cBhvr>
+                                        <p:cTn id="58" dur="1000"/>
+                                        <p:tgtEl>
+                                          <p:spTgt spid="3">
+                                            <p:txEl>
+                                              <p:pRg st="7" end="7"/>
+                                            </p:txEl>
+                                          </p:spTgt>
+                                        </p:tgtEl>
+                                      </p:cBhvr>
+                                    </p:animEffect>
+                                    <p:anim calcmode="lin" valueType="num">
+                                      <p:cBhvr>
+                                        <p:cTn id="59" dur="1000" fill="hold"/>
+                                        <p:tgtEl>
+                                          <p:spTgt spid="3">
+                                            <p:txEl>
+                                              <p:pRg st="7" end="7"/>
+                                            </p:txEl>
+                                          </p:spTgt>
+                                        </p:tgtEl>
+                                        <p:attrNameLst>
+                                          <p:attrName>ppt_x</p:attrName>
+                                        </p:attrNameLst>
+                                      </p:cBhvr>
+                                      <p:tavLst>
+                                        <p:tav tm="0">
+                                          <p:val>
+                                            <p:strVal val="#ppt_x"/>
+                                          </p:val>
+                                        </p:tav>
+                                        <p:tav tm="100000">
+                                          <p:val>
+                                            <p:strVal val="#ppt_x"/>
+                                          </p:val>
+                                        </p:tav>
+                                      </p:tavLst>
+                                    </p:anim>
+                                    <p:anim calcmode="lin" valueType="num">
+                                      <p:cBhvr>
+                                        <p:cTn id="60" dur="1000" fill="hold"/>
+                                        <p:tgtEl>
+                                          <p:spTgt spid="3">
+                                            <p:txEl>
+                                              <p:pRg st="7" end="7"/>
+                                            </p:txEl>
+                                          </p:spTgt>
+                                        </p:tgtEl>
+                                        <p:attrNameLst>
+                                          <p:attrName>ppt_y</p:attrName>
+                                        </p:attrNameLst>
+                                      </p:cBhvr>
+                                      <p:tavLst>
+                                        <p:tav tm="0">
+                                          <p:val>
+                                            <p:strVal val="#ppt_y+.1"/>
+                                          </p:val>
+                                        </p:tav>
+                                        <p:tav tm="100000">
+                                          <p:val>
+                                            <p:strVal val="#ppt_y"/>
+                                          </p:val>
+                                        </p:tav>
+                                      </p:tavLst>
+                                    </p:anim>
+                                  </p:childTnLst>
+                                </p:cTn>
+                              </p:par>
+                            </p:childTnLst>
+                          </p:cTn>
+                        </p:par>
+                      </p:childTnLst>
+                    </p:cTn>
+                  </p:par>
+                </p:childTnLst>
+              </p:cTn>
+              <p:prevCondLst>
+                <p:cond evt="onPrev" delay="0">
+                  <p:tgtEl>
+                    <p:sldTgt/>
+                  </p:tgtEl>
+                </p:cond>
+              </p:prevCondLst>
+              <p:nextCondLst>
+                <p:cond evt="onNext" delay="0">
+                  <p:tgtEl>
+                    <p:sldTgt/>
+                  </p:tgtEl>
+                </p:cond>
+              </p:nextCondLst>
+            </p:seq>
+          </p:childTnLst>
+        </p:cTn>
+      </p:par>
+    </p:tnLst>
+    <p:bldLst>
+      <p:bldP spid="8" grpId="0" animBg="1"/>
+      <p:bldP spid="9" grpId="0"/>
+      <p:bldP spid="10" grpId="0"/>
+    </p:bldLst>
+  </p:timing>
+</p:sld>
+</file>
+
+<file path=ppt/slides/slide4.xml><?xml version="1.0" encoding="utf-8"?>
+<p:sld xmlns:a="http://schemas.openxmlformats.org/drawingml/2006/main" xmlns:r="http://schemas.openxmlformats.org/officeDocument/2006/relationships" xmlns:p="http://schemas.openxmlformats.org/presentationml/2006/main">
+  <p:cSld>
+    <p:spTree>
+      <p:nvGrpSpPr>
+        <p:cNvPr id="1" name=""/>
+        <p:cNvGrpSpPr/>
+        <p:nvPr/>
+      </p:nvGrpSpPr>
+      <p:grpSpPr>
+        <a:xfrm>
+          <a:off x="0" y="0"/>
+          <a:ext cx="0" cy="0"/>
+          <a:chOff x="0" y="0"/>
+          <a:chExt cx="0" cy="0"/>
+        </a:xfrm>
+      </p:grpSpPr>
+      <p:sp>
+        <p:nvSpPr>
+          <p:cNvPr id="2" name="タイトル 1"/>
+          <p:cNvSpPr>
+            <a:spLocks noGrp="1"/>
+          </p:cNvSpPr>
+          <p:nvPr>
+            <p:ph type="title"/>
+          </p:nvPr>
+        </p:nvSpPr>
+        <p:spPr/>
+        <p:txBody>
+          <a:bodyPr>
+            <a:noAutofit/>
+          </a:bodyPr>
+          <a:lstStyle/>
+          <a:p>
+            <a:pPr algn="ctr">
+              <a:lnSpc>
+                <a:spcPct val="200000"/>
+              </a:lnSpc>
+            </a:pPr>
+            <a:r>
+              <a:rPr lang="ja-JP" altLang="en-US" sz="3600" b="1" dirty="0" smtClean="0"/>
+              <a:t>ストーリー的な？</a:t>
+            </a:r>
+            <a:endParaRPr kumimoji="1" lang="ja-JP" altLang="en-US" sz="3600" b="1" dirty="0"/>
+          </a:p>
+        </p:txBody>
+      </p:sp>
+      <p:sp>
+        <p:nvSpPr>
+          <p:cNvPr id="3" name="コンテンツ プレースホルダー 2"/>
+          <p:cNvSpPr>
+            <a:spLocks noGrp="1"/>
+          </p:cNvSpPr>
+          <p:nvPr>
+            <p:ph idx="1"/>
+          </p:nvPr>
+        </p:nvSpPr>
+        <p:spPr/>
+        <p:txBody>
+          <a:bodyPr>
+            <a:normAutofit/>
+          </a:bodyPr>
+          <a:lstStyle/>
+          <a:p>
+            <a:pPr marL="0" indent="0" algn="ctr">
+              <a:buNone/>
+            </a:pPr>
+            <a:r>
+              <a:rPr kumimoji="1" lang="ja-JP" altLang="en-US" sz="2300" b="1" dirty="0" smtClean="0">
+                <a:ln w="0"/>
+                <a:solidFill>
+                  <a:schemeClr val="tx1"/>
+                </a:solidFill>
+                <a:latin typeface="游ゴシック" panose="020B0400000000000000" pitchFamily="50" charset="-128"/>
+                <a:ea typeface="游ゴシック" panose="020B0400000000000000" pitchFamily="50" charset="-128"/>
+              </a:rPr>
+              <a:t>神経衰弱がすべての世界</a:t>
+            </a:r>
+            <a:endParaRPr kumimoji="1" lang="en-US" altLang="ja-JP" sz="2300" b="1" dirty="0" smtClean="0">
+              <a:ln w="0"/>
+              <a:solidFill>
+                <a:schemeClr val="tx1"/>
+              </a:solidFill>
+              <a:latin typeface="游ゴシック" panose="020B0400000000000000" pitchFamily="50" charset="-128"/>
+              <a:ea typeface="游ゴシック" panose="020B0400000000000000" pitchFamily="50" charset="-128"/>
+            </a:endParaRPr>
+          </a:p>
+          <a:p>
+            <a:pPr marL="0" indent="0" algn="ctr">
+              <a:buNone/>
+            </a:pPr>
+            <a:r>
+              <a:rPr kumimoji="1" lang="ja-JP" altLang="en-US" sz="2300" b="1" dirty="0" smtClean="0">
+                <a:ln w="0"/>
+                <a:solidFill>
+                  <a:schemeClr val="tx1"/>
+                </a:solidFill>
+                <a:latin typeface="游ゴシック" panose="020B0400000000000000" pitchFamily="50" charset="-128"/>
+                <a:ea typeface="游ゴシック" panose="020B0400000000000000" pitchFamily="50" charset="-128"/>
+              </a:rPr>
+              <a:t>山で暴れてるボスを倒すために一人の子が立ち向かう</a:t>
+            </a:r>
+            <a:endParaRPr kumimoji="1" lang="en-US" altLang="ja-JP" sz="2300" b="1" dirty="0" smtClean="0">
+              <a:ln w="0"/>
+              <a:solidFill>
+                <a:schemeClr val="tx1"/>
+              </a:solidFill>
+              <a:latin typeface="游ゴシック" panose="020B0400000000000000" pitchFamily="50" charset="-128"/>
+              <a:ea typeface="游ゴシック" panose="020B0400000000000000" pitchFamily="50" charset="-128"/>
+            </a:endParaRPr>
+          </a:p>
+          <a:p>
+            <a:pPr marL="0" indent="0" algn="ctr">
+              <a:buNone/>
+            </a:pPr>
+            <a:r>
+              <a:rPr lang="ja-JP" altLang="en-US" sz="2300" b="1" dirty="0" smtClean="0">
+                <a:ln w="0"/>
+                <a:solidFill>
+                  <a:schemeClr val="tx1"/>
+                </a:solidFill>
+                <a:latin typeface="游ゴシック" panose="020B0400000000000000" pitchFamily="50" charset="-128"/>
+                <a:ea typeface="游ゴシック" panose="020B0400000000000000" pitchFamily="50" charset="-128"/>
+              </a:rPr>
+              <a:t>強くなるために村で鍛えてもらう</a:t>
+            </a:r>
+            <a:endParaRPr kumimoji="1" lang="ja-JP" altLang="en-US" sz="2300" b="1" dirty="0">
+              <a:ln w="0"/>
+              <a:solidFill>
+                <a:schemeClr val="tx1"/>
+              </a:solidFill>
+              <a:latin typeface="游ゴシック" panose="020B0400000000000000" pitchFamily="50" charset="-128"/>
+              <a:ea typeface="游ゴシック" panose="020B0400000000000000" pitchFamily="50" charset="-128"/>
+            </a:endParaRPr>
+          </a:p>
+        </p:txBody>
+      </p:sp>
+    </p:spTree>
+    <p:extLst>
+      <p:ext uri="{BB962C8B-B14F-4D97-AF65-F5344CB8AC3E}">
+        <p14:creationId xmlns:p14="http://schemas.microsoft.com/office/powerpoint/2010/main" val="1226110444"/>
+      </p:ext>
+    </p:extLst>
+  </p:cSld>
+  <p:clrMapOvr>
+    <a:masterClrMapping/>
+  </p:clrMapOvr>
+  <mc:AlternateContent xmlns:mc="http://schemas.openxmlformats.org/markup-compatibility/2006" xmlns:p14="http://schemas.microsoft.com/office/powerpoint/2010/main">
+    <mc:Choice Requires="p14">
+      <p:transition spd="slow" p14:dur="1250">
+        <p14:flip dir="r"/>
+      </p:transition>
+    </mc:Choice>
+    <mc:Fallback xmlns="">
       <p:transition spd="slow">
         <p:fade/>
       </p:transition>
@@ -8185,7 +9378,7 @@
 </p:sld>
 </file>
 
-<file path=ppt/slides/slide4.xml><?xml version="1.0" encoding="utf-8"?>
+<file path=ppt/slides/slide5.xml><?xml version="1.0" encoding="utf-8"?>
 <p:sld xmlns:a="http://schemas.openxmlformats.org/drawingml/2006/main" xmlns:r="http://schemas.openxmlformats.org/officeDocument/2006/relationships" xmlns:p="http://schemas.openxmlformats.org/presentationml/2006/main">
   <p:cSld>
     <p:spTree>
@@ -8308,13 +9501,13 @@
   <p:clrMapOvr>
     <a:masterClrMapping/>
   </p:clrMapOvr>
-  <mc:AlternateContent xmlns:mc="http://schemas.openxmlformats.org/markup-compatibility/2006">
-    <mc:Choice xmlns:p14="http://schemas.microsoft.com/office/powerpoint/2010/main" Requires="p14">
+  <mc:AlternateContent xmlns:mc="http://schemas.openxmlformats.org/markup-compatibility/2006" xmlns:p14="http://schemas.microsoft.com/office/powerpoint/2010/main">
+    <mc:Choice Requires="p14">
       <p:transition spd="slow" p14:dur="1250">
         <p14:flip dir="r"/>
       </p:transition>
     </mc:Choice>
-    <mc:Fallback>
+    <mc:Fallback xmlns="">
       <p:transition spd="slow">
         <p:fade/>
       </p:transition>
@@ -8323,14 +9516,251 @@
   <p:timing>
     <p:tnLst>
       <p:par>
-        <p:cTn id="1" dur="indefinite" restart="never" nodeType="tmRoot"/>
+        <p:cTn id="1" dur="indefinite" restart="never" nodeType="tmRoot">
+          <p:childTnLst>
+            <p:seq concurrent="1" nextAc="seek">
+              <p:cTn id="2" dur="indefinite" nodeType="mainSeq">
+                <p:childTnLst>
+                  <p:par>
+                    <p:cTn id="3" fill="hold">
+                      <p:stCondLst>
+                        <p:cond delay="indefinite"/>
+                      </p:stCondLst>
+                      <p:childTnLst>
+                        <p:par>
+                          <p:cTn id="4" fill="hold">
+                            <p:stCondLst>
+                              <p:cond delay="0"/>
+                            </p:stCondLst>
+                            <p:childTnLst>
+                              <p:par>
+                                <p:cTn id="5" presetID="42" presetClass="entr" presetSubtype="0" fill="hold" nodeType="clickEffect">
+                                  <p:stCondLst>
+                                    <p:cond delay="0"/>
+                                  </p:stCondLst>
+                                  <p:childTnLst>
+                                    <p:set>
+                                      <p:cBhvr>
+                                        <p:cTn id="6" dur="1" fill="hold">
+                                          <p:stCondLst>
+                                            <p:cond delay="0"/>
+                                          </p:stCondLst>
+                                        </p:cTn>
+                                        <p:tgtEl>
+                                          <p:spTgt spid="3">
+                                            <p:txEl>
+                                              <p:pRg st="0" end="0"/>
+                                            </p:txEl>
+                                          </p:spTgt>
+                                        </p:tgtEl>
+                                        <p:attrNameLst>
+                                          <p:attrName>style.visibility</p:attrName>
+                                        </p:attrNameLst>
+                                      </p:cBhvr>
+                                      <p:to>
+                                        <p:strVal val="visible"/>
+                                      </p:to>
+                                    </p:set>
+                                    <p:animEffect transition="in" filter="fade">
+                                      <p:cBhvr>
+                                        <p:cTn id="7" dur="1000"/>
+                                        <p:tgtEl>
+                                          <p:spTgt spid="3">
+                                            <p:txEl>
+                                              <p:pRg st="0" end="0"/>
+                                            </p:txEl>
+                                          </p:spTgt>
+                                        </p:tgtEl>
+                                      </p:cBhvr>
+                                    </p:animEffect>
+                                    <p:anim calcmode="lin" valueType="num">
+                                      <p:cBhvr>
+                                        <p:cTn id="8" dur="1000" fill="hold"/>
+                                        <p:tgtEl>
+                                          <p:spTgt spid="3">
+                                            <p:txEl>
+                                              <p:pRg st="0" end="0"/>
+                                            </p:txEl>
+                                          </p:spTgt>
+                                        </p:tgtEl>
+                                        <p:attrNameLst>
+                                          <p:attrName>ppt_x</p:attrName>
+                                        </p:attrNameLst>
+                                      </p:cBhvr>
+                                      <p:tavLst>
+                                        <p:tav tm="0">
+                                          <p:val>
+                                            <p:strVal val="#ppt_x"/>
+                                          </p:val>
+                                        </p:tav>
+                                        <p:tav tm="100000">
+                                          <p:val>
+                                            <p:strVal val="#ppt_x"/>
+                                          </p:val>
+                                        </p:tav>
+                                      </p:tavLst>
+                                    </p:anim>
+                                    <p:anim calcmode="lin" valueType="num">
+                                      <p:cBhvr>
+                                        <p:cTn id="9" dur="1000" fill="hold"/>
+                                        <p:tgtEl>
+                                          <p:spTgt spid="3">
+                                            <p:txEl>
+                                              <p:pRg st="0" end="0"/>
+                                            </p:txEl>
+                                          </p:spTgt>
+                                        </p:tgtEl>
+                                        <p:attrNameLst>
+                                          <p:attrName>ppt_y</p:attrName>
+                                        </p:attrNameLst>
+                                      </p:cBhvr>
+                                      <p:tavLst>
+                                        <p:tav tm="0">
+                                          <p:val>
+                                            <p:strVal val="#ppt_y+.1"/>
+                                          </p:val>
+                                        </p:tav>
+                                        <p:tav tm="100000">
+                                          <p:val>
+                                            <p:strVal val="#ppt_y"/>
+                                          </p:val>
+                                        </p:tav>
+                                      </p:tavLst>
+                                    </p:anim>
+                                  </p:childTnLst>
+                                </p:cTn>
+                              </p:par>
+                            </p:childTnLst>
+                          </p:cTn>
+                        </p:par>
+                      </p:childTnLst>
+                    </p:cTn>
+                  </p:par>
+                  <p:par>
+                    <p:cTn id="10" fill="hold">
+                      <p:stCondLst>
+                        <p:cond delay="indefinite"/>
+                      </p:stCondLst>
+                      <p:childTnLst>
+                        <p:par>
+                          <p:cTn id="11" fill="hold">
+                            <p:stCondLst>
+                              <p:cond delay="0"/>
+                            </p:stCondLst>
+                            <p:childTnLst>
+                              <p:par>
+                                <p:cTn id="12" presetID="42" presetClass="entr" presetSubtype="0" fill="hold" nodeType="clickEffect">
+                                  <p:stCondLst>
+                                    <p:cond delay="0"/>
+                                  </p:stCondLst>
+                                  <p:childTnLst>
+                                    <p:set>
+                                      <p:cBhvr>
+                                        <p:cTn id="13" dur="1" fill="hold">
+                                          <p:stCondLst>
+                                            <p:cond delay="0"/>
+                                          </p:stCondLst>
+                                        </p:cTn>
+                                        <p:tgtEl>
+                                          <p:spTgt spid="4"/>
+                                        </p:tgtEl>
+                                        <p:attrNameLst>
+                                          <p:attrName>style.visibility</p:attrName>
+                                        </p:attrNameLst>
+                                      </p:cBhvr>
+                                      <p:to>
+                                        <p:strVal val="visible"/>
+                                      </p:to>
+                                    </p:set>
+                                    <p:animEffect transition="in" filter="fade">
+                                      <p:cBhvr>
+                                        <p:cTn id="14" dur="1000"/>
+                                        <p:tgtEl>
+                                          <p:spTgt spid="4"/>
+                                        </p:tgtEl>
+                                      </p:cBhvr>
+                                    </p:animEffect>
+                                    <p:anim calcmode="lin" valueType="num">
+                                      <p:cBhvr>
+                                        <p:cTn id="15" dur="1000" fill="hold"/>
+                                        <p:tgtEl>
+                                          <p:spTgt spid="4"/>
+                                        </p:tgtEl>
+                                        <p:attrNameLst>
+                                          <p:attrName>ppt_x</p:attrName>
+                                        </p:attrNameLst>
+                                      </p:cBhvr>
+                                      <p:tavLst>
+                                        <p:tav tm="0">
+                                          <p:val>
+                                            <p:strVal val="#ppt_x"/>
+                                          </p:val>
+                                        </p:tav>
+                                        <p:tav tm="100000">
+                                          <p:val>
+                                            <p:strVal val="#ppt_x"/>
+                                          </p:val>
+                                        </p:tav>
+                                      </p:tavLst>
+                                    </p:anim>
+                                    <p:anim calcmode="lin" valueType="num">
+                                      <p:cBhvr>
+                                        <p:cTn id="16" dur="1000" fill="hold"/>
+                                        <p:tgtEl>
+                                          <p:spTgt spid="4"/>
+                                        </p:tgtEl>
+                                        <p:attrNameLst>
+                                          <p:attrName>ppt_y</p:attrName>
+                                        </p:attrNameLst>
+                                      </p:cBhvr>
+                                      <p:tavLst>
+                                        <p:tav tm="0">
+                                          <p:val>
+                                            <p:strVal val="#ppt_y+.1"/>
+                                          </p:val>
+                                        </p:tav>
+                                        <p:tav tm="100000">
+                                          <p:val>
+                                            <p:strVal val="#ppt_y"/>
+                                          </p:val>
+                                        </p:tav>
+                                      </p:tavLst>
+                                    </p:anim>
+                                  </p:childTnLst>
+                                </p:cTn>
+                              </p:par>
+                            </p:childTnLst>
+                          </p:cTn>
+                        </p:par>
+                      </p:childTnLst>
+                    </p:cTn>
+                  </p:par>
+                </p:childTnLst>
+              </p:cTn>
+              <p:prevCondLst>
+                <p:cond evt="onPrev" delay="0">
+                  <p:tgtEl>
+                    <p:sldTgt/>
+                  </p:tgtEl>
+                </p:cond>
+              </p:prevCondLst>
+              <p:nextCondLst>
+                <p:cond evt="onNext" delay="0">
+                  <p:tgtEl>
+                    <p:sldTgt/>
+                  </p:tgtEl>
+                </p:cond>
+              </p:nextCondLst>
+            </p:seq>
+          </p:childTnLst>
+        </p:cTn>
       </p:par>
     </p:tnLst>
   </p:timing>
 </p:sld>
 </file>
 
-<file path=ppt/slides/slide5.xml><?xml version="1.0" encoding="utf-8"?>
+<file path=ppt/slides/slide6.xml><?xml version="1.0" encoding="utf-8"?>
 <p:sld xmlns:a="http://schemas.openxmlformats.org/drawingml/2006/main" xmlns:r="http://schemas.openxmlformats.org/officeDocument/2006/relationships" xmlns:p="http://schemas.openxmlformats.org/presentationml/2006/main">
   <p:cSld>
     <p:spTree>
@@ -8395,13 +9825,13 @@
   <p:clrMapOvr>
     <a:masterClrMapping/>
   </p:clrMapOvr>
-  <mc:AlternateContent xmlns:mc="http://schemas.openxmlformats.org/markup-compatibility/2006">
-    <mc:Choice xmlns:p14="http://schemas.microsoft.com/office/powerpoint/2010/main" Requires="p14">
+  <mc:AlternateContent xmlns:mc="http://schemas.openxmlformats.org/markup-compatibility/2006" xmlns:p14="http://schemas.microsoft.com/office/powerpoint/2010/main">
+    <mc:Choice Requires="p14">
       <p:transition spd="slow" p14:dur="1250">
         <p14:flip dir="r"/>
       </p:transition>
     </mc:Choice>
-    <mc:Fallback>
+    <mc:Fallback xmlns="">
       <p:transition spd="slow">
         <p:fade/>
       </p:transition>
